--- a/Documentation/PPC_Report.pptx
+++ b/Documentation/PPC_Report.pptx
@@ -5,7 +5,7 @@
     <p:sldMasterId id="2147483659" r:id="rId1"/>
   </p:sldMasterIdLst>
   <p:notesMasterIdLst>
-    <p:notesMasterId r:id="rId20"/>
+    <p:notesMasterId r:id="rId21"/>
   </p:notesMasterIdLst>
   <p:sldIdLst>
     <p:sldId id="262" r:id="rId2"/>
@@ -24,15 +24,16 @@
     <p:sldId id="271" r:id="rId15"/>
     <p:sldId id="272" r:id="rId16"/>
     <p:sldId id="275" r:id="rId17"/>
-    <p:sldId id="273" r:id="rId18"/>
+    <p:sldId id="276" r:id="rId18"/>
     <p:sldId id="274" r:id="rId19"/>
+    <p:sldId id="273" r:id="rId20"/>
   </p:sldIdLst>
   <p:sldSz cx="9144000" cy="5143500" type="screen16x9"/>
   <p:notesSz cx="6858000" cy="9144000"/>
   <p:embeddedFontLst>
     <p:embeddedFont>
       <p:font typeface="Cambria Math" panose="02040503050406030204" pitchFamily="18" charset="0"/>
-      <p:regular r:id="rId21"/>
+      <p:regular r:id="rId22"/>
     </p:embeddedFont>
   </p:embeddedFontLst>
   <p:defaultTextStyle>
@@ -300,7 +301,7 @@
   <pc:docChgLst>
     <pc:chgData name="Caio Rodrigues" userId="9ce2624af9b64a3c" providerId="LiveId" clId="{16E2BC24-AF38-4833-9D41-9220B2331143}"/>
     <pc:docChg chg="undo custSel addSld delSld modSld sldOrd">
-      <pc:chgData name="Caio Rodrigues" userId="9ce2624af9b64a3c" providerId="LiveId" clId="{16E2BC24-AF38-4833-9D41-9220B2331143}" dt="2024-07-29T22:26:29.107" v="5442" actId="20577"/>
+      <pc:chgData name="Caio Rodrigues" userId="9ce2624af9b64a3c" providerId="LiveId" clId="{16E2BC24-AF38-4833-9D41-9220B2331143}" dt="2024-07-31T03:02:43.032" v="7378" actId="14100"/>
       <pc:docMkLst>
         <pc:docMk/>
       </pc:docMkLst>
@@ -2151,7 +2152,7 @@
         </pc:picChg>
       </pc:sldChg>
       <pc:sldChg chg="addSp delSp modSp add mod ord">
-        <pc:chgData name="Caio Rodrigues" userId="9ce2624af9b64a3c" providerId="LiveId" clId="{16E2BC24-AF38-4833-9D41-9220B2331143}" dt="2024-07-29T22:09:32.865" v="5388"/>
+        <pc:chgData name="Caio Rodrigues" userId="9ce2624af9b64a3c" providerId="LiveId" clId="{16E2BC24-AF38-4833-9D41-9220B2331143}" dt="2024-07-31T02:48:46.495" v="6165" actId="1076"/>
         <pc:sldMkLst>
           <pc:docMk/>
           <pc:sldMk cId="3973229900" sldId="274"/>
@@ -2172,8 +2173,16 @@
             <ac:spMk id="3" creationId="{D6FC6482-3DC2-2870-D790-D53927C44178}"/>
           </ac:spMkLst>
         </pc:spChg>
+        <pc:spChg chg="mod">
+          <ac:chgData name="Caio Rodrigues" userId="9ce2624af9b64a3c" providerId="LiveId" clId="{16E2BC24-AF38-4833-9D41-9220B2331143}" dt="2024-07-31T02:18:26.755" v="5666" actId="34135"/>
+          <ac:spMkLst>
+            <pc:docMk/>
+            <pc:sldMk cId="3973229900" sldId="274"/>
+            <ac:spMk id="4" creationId="{DD6D8166-12CE-09CD-18CF-427B82E9A196}"/>
+          </ac:spMkLst>
+        </pc:spChg>
         <pc:spChg chg="add mod">
-          <ac:chgData name="Caio Rodrigues" userId="9ce2624af9b64a3c" providerId="LiveId" clId="{16E2BC24-AF38-4833-9D41-9220B2331143}" dt="2024-07-29T22:09:21.968" v="5385" actId="20577"/>
+          <ac:chgData name="Caio Rodrigues" userId="9ce2624af9b64a3c" providerId="LiveId" clId="{16E2BC24-AF38-4833-9D41-9220B2331143}" dt="2024-07-31T01:50:15.328" v="5608" actId="20577"/>
           <ac:spMkLst>
             <pc:docMk/>
             <pc:sldMk cId="3973229900" sldId="274"/>
@@ -2196,6 +2205,14 @@
             <ac:spMk id="11" creationId="{5097425B-F07C-BEF9-9436-BDE5F00B62EE}"/>
           </ac:spMkLst>
         </pc:spChg>
+        <pc:spChg chg="add del mod">
+          <ac:chgData name="Caio Rodrigues" userId="9ce2624af9b64a3c" providerId="LiveId" clId="{16E2BC24-AF38-4833-9D41-9220B2331143}" dt="2024-07-31T01:41:28.864" v="5456" actId="478"/>
+          <ac:spMkLst>
+            <pc:docMk/>
+            <pc:sldMk cId="3973229900" sldId="274"/>
+            <ac:spMk id="14" creationId="{E172F0A5-A0AF-370F-63A9-5FD4D758855E}"/>
+          </ac:spMkLst>
+        </pc:spChg>
         <pc:spChg chg="del">
           <ac:chgData name="Caio Rodrigues" userId="9ce2624af9b64a3c" providerId="LiveId" clId="{16E2BC24-AF38-4833-9D41-9220B2331143}" dt="2024-07-29T21:18:05.818" v="5360" actId="478"/>
           <ac:spMkLst>
@@ -2212,12 +2229,36 @@
             <ac:spMk id="18" creationId="{8255ACC2-7B5A-51D2-087C-2569D45189E1}"/>
           </ac:spMkLst>
         </pc:spChg>
+        <pc:spChg chg="add mod">
+          <ac:chgData name="Caio Rodrigues" userId="9ce2624af9b64a3c" providerId="LiveId" clId="{16E2BC24-AF38-4833-9D41-9220B2331143}" dt="2024-07-31T02:19:12.058" v="5677" actId="1076"/>
+          <ac:spMkLst>
+            <pc:docMk/>
+            <pc:sldMk cId="3973229900" sldId="274"/>
+            <ac:spMk id="20" creationId="{D3838272-F2CF-AD07-879A-A24BB35C4ABD}"/>
+          </ac:spMkLst>
+        </pc:spChg>
         <pc:spChg chg="del">
           <ac:chgData name="Caio Rodrigues" userId="9ce2624af9b64a3c" providerId="LiveId" clId="{16E2BC24-AF38-4833-9D41-9220B2331143}" dt="2024-07-29T21:18:04.484" v="5359" actId="478"/>
           <ac:spMkLst>
             <pc:docMk/>
             <pc:sldMk cId="3973229900" sldId="274"/>
             <ac:spMk id="21" creationId="{38E8A5D6-3203-BC04-CEB8-EAFB2B6C148E}"/>
+          </ac:spMkLst>
+        </pc:spChg>
+        <pc:spChg chg="add mod">
+          <ac:chgData name="Caio Rodrigues" userId="9ce2624af9b64a3c" providerId="LiveId" clId="{16E2BC24-AF38-4833-9D41-9220B2331143}" dt="2024-07-31T02:19:08.566" v="5676" actId="1076"/>
+          <ac:spMkLst>
+            <pc:docMk/>
+            <pc:sldMk cId="3973229900" sldId="274"/>
+            <ac:spMk id="21" creationId="{5B3F7794-8713-5E85-B9C5-294AF4C2B2E8}"/>
+          </ac:spMkLst>
+        </pc:spChg>
+        <pc:spChg chg="add mod">
+          <ac:chgData name="Caio Rodrigues" userId="9ce2624af9b64a3c" providerId="LiveId" clId="{16E2BC24-AF38-4833-9D41-9220B2331143}" dt="2024-07-31T02:19:04.021" v="5675" actId="1076"/>
+          <ac:spMkLst>
+            <pc:docMk/>
+            <pc:sldMk cId="3973229900" sldId="274"/>
+            <ac:spMk id="22" creationId="{478BC7A5-C96B-D0E8-8EF3-E5443AF384E8}"/>
           </ac:spMkLst>
         </pc:spChg>
         <pc:spChg chg="del">
@@ -2236,6 +2277,14 @@
             <ac:spMk id="23" creationId="{0A5968EB-8021-8BCE-AC56-5824B5E6CAA4}"/>
           </ac:spMkLst>
         </pc:spChg>
+        <pc:spChg chg="add mod">
+          <ac:chgData name="Caio Rodrigues" userId="9ce2624af9b64a3c" providerId="LiveId" clId="{16E2BC24-AF38-4833-9D41-9220B2331143}" dt="2024-07-31T02:19:00.883" v="5674" actId="1076"/>
+          <ac:spMkLst>
+            <pc:docMk/>
+            <pc:sldMk cId="3973229900" sldId="274"/>
+            <ac:spMk id="23" creationId="{C92217DF-B227-163D-6036-DCA201A8B73D}"/>
+          </ac:spMkLst>
+        </pc:spChg>
         <pc:spChg chg="del">
           <ac:chgData name="Caio Rodrigues" userId="9ce2624af9b64a3c" providerId="LiveId" clId="{16E2BC24-AF38-4833-9D41-9220B2331143}" dt="2024-07-29T21:18:07.502" v="5362" actId="478"/>
           <ac:spMkLst>
@@ -2244,8 +2293,88 @@
             <ac:spMk id="25" creationId="{574202A9-7CD3-6252-8361-12135D51EBF4}"/>
           </ac:spMkLst>
         </pc:spChg>
+        <pc:spChg chg="add mod">
+          <ac:chgData name="Caio Rodrigues" userId="9ce2624af9b64a3c" providerId="LiveId" clId="{16E2BC24-AF38-4833-9D41-9220B2331143}" dt="2024-07-31T02:19:45.406" v="5684" actId="1076"/>
+          <ac:spMkLst>
+            <pc:docMk/>
+            <pc:sldMk cId="3973229900" sldId="274"/>
+            <ac:spMk id="26" creationId="{737D2887-45E7-8CC8-F997-77E4B765B168}"/>
+          </ac:spMkLst>
+        </pc:spChg>
+        <pc:spChg chg="add mod">
+          <ac:chgData name="Caio Rodrigues" userId="9ce2624af9b64a3c" providerId="LiveId" clId="{16E2BC24-AF38-4833-9D41-9220B2331143}" dt="2024-07-31T02:19:45.406" v="5684" actId="1076"/>
+          <ac:spMkLst>
+            <pc:docMk/>
+            <pc:sldMk cId="3973229900" sldId="274"/>
+            <ac:spMk id="27" creationId="{779CA047-AFDF-4914-E592-92D3F20E10E7}"/>
+          </ac:spMkLst>
+        </pc:spChg>
+        <pc:spChg chg="add del mod">
+          <ac:chgData name="Caio Rodrigues" userId="9ce2624af9b64a3c" providerId="LiveId" clId="{16E2BC24-AF38-4833-9D41-9220B2331143}" dt="2024-07-31T02:20:48.535" v="5695"/>
+          <ac:spMkLst>
+            <pc:docMk/>
+            <pc:sldMk cId="3973229900" sldId="274"/>
+            <ac:spMk id="31" creationId="{D427DA16-565B-8722-F07E-9D7ABED12522}"/>
+          </ac:spMkLst>
+        </pc:spChg>
+        <pc:spChg chg="add mod">
+          <ac:chgData name="Caio Rodrigues" userId="9ce2624af9b64a3c" providerId="LiveId" clId="{16E2BC24-AF38-4833-9D41-9220B2331143}" dt="2024-07-31T02:31:51.410" v="5770" actId="1076"/>
+          <ac:spMkLst>
+            <pc:docMk/>
+            <pc:sldMk cId="3973229900" sldId="274"/>
+            <ac:spMk id="32" creationId="{F122BCFB-B8F1-B35C-DDDC-88841B19BEA1}"/>
+          </ac:spMkLst>
+        </pc:spChg>
+        <pc:spChg chg="add mod">
+          <ac:chgData name="Caio Rodrigues" userId="9ce2624af9b64a3c" providerId="LiveId" clId="{16E2BC24-AF38-4833-9D41-9220B2331143}" dt="2024-07-31T02:31:58.437" v="5771" actId="1076"/>
+          <ac:spMkLst>
+            <pc:docMk/>
+            <pc:sldMk cId="3973229900" sldId="274"/>
+            <ac:spMk id="33" creationId="{7C0A4B99-5181-B2B0-7BC1-6EE3C60137AB}"/>
+          </ac:spMkLst>
+        </pc:spChg>
+        <pc:spChg chg="add del mod">
+          <ac:chgData name="Caio Rodrigues" userId="9ce2624af9b64a3c" providerId="LiveId" clId="{16E2BC24-AF38-4833-9D41-9220B2331143}" dt="2024-07-31T02:26:07.550" v="5746" actId="478"/>
+          <ac:spMkLst>
+            <pc:docMk/>
+            <pc:sldMk cId="3973229900" sldId="274"/>
+            <ac:spMk id="34" creationId="{E5E0884D-29ED-2BF1-0571-C68BE887B577}"/>
+          </ac:spMkLst>
+        </pc:spChg>
+        <pc:spChg chg="add mod">
+          <ac:chgData name="Caio Rodrigues" userId="9ce2624af9b64a3c" providerId="LiveId" clId="{16E2BC24-AF38-4833-9D41-9220B2331143}" dt="2024-07-31T02:31:51.410" v="5770" actId="1076"/>
+          <ac:spMkLst>
+            <pc:docMk/>
+            <pc:sldMk cId="3973229900" sldId="274"/>
+            <ac:spMk id="35" creationId="{1264BDE1-528E-3FF8-EDD9-48694123A775}"/>
+          </ac:spMkLst>
+        </pc:spChg>
+        <pc:spChg chg="add mod">
+          <ac:chgData name="Caio Rodrigues" userId="9ce2624af9b64a3c" providerId="LiveId" clId="{16E2BC24-AF38-4833-9D41-9220B2331143}" dt="2024-07-31T02:48:43.988" v="6164" actId="14100"/>
+          <ac:spMkLst>
+            <pc:docMk/>
+            <pc:sldMk cId="3973229900" sldId="274"/>
+            <ac:spMk id="36" creationId="{4E71C5C6-0E8F-8DF6-C8C5-1A121C5D8341}"/>
+          </ac:spMkLst>
+        </pc:spChg>
+        <pc:spChg chg="add del mod">
+          <ac:chgData name="Caio Rodrigues" userId="9ce2624af9b64a3c" providerId="LiveId" clId="{16E2BC24-AF38-4833-9D41-9220B2331143}" dt="2024-07-31T02:35:37.962" v="5805"/>
+          <ac:spMkLst>
+            <pc:docMk/>
+            <pc:sldMk cId="3973229900" sldId="274"/>
+            <ac:spMk id="37" creationId="{6F22E476-8B8E-C330-6E83-501D6E484B48}"/>
+          </ac:spMkLst>
+        </pc:spChg>
+        <pc:spChg chg="add mod">
+          <ac:chgData name="Caio Rodrigues" userId="9ce2624af9b64a3c" providerId="LiveId" clId="{16E2BC24-AF38-4833-9D41-9220B2331143}" dt="2024-07-31T02:48:46.495" v="6165" actId="1076"/>
+          <ac:spMkLst>
+            <pc:docMk/>
+            <pc:sldMk cId="3973229900" sldId="274"/>
+            <ac:spMk id="38" creationId="{2ED1BFFB-D14A-EA2B-A3CA-968DABB4306C}"/>
+          </ac:spMkLst>
+        </pc:spChg>
         <pc:picChg chg="add mod modCrop">
-          <ac:chgData name="Caio Rodrigues" userId="9ce2624af9b64a3c" providerId="LiveId" clId="{16E2BC24-AF38-4833-9D41-9220B2331143}" dt="2024-07-29T22:09:30.041" v="5386" actId="1076"/>
+          <ac:chgData name="Caio Rodrigues" userId="9ce2624af9b64a3c" providerId="LiveId" clId="{16E2BC24-AF38-4833-9D41-9220B2331143}" dt="2024-07-31T02:31:46.414" v="5769" actId="34135"/>
           <ac:picMkLst>
             <pc:docMk/>
             <pc:sldMk cId="3973229900" sldId="274"/>
@@ -2268,6 +2397,54 @@
             <ac:picMk id="16" creationId="{3E15334A-7A99-565C-454E-7F6645E5B631}"/>
           </ac:picMkLst>
         </pc:picChg>
+        <pc:picChg chg="add mod">
+          <ac:chgData name="Caio Rodrigues" userId="9ce2624af9b64a3c" providerId="LiveId" clId="{16E2BC24-AF38-4833-9D41-9220B2331143}" dt="2024-07-31T02:18:54.885" v="5673" actId="1076"/>
+          <ac:picMkLst>
+            <pc:docMk/>
+            <pc:sldMk cId="3973229900" sldId="274"/>
+            <ac:picMk id="19" creationId="{3B4B23F4-6AC0-846F-AD1F-6B562B46C4A3}"/>
+          </ac:picMkLst>
+        </pc:picChg>
+        <pc:picChg chg="add mod">
+          <ac:chgData name="Caio Rodrigues" userId="9ce2624af9b64a3c" providerId="LiveId" clId="{16E2BC24-AF38-4833-9D41-9220B2331143}" dt="2024-07-31T02:19:25.694" v="5681" actId="1076"/>
+          <ac:picMkLst>
+            <pc:docMk/>
+            <pc:sldMk cId="3973229900" sldId="274"/>
+            <ac:picMk id="25" creationId="{650BDBA4-205A-7ED3-158F-52EC5DFF0113}"/>
+          </ac:picMkLst>
+        </pc:picChg>
+        <pc:picChg chg="add del mod">
+          <ac:chgData name="Caio Rodrigues" userId="9ce2624af9b64a3c" providerId="LiveId" clId="{16E2BC24-AF38-4833-9D41-9220B2331143}" dt="2024-07-31T02:32:15.334" v="5774" actId="1076"/>
+          <ac:picMkLst>
+            <pc:docMk/>
+            <pc:sldMk cId="3973229900" sldId="274"/>
+            <ac:picMk id="29" creationId="{98BC7260-9DBC-0225-27B9-323DCEAB149F}"/>
+          </ac:picMkLst>
+        </pc:picChg>
+        <pc:picChg chg="add mod">
+          <ac:chgData name="Caio Rodrigues" userId="9ce2624af9b64a3c" providerId="LiveId" clId="{16E2BC24-AF38-4833-9D41-9220B2331143}" dt="2024-07-31T02:19:35.032" v="5683" actId="1076"/>
+          <ac:picMkLst>
+            <pc:docMk/>
+            <pc:sldMk cId="3973229900" sldId="274"/>
+            <ac:picMk id="30" creationId="{3AF871AF-0BE5-C16B-748B-EFF5185CC948}"/>
+          </ac:picMkLst>
+        </pc:picChg>
+        <pc:cxnChg chg="add del mod">
+          <ac:chgData name="Caio Rodrigues" userId="9ce2624af9b64a3c" providerId="LiveId" clId="{16E2BC24-AF38-4833-9D41-9220B2331143}" dt="2024-07-31T01:41:13.025" v="5452" actId="478"/>
+          <ac:cxnSpMkLst>
+            <pc:docMk/>
+            <pc:sldMk cId="3973229900" sldId="274"/>
+            <ac:cxnSpMk id="3" creationId="{DB7947F1-44A8-4574-563E-FC1379C23C84}"/>
+          </ac:cxnSpMkLst>
+        </pc:cxnChg>
+        <pc:cxnChg chg="add del mod">
+          <ac:chgData name="Caio Rodrigues" userId="9ce2624af9b64a3c" providerId="LiveId" clId="{16E2BC24-AF38-4833-9D41-9220B2331143}" dt="2024-07-31T01:41:59.087" v="5459" actId="478"/>
+          <ac:cxnSpMkLst>
+            <pc:docMk/>
+            <pc:sldMk cId="3973229900" sldId="274"/>
+            <ac:cxnSpMk id="16" creationId="{432CA5F5-F57B-47D6-AAD9-F19C9159111A}"/>
+          </ac:cxnSpMkLst>
+        </pc:cxnChg>
       </pc:sldChg>
       <pc:sldChg chg="addSp delSp modSp add mod ord">
         <pc:chgData name="Caio Rodrigues" userId="9ce2624af9b64a3c" providerId="LiveId" clId="{16E2BC24-AF38-4833-9D41-9220B2331143}" dt="2024-07-29T22:26:29.107" v="5442" actId="20577"/>
@@ -2377,6 +2554,237 @@
             <pc:docMk/>
             <pc:sldMk cId="1223677819" sldId="275"/>
             <ac:picMk id="16" creationId="{3E15334A-7A99-565C-454E-7F6645E5B631}"/>
+          </ac:picMkLst>
+        </pc:picChg>
+      </pc:sldChg>
+      <pc:sldChg chg="addSp delSp modSp add mod ord">
+        <pc:chgData name="Caio Rodrigues" userId="9ce2624af9b64a3c" providerId="LiveId" clId="{16E2BC24-AF38-4833-9D41-9220B2331143}" dt="2024-07-31T03:02:43.032" v="7378" actId="14100"/>
+        <pc:sldMkLst>
+          <pc:docMk/>
+          <pc:sldMk cId="1605725609" sldId="276"/>
+        </pc:sldMkLst>
+        <pc:spChg chg="add mod">
+          <ac:chgData name="Caio Rodrigues" userId="9ce2624af9b64a3c" providerId="LiveId" clId="{16E2BC24-AF38-4833-9D41-9220B2331143}" dt="2024-07-31T02:51:53.712" v="6506" actId="1076"/>
+          <ac:spMkLst>
+            <pc:docMk/>
+            <pc:sldMk cId="1605725609" sldId="276"/>
+            <ac:spMk id="3" creationId="{54E7E00D-1348-5CC3-48D7-19E0C3250BD2}"/>
+          </ac:spMkLst>
+        </pc:spChg>
+        <pc:spChg chg="mod">
+          <ac:chgData name="Caio Rodrigues" userId="9ce2624af9b64a3c" providerId="LiveId" clId="{16E2BC24-AF38-4833-9D41-9220B2331143}" dt="2024-07-31T02:37:31.174" v="5877" actId="20577"/>
+          <ac:spMkLst>
+            <pc:docMk/>
+            <pc:sldMk cId="1605725609" sldId="276"/>
+            <ac:spMk id="5" creationId="{CE936A9C-F6C6-E142-55DA-D47FCF15E24D}"/>
+          </ac:spMkLst>
+        </pc:spChg>
+        <pc:spChg chg="add mod">
+          <ac:chgData name="Caio Rodrigues" userId="9ce2624af9b64a3c" providerId="LiveId" clId="{16E2BC24-AF38-4833-9D41-9220B2331143}" dt="2024-07-31T02:51:53.712" v="6506" actId="1076"/>
+          <ac:spMkLst>
+            <pc:docMk/>
+            <pc:sldMk cId="1605725609" sldId="276"/>
+            <ac:spMk id="9" creationId="{0217AB85-7175-F23D-09A7-CEDCB030E01D}"/>
+          </ac:spMkLst>
+        </pc:spChg>
+        <pc:spChg chg="add mod">
+          <ac:chgData name="Caio Rodrigues" userId="9ce2624af9b64a3c" providerId="LiveId" clId="{16E2BC24-AF38-4833-9D41-9220B2331143}" dt="2024-07-31T02:51:53.712" v="6506" actId="1076"/>
+          <ac:spMkLst>
+            <pc:docMk/>
+            <pc:sldMk cId="1605725609" sldId="276"/>
+            <ac:spMk id="10" creationId="{215DC632-D3B1-4994-CE31-371A9F9C163E}"/>
+          </ac:spMkLst>
+        </pc:spChg>
+        <pc:spChg chg="add mod">
+          <ac:chgData name="Caio Rodrigues" userId="9ce2624af9b64a3c" providerId="LiveId" clId="{16E2BC24-AF38-4833-9D41-9220B2331143}" dt="2024-07-31T03:02:31.230" v="7375" actId="1076"/>
+          <ac:spMkLst>
+            <pc:docMk/>
+            <pc:sldMk cId="1605725609" sldId="276"/>
+            <ac:spMk id="12" creationId="{CFC43339-4DF6-77F5-A4E4-2272866F41FF}"/>
+          </ac:spMkLst>
+        </pc:spChg>
+        <pc:spChg chg="add mod">
+          <ac:chgData name="Caio Rodrigues" userId="9ce2624af9b64a3c" providerId="LiveId" clId="{16E2BC24-AF38-4833-9D41-9220B2331143}" dt="2024-07-31T03:02:36.091" v="7376" actId="14100"/>
+          <ac:spMkLst>
+            <pc:docMk/>
+            <pc:sldMk cId="1605725609" sldId="276"/>
+            <ac:spMk id="14" creationId="{DBE7F078-10FA-A3DD-8517-F76EB738E72F}"/>
+          </ac:spMkLst>
+        </pc:spChg>
+        <pc:spChg chg="add del mod">
+          <ac:chgData name="Caio Rodrigues" userId="9ce2624af9b64a3c" providerId="LiveId" clId="{16E2BC24-AF38-4833-9D41-9220B2331143}" dt="2024-07-31T02:52:29.167" v="6524"/>
+          <ac:spMkLst>
+            <pc:docMk/>
+            <pc:sldMk cId="1605725609" sldId="276"/>
+            <ac:spMk id="15" creationId="{BEFC5401-A6B3-B0B8-5FC2-275B64AFBD7D}"/>
+          </ac:spMkLst>
+        </pc:spChg>
+        <pc:spChg chg="add mod">
+          <ac:chgData name="Caio Rodrigues" userId="9ce2624af9b64a3c" providerId="LiveId" clId="{16E2BC24-AF38-4833-9D41-9220B2331143}" dt="2024-07-31T03:02:40.523" v="7377" actId="14100"/>
+          <ac:spMkLst>
+            <pc:docMk/>
+            <pc:sldMk cId="1605725609" sldId="276"/>
+            <ac:spMk id="16" creationId="{3D1F7B29-A338-C02B-AD16-836AAE6FDE5E}"/>
+          </ac:spMkLst>
+        </pc:spChg>
+        <pc:spChg chg="add mod">
+          <ac:chgData name="Caio Rodrigues" userId="9ce2624af9b64a3c" providerId="LiveId" clId="{16E2BC24-AF38-4833-9D41-9220B2331143}" dt="2024-07-31T03:02:43.032" v="7378" actId="14100"/>
+          <ac:spMkLst>
+            <pc:docMk/>
+            <pc:sldMk cId="1605725609" sldId="276"/>
+            <ac:spMk id="17" creationId="{960AD84A-FCD5-72FB-AC06-B32B91D3EA65}"/>
+          </ac:spMkLst>
+        </pc:spChg>
+        <pc:spChg chg="add del mod">
+          <ac:chgData name="Caio Rodrigues" userId="9ce2624af9b64a3c" providerId="LiveId" clId="{16E2BC24-AF38-4833-9D41-9220B2331143}" dt="2024-07-31T03:02:17.509" v="7372" actId="478"/>
+          <ac:spMkLst>
+            <pc:docMk/>
+            <pc:sldMk cId="1605725609" sldId="276"/>
+            <ac:spMk id="18" creationId="{60C10908-FB11-1935-DEAB-F29A758CE4CD}"/>
+          </ac:spMkLst>
+        </pc:spChg>
+        <pc:spChg chg="del">
+          <ac:chgData name="Caio Rodrigues" userId="9ce2624af9b64a3c" providerId="LiveId" clId="{16E2BC24-AF38-4833-9D41-9220B2331143}" dt="2024-07-31T02:37:54.726" v="5884" actId="478"/>
+          <ac:spMkLst>
+            <pc:docMk/>
+            <pc:sldMk cId="1605725609" sldId="276"/>
+            <ac:spMk id="20" creationId="{D3838272-F2CF-AD07-879A-A24BB35C4ABD}"/>
+          </ac:spMkLst>
+        </pc:spChg>
+        <pc:spChg chg="del">
+          <ac:chgData name="Caio Rodrigues" userId="9ce2624af9b64a3c" providerId="LiveId" clId="{16E2BC24-AF38-4833-9D41-9220B2331143}" dt="2024-07-31T02:37:54.726" v="5884" actId="478"/>
+          <ac:spMkLst>
+            <pc:docMk/>
+            <pc:sldMk cId="1605725609" sldId="276"/>
+            <ac:spMk id="21" creationId="{5B3F7794-8713-5E85-B9C5-294AF4C2B2E8}"/>
+          </ac:spMkLst>
+        </pc:spChg>
+        <pc:spChg chg="del">
+          <ac:chgData name="Caio Rodrigues" userId="9ce2624af9b64a3c" providerId="LiveId" clId="{16E2BC24-AF38-4833-9D41-9220B2331143}" dt="2024-07-31T02:37:54.726" v="5884" actId="478"/>
+          <ac:spMkLst>
+            <pc:docMk/>
+            <pc:sldMk cId="1605725609" sldId="276"/>
+            <ac:spMk id="22" creationId="{478BC7A5-C96B-D0E8-8EF3-E5443AF384E8}"/>
+          </ac:spMkLst>
+        </pc:spChg>
+        <pc:spChg chg="del">
+          <ac:chgData name="Caio Rodrigues" userId="9ce2624af9b64a3c" providerId="LiveId" clId="{16E2BC24-AF38-4833-9D41-9220B2331143}" dt="2024-07-31T02:37:54.726" v="5884" actId="478"/>
+          <ac:spMkLst>
+            <pc:docMk/>
+            <pc:sldMk cId="1605725609" sldId="276"/>
+            <ac:spMk id="23" creationId="{C92217DF-B227-163D-6036-DCA201A8B73D}"/>
+          </ac:spMkLst>
+        </pc:spChg>
+        <pc:spChg chg="del">
+          <ac:chgData name="Caio Rodrigues" userId="9ce2624af9b64a3c" providerId="LiveId" clId="{16E2BC24-AF38-4833-9D41-9220B2331143}" dt="2024-07-31T02:37:54.726" v="5884" actId="478"/>
+          <ac:spMkLst>
+            <pc:docMk/>
+            <pc:sldMk cId="1605725609" sldId="276"/>
+            <ac:spMk id="26" creationId="{737D2887-45E7-8CC8-F997-77E4B765B168}"/>
+          </ac:spMkLst>
+        </pc:spChg>
+        <pc:spChg chg="del">
+          <ac:chgData name="Caio Rodrigues" userId="9ce2624af9b64a3c" providerId="LiveId" clId="{16E2BC24-AF38-4833-9D41-9220B2331143}" dt="2024-07-31T02:37:54.726" v="5884" actId="478"/>
+          <ac:spMkLst>
+            <pc:docMk/>
+            <pc:sldMk cId="1605725609" sldId="276"/>
+            <ac:spMk id="27" creationId="{779CA047-AFDF-4914-E592-92D3F20E10E7}"/>
+          </ac:spMkLst>
+        </pc:spChg>
+        <pc:spChg chg="del">
+          <ac:chgData name="Caio Rodrigues" userId="9ce2624af9b64a3c" providerId="LiveId" clId="{16E2BC24-AF38-4833-9D41-9220B2331143}" dt="2024-07-31T02:37:44.983" v="5880" actId="478"/>
+          <ac:spMkLst>
+            <pc:docMk/>
+            <pc:sldMk cId="1605725609" sldId="276"/>
+            <ac:spMk id="32" creationId="{F122BCFB-B8F1-B35C-DDDC-88841B19BEA1}"/>
+          </ac:spMkLst>
+        </pc:spChg>
+        <pc:spChg chg="mod">
+          <ac:chgData name="Caio Rodrigues" userId="9ce2624af9b64a3c" providerId="LiveId" clId="{16E2BC24-AF38-4833-9D41-9220B2331143}" dt="2024-07-31T02:51:53.712" v="6506" actId="1076"/>
+          <ac:spMkLst>
+            <pc:docMk/>
+            <pc:sldMk cId="1605725609" sldId="276"/>
+            <ac:spMk id="33" creationId="{7C0A4B99-5181-B2B0-7BC1-6EE3C60137AB}"/>
+          </ac:spMkLst>
+        </pc:spChg>
+        <pc:spChg chg="del">
+          <ac:chgData name="Caio Rodrigues" userId="9ce2624af9b64a3c" providerId="LiveId" clId="{16E2BC24-AF38-4833-9D41-9220B2331143}" dt="2024-07-31T02:37:43.144" v="5879" actId="478"/>
+          <ac:spMkLst>
+            <pc:docMk/>
+            <pc:sldMk cId="1605725609" sldId="276"/>
+            <ac:spMk id="35" creationId="{1264BDE1-528E-3FF8-EDD9-48694123A775}"/>
+          </ac:spMkLst>
+        </pc:spChg>
+        <pc:spChg chg="add del mod">
+          <ac:chgData name="Caio Rodrigues" userId="9ce2624af9b64a3c" providerId="LiveId" clId="{16E2BC24-AF38-4833-9D41-9220B2331143}" dt="2024-07-31T02:44:24.909" v="5910" actId="478"/>
+          <ac:spMkLst>
+            <pc:docMk/>
+            <pc:sldMk cId="1605725609" sldId="276"/>
+            <ac:spMk id="36" creationId="{4E71C5C6-0E8F-8DF6-C8C5-1A121C5D8341}"/>
+          </ac:spMkLst>
+        </pc:spChg>
+        <pc:spChg chg="del mod">
+          <ac:chgData name="Caio Rodrigues" userId="9ce2624af9b64a3c" providerId="LiveId" clId="{16E2BC24-AF38-4833-9D41-9220B2331143}" dt="2024-07-31T02:44:26.091" v="5911" actId="478"/>
+          <ac:spMkLst>
+            <pc:docMk/>
+            <pc:sldMk cId="1605725609" sldId="276"/>
+            <ac:spMk id="38" creationId="{2ED1BFFB-D14A-EA2B-A3CA-968DABB4306C}"/>
+          </ac:spMkLst>
+        </pc:spChg>
+        <pc:picChg chg="add mod">
+          <ac:chgData name="Caio Rodrigues" userId="9ce2624af9b64a3c" providerId="LiveId" clId="{16E2BC24-AF38-4833-9D41-9220B2331143}" dt="2024-07-31T02:51:53.712" v="6506" actId="1076"/>
+          <ac:picMkLst>
+            <pc:docMk/>
+            <pc:sldMk cId="1605725609" sldId="276"/>
+            <ac:picMk id="2" creationId="{773AFAF0-8E56-8083-07BF-F32450ABBF48}"/>
+          </ac:picMkLst>
+        </pc:picChg>
+        <pc:picChg chg="add mod ord">
+          <ac:chgData name="Caio Rodrigues" userId="9ce2624af9b64a3c" providerId="LiveId" clId="{16E2BC24-AF38-4833-9D41-9220B2331143}" dt="2024-07-31T02:51:53.712" v="6506" actId="1076"/>
+          <ac:picMkLst>
+            <pc:docMk/>
+            <pc:sldMk cId="1605725609" sldId="276"/>
+            <ac:picMk id="7" creationId="{7A5BDD21-4F00-F866-8C9E-180AD4BDB48B}"/>
+          </ac:picMkLst>
+        </pc:picChg>
+        <pc:picChg chg="del">
+          <ac:chgData name="Caio Rodrigues" userId="9ce2624af9b64a3c" providerId="LiveId" clId="{16E2BC24-AF38-4833-9D41-9220B2331143}" dt="2024-07-31T02:37:41.986" v="5878" actId="478"/>
+          <ac:picMkLst>
+            <pc:docMk/>
+            <pc:sldMk cId="1605725609" sldId="276"/>
+            <ac:picMk id="8" creationId="{08A9F0AA-CD8F-81E5-8CC4-064F20488C5D}"/>
+          </ac:picMkLst>
+        </pc:picChg>
+        <pc:picChg chg="del">
+          <ac:chgData name="Caio Rodrigues" userId="9ce2624af9b64a3c" providerId="LiveId" clId="{16E2BC24-AF38-4833-9D41-9220B2331143}" dt="2024-07-31T02:37:54.726" v="5884" actId="478"/>
+          <ac:picMkLst>
+            <pc:docMk/>
+            <pc:sldMk cId="1605725609" sldId="276"/>
+            <ac:picMk id="19" creationId="{3B4B23F4-6AC0-846F-AD1F-6B562B46C4A3}"/>
+          </ac:picMkLst>
+        </pc:picChg>
+        <pc:picChg chg="del">
+          <ac:chgData name="Caio Rodrigues" userId="9ce2624af9b64a3c" providerId="LiveId" clId="{16E2BC24-AF38-4833-9D41-9220B2331143}" dt="2024-07-31T02:37:54.726" v="5884" actId="478"/>
+          <ac:picMkLst>
+            <pc:docMk/>
+            <pc:sldMk cId="1605725609" sldId="276"/>
+            <ac:picMk id="25" creationId="{650BDBA4-205A-7ED3-158F-52EC5DFF0113}"/>
+          </ac:picMkLst>
+        </pc:picChg>
+        <pc:picChg chg="del mod">
+          <ac:chgData name="Caio Rodrigues" userId="9ce2624af9b64a3c" providerId="LiveId" clId="{16E2BC24-AF38-4833-9D41-9220B2331143}" dt="2024-07-31T02:43:36.003" v="5894" actId="478"/>
+          <ac:picMkLst>
+            <pc:docMk/>
+            <pc:sldMk cId="1605725609" sldId="276"/>
+            <ac:picMk id="29" creationId="{98BC7260-9DBC-0225-27B9-323DCEAB149F}"/>
+          </ac:picMkLst>
+        </pc:picChg>
+        <pc:picChg chg="del">
+          <ac:chgData name="Caio Rodrigues" userId="9ce2624af9b64a3c" providerId="LiveId" clId="{16E2BC24-AF38-4833-9D41-9220B2331143}" dt="2024-07-31T02:37:54.726" v="5884" actId="478"/>
+          <ac:picMkLst>
+            <pc:docMk/>
+            <pc:sldMk cId="1605725609" sldId="276"/>
+            <ac:picMk id="30" creationId="{3AF871AF-0BE5-C16B-748B-EFF5185CC948}"/>
           </ac:picMkLst>
         </pc:picChg>
       </pc:sldChg>
@@ -9979,8 +10387,8 @@
           </a:p>
         </p:txBody>
       </p:sp>
-      <mc:AlternateContent xmlns:mc="http://schemas.openxmlformats.org/markup-compatibility/2006">
-        <mc:Choice xmlns:a14="http://schemas.microsoft.com/office/drawing/2010/main" Requires="a14">
+      <mc:AlternateContent xmlns:mc="http://schemas.openxmlformats.org/markup-compatibility/2006" xmlns:a14="http://schemas.microsoft.com/office/drawing/2010/main">
+        <mc:Choice Requires="a14">
           <p:sp>
             <p:nvSpPr>
               <p:cNvPr id="2" name="TextBox 1">
@@ -10044,7 +10452,7 @@
             </p:txBody>
           </p:sp>
         </mc:Choice>
-        <mc:Fallback>
+        <mc:Fallback xmlns="">
           <p:sp>
             <p:nvSpPr>
               <p:cNvPr id="2" name="TextBox 1">
@@ -10089,8 +10497,8 @@
           </p:sp>
         </mc:Fallback>
       </mc:AlternateContent>
-      <mc:AlternateContent xmlns:mc="http://schemas.openxmlformats.org/markup-compatibility/2006">
-        <mc:Choice xmlns:a14="http://schemas.microsoft.com/office/drawing/2010/main" Requires="a14">
+      <mc:AlternateContent xmlns:mc="http://schemas.openxmlformats.org/markup-compatibility/2006" xmlns:a14="http://schemas.microsoft.com/office/drawing/2010/main">
+        <mc:Choice Requires="a14">
           <p:sp>
             <p:nvSpPr>
               <p:cNvPr id="3" name="TextBox 2">
@@ -10154,7 +10562,7 @@
             </p:txBody>
           </p:sp>
         </mc:Choice>
-        <mc:Fallback>
+        <mc:Fallback xmlns="">
           <p:sp>
             <p:nvSpPr>
               <p:cNvPr id="3" name="TextBox 2">
@@ -10199,8 +10607,8 @@
           </p:sp>
         </mc:Fallback>
       </mc:AlternateContent>
-      <mc:AlternateContent xmlns:mc="http://schemas.openxmlformats.org/markup-compatibility/2006">
-        <mc:Choice xmlns:a14="http://schemas.microsoft.com/office/drawing/2010/main" Requires="a14">
+      <mc:AlternateContent xmlns:mc="http://schemas.openxmlformats.org/markup-compatibility/2006" xmlns:a14="http://schemas.microsoft.com/office/drawing/2010/main">
+        <mc:Choice Requires="a14">
           <p:sp>
             <p:nvSpPr>
               <p:cNvPr id="5" name="TextBox 4">
@@ -10272,7 +10680,7 @@
             </p:txBody>
           </p:sp>
         </mc:Choice>
-        <mc:Fallback>
+        <mc:Fallback xmlns="">
           <p:sp>
             <p:nvSpPr>
               <p:cNvPr id="5" name="TextBox 4">
@@ -10317,8 +10725,8 @@
           </p:sp>
         </mc:Fallback>
       </mc:AlternateContent>
-      <mc:AlternateContent xmlns:mc="http://schemas.openxmlformats.org/markup-compatibility/2006">
-        <mc:Choice xmlns:a14="http://schemas.microsoft.com/office/drawing/2010/main" Requires="a14">
+      <mc:AlternateContent xmlns:mc="http://schemas.openxmlformats.org/markup-compatibility/2006" xmlns:a14="http://schemas.microsoft.com/office/drawing/2010/main">
+        <mc:Choice Requires="a14">
           <p:sp>
             <p:nvSpPr>
               <p:cNvPr id="6" name="TextBox 5">
@@ -10402,7 +10810,7 @@
             </p:txBody>
           </p:sp>
         </mc:Choice>
-        <mc:Fallback>
+        <mc:Fallback xmlns="">
           <p:sp>
             <p:nvSpPr>
               <p:cNvPr id="6" name="TextBox 5">
@@ -10447,8 +10855,8 @@
           </p:sp>
         </mc:Fallback>
       </mc:AlternateContent>
-      <mc:AlternateContent xmlns:mc="http://schemas.openxmlformats.org/markup-compatibility/2006">
-        <mc:Choice xmlns:a14="http://schemas.microsoft.com/office/drawing/2010/main" Requires="a14">
+      <mc:AlternateContent xmlns:mc="http://schemas.openxmlformats.org/markup-compatibility/2006" xmlns:a14="http://schemas.microsoft.com/office/drawing/2010/main">
+        <mc:Choice Requires="a14">
           <p:sp>
             <p:nvSpPr>
               <p:cNvPr id="8" name="TextBox 7">
@@ -10520,7 +10928,7 @@
             </p:txBody>
           </p:sp>
         </mc:Choice>
-        <mc:Fallback>
+        <mc:Fallback xmlns="">
           <p:sp>
             <p:nvSpPr>
               <p:cNvPr id="8" name="TextBox 7">
@@ -10600,8 +11008,8 @@
           </a:p>
         </p:txBody>
       </p:sp>
-      <mc:AlternateContent xmlns:mc="http://schemas.openxmlformats.org/markup-compatibility/2006">
-        <mc:Choice xmlns:a14="http://schemas.microsoft.com/office/drawing/2010/main" Requires="a14">
+      <mc:AlternateContent xmlns:mc="http://schemas.openxmlformats.org/markup-compatibility/2006" xmlns:a14="http://schemas.microsoft.com/office/drawing/2010/main">
+        <mc:Choice Requires="a14">
           <p:sp>
             <p:nvSpPr>
               <p:cNvPr id="10" name="TextBox 9">
@@ -10677,7 +11085,7 @@
             </p:txBody>
           </p:sp>
         </mc:Choice>
-        <mc:Fallback>
+        <mc:Fallback xmlns="">
           <p:sp>
             <p:nvSpPr>
               <p:cNvPr id="10" name="TextBox 9">
@@ -10793,8 +11201,8 @@
           </a:fontRef>
         </p:style>
       </p:cxnSp>
-      <mc:AlternateContent xmlns:mc="http://schemas.openxmlformats.org/markup-compatibility/2006">
-        <mc:Choice xmlns:a14="http://schemas.microsoft.com/office/drawing/2010/main" Requires="a14">
+      <mc:AlternateContent xmlns:mc="http://schemas.openxmlformats.org/markup-compatibility/2006" xmlns:a14="http://schemas.microsoft.com/office/drawing/2010/main">
+        <mc:Choice Requires="a14">
           <p:sp>
             <p:nvSpPr>
               <p:cNvPr id="27" name="TextBox 26">
@@ -10823,6 +11231,7 @@
               </a:bodyPr>
               <a:lstStyle/>
               <a:p>
+                <a:pPr/>
                 <a14:m>
                   <m:oMathPara xmlns:m="http://schemas.openxmlformats.org/officeDocument/2006/math">
                     <m:oMathParaPr>
@@ -10851,7 +11260,7 @@
             </p:txBody>
           </p:sp>
         </mc:Choice>
-        <mc:Fallback>
+        <mc:Fallback xmlns="">
           <p:sp>
             <p:nvSpPr>
               <p:cNvPr id="27" name="TextBox 26">
@@ -10964,8 +11373,8 @@
           </a:p>
         </p:txBody>
       </p:sp>
-      <mc:AlternateContent xmlns:mc="http://schemas.openxmlformats.org/markup-compatibility/2006">
-        <mc:Choice xmlns:a14="http://schemas.microsoft.com/office/drawing/2010/main" Requires="a14">
+      <mc:AlternateContent xmlns:mc="http://schemas.openxmlformats.org/markup-compatibility/2006" xmlns:a14="http://schemas.microsoft.com/office/drawing/2010/main">
+        <mc:Choice Requires="a14">
           <p:sp>
             <p:nvSpPr>
               <p:cNvPr id="11" name="Google Shape;395;p45">
@@ -11253,14 +11662,14 @@
                   <m:oMath xmlns:m="http://schemas.openxmlformats.org/officeDocument/2006/math">
                     <m:r>
                       <a:rPr lang="pt-BR" sz="2500" b="1" i="1" smtClean="0">
-                        <a:latin typeface="+mn-lt"/>
+                        <a:latin typeface="Cambria Math" panose="02040503050406030204" pitchFamily="18" charset="0"/>
                         <a:ea typeface="Cambria Math" panose="02040503050406030204" pitchFamily="18" charset="0"/>
                       </a:rPr>
                       <m:t>∆</m:t>
                     </m:r>
                     <m:r>
                       <a:rPr lang="pt-BR" sz="2500" b="0" i="1" smtClean="0">
-                        <a:latin typeface="+mn-lt"/>
+                        <a:latin typeface="Cambria Math" panose="02040503050406030204" pitchFamily="18" charset="0"/>
                         <a:ea typeface="Cambria Math" panose="02040503050406030204" pitchFamily="18" charset="0"/>
                       </a:rPr>
                       <m:t>𝑡</m:t>
@@ -11280,7 +11689,7 @@
             </p:txBody>
           </p:sp>
         </mc:Choice>
-        <mc:Fallback>
+        <mc:Fallback xmlns="">
           <p:sp>
             <p:nvSpPr>
               <p:cNvPr id="11" name="Google Shape;395;p45">
@@ -11460,8 +11869,8 @@
           </a:p>
         </p:txBody>
       </p:sp>
-      <mc:AlternateContent xmlns:mc="http://schemas.openxmlformats.org/markup-compatibility/2006">
-        <mc:Choice xmlns:a14="http://schemas.microsoft.com/office/drawing/2010/main" Requires="a14">
+      <mc:AlternateContent xmlns:mc="http://schemas.openxmlformats.org/markup-compatibility/2006" xmlns:a14="http://schemas.microsoft.com/office/drawing/2010/main">
+        <mc:Choice Requires="a14">
           <p:sp>
             <p:nvSpPr>
               <p:cNvPr id="18" name="TextBox 17">
@@ -11525,7 +11934,7 @@
             </p:txBody>
           </p:sp>
         </mc:Choice>
-        <mc:Fallback>
+        <mc:Fallback xmlns="">
           <p:sp>
             <p:nvSpPr>
               <p:cNvPr id="18" name="TextBox 17">
@@ -11570,8 +11979,8 @@
           </p:sp>
         </mc:Fallback>
       </mc:AlternateContent>
-      <mc:AlternateContent xmlns:mc="http://schemas.openxmlformats.org/markup-compatibility/2006">
-        <mc:Choice xmlns:a14="http://schemas.microsoft.com/office/drawing/2010/main" Requires="a14">
+      <mc:AlternateContent xmlns:mc="http://schemas.openxmlformats.org/markup-compatibility/2006" xmlns:a14="http://schemas.microsoft.com/office/drawing/2010/main">
+        <mc:Choice Requires="a14">
           <p:sp>
             <p:nvSpPr>
               <p:cNvPr id="21" name="TextBox 20">
@@ -11638,7 +12047,7 @@
             </p:txBody>
           </p:sp>
         </mc:Choice>
-        <mc:Fallback>
+        <mc:Fallback xmlns="">
           <p:sp>
             <p:nvSpPr>
               <p:cNvPr id="21" name="TextBox 20">
@@ -11683,8 +12092,8 @@
           </p:sp>
         </mc:Fallback>
       </mc:AlternateContent>
-      <mc:AlternateContent xmlns:mc="http://schemas.openxmlformats.org/markup-compatibility/2006">
-        <mc:Choice xmlns:a14="http://schemas.microsoft.com/office/drawing/2010/main" Requires="a14">
+      <mc:AlternateContent xmlns:mc="http://schemas.openxmlformats.org/markup-compatibility/2006" xmlns:a14="http://schemas.microsoft.com/office/drawing/2010/main">
+        <mc:Choice Requires="a14">
           <p:sp>
             <p:nvSpPr>
               <p:cNvPr id="22" name="TextBox 21">
@@ -11774,7 +12183,7 @@
             </p:txBody>
           </p:sp>
         </mc:Choice>
-        <mc:Fallback>
+        <mc:Fallback xmlns="">
           <p:sp>
             <p:nvSpPr>
               <p:cNvPr id="22" name="TextBox 21">
@@ -11819,8 +12228,8 @@
           </p:sp>
         </mc:Fallback>
       </mc:AlternateContent>
-      <mc:AlternateContent xmlns:mc="http://schemas.openxmlformats.org/markup-compatibility/2006">
-        <mc:Choice xmlns:a14="http://schemas.microsoft.com/office/drawing/2010/main" Requires="a14">
+      <mc:AlternateContent xmlns:mc="http://schemas.openxmlformats.org/markup-compatibility/2006" xmlns:a14="http://schemas.microsoft.com/office/drawing/2010/main">
+        <mc:Choice Requires="a14">
           <p:sp>
             <p:nvSpPr>
               <p:cNvPr id="23" name="TextBox 22">
@@ -11935,7 +12344,7 @@
             </p:txBody>
           </p:sp>
         </mc:Choice>
-        <mc:Fallback>
+        <mc:Fallback xmlns="">
           <p:sp>
             <p:nvSpPr>
               <p:cNvPr id="23" name="TextBox 22">
@@ -11980,8 +12389,8 @@
           </p:sp>
         </mc:Fallback>
       </mc:AlternateContent>
-      <mc:AlternateContent xmlns:mc="http://schemas.openxmlformats.org/markup-compatibility/2006">
-        <mc:Choice xmlns:a14="http://schemas.microsoft.com/office/drawing/2010/main" Requires="a14">
+      <mc:AlternateContent xmlns:mc="http://schemas.openxmlformats.org/markup-compatibility/2006" xmlns:a14="http://schemas.microsoft.com/office/drawing/2010/main">
+        <mc:Choice Requires="a14">
           <p:sp>
             <p:nvSpPr>
               <p:cNvPr id="25" name="TextBox 24">
@@ -12109,7 +12518,7 @@
             </p:txBody>
           </p:sp>
         </mc:Choice>
-        <mc:Fallback>
+        <mc:Fallback xmlns="">
           <p:sp>
             <p:nvSpPr>
               <p:cNvPr id="25" name="TextBox 24">
@@ -12222,8 +12631,8 @@
           </a:p>
         </p:txBody>
       </p:sp>
-      <mc:AlternateContent xmlns:mc="http://schemas.openxmlformats.org/markup-compatibility/2006">
-        <mc:Choice xmlns:a14="http://schemas.microsoft.com/office/drawing/2010/main" Requires="a14">
+      <mc:AlternateContent xmlns:mc="http://schemas.openxmlformats.org/markup-compatibility/2006" xmlns:a14="http://schemas.microsoft.com/office/drawing/2010/main">
+        <mc:Choice Requires="a14">
           <p:sp>
             <p:nvSpPr>
               <p:cNvPr id="11" name="Google Shape;395;p45">
@@ -12550,7 +12959,7 @@
             </p:txBody>
           </p:sp>
         </mc:Choice>
-        <mc:Fallback>
+        <mc:Fallback xmlns="">
           <p:sp>
             <p:nvSpPr>
               <p:cNvPr id="11" name="Google Shape;395;p45">
@@ -12598,8 +13007,8 @@
           </p:sp>
         </mc:Fallback>
       </mc:AlternateContent>
-      <mc:AlternateContent xmlns:mc="http://schemas.openxmlformats.org/markup-compatibility/2006">
-        <mc:Choice xmlns:a14="http://schemas.microsoft.com/office/drawing/2010/main" Requires="a14">
+      <mc:AlternateContent xmlns:mc="http://schemas.openxmlformats.org/markup-compatibility/2006" xmlns:a14="http://schemas.microsoft.com/office/drawing/2010/main">
+        <mc:Choice Requires="a14">
           <p:graphicFrame>
             <p:nvGraphicFramePr>
               <p:cNvPr id="5" name="Table 4">
@@ -14640,7 +15049,7 @@
             </a:graphic>
           </p:graphicFrame>
         </mc:Choice>
-        <mc:Fallback>
+        <mc:Fallback xmlns="">
           <p:graphicFrame>
             <p:nvGraphicFramePr>
               <p:cNvPr id="5" name="Table 4">
@@ -16955,8 +17364,8 @@
           </a:p>
         </p:txBody>
       </p:sp>
-      <mc:AlternateContent xmlns:mc="http://schemas.openxmlformats.org/markup-compatibility/2006">
-        <mc:Choice xmlns:a14="http://schemas.microsoft.com/office/drawing/2010/main" Requires="a14">
+      <mc:AlternateContent xmlns:mc="http://schemas.openxmlformats.org/markup-compatibility/2006" xmlns:a14="http://schemas.microsoft.com/office/drawing/2010/main">
+        <mc:Choice Requires="a14">
           <p:sp>
             <p:nvSpPr>
               <p:cNvPr id="11" name="Google Shape;395;p45">
@@ -17274,7 +17683,7 @@
             </p:txBody>
           </p:sp>
         </mc:Choice>
-        <mc:Fallback>
+        <mc:Fallback xmlns="">
           <p:sp>
             <p:nvSpPr>
               <p:cNvPr id="11" name="Google Shape;395;p45">
@@ -17322,8 +17731,8 @@
           </p:sp>
         </mc:Fallback>
       </mc:AlternateContent>
-      <mc:AlternateContent xmlns:mc="http://schemas.openxmlformats.org/markup-compatibility/2006">
-        <mc:Choice xmlns:a14="http://schemas.microsoft.com/office/drawing/2010/main" Requires="a14">
+      <mc:AlternateContent xmlns:mc="http://schemas.openxmlformats.org/markup-compatibility/2006" xmlns:a14="http://schemas.microsoft.com/office/drawing/2010/main">
+        <mc:Choice Requires="a14">
           <p:graphicFrame>
             <p:nvGraphicFramePr>
               <p:cNvPr id="2" name="Table 1">
@@ -18386,7 +18795,7 @@
             </a:graphic>
           </p:graphicFrame>
         </mc:Choice>
-        <mc:Fallback>
+        <mc:Fallback xmlns="">
           <p:graphicFrame>
             <p:nvGraphicFramePr>
               <p:cNvPr id="2" name="Table 1">
@@ -19494,6 +19903,2547 @@
           <a:chExt cx="0" cy="0"/>
         </a:xfrm>
       </p:grpSpPr>
+      <p:pic>
+        <p:nvPicPr>
+          <p:cNvPr id="7" name="Picture 6">
+            <a:extLst>
+              <a:ext uri="{FF2B5EF4-FFF2-40B4-BE49-F238E27FC236}">
+                <a16:creationId xmlns:a16="http://schemas.microsoft.com/office/drawing/2014/main" id="{7A5BDD21-4F00-F866-8C9E-180AD4BDB48B}"/>
+              </a:ext>
+            </a:extLst>
+          </p:cNvPr>
+          <p:cNvPicPr>
+            <a:picLocks noChangeAspect="1"/>
+          </p:cNvPicPr>
+          <p:nvPr/>
+        </p:nvPicPr>
+        <p:blipFill>
+          <a:blip r:embed="rId2"/>
+          <a:stretch>
+            <a:fillRect/>
+          </a:stretch>
+        </p:blipFill>
+        <p:spPr>
+          <a:xfrm>
+            <a:off x="5535607" y="639695"/>
+            <a:ext cx="3296693" cy="1553901"/>
+          </a:xfrm>
+          <a:prstGeom prst="rect">
+            <a:avLst/>
+          </a:prstGeom>
+        </p:spPr>
+      </p:pic>
+      <p:sp>
+        <p:nvSpPr>
+          <p:cNvPr id="4" name="Slide Number Placeholder 3">
+            <a:extLst>
+              <a:ext uri="{FF2B5EF4-FFF2-40B4-BE49-F238E27FC236}">
+                <a16:creationId xmlns:a16="http://schemas.microsoft.com/office/drawing/2014/main" id="{DD6D8166-12CE-09CD-18CF-427B82E9A196}"/>
+              </a:ext>
+            </a:extLst>
+          </p:cNvPr>
+          <p:cNvSpPr>
+            <a:spLocks noGrp="1" noRot="1" noMove="1" noResize="1" noEditPoints="1" noAdjustHandles="1" noChangeArrowheads="1" noChangeShapeType="1"/>
+          </p:cNvSpPr>
+          <p:nvPr>
+            <p:ph type="sldNum" idx="12"/>
+          </p:nvPr>
+        </p:nvSpPr>
+        <p:spPr/>
+        <p:txBody>
+          <a:bodyPr/>
+          <a:lstStyle/>
+          <a:p>
+            <a:pPr marL="0" lvl="0" indent="0" algn="r" rtl="0">
+              <a:spcBef>
+                <a:spcPts val="0"/>
+              </a:spcBef>
+              <a:spcAft>
+                <a:spcPts val="0"/>
+              </a:spcAft>
+              <a:buNone/>
+            </a:pPr>
+            <a:fld id="{00000000-1234-1234-1234-123412341234}" type="slidenum">
+              <a:rPr lang="pt-BR" smtClean="0"/>
+              <a:t>17</a:t>
+            </a:fld>
+            <a:endParaRPr lang="pt-BR" dirty="0"/>
+          </a:p>
+        </p:txBody>
+      </p:sp>
+      <p:sp>
+        <p:nvSpPr>
+          <p:cNvPr id="11" name="Google Shape;395;p45">
+            <a:extLst>
+              <a:ext uri="{FF2B5EF4-FFF2-40B4-BE49-F238E27FC236}">
+                <a16:creationId xmlns:a16="http://schemas.microsoft.com/office/drawing/2014/main" id="{5097425B-F07C-BEF9-9436-BDE5F00B62EE}"/>
+              </a:ext>
+            </a:extLst>
+          </p:cNvPr>
+          <p:cNvSpPr txBox="1">
+            <a:spLocks/>
+          </p:cNvSpPr>
+          <p:nvPr/>
+        </p:nvSpPr>
+        <p:spPr>
+          <a:xfrm>
+            <a:off x="0" y="0"/>
+            <a:ext cx="8832300" cy="575700"/>
+          </a:xfrm>
+          <a:prstGeom prst="rect">
+            <a:avLst/>
+          </a:prstGeom>
+          <a:noFill/>
+          <a:ln>
+            <a:noFill/>
+          </a:ln>
+        </p:spPr>
+        <p:txBody>
+          <a:bodyPr spcFirstLastPara="1" wrap="square" lIns="91425" tIns="91425" rIns="91425" bIns="91425" anchor="b" anchorCtr="0">
+            <a:normAutofit fontScale="97500"/>
+          </a:bodyPr>
+          <a:lstStyle>
+            <a:defPPr marR="0" lvl="0" algn="l" rtl="0">
+              <a:lnSpc>
+                <a:spcPct val="100000"/>
+              </a:lnSpc>
+              <a:spcBef>
+                <a:spcPts val="0"/>
+              </a:spcBef>
+              <a:spcAft>
+                <a:spcPts val="0"/>
+              </a:spcAft>
+            </a:defPPr>
+            <a:lvl1pPr marR="0" lvl="0" algn="l" rtl="0">
+              <a:lnSpc>
+                <a:spcPct val="100000"/>
+              </a:lnSpc>
+              <a:spcBef>
+                <a:spcPts val="0"/>
+              </a:spcBef>
+              <a:spcAft>
+                <a:spcPts val="0"/>
+              </a:spcAft>
+              <a:buClr>
+                <a:schemeClr val="dk1"/>
+              </a:buClr>
+              <a:buSzPts val="2800"/>
+              <a:buFont typeface="Arial"/>
+              <a:buNone/>
+              <a:defRPr sz="2800" b="0" i="0" u="none" strike="noStrike" cap="none">
+                <a:solidFill>
+                  <a:schemeClr val="dk1"/>
+                </a:solidFill>
+                <a:latin typeface="Arial"/>
+                <a:ea typeface="Arial"/>
+                <a:cs typeface="Arial"/>
+                <a:sym typeface="Arial"/>
+              </a:defRPr>
+            </a:lvl1pPr>
+            <a:lvl2pPr marR="0" lvl="1" algn="l" rtl="0">
+              <a:lnSpc>
+                <a:spcPct val="100000"/>
+              </a:lnSpc>
+              <a:spcBef>
+                <a:spcPts val="0"/>
+              </a:spcBef>
+              <a:spcAft>
+                <a:spcPts val="0"/>
+              </a:spcAft>
+              <a:buClr>
+                <a:schemeClr val="dk1"/>
+              </a:buClr>
+              <a:buSzPts val="2800"/>
+              <a:buFont typeface="Arial"/>
+              <a:buNone/>
+              <a:defRPr sz="2800" b="0" i="0" u="none" strike="noStrike" cap="none">
+                <a:solidFill>
+                  <a:schemeClr val="dk1"/>
+                </a:solidFill>
+                <a:latin typeface="Arial"/>
+                <a:ea typeface="Arial"/>
+                <a:cs typeface="Arial"/>
+                <a:sym typeface="Arial"/>
+              </a:defRPr>
+            </a:lvl2pPr>
+            <a:lvl3pPr marR="0" lvl="2" algn="l" rtl="0">
+              <a:lnSpc>
+                <a:spcPct val="100000"/>
+              </a:lnSpc>
+              <a:spcBef>
+                <a:spcPts val="0"/>
+              </a:spcBef>
+              <a:spcAft>
+                <a:spcPts val="0"/>
+              </a:spcAft>
+              <a:buClr>
+                <a:schemeClr val="dk1"/>
+              </a:buClr>
+              <a:buSzPts val="2800"/>
+              <a:buFont typeface="Arial"/>
+              <a:buNone/>
+              <a:defRPr sz="2800" b="0" i="0" u="none" strike="noStrike" cap="none">
+                <a:solidFill>
+                  <a:schemeClr val="dk1"/>
+                </a:solidFill>
+                <a:latin typeface="Arial"/>
+                <a:ea typeface="Arial"/>
+                <a:cs typeface="Arial"/>
+                <a:sym typeface="Arial"/>
+              </a:defRPr>
+            </a:lvl3pPr>
+            <a:lvl4pPr marR="0" lvl="3" algn="l" rtl="0">
+              <a:lnSpc>
+                <a:spcPct val="100000"/>
+              </a:lnSpc>
+              <a:spcBef>
+                <a:spcPts val="0"/>
+              </a:spcBef>
+              <a:spcAft>
+                <a:spcPts val="0"/>
+              </a:spcAft>
+              <a:buClr>
+                <a:schemeClr val="dk1"/>
+              </a:buClr>
+              <a:buSzPts val="2800"/>
+              <a:buFont typeface="Arial"/>
+              <a:buNone/>
+              <a:defRPr sz="2800" b="0" i="0" u="none" strike="noStrike" cap="none">
+                <a:solidFill>
+                  <a:schemeClr val="dk1"/>
+                </a:solidFill>
+                <a:latin typeface="Arial"/>
+                <a:ea typeface="Arial"/>
+                <a:cs typeface="Arial"/>
+                <a:sym typeface="Arial"/>
+              </a:defRPr>
+            </a:lvl4pPr>
+            <a:lvl5pPr marR="0" lvl="4" algn="l" rtl="0">
+              <a:lnSpc>
+                <a:spcPct val="100000"/>
+              </a:lnSpc>
+              <a:spcBef>
+                <a:spcPts val="0"/>
+              </a:spcBef>
+              <a:spcAft>
+                <a:spcPts val="0"/>
+              </a:spcAft>
+              <a:buClr>
+                <a:schemeClr val="dk1"/>
+              </a:buClr>
+              <a:buSzPts val="2800"/>
+              <a:buFont typeface="Arial"/>
+              <a:buNone/>
+              <a:defRPr sz="2800" b="0" i="0" u="none" strike="noStrike" cap="none">
+                <a:solidFill>
+                  <a:schemeClr val="dk1"/>
+                </a:solidFill>
+                <a:latin typeface="Arial"/>
+                <a:ea typeface="Arial"/>
+                <a:cs typeface="Arial"/>
+                <a:sym typeface="Arial"/>
+              </a:defRPr>
+            </a:lvl5pPr>
+            <a:lvl6pPr marR="0" lvl="5" algn="l" rtl="0">
+              <a:lnSpc>
+                <a:spcPct val="100000"/>
+              </a:lnSpc>
+              <a:spcBef>
+                <a:spcPts val="0"/>
+              </a:spcBef>
+              <a:spcAft>
+                <a:spcPts val="0"/>
+              </a:spcAft>
+              <a:buClr>
+                <a:schemeClr val="dk1"/>
+              </a:buClr>
+              <a:buSzPts val="2800"/>
+              <a:buFont typeface="Arial"/>
+              <a:buNone/>
+              <a:defRPr sz="2800" b="0" i="0" u="none" strike="noStrike" cap="none">
+                <a:solidFill>
+                  <a:schemeClr val="dk1"/>
+                </a:solidFill>
+                <a:latin typeface="Arial"/>
+                <a:ea typeface="Arial"/>
+                <a:cs typeface="Arial"/>
+                <a:sym typeface="Arial"/>
+              </a:defRPr>
+            </a:lvl6pPr>
+            <a:lvl7pPr marR="0" lvl="6" algn="l" rtl="0">
+              <a:lnSpc>
+                <a:spcPct val="100000"/>
+              </a:lnSpc>
+              <a:spcBef>
+                <a:spcPts val="0"/>
+              </a:spcBef>
+              <a:spcAft>
+                <a:spcPts val="0"/>
+              </a:spcAft>
+              <a:buClr>
+                <a:schemeClr val="dk1"/>
+              </a:buClr>
+              <a:buSzPts val="2800"/>
+              <a:buFont typeface="Arial"/>
+              <a:buNone/>
+              <a:defRPr sz="2800" b="0" i="0" u="none" strike="noStrike" cap="none">
+                <a:solidFill>
+                  <a:schemeClr val="dk1"/>
+                </a:solidFill>
+                <a:latin typeface="Arial"/>
+                <a:ea typeface="Arial"/>
+                <a:cs typeface="Arial"/>
+                <a:sym typeface="Arial"/>
+              </a:defRPr>
+            </a:lvl7pPr>
+            <a:lvl8pPr marR="0" lvl="7" algn="l" rtl="0">
+              <a:lnSpc>
+                <a:spcPct val="100000"/>
+              </a:lnSpc>
+              <a:spcBef>
+                <a:spcPts val="0"/>
+              </a:spcBef>
+              <a:spcAft>
+                <a:spcPts val="0"/>
+              </a:spcAft>
+              <a:buClr>
+                <a:schemeClr val="dk1"/>
+              </a:buClr>
+              <a:buSzPts val="2800"/>
+              <a:buFont typeface="Arial"/>
+              <a:buNone/>
+              <a:defRPr sz="2800" b="0" i="0" u="none" strike="noStrike" cap="none">
+                <a:solidFill>
+                  <a:schemeClr val="dk1"/>
+                </a:solidFill>
+                <a:latin typeface="Arial"/>
+                <a:ea typeface="Arial"/>
+                <a:cs typeface="Arial"/>
+                <a:sym typeface="Arial"/>
+              </a:defRPr>
+            </a:lvl8pPr>
+            <a:lvl9pPr marR="0" lvl="8" algn="l" rtl="0">
+              <a:lnSpc>
+                <a:spcPct val="100000"/>
+              </a:lnSpc>
+              <a:spcBef>
+                <a:spcPts val="0"/>
+              </a:spcBef>
+              <a:spcAft>
+                <a:spcPts val="0"/>
+              </a:spcAft>
+              <a:buClr>
+                <a:schemeClr val="dk1"/>
+              </a:buClr>
+              <a:buSzPts val="2800"/>
+              <a:buFont typeface="Arial"/>
+              <a:buNone/>
+              <a:defRPr sz="2800" b="0" i="0" u="none" strike="noStrike" cap="none">
+                <a:solidFill>
+                  <a:schemeClr val="dk1"/>
+                </a:solidFill>
+                <a:latin typeface="Arial"/>
+                <a:ea typeface="Arial"/>
+                <a:cs typeface="Arial"/>
+                <a:sym typeface="Arial"/>
+              </a:defRPr>
+            </a:lvl9pPr>
+          </a:lstStyle>
+          <a:p>
+            <a:endParaRPr lang="pt-BR" sz="2500" dirty="0">
+              <a:latin typeface="+mn-lt"/>
+            </a:endParaRPr>
+          </a:p>
+        </p:txBody>
+      </p:sp>
+      <p:sp>
+        <p:nvSpPr>
+          <p:cNvPr id="5" name="Google Shape;395;p45">
+            <a:extLst>
+              <a:ext uri="{FF2B5EF4-FFF2-40B4-BE49-F238E27FC236}">
+                <a16:creationId xmlns:a16="http://schemas.microsoft.com/office/drawing/2014/main" id="{CE936A9C-F6C6-E142-55DA-D47FCF15E24D}"/>
+              </a:ext>
+            </a:extLst>
+          </p:cNvPr>
+          <p:cNvSpPr txBox="1">
+            <a:spLocks/>
+          </p:cNvSpPr>
+          <p:nvPr/>
+        </p:nvSpPr>
+        <p:spPr>
+          <a:xfrm>
+            <a:off x="0" y="0"/>
+            <a:ext cx="8832300" cy="575700"/>
+          </a:xfrm>
+          <a:prstGeom prst="rect">
+            <a:avLst/>
+          </a:prstGeom>
+          <a:noFill/>
+          <a:ln>
+            <a:noFill/>
+          </a:ln>
+        </p:spPr>
+        <p:txBody>
+          <a:bodyPr spcFirstLastPara="1" wrap="square" lIns="91425" tIns="91425" rIns="91425" bIns="91425" anchor="b" anchorCtr="0">
+            <a:normAutofit fontScale="97500"/>
+          </a:bodyPr>
+          <a:lstStyle>
+            <a:defPPr marR="0" lvl="0" algn="l" rtl="0">
+              <a:lnSpc>
+                <a:spcPct val="100000"/>
+              </a:lnSpc>
+              <a:spcBef>
+                <a:spcPts val="0"/>
+              </a:spcBef>
+              <a:spcAft>
+                <a:spcPts val="0"/>
+              </a:spcAft>
+            </a:defPPr>
+            <a:lvl1pPr marR="0" lvl="0" algn="l" rtl="0">
+              <a:lnSpc>
+                <a:spcPct val="100000"/>
+              </a:lnSpc>
+              <a:spcBef>
+                <a:spcPts val="0"/>
+              </a:spcBef>
+              <a:spcAft>
+                <a:spcPts val="0"/>
+              </a:spcAft>
+              <a:buClr>
+                <a:schemeClr val="dk1"/>
+              </a:buClr>
+              <a:buSzPts val="2800"/>
+              <a:buFont typeface="Arial"/>
+              <a:buNone/>
+              <a:defRPr sz="2800" b="0" i="0" u="none" strike="noStrike" cap="none">
+                <a:solidFill>
+                  <a:schemeClr val="dk1"/>
+                </a:solidFill>
+                <a:latin typeface="Arial"/>
+                <a:ea typeface="Arial"/>
+                <a:cs typeface="Arial"/>
+                <a:sym typeface="Arial"/>
+              </a:defRPr>
+            </a:lvl1pPr>
+            <a:lvl2pPr marR="0" lvl="1" algn="l" rtl="0">
+              <a:lnSpc>
+                <a:spcPct val="100000"/>
+              </a:lnSpc>
+              <a:spcBef>
+                <a:spcPts val="0"/>
+              </a:spcBef>
+              <a:spcAft>
+                <a:spcPts val="0"/>
+              </a:spcAft>
+              <a:buClr>
+                <a:schemeClr val="dk1"/>
+              </a:buClr>
+              <a:buSzPts val="2800"/>
+              <a:buFont typeface="Arial"/>
+              <a:buNone/>
+              <a:defRPr sz="2800" b="0" i="0" u="none" strike="noStrike" cap="none">
+                <a:solidFill>
+                  <a:schemeClr val="dk1"/>
+                </a:solidFill>
+                <a:latin typeface="Arial"/>
+                <a:ea typeface="Arial"/>
+                <a:cs typeface="Arial"/>
+                <a:sym typeface="Arial"/>
+              </a:defRPr>
+            </a:lvl2pPr>
+            <a:lvl3pPr marR="0" lvl="2" algn="l" rtl="0">
+              <a:lnSpc>
+                <a:spcPct val="100000"/>
+              </a:lnSpc>
+              <a:spcBef>
+                <a:spcPts val="0"/>
+              </a:spcBef>
+              <a:spcAft>
+                <a:spcPts val="0"/>
+              </a:spcAft>
+              <a:buClr>
+                <a:schemeClr val="dk1"/>
+              </a:buClr>
+              <a:buSzPts val="2800"/>
+              <a:buFont typeface="Arial"/>
+              <a:buNone/>
+              <a:defRPr sz="2800" b="0" i="0" u="none" strike="noStrike" cap="none">
+                <a:solidFill>
+                  <a:schemeClr val="dk1"/>
+                </a:solidFill>
+                <a:latin typeface="Arial"/>
+                <a:ea typeface="Arial"/>
+                <a:cs typeface="Arial"/>
+                <a:sym typeface="Arial"/>
+              </a:defRPr>
+            </a:lvl3pPr>
+            <a:lvl4pPr marR="0" lvl="3" algn="l" rtl="0">
+              <a:lnSpc>
+                <a:spcPct val="100000"/>
+              </a:lnSpc>
+              <a:spcBef>
+                <a:spcPts val="0"/>
+              </a:spcBef>
+              <a:spcAft>
+                <a:spcPts val="0"/>
+              </a:spcAft>
+              <a:buClr>
+                <a:schemeClr val="dk1"/>
+              </a:buClr>
+              <a:buSzPts val="2800"/>
+              <a:buFont typeface="Arial"/>
+              <a:buNone/>
+              <a:defRPr sz="2800" b="0" i="0" u="none" strike="noStrike" cap="none">
+                <a:solidFill>
+                  <a:schemeClr val="dk1"/>
+                </a:solidFill>
+                <a:latin typeface="Arial"/>
+                <a:ea typeface="Arial"/>
+                <a:cs typeface="Arial"/>
+                <a:sym typeface="Arial"/>
+              </a:defRPr>
+            </a:lvl4pPr>
+            <a:lvl5pPr marR="0" lvl="4" algn="l" rtl="0">
+              <a:lnSpc>
+                <a:spcPct val="100000"/>
+              </a:lnSpc>
+              <a:spcBef>
+                <a:spcPts val="0"/>
+              </a:spcBef>
+              <a:spcAft>
+                <a:spcPts val="0"/>
+              </a:spcAft>
+              <a:buClr>
+                <a:schemeClr val="dk1"/>
+              </a:buClr>
+              <a:buSzPts val="2800"/>
+              <a:buFont typeface="Arial"/>
+              <a:buNone/>
+              <a:defRPr sz="2800" b="0" i="0" u="none" strike="noStrike" cap="none">
+                <a:solidFill>
+                  <a:schemeClr val="dk1"/>
+                </a:solidFill>
+                <a:latin typeface="Arial"/>
+                <a:ea typeface="Arial"/>
+                <a:cs typeface="Arial"/>
+                <a:sym typeface="Arial"/>
+              </a:defRPr>
+            </a:lvl5pPr>
+            <a:lvl6pPr marR="0" lvl="5" algn="l" rtl="0">
+              <a:lnSpc>
+                <a:spcPct val="100000"/>
+              </a:lnSpc>
+              <a:spcBef>
+                <a:spcPts val="0"/>
+              </a:spcBef>
+              <a:spcAft>
+                <a:spcPts val="0"/>
+              </a:spcAft>
+              <a:buClr>
+                <a:schemeClr val="dk1"/>
+              </a:buClr>
+              <a:buSzPts val="2800"/>
+              <a:buFont typeface="Arial"/>
+              <a:buNone/>
+              <a:defRPr sz="2800" b="0" i="0" u="none" strike="noStrike" cap="none">
+                <a:solidFill>
+                  <a:schemeClr val="dk1"/>
+                </a:solidFill>
+                <a:latin typeface="Arial"/>
+                <a:ea typeface="Arial"/>
+                <a:cs typeface="Arial"/>
+                <a:sym typeface="Arial"/>
+              </a:defRPr>
+            </a:lvl6pPr>
+            <a:lvl7pPr marR="0" lvl="6" algn="l" rtl="0">
+              <a:lnSpc>
+                <a:spcPct val="100000"/>
+              </a:lnSpc>
+              <a:spcBef>
+                <a:spcPts val="0"/>
+              </a:spcBef>
+              <a:spcAft>
+                <a:spcPts val="0"/>
+              </a:spcAft>
+              <a:buClr>
+                <a:schemeClr val="dk1"/>
+              </a:buClr>
+              <a:buSzPts val="2800"/>
+              <a:buFont typeface="Arial"/>
+              <a:buNone/>
+              <a:defRPr sz="2800" b="0" i="0" u="none" strike="noStrike" cap="none">
+                <a:solidFill>
+                  <a:schemeClr val="dk1"/>
+                </a:solidFill>
+                <a:latin typeface="Arial"/>
+                <a:ea typeface="Arial"/>
+                <a:cs typeface="Arial"/>
+                <a:sym typeface="Arial"/>
+              </a:defRPr>
+            </a:lvl7pPr>
+            <a:lvl8pPr marR="0" lvl="7" algn="l" rtl="0">
+              <a:lnSpc>
+                <a:spcPct val="100000"/>
+              </a:lnSpc>
+              <a:spcBef>
+                <a:spcPts val="0"/>
+              </a:spcBef>
+              <a:spcAft>
+                <a:spcPts val="0"/>
+              </a:spcAft>
+              <a:buClr>
+                <a:schemeClr val="dk1"/>
+              </a:buClr>
+              <a:buSzPts val="2800"/>
+              <a:buFont typeface="Arial"/>
+              <a:buNone/>
+              <a:defRPr sz="2800" b="0" i="0" u="none" strike="noStrike" cap="none">
+                <a:solidFill>
+                  <a:schemeClr val="dk1"/>
+                </a:solidFill>
+                <a:latin typeface="Arial"/>
+                <a:ea typeface="Arial"/>
+                <a:cs typeface="Arial"/>
+                <a:sym typeface="Arial"/>
+              </a:defRPr>
+            </a:lvl8pPr>
+            <a:lvl9pPr marR="0" lvl="8" algn="l" rtl="0">
+              <a:lnSpc>
+                <a:spcPct val="100000"/>
+              </a:lnSpc>
+              <a:spcBef>
+                <a:spcPts val="0"/>
+              </a:spcBef>
+              <a:spcAft>
+                <a:spcPts val="0"/>
+              </a:spcAft>
+              <a:buClr>
+                <a:schemeClr val="dk1"/>
+              </a:buClr>
+              <a:buSzPts val="2800"/>
+              <a:buFont typeface="Arial"/>
+              <a:buNone/>
+              <a:defRPr sz="2800" b="0" i="0" u="none" strike="noStrike" cap="none">
+                <a:solidFill>
+                  <a:schemeClr val="dk1"/>
+                </a:solidFill>
+                <a:latin typeface="Arial"/>
+                <a:ea typeface="Arial"/>
+                <a:cs typeface="Arial"/>
+                <a:sym typeface="Arial"/>
+              </a:defRPr>
+            </a:lvl9pPr>
+          </a:lstStyle>
+          <a:p>
+            <a:r>
+              <a:rPr lang="pt-BR" sz="2500" dirty="0">
+                <a:latin typeface="+mn-lt"/>
+              </a:rPr>
+              <a:t>Proposta de novo modelo de rede neural </a:t>
+            </a:r>
+          </a:p>
+        </p:txBody>
+      </p:sp>
+      <mc:AlternateContent xmlns:mc="http://schemas.openxmlformats.org/markup-compatibility/2006">
+        <mc:Choice xmlns:a14="http://schemas.microsoft.com/office/drawing/2010/main" Requires="a14">
+          <p:sp>
+            <p:nvSpPr>
+              <p:cNvPr id="33" name="TextBox 32">
+                <a:extLst>
+                  <a:ext uri="{FF2B5EF4-FFF2-40B4-BE49-F238E27FC236}">
+                    <a16:creationId xmlns:a16="http://schemas.microsoft.com/office/drawing/2014/main" id="{7C0A4B99-5181-B2B0-7BC1-6EE3C60137AB}"/>
+                  </a:ext>
+                </a:extLst>
+              </p:cNvPr>
+              <p:cNvSpPr txBox="1"/>
+              <p:nvPr/>
+            </p:nvSpPr>
+            <p:spPr>
+              <a:xfrm>
+                <a:off x="5675125" y="817010"/>
+                <a:ext cx="360996" cy="276999"/>
+              </a:xfrm>
+              <a:prstGeom prst="rect">
+                <a:avLst/>
+              </a:prstGeom>
+              <a:noFill/>
+            </p:spPr>
+            <p:txBody>
+              <a:bodyPr wrap="none" rtlCol="0">
+                <a:spAutoFit/>
+              </a:bodyPr>
+              <a:lstStyle/>
+              <a:p>
+                <a14:m>
+                  <m:oMath xmlns:m="http://schemas.openxmlformats.org/officeDocument/2006/math">
+                    <m:r>
+                      <a:rPr lang="pt-BR" sz="1200" b="0" i="1" smtClean="0">
+                        <a:latin typeface="Cambria Math" panose="02040503050406030204" pitchFamily="18" charset="0"/>
+                        <a:ea typeface="Cambria Math" panose="02040503050406030204" pitchFamily="18" charset="0"/>
+                      </a:rPr>
+                      <m:t>∆</m:t>
+                    </m:r>
+                  </m:oMath>
+                </a14:m>
+                <a:r>
+                  <a:rPr lang="pt-BR" sz="1100" dirty="0"/>
+                  <a:t>L</a:t>
+                </a:r>
+                <a:endParaRPr lang="pt-BR" sz="1200" b="1" dirty="0"/>
+              </a:p>
+            </p:txBody>
+          </p:sp>
+        </mc:Choice>
+        <mc:Fallback>
+          <p:sp>
+            <p:nvSpPr>
+              <p:cNvPr id="33" name="TextBox 32">
+                <a:extLst>
+                  <a:ext uri="{FF2B5EF4-FFF2-40B4-BE49-F238E27FC236}">
+                    <a16:creationId xmlns:a16="http://schemas.microsoft.com/office/drawing/2014/main" id="{7C0A4B99-5181-B2B0-7BC1-6EE3C60137AB}"/>
+                  </a:ext>
+                </a:extLst>
+              </p:cNvPr>
+              <p:cNvSpPr txBox="1">
+                <a:spLocks noRot="1" noChangeAspect="1" noMove="1" noResize="1" noEditPoints="1" noAdjustHandles="1" noChangeArrowheads="1" noChangeShapeType="1" noTextEdit="1"/>
+              </p:cNvSpPr>
+              <p:nvPr/>
+            </p:nvSpPr>
+            <p:spPr>
+              <a:xfrm>
+                <a:off x="5675125" y="817010"/>
+                <a:ext cx="360996" cy="276999"/>
+              </a:xfrm>
+              <a:prstGeom prst="rect">
+                <a:avLst/>
+              </a:prstGeom>
+              <a:blipFill>
+                <a:blip r:embed="rId3"/>
+                <a:stretch>
+                  <a:fillRect b="-13333"/>
+                </a:stretch>
+              </a:blipFill>
+            </p:spPr>
+            <p:txBody>
+              <a:bodyPr/>
+              <a:lstStyle/>
+              <a:p>
+                <a:r>
+                  <a:rPr lang="pt-BR">
+                    <a:noFill/>
+                  </a:rPr>
+                  <a:t> </a:t>
+                </a:r>
+              </a:p>
+            </p:txBody>
+          </p:sp>
+        </mc:Fallback>
+      </mc:AlternateContent>
+      <p:pic>
+        <p:nvPicPr>
+          <p:cNvPr id="2" name="Picture 1">
+            <a:extLst>
+              <a:ext uri="{FF2B5EF4-FFF2-40B4-BE49-F238E27FC236}">
+                <a16:creationId xmlns:a16="http://schemas.microsoft.com/office/drawing/2014/main" id="{773AFAF0-8E56-8083-07BF-F32450ABBF48}"/>
+              </a:ext>
+            </a:extLst>
+          </p:cNvPr>
+          <p:cNvPicPr>
+            <a:picLocks noChangeAspect="1"/>
+          </p:cNvPicPr>
+          <p:nvPr/>
+        </p:nvPicPr>
+        <p:blipFill rotWithShape="1">
+          <a:blip r:embed="rId4"/>
+          <a:srcRect l="14268" t="5786" r="33531" b="57797"/>
+          <a:stretch/>
+        </p:blipFill>
+        <p:spPr>
+          <a:xfrm>
+            <a:off x="303336" y="645141"/>
+            <a:ext cx="3345069" cy="1558798"/>
+          </a:xfrm>
+          <a:prstGeom prst="rect">
+            <a:avLst/>
+          </a:prstGeom>
+        </p:spPr>
+      </p:pic>
+      <mc:AlternateContent xmlns:mc="http://schemas.openxmlformats.org/markup-compatibility/2006">
+        <mc:Choice xmlns:a14="http://schemas.microsoft.com/office/drawing/2010/main" Requires="a14">
+          <p:sp>
+            <p:nvSpPr>
+              <p:cNvPr id="3" name="TextBox 2">
+                <a:extLst>
+                  <a:ext uri="{FF2B5EF4-FFF2-40B4-BE49-F238E27FC236}">
+                    <a16:creationId xmlns:a16="http://schemas.microsoft.com/office/drawing/2014/main" id="{54E7E00D-1348-5CC3-48D7-19E0C3250BD2}"/>
+                  </a:ext>
+                </a:extLst>
+              </p:cNvPr>
+              <p:cNvSpPr txBox="1"/>
+              <p:nvPr/>
+            </p:nvSpPr>
+            <p:spPr>
+              <a:xfrm>
+                <a:off x="668785" y="747090"/>
+                <a:ext cx="360996" cy="276999"/>
+              </a:xfrm>
+              <a:prstGeom prst="rect">
+                <a:avLst/>
+              </a:prstGeom>
+              <a:noFill/>
+            </p:spPr>
+            <p:txBody>
+              <a:bodyPr wrap="none" rtlCol="0">
+                <a:spAutoFit/>
+              </a:bodyPr>
+              <a:lstStyle/>
+              <a:p>
+                <a14:m>
+                  <m:oMath xmlns:m="http://schemas.openxmlformats.org/officeDocument/2006/math">
+                    <m:r>
+                      <a:rPr lang="pt-BR" sz="1200" b="0" i="1" smtClean="0">
+                        <a:latin typeface="Cambria Math" panose="02040503050406030204" pitchFamily="18" charset="0"/>
+                        <a:ea typeface="Cambria Math" panose="02040503050406030204" pitchFamily="18" charset="0"/>
+                      </a:rPr>
+                      <m:t>∆</m:t>
+                    </m:r>
+                  </m:oMath>
+                </a14:m>
+                <a:r>
+                  <a:rPr lang="pt-BR" sz="1100" dirty="0"/>
+                  <a:t>L</a:t>
+                </a:r>
+                <a:endParaRPr lang="pt-BR" sz="1200" b="1" dirty="0"/>
+              </a:p>
+            </p:txBody>
+          </p:sp>
+        </mc:Choice>
+        <mc:Fallback>
+          <p:sp>
+            <p:nvSpPr>
+              <p:cNvPr id="3" name="TextBox 2">
+                <a:extLst>
+                  <a:ext uri="{FF2B5EF4-FFF2-40B4-BE49-F238E27FC236}">
+                    <a16:creationId xmlns:a16="http://schemas.microsoft.com/office/drawing/2014/main" id="{54E7E00D-1348-5CC3-48D7-19E0C3250BD2}"/>
+                  </a:ext>
+                </a:extLst>
+              </p:cNvPr>
+              <p:cNvSpPr txBox="1">
+                <a:spLocks noRot="1" noChangeAspect="1" noMove="1" noResize="1" noEditPoints="1" noAdjustHandles="1" noChangeArrowheads="1" noChangeShapeType="1" noTextEdit="1"/>
+              </p:cNvSpPr>
+              <p:nvPr/>
+            </p:nvSpPr>
+            <p:spPr>
+              <a:xfrm>
+                <a:off x="668785" y="747090"/>
+                <a:ext cx="360996" cy="276999"/>
+              </a:xfrm>
+              <a:prstGeom prst="rect">
+                <a:avLst/>
+              </a:prstGeom>
+              <a:blipFill>
+                <a:blip r:embed="rId5"/>
+                <a:stretch>
+                  <a:fillRect b="-13333"/>
+                </a:stretch>
+              </a:blipFill>
+            </p:spPr>
+            <p:txBody>
+              <a:bodyPr/>
+              <a:lstStyle/>
+              <a:p>
+                <a:r>
+                  <a:rPr lang="pt-BR">
+                    <a:noFill/>
+                  </a:rPr>
+                  <a:t> </a:t>
+                </a:r>
+              </a:p>
+            </p:txBody>
+          </p:sp>
+        </mc:Fallback>
+      </mc:AlternateContent>
+      <p:sp>
+        <p:nvSpPr>
+          <p:cNvPr id="9" name="TextBox 8">
+            <a:extLst>
+              <a:ext uri="{FF2B5EF4-FFF2-40B4-BE49-F238E27FC236}">
+                <a16:creationId xmlns:a16="http://schemas.microsoft.com/office/drawing/2014/main" id="{0217AB85-7175-F23D-09A7-CEDCB030E01D}"/>
+              </a:ext>
+            </a:extLst>
+          </p:cNvPr>
+          <p:cNvSpPr txBox="1"/>
+          <p:nvPr/>
+        </p:nvSpPr>
+        <p:spPr>
+          <a:xfrm>
+            <a:off x="1175770" y="2204002"/>
+            <a:ext cx="1600200" cy="276999"/>
+          </a:xfrm>
+          <a:prstGeom prst="rect">
+            <a:avLst/>
+          </a:prstGeom>
+          <a:noFill/>
+        </p:spPr>
+        <p:txBody>
+          <a:bodyPr wrap="square" rtlCol="0">
+            <a:spAutoFit/>
+          </a:bodyPr>
+          <a:lstStyle/>
+          <a:p>
+            <a:r>
+              <a:rPr lang="pt-BR" sz="1200" b="1" dirty="0">
+                <a:latin typeface="+mj-lt"/>
+              </a:rPr>
+              <a:t>Modelo paralelo</a:t>
+            </a:r>
+            <a:endParaRPr lang="pt-BR" sz="1050" b="1" dirty="0">
+              <a:latin typeface="+mj-lt"/>
+            </a:endParaRPr>
+          </a:p>
+        </p:txBody>
+      </p:sp>
+      <p:sp>
+        <p:nvSpPr>
+          <p:cNvPr id="10" name="TextBox 9">
+            <a:extLst>
+              <a:ext uri="{FF2B5EF4-FFF2-40B4-BE49-F238E27FC236}">
+                <a16:creationId xmlns:a16="http://schemas.microsoft.com/office/drawing/2014/main" id="{215DC632-D3B1-4994-CE31-371A9F9C163E}"/>
+              </a:ext>
+            </a:extLst>
+          </p:cNvPr>
+          <p:cNvSpPr txBox="1"/>
+          <p:nvPr/>
+        </p:nvSpPr>
+        <p:spPr>
+          <a:xfrm>
+            <a:off x="6720869" y="2204002"/>
+            <a:ext cx="1600200" cy="276999"/>
+          </a:xfrm>
+          <a:prstGeom prst="rect">
+            <a:avLst/>
+          </a:prstGeom>
+          <a:noFill/>
+        </p:spPr>
+        <p:txBody>
+          <a:bodyPr wrap="square" rtlCol="0">
+            <a:spAutoFit/>
+          </a:bodyPr>
+          <a:lstStyle/>
+          <a:p>
+            <a:r>
+              <a:rPr lang="pt-BR" sz="1200" b="1" dirty="0">
+                <a:latin typeface="+mj-lt"/>
+              </a:rPr>
+              <a:t>Modelo série</a:t>
+            </a:r>
+            <a:endParaRPr lang="pt-BR" sz="1050" b="1" dirty="0">
+              <a:latin typeface="+mj-lt"/>
+            </a:endParaRPr>
+          </a:p>
+        </p:txBody>
+      </p:sp>
+      <p:sp>
+        <p:nvSpPr>
+          <p:cNvPr id="12" name="TextBox 11">
+            <a:extLst>
+              <a:ext uri="{FF2B5EF4-FFF2-40B4-BE49-F238E27FC236}">
+                <a16:creationId xmlns:a16="http://schemas.microsoft.com/office/drawing/2014/main" id="{CFC43339-4DF6-77F5-A4E4-2272866F41FF}"/>
+              </a:ext>
+            </a:extLst>
+          </p:cNvPr>
+          <p:cNvSpPr txBox="1"/>
+          <p:nvPr/>
+        </p:nvSpPr>
+        <p:spPr>
+          <a:xfrm>
+            <a:off x="446442" y="2571750"/>
+            <a:ext cx="8190548" cy="492443"/>
+          </a:xfrm>
+          <a:prstGeom prst="rect">
+            <a:avLst/>
+          </a:prstGeom>
+          <a:noFill/>
+        </p:spPr>
+        <p:txBody>
+          <a:bodyPr wrap="square" rtlCol="0">
+            <a:spAutoFit/>
+          </a:bodyPr>
+          <a:lstStyle/>
+          <a:p>
+            <a:pPr algn="just"/>
+            <a:r>
+              <a:rPr lang="pt-BR" sz="1300" dirty="0"/>
+              <a:t>A motivação para a transição de um modelo paralelo para um modelo em série reside na capacidade de encaixar, topologicamente, mais taps em um circuito hexagonal. </a:t>
+            </a:r>
+          </a:p>
+        </p:txBody>
+      </p:sp>
+      <p:sp>
+        <p:nvSpPr>
+          <p:cNvPr id="14" name="TextBox 13">
+            <a:extLst>
+              <a:ext uri="{FF2B5EF4-FFF2-40B4-BE49-F238E27FC236}">
+                <a16:creationId xmlns:a16="http://schemas.microsoft.com/office/drawing/2014/main" id="{DBE7F078-10FA-A3DD-8517-F76EB738E72F}"/>
+              </a:ext>
+            </a:extLst>
+          </p:cNvPr>
+          <p:cNvSpPr txBox="1"/>
+          <p:nvPr/>
+        </p:nvSpPr>
+        <p:spPr>
+          <a:xfrm>
+            <a:off x="446442" y="3154942"/>
+            <a:ext cx="7539318" cy="292388"/>
+          </a:xfrm>
+          <a:prstGeom prst="rect">
+            <a:avLst/>
+          </a:prstGeom>
+          <a:noFill/>
+        </p:spPr>
+        <p:txBody>
+          <a:bodyPr wrap="square">
+            <a:spAutoFit/>
+          </a:bodyPr>
+          <a:lstStyle/>
+          <a:p>
+            <a:r>
+              <a:rPr lang="pt-BR" sz="1300" dirty="0"/>
+              <a:t>Teoricamente, para se realizar essa transição é necessário considerar alguns pontos:</a:t>
+            </a:r>
+          </a:p>
+        </p:txBody>
+      </p:sp>
+      <p:sp>
+        <p:nvSpPr>
+          <p:cNvPr id="16" name="TextBox 15">
+            <a:extLst>
+              <a:ext uri="{FF2B5EF4-FFF2-40B4-BE49-F238E27FC236}">
+                <a16:creationId xmlns:a16="http://schemas.microsoft.com/office/drawing/2014/main" id="{3D1F7B29-A338-C02B-AD16-836AAE6FDE5E}"/>
+              </a:ext>
+            </a:extLst>
+          </p:cNvPr>
+          <p:cNvSpPr txBox="1"/>
+          <p:nvPr/>
+        </p:nvSpPr>
+        <p:spPr>
+          <a:xfrm>
+            <a:off x="457592" y="3563630"/>
+            <a:ext cx="8266356" cy="692497"/>
+          </a:xfrm>
+          <a:prstGeom prst="rect">
+            <a:avLst/>
+          </a:prstGeom>
+          <a:noFill/>
+        </p:spPr>
+        <p:txBody>
+          <a:bodyPr wrap="square">
+            <a:spAutoFit/>
+          </a:bodyPr>
+          <a:lstStyle/>
+          <a:p>
+            <a:pPr marL="285750" indent="-285750" algn="just">
+              <a:buFont typeface="Arial" panose="020B0604020202020204" pitchFamily="34" charset="0"/>
+              <a:buChar char="•"/>
+            </a:pPr>
+            <a:r>
+              <a:rPr lang="pt-BR" sz="1300" dirty="0"/>
+              <a:t>Ao invés de um spliting de potência </a:t>
+            </a:r>
+            <a:r>
+              <a:rPr lang="pt-BR" sz="1300" b="1" dirty="0"/>
+              <a:t>1:N</a:t>
+            </a:r>
+            <a:r>
+              <a:rPr lang="pt-BR" sz="1300" dirty="0"/>
+              <a:t>, seriam necessários N-1 splittings </a:t>
+            </a:r>
+            <a:r>
+              <a:rPr lang="pt-BR" sz="1300" b="1" dirty="0"/>
+              <a:t>1:2</a:t>
+            </a:r>
+            <a:r>
+              <a:rPr lang="pt-BR" sz="1300" dirty="0"/>
+              <a:t>. Isso implica que para resultar no mesmo efeito (saídas homogêneas), as proporções de splittings devem ser diferentes para cada estágio de splitting.</a:t>
+            </a:r>
+          </a:p>
+        </p:txBody>
+      </p:sp>
+      <mc:AlternateContent xmlns:mc="http://schemas.openxmlformats.org/markup-compatibility/2006">
+        <mc:Choice xmlns:a14="http://schemas.microsoft.com/office/drawing/2010/main" Requires="a14">
+          <p:sp>
+            <p:nvSpPr>
+              <p:cNvPr id="17" name="TextBox 16">
+                <a:extLst>
+                  <a:ext uri="{FF2B5EF4-FFF2-40B4-BE49-F238E27FC236}">
+                    <a16:creationId xmlns:a16="http://schemas.microsoft.com/office/drawing/2014/main" id="{960AD84A-FCD5-72FB-AC06-B32B91D3EA65}"/>
+                  </a:ext>
+                </a:extLst>
+              </p:cNvPr>
+              <p:cNvSpPr txBox="1"/>
+              <p:nvPr/>
+            </p:nvSpPr>
+            <p:spPr>
+              <a:xfrm>
+                <a:off x="457592" y="4231606"/>
+                <a:ext cx="8168248" cy="692497"/>
+              </a:xfrm>
+              <a:prstGeom prst="rect">
+                <a:avLst/>
+              </a:prstGeom>
+              <a:noFill/>
+            </p:spPr>
+            <p:txBody>
+              <a:bodyPr wrap="square">
+                <a:spAutoFit/>
+              </a:bodyPr>
+              <a:lstStyle/>
+              <a:p>
+                <a:pPr marL="285750" indent="-285750" algn="just">
+                  <a:buFont typeface="Arial" panose="020B0604020202020204" pitchFamily="34" charset="0"/>
+                  <a:buChar char="•"/>
+                </a:pPr>
+                <a:r>
+                  <a:rPr lang="pt-BR" sz="1300" dirty="0"/>
+                  <a:t>A presença de diversos estágios de splitting no caminho percorrido de um sinal poderá implicar em </a:t>
+                </a:r>
+                <a:r>
+                  <a:rPr lang="pt-BR" sz="1300" b="1" dirty="0"/>
+                  <a:t>efeitos adicionais </a:t>
+                </a:r>
+                <a:r>
+                  <a:rPr lang="pt-BR" sz="1300" dirty="0"/>
+                  <a:t>(como mudança de fase), que poderiam ser compensados pelos phase-shifters a posteriori. Caso contrário isso resultará necessariamente em uma nova representação do sinal final </a:t>
+                </a:r>
+                <a14:m>
+                  <m:oMath xmlns:m="http://schemas.openxmlformats.org/officeDocument/2006/math">
+                    <m:r>
+                      <a:rPr lang="pt-BR" sz="1300" b="0" i="1" smtClean="0">
+                        <a:latin typeface="Cambria Math" panose="02040503050406030204" pitchFamily="18" charset="0"/>
+                      </a:rPr>
+                      <m:t>𝑦</m:t>
+                    </m:r>
+                    <m:r>
+                      <a:rPr lang="pt-BR" sz="1300" b="0" i="1" smtClean="0">
+                        <a:latin typeface="Cambria Math" panose="02040503050406030204" pitchFamily="18" charset="0"/>
+                      </a:rPr>
+                      <m:t>(</m:t>
+                    </m:r>
+                    <m:r>
+                      <a:rPr lang="pt-BR" sz="1300" b="0" i="1" smtClean="0">
+                        <a:latin typeface="Cambria Math" panose="02040503050406030204" pitchFamily="18" charset="0"/>
+                      </a:rPr>
+                      <m:t>𝑡</m:t>
+                    </m:r>
+                    <m:r>
+                      <a:rPr lang="pt-BR" sz="1300" b="0" i="1" smtClean="0">
+                        <a:latin typeface="Cambria Math" panose="02040503050406030204" pitchFamily="18" charset="0"/>
+                      </a:rPr>
+                      <m:t>)</m:t>
+                    </m:r>
+                  </m:oMath>
+                </a14:m>
+                <a:endParaRPr lang="pt-BR" sz="1300" dirty="0"/>
+              </a:p>
+            </p:txBody>
+          </p:sp>
+        </mc:Choice>
+        <mc:Fallback>
+          <p:sp>
+            <p:nvSpPr>
+              <p:cNvPr id="17" name="TextBox 16">
+                <a:extLst>
+                  <a:ext uri="{FF2B5EF4-FFF2-40B4-BE49-F238E27FC236}">
+                    <a16:creationId xmlns:a16="http://schemas.microsoft.com/office/drawing/2014/main" id="{960AD84A-FCD5-72FB-AC06-B32B91D3EA65}"/>
+                  </a:ext>
+                </a:extLst>
+              </p:cNvPr>
+              <p:cNvSpPr txBox="1">
+                <a:spLocks noRot="1" noChangeAspect="1" noMove="1" noResize="1" noEditPoints="1" noAdjustHandles="1" noChangeArrowheads="1" noChangeShapeType="1" noTextEdit="1"/>
+              </p:cNvSpPr>
+              <p:nvPr/>
+            </p:nvSpPr>
+            <p:spPr>
+              <a:xfrm>
+                <a:off x="457592" y="4231606"/>
+                <a:ext cx="8168248" cy="692497"/>
+              </a:xfrm>
+              <a:prstGeom prst="rect">
+                <a:avLst/>
+              </a:prstGeom>
+              <a:blipFill>
+                <a:blip r:embed="rId6"/>
+                <a:stretch>
+                  <a:fillRect t="-877" r="-149" b="-6140"/>
+                </a:stretch>
+              </a:blipFill>
+            </p:spPr>
+            <p:txBody>
+              <a:bodyPr/>
+              <a:lstStyle/>
+              <a:p>
+                <a:r>
+                  <a:rPr lang="pt-BR">
+                    <a:noFill/>
+                  </a:rPr>
+                  <a:t> </a:t>
+                </a:r>
+              </a:p>
+            </p:txBody>
+          </p:sp>
+        </mc:Fallback>
+      </mc:AlternateContent>
+    </p:spTree>
+    <p:extLst>
+      <p:ext uri="{BB962C8B-B14F-4D97-AF65-F5344CB8AC3E}">
+        <p14:creationId xmlns:p14="http://schemas.microsoft.com/office/powerpoint/2010/main" val="1605725609"/>
+      </p:ext>
+    </p:extLst>
+  </p:cSld>
+  <p:clrMapOvr>
+    <a:masterClrMapping/>
+  </p:clrMapOvr>
+</p:sld>
+</file>
+
+<file path=ppt/slides/slide18.xml><?xml version="1.0" encoding="utf-8"?>
+<p:sld xmlns:a="http://schemas.openxmlformats.org/drawingml/2006/main" xmlns:r="http://schemas.openxmlformats.org/officeDocument/2006/relationships" xmlns:p="http://schemas.openxmlformats.org/presentationml/2006/main">
+  <p:cSld>
+    <p:spTree>
+      <p:nvGrpSpPr>
+        <p:cNvPr id="1" name=""/>
+        <p:cNvGrpSpPr/>
+        <p:nvPr/>
+      </p:nvGrpSpPr>
+      <p:grpSpPr>
+        <a:xfrm>
+          <a:off x="0" y="0"/>
+          <a:ext cx="0" cy="0"/>
+          <a:chOff x="0" y="0"/>
+          <a:chExt cx="0" cy="0"/>
+        </a:xfrm>
+      </p:grpSpPr>
+      <p:sp>
+        <p:nvSpPr>
+          <p:cNvPr id="4" name="Slide Number Placeholder 3">
+            <a:extLst>
+              <a:ext uri="{FF2B5EF4-FFF2-40B4-BE49-F238E27FC236}">
+                <a16:creationId xmlns:a16="http://schemas.microsoft.com/office/drawing/2014/main" id="{DD6D8166-12CE-09CD-18CF-427B82E9A196}"/>
+              </a:ext>
+            </a:extLst>
+          </p:cNvPr>
+          <p:cNvSpPr>
+            <a:spLocks noGrp="1" noRot="1" noMove="1" noResize="1" noEditPoints="1" noAdjustHandles="1" noChangeArrowheads="1" noChangeShapeType="1"/>
+          </p:cNvSpPr>
+          <p:nvPr>
+            <p:ph type="sldNum" idx="12"/>
+          </p:nvPr>
+        </p:nvSpPr>
+        <p:spPr/>
+        <p:txBody>
+          <a:bodyPr/>
+          <a:lstStyle/>
+          <a:p>
+            <a:pPr marL="0" lvl="0" indent="0" algn="r" rtl="0">
+              <a:spcBef>
+                <a:spcPts val="0"/>
+              </a:spcBef>
+              <a:spcAft>
+                <a:spcPts val="0"/>
+              </a:spcAft>
+              <a:buNone/>
+            </a:pPr>
+            <a:fld id="{00000000-1234-1234-1234-123412341234}" type="slidenum">
+              <a:rPr lang="pt-BR" smtClean="0"/>
+              <a:t>18</a:t>
+            </a:fld>
+            <a:endParaRPr lang="pt-BR" dirty="0"/>
+          </a:p>
+        </p:txBody>
+      </p:sp>
+      <p:sp>
+        <p:nvSpPr>
+          <p:cNvPr id="11" name="Google Shape;395;p45">
+            <a:extLst>
+              <a:ext uri="{FF2B5EF4-FFF2-40B4-BE49-F238E27FC236}">
+                <a16:creationId xmlns:a16="http://schemas.microsoft.com/office/drawing/2014/main" id="{5097425B-F07C-BEF9-9436-BDE5F00B62EE}"/>
+              </a:ext>
+            </a:extLst>
+          </p:cNvPr>
+          <p:cNvSpPr txBox="1">
+            <a:spLocks/>
+          </p:cNvSpPr>
+          <p:nvPr/>
+        </p:nvSpPr>
+        <p:spPr>
+          <a:xfrm>
+            <a:off x="0" y="0"/>
+            <a:ext cx="8832300" cy="575700"/>
+          </a:xfrm>
+          <a:prstGeom prst="rect">
+            <a:avLst/>
+          </a:prstGeom>
+          <a:noFill/>
+          <a:ln>
+            <a:noFill/>
+          </a:ln>
+        </p:spPr>
+        <p:txBody>
+          <a:bodyPr spcFirstLastPara="1" wrap="square" lIns="91425" tIns="91425" rIns="91425" bIns="91425" anchor="b" anchorCtr="0">
+            <a:normAutofit fontScale="97500"/>
+          </a:bodyPr>
+          <a:lstStyle>
+            <a:defPPr marR="0" lvl="0" algn="l" rtl="0">
+              <a:lnSpc>
+                <a:spcPct val="100000"/>
+              </a:lnSpc>
+              <a:spcBef>
+                <a:spcPts val="0"/>
+              </a:spcBef>
+              <a:spcAft>
+                <a:spcPts val="0"/>
+              </a:spcAft>
+            </a:defPPr>
+            <a:lvl1pPr marR="0" lvl="0" algn="l" rtl="0">
+              <a:lnSpc>
+                <a:spcPct val="100000"/>
+              </a:lnSpc>
+              <a:spcBef>
+                <a:spcPts val="0"/>
+              </a:spcBef>
+              <a:spcAft>
+                <a:spcPts val="0"/>
+              </a:spcAft>
+              <a:buClr>
+                <a:schemeClr val="dk1"/>
+              </a:buClr>
+              <a:buSzPts val="2800"/>
+              <a:buFont typeface="Arial"/>
+              <a:buNone/>
+              <a:defRPr sz="2800" b="0" i="0" u="none" strike="noStrike" cap="none">
+                <a:solidFill>
+                  <a:schemeClr val="dk1"/>
+                </a:solidFill>
+                <a:latin typeface="Arial"/>
+                <a:ea typeface="Arial"/>
+                <a:cs typeface="Arial"/>
+                <a:sym typeface="Arial"/>
+              </a:defRPr>
+            </a:lvl1pPr>
+            <a:lvl2pPr marR="0" lvl="1" algn="l" rtl="0">
+              <a:lnSpc>
+                <a:spcPct val="100000"/>
+              </a:lnSpc>
+              <a:spcBef>
+                <a:spcPts val="0"/>
+              </a:spcBef>
+              <a:spcAft>
+                <a:spcPts val="0"/>
+              </a:spcAft>
+              <a:buClr>
+                <a:schemeClr val="dk1"/>
+              </a:buClr>
+              <a:buSzPts val="2800"/>
+              <a:buFont typeface="Arial"/>
+              <a:buNone/>
+              <a:defRPr sz="2800" b="0" i="0" u="none" strike="noStrike" cap="none">
+                <a:solidFill>
+                  <a:schemeClr val="dk1"/>
+                </a:solidFill>
+                <a:latin typeface="Arial"/>
+                <a:ea typeface="Arial"/>
+                <a:cs typeface="Arial"/>
+                <a:sym typeface="Arial"/>
+              </a:defRPr>
+            </a:lvl2pPr>
+            <a:lvl3pPr marR="0" lvl="2" algn="l" rtl="0">
+              <a:lnSpc>
+                <a:spcPct val="100000"/>
+              </a:lnSpc>
+              <a:spcBef>
+                <a:spcPts val="0"/>
+              </a:spcBef>
+              <a:spcAft>
+                <a:spcPts val="0"/>
+              </a:spcAft>
+              <a:buClr>
+                <a:schemeClr val="dk1"/>
+              </a:buClr>
+              <a:buSzPts val="2800"/>
+              <a:buFont typeface="Arial"/>
+              <a:buNone/>
+              <a:defRPr sz="2800" b="0" i="0" u="none" strike="noStrike" cap="none">
+                <a:solidFill>
+                  <a:schemeClr val="dk1"/>
+                </a:solidFill>
+                <a:latin typeface="Arial"/>
+                <a:ea typeface="Arial"/>
+                <a:cs typeface="Arial"/>
+                <a:sym typeface="Arial"/>
+              </a:defRPr>
+            </a:lvl3pPr>
+            <a:lvl4pPr marR="0" lvl="3" algn="l" rtl="0">
+              <a:lnSpc>
+                <a:spcPct val="100000"/>
+              </a:lnSpc>
+              <a:spcBef>
+                <a:spcPts val="0"/>
+              </a:spcBef>
+              <a:spcAft>
+                <a:spcPts val="0"/>
+              </a:spcAft>
+              <a:buClr>
+                <a:schemeClr val="dk1"/>
+              </a:buClr>
+              <a:buSzPts val="2800"/>
+              <a:buFont typeface="Arial"/>
+              <a:buNone/>
+              <a:defRPr sz="2800" b="0" i="0" u="none" strike="noStrike" cap="none">
+                <a:solidFill>
+                  <a:schemeClr val="dk1"/>
+                </a:solidFill>
+                <a:latin typeface="Arial"/>
+                <a:ea typeface="Arial"/>
+                <a:cs typeface="Arial"/>
+                <a:sym typeface="Arial"/>
+              </a:defRPr>
+            </a:lvl4pPr>
+            <a:lvl5pPr marR="0" lvl="4" algn="l" rtl="0">
+              <a:lnSpc>
+                <a:spcPct val="100000"/>
+              </a:lnSpc>
+              <a:spcBef>
+                <a:spcPts val="0"/>
+              </a:spcBef>
+              <a:spcAft>
+                <a:spcPts val="0"/>
+              </a:spcAft>
+              <a:buClr>
+                <a:schemeClr val="dk1"/>
+              </a:buClr>
+              <a:buSzPts val="2800"/>
+              <a:buFont typeface="Arial"/>
+              <a:buNone/>
+              <a:defRPr sz="2800" b="0" i="0" u="none" strike="noStrike" cap="none">
+                <a:solidFill>
+                  <a:schemeClr val="dk1"/>
+                </a:solidFill>
+                <a:latin typeface="Arial"/>
+                <a:ea typeface="Arial"/>
+                <a:cs typeface="Arial"/>
+                <a:sym typeface="Arial"/>
+              </a:defRPr>
+            </a:lvl5pPr>
+            <a:lvl6pPr marR="0" lvl="5" algn="l" rtl="0">
+              <a:lnSpc>
+                <a:spcPct val="100000"/>
+              </a:lnSpc>
+              <a:spcBef>
+                <a:spcPts val="0"/>
+              </a:spcBef>
+              <a:spcAft>
+                <a:spcPts val="0"/>
+              </a:spcAft>
+              <a:buClr>
+                <a:schemeClr val="dk1"/>
+              </a:buClr>
+              <a:buSzPts val="2800"/>
+              <a:buFont typeface="Arial"/>
+              <a:buNone/>
+              <a:defRPr sz="2800" b="0" i="0" u="none" strike="noStrike" cap="none">
+                <a:solidFill>
+                  <a:schemeClr val="dk1"/>
+                </a:solidFill>
+                <a:latin typeface="Arial"/>
+                <a:ea typeface="Arial"/>
+                <a:cs typeface="Arial"/>
+                <a:sym typeface="Arial"/>
+              </a:defRPr>
+            </a:lvl6pPr>
+            <a:lvl7pPr marR="0" lvl="6" algn="l" rtl="0">
+              <a:lnSpc>
+                <a:spcPct val="100000"/>
+              </a:lnSpc>
+              <a:spcBef>
+                <a:spcPts val="0"/>
+              </a:spcBef>
+              <a:spcAft>
+                <a:spcPts val="0"/>
+              </a:spcAft>
+              <a:buClr>
+                <a:schemeClr val="dk1"/>
+              </a:buClr>
+              <a:buSzPts val="2800"/>
+              <a:buFont typeface="Arial"/>
+              <a:buNone/>
+              <a:defRPr sz="2800" b="0" i="0" u="none" strike="noStrike" cap="none">
+                <a:solidFill>
+                  <a:schemeClr val="dk1"/>
+                </a:solidFill>
+                <a:latin typeface="Arial"/>
+                <a:ea typeface="Arial"/>
+                <a:cs typeface="Arial"/>
+                <a:sym typeface="Arial"/>
+              </a:defRPr>
+            </a:lvl7pPr>
+            <a:lvl8pPr marR="0" lvl="7" algn="l" rtl="0">
+              <a:lnSpc>
+                <a:spcPct val="100000"/>
+              </a:lnSpc>
+              <a:spcBef>
+                <a:spcPts val="0"/>
+              </a:spcBef>
+              <a:spcAft>
+                <a:spcPts val="0"/>
+              </a:spcAft>
+              <a:buClr>
+                <a:schemeClr val="dk1"/>
+              </a:buClr>
+              <a:buSzPts val="2800"/>
+              <a:buFont typeface="Arial"/>
+              <a:buNone/>
+              <a:defRPr sz="2800" b="0" i="0" u="none" strike="noStrike" cap="none">
+                <a:solidFill>
+                  <a:schemeClr val="dk1"/>
+                </a:solidFill>
+                <a:latin typeface="Arial"/>
+                <a:ea typeface="Arial"/>
+                <a:cs typeface="Arial"/>
+                <a:sym typeface="Arial"/>
+              </a:defRPr>
+            </a:lvl8pPr>
+            <a:lvl9pPr marR="0" lvl="8" algn="l" rtl="0">
+              <a:lnSpc>
+                <a:spcPct val="100000"/>
+              </a:lnSpc>
+              <a:spcBef>
+                <a:spcPts val="0"/>
+              </a:spcBef>
+              <a:spcAft>
+                <a:spcPts val="0"/>
+              </a:spcAft>
+              <a:buClr>
+                <a:schemeClr val="dk1"/>
+              </a:buClr>
+              <a:buSzPts val="2800"/>
+              <a:buFont typeface="Arial"/>
+              <a:buNone/>
+              <a:defRPr sz="2800" b="0" i="0" u="none" strike="noStrike" cap="none">
+                <a:solidFill>
+                  <a:schemeClr val="dk1"/>
+                </a:solidFill>
+                <a:latin typeface="Arial"/>
+                <a:ea typeface="Arial"/>
+                <a:cs typeface="Arial"/>
+                <a:sym typeface="Arial"/>
+              </a:defRPr>
+            </a:lvl9pPr>
+          </a:lstStyle>
+          <a:p>
+            <a:endParaRPr lang="pt-BR" sz="2500" dirty="0">
+              <a:latin typeface="+mn-lt"/>
+            </a:endParaRPr>
+          </a:p>
+        </p:txBody>
+      </p:sp>
+      <p:sp>
+        <p:nvSpPr>
+          <p:cNvPr id="5" name="Google Shape;395;p45">
+            <a:extLst>
+              <a:ext uri="{FF2B5EF4-FFF2-40B4-BE49-F238E27FC236}">
+                <a16:creationId xmlns:a16="http://schemas.microsoft.com/office/drawing/2014/main" id="{CE936A9C-F6C6-E142-55DA-D47FCF15E24D}"/>
+              </a:ext>
+            </a:extLst>
+          </p:cNvPr>
+          <p:cNvSpPr txBox="1">
+            <a:spLocks/>
+          </p:cNvSpPr>
+          <p:nvPr/>
+        </p:nvSpPr>
+        <p:spPr>
+          <a:xfrm>
+            <a:off x="0" y="0"/>
+            <a:ext cx="8832300" cy="575700"/>
+          </a:xfrm>
+          <a:prstGeom prst="rect">
+            <a:avLst/>
+          </a:prstGeom>
+          <a:noFill/>
+          <a:ln>
+            <a:noFill/>
+          </a:ln>
+        </p:spPr>
+        <p:txBody>
+          <a:bodyPr spcFirstLastPara="1" wrap="square" lIns="91425" tIns="91425" rIns="91425" bIns="91425" anchor="b" anchorCtr="0">
+            <a:normAutofit fontScale="97500" lnSpcReduction="10000"/>
+          </a:bodyPr>
+          <a:lstStyle>
+            <a:defPPr marR="0" lvl="0" algn="l" rtl="0">
+              <a:lnSpc>
+                <a:spcPct val="100000"/>
+              </a:lnSpc>
+              <a:spcBef>
+                <a:spcPts val="0"/>
+              </a:spcBef>
+              <a:spcAft>
+                <a:spcPts val="0"/>
+              </a:spcAft>
+            </a:defPPr>
+            <a:lvl1pPr marR="0" lvl="0" algn="l" rtl="0">
+              <a:lnSpc>
+                <a:spcPct val="100000"/>
+              </a:lnSpc>
+              <a:spcBef>
+                <a:spcPts val="0"/>
+              </a:spcBef>
+              <a:spcAft>
+                <a:spcPts val="0"/>
+              </a:spcAft>
+              <a:buClr>
+                <a:schemeClr val="dk1"/>
+              </a:buClr>
+              <a:buSzPts val="2800"/>
+              <a:buFont typeface="Arial"/>
+              <a:buNone/>
+              <a:defRPr sz="2800" b="0" i="0" u="none" strike="noStrike" cap="none">
+                <a:solidFill>
+                  <a:schemeClr val="dk1"/>
+                </a:solidFill>
+                <a:latin typeface="Arial"/>
+                <a:ea typeface="Arial"/>
+                <a:cs typeface="Arial"/>
+                <a:sym typeface="Arial"/>
+              </a:defRPr>
+            </a:lvl1pPr>
+            <a:lvl2pPr marR="0" lvl="1" algn="l" rtl="0">
+              <a:lnSpc>
+                <a:spcPct val="100000"/>
+              </a:lnSpc>
+              <a:spcBef>
+                <a:spcPts val="0"/>
+              </a:spcBef>
+              <a:spcAft>
+                <a:spcPts val="0"/>
+              </a:spcAft>
+              <a:buClr>
+                <a:schemeClr val="dk1"/>
+              </a:buClr>
+              <a:buSzPts val="2800"/>
+              <a:buFont typeface="Arial"/>
+              <a:buNone/>
+              <a:defRPr sz="2800" b="0" i="0" u="none" strike="noStrike" cap="none">
+                <a:solidFill>
+                  <a:schemeClr val="dk1"/>
+                </a:solidFill>
+                <a:latin typeface="Arial"/>
+                <a:ea typeface="Arial"/>
+                <a:cs typeface="Arial"/>
+                <a:sym typeface="Arial"/>
+              </a:defRPr>
+            </a:lvl2pPr>
+            <a:lvl3pPr marR="0" lvl="2" algn="l" rtl="0">
+              <a:lnSpc>
+                <a:spcPct val="100000"/>
+              </a:lnSpc>
+              <a:spcBef>
+                <a:spcPts val="0"/>
+              </a:spcBef>
+              <a:spcAft>
+                <a:spcPts val="0"/>
+              </a:spcAft>
+              <a:buClr>
+                <a:schemeClr val="dk1"/>
+              </a:buClr>
+              <a:buSzPts val="2800"/>
+              <a:buFont typeface="Arial"/>
+              <a:buNone/>
+              <a:defRPr sz="2800" b="0" i="0" u="none" strike="noStrike" cap="none">
+                <a:solidFill>
+                  <a:schemeClr val="dk1"/>
+                </a:solidFill>
+                <a:latin typeface="Arial"/>
+                <a:ea typeface="Arial"/>
+                <a:cs typeface="Arial"/>
+                <a:sym typeface="Arial"/>
+              </a:defRPr>
+            </a:lvl3pPr>
+            <a:lvl4pPr marR="0" lvl="3" algn="l" rtl="0">
+              <a:lnSpc>
+                <a:spcPct val="100000"/>
+              </a:lnSpc>
+              <a:spcBef>
+                <a:spcPts val="0"/>
+              </a:spcBef>
+              <a:spcAft>
+                <a:spcPts val="0"/>
+              </a:spcAft>
+              <a:buClr>
+                <a:schemeClr val="dk1"/>
+              </a:buClr>
+              <a:buSzPts val="2800"/>
+              <a:buFont typeface="Arial"/>
+              <a:buNone/>
+              <a:defRPr sz="2800" b="0" i="0" u="none" strike="noStrike" cap="none">
+                <a:solidFill>
+                  <a:schemeClr val="dk1"/>
+                </a:solidFill>
+                <a:latin typeface="Arial"/>
+                <a:ea typeface="Arial"/>
+                <a:cs typeface="Arial"/>
+                <a:sym typeface="Arial"/>
+              </a:defRPr>
+            </a:lvl4pPr>
+            <a:lvl5pPr marR="0" lvl="4" algn="l" rtl="0">
+              <a:lnSpc>
+                <a:spcPct val="100000"/>
+              </a:lnSpc>
+              <a:spcBef>
+                <a:spcPts val="0"/>
+              </a:spcBef>
+              <a:spcAft>
+                <a:spcPts val="0"/>
+              </a:spcAft>
+              <a:buClr>
+                <a:schemeClr val="dk1"/>
+              </a:buClr>
+              <a:buSzPts val="2800"/>
+              <a:buFont typeface="Arial"/>
+              <a:buNone/>
+              <a:defRPr sz="2800" b="0" i="0" u="none" strike="noStrike" cap="none">
+                <a:solidFill>
+                  <a:schemeClr val="dk1"/>
+                </a:solidFill>
+                <a:latin typeface="Arial"/>
+                <a:ea typeface="Arial"/>
+                <a:cs typeface="Arial"/>
+                <a:sym typeface="Arial"/>
+              </a:defRPr>
+            </a:lvl5pPr>
+            <a:lvl6pPr marR="0" lvl="5" algn="l" rtl="0">
+              <a:lnSpc>
+                <a:spcPct val="100000"/>
+              </a:lnSpc>
+              <a:spcBef>
+                <a:spcPts val="0"/>
+              </a:spcBef>
+              <a:spcAft>
+                <a:spcPts val="0"/>
+              </a:spcAft>
+              <a:buClr>
+                <a:schemeClr val="dk1"/>
+              </a:buClr>
+              <a:buSzPts val="2800"/>
+              <a:buFont typeface="Arial"/>
+              <a:buNone/>
+              <a:defRPr sz="2800" b="0" i="0" u="none" strike="noStrike" cap="none">
+                <a:solidFill>
+                  <a:schemeClr val="dk1"/>
+                </a:solidFill>
+                <a:latin typeface="Arial"/>
+                <a:ea typeface="Arial"/>
+                <a:cs typeface="Arial"/>
+                <a:sym typeface="Arial"/>
+              </a:defRPr>
+            </a:lvl6pPr>
+            <a:lvl7pPr marR="0" lvl="6" algn="l" rtl="0">
+              <a:lnSpc>
+                <a:spcPct val="100000"/>
+              </a:lnSpc>
+              <a:spcBef>
+                <a:spcPts val="0"/>
+              </a:spcBef>
+              <a:spcAft>
+                <a:spcPts val="0"/>
+              </a:spcAft>
+              <a:buClr>
+                <a:schemeClr val="dk1"/>
+              </a:buClr>
+              <a:buSzPts val="2800"/>
+              <a:buFont typeface="Arial"/>
+              <a:buNone/>
+              <a:defRPr sz="2800" b="0" i="0" u="none" strike="noStrike" cap="none">
+                <a:solidFill>
+                  <a:schemeClr val="dk1"/>
+                </a:solidFill>
+                <a:latin typeface="Arial"/>
+                <a:ea typeface="Arial"/>
+                <a:cs typeface="Arial"/>
+                <a:sym typeface="Arial"/>
+              </a:defRPr>
+            </a:lvl7pPr>
+            <a:lvl8pPr marR="0" lvl="7" algn="l" rtl="0">
+              <a:lnSpc>
+                <a:spcPct val="100000"/>
+              </a:lnSpc>
+              <a:spcBef>
+                <a:spcPts val="0"/>
+              </a:spcBef>
+              <a:spcAft>
+                <a:spcPts val="0"/>
+              </a:spcAft>
+              <a:buClr>
+                <a:schemeClr val="dk1"/>
+              </a:buClr>
+              <a:buSzPts val="2800"/>
+              <a:buFont typeface="Arial"/>
+              <a:buNone/>
+              <a:defRPr sz="2800" b="0" i="0" u="none" strike="noStrike" cap="none">
+                <a:solidFill>
+                  <a:schemeClr val="dk1"/>
+                </a:solidFill>
+                <a:latin typeface="Arial"/>
+                <a:ea typeface="Arial"/>
+                <a:cs typeface="Arial"/>
+                <a:sym typeface="Arial"/>
+              </a:defRPr>
+            </a:lvl8pPr>
+            <a:lvl9pPr marR="0" lvl="8" algn="l" rtl="0">
+              <a:lnSpc>
+                <a:spcPct val="100000"/>
+              </a:lnSpc>
+              <a:spcBef>
+                <a:spcPts val="0"/>
+              </a:spcBef>
+              <a:spcAft>
+                <a:spcPts val="0"/>
+              </a:spcAft>
+              <a:buClr>
+                <a:schemeClr val="dk1"/>
+              </a:buClr>
+              <a:buSzPts val="2800"/>
+              <a:buFont typeface="Arial"/>
+              <a:buNone/>
+              <a:defRPr sz="2800" b="0" i="0" u="none" strike="noStrike" cap="none">
+                <a:solidFill>
+                  <a:schemeClr val="dk1"/>
+                </a:solidFill>
+                <a:latin typeface="Arial"/>
+                <a:ea typeface="Arial"/>
+                <a:cs typeface="Arial"/>
+                <a:sym typeface="Arial"/>
+              </a:defRPr>
+            </a:lvl9pPr>
+          </a:lstStyle>
+          <a:p>
+            <a:r>
+              <a:rPr lang="pt-BR" sz="2700" dirty="0"/>
+              <a:t>Proposta de topologia: Saídas em várias direções</a:t>
+            </a:r>
+            <a:endParaRPr lang="pt-BR" sz="2500" dirty="0">
+              <a:latin typeface="+mn-lt"/>
+            </a:endParaRPr>
+          </a:p>
+        </p:txBody>
+      </p:sp>
+      <p:pic>
+        <p:nvPicPr>
+          <p:cNvPr id="8" name="Picture 7">
+            <a:extLst>
+              <a:ext uri="{FF2B5EF4-FFF2-40B4-BE49-F238E27FC236}">
+                <a16:creationId xmlns:a16="http://schemas.microsoft.com/office/drawing/2014/main" id="{08A9F0AA-CD8F-81E5-8CC4-064F20488C5D}"/>
+              </a:ext>
+            </a:extLst>
+          </p:cNvPr>
+          <p:cNvPicPr>
+            <a:picLocks noGrp="1" noRot="1" noChangeAspect="1" noMove="1" noResize="1" noEditPoints="1" noAdjustHandles="1" noChangeArrowheads="1" noChangeShapeType="1" noCrop="1"/>
+          </p:cNvPicPr>
+          <p:nvPr/>
+        </p:nvPicPr>
+        <p:blipFill rotWithShape="1">
+          <a:blip r:embed="rId2"/>
+          <a:srcRect l="16583" t="7557" r="17917" b="6666"/>
+          <a:stretch/>
+        </p:blipFill>
+        <p:spPr>
+          <a:xfrm>
+            <a:off x="68165" y="778644"/>
+            <a:ext cx="5699187" cy="4198256"/>
+          </a:xfrm>
+          <a:prstGeom prst="rect">
+            <a:avLst/>
+          </a:prstGeom>
+        </p:spPr>
+      </p:pic>
+      <p:pic>
+        <p:nvPicPr>
+          <p:cNvPr id="19" name="Picture 18">
+            <a:extLst>
+              <a:ext uri="{FF2B5EF4-FFF2-40B4-BE49-F238E27FC236}">
+                <a16:creationId xmlns:a16="http://schemas.microsoft.com/office/drawing/2014/main" id="{3B4B23F4-6AC0-846F-AD1F-6B562B46C4A3}"/>
+              </a:ext>
+            </a:extLst>
+          </p:cNvPr>
+          <p:cNvPicPr>
+            <a:picLocks noChangeAspect="1"/>
+          </p:cNvPicPr>
+          <p:nvPr/>
+        </p:nvPicPr>
+        <p:blipFill>
+          <a:blip r:embed="rId3"/>
+          <a:stretch>
+            <a:fillRect/>
+          </a:stretch>
+        </p:blipFill>
+        <p:spPr>
+          <a:xfrm>
+            <a:off x="7788893" y="3986292"/>
+            <a:ext cx="829082" cy="970536"/>
+          </a:xfrm>
+          <a:prstGeom prst="rect">
+            <a:avLst/>
+          </a:prstGeom>
+        </p:spPr>
+      </p:pic>
+      <p:sp>
+        <p:nvSpPr>
+          <p:cNvPr id="20" name="TextBox 19">
+            <a:extLst>
+              <a:ext uri="{FF2B5EF4-FFF2-40B4-BE49-F238E27FC236}">
+                <a16:creationId xmlns:a16="http://schemas.microsoft.com/office/drawing/2014/main" id="{D3838272-F2CF-AD07-879A-A24BB35C4ABD}"/>
+              </a:ext>
+            </a:extLst>
+          </p:cNvPr>
+          <p:cNvSpPr txBox="1"/>
+          <p:nvPr/>
+        </p:nvSpPr>
+        <p:spPr>
+          <a:xfrm>
+            <a:off x="6282979" y="4007863"/>
+            <a:ext cx="1635581" cy="246221"/>
+          </a:xfrm>
+          <a:prstGeom prst="rect">
+            <a:avLst/>
+          </a:prstGeom>
+          <a:noFill/>
+        </p:spPr>
+        <p:txBody>
+          <a:bodyPr wrap="square" rtlCol="0">
+            <a:spAutoFit/>
+          </a:bodyPr>
+          <a:lstStyle/>
+          <a:p>
+            <a:pPr algn="r"/>
+            <a:r>
+              <a:rPr lang="pt-BR" sz="1000" dirty="0"/>
+              <a:t>Não utilizado</a:t>
+            </a:r>
+          </a:p>
+        </p:txBody>
+      </p:sp>
+      <p:sp>
+        <p:nvSpPr>
+          <p:cNvPr id="21" name="TextBox 20">
+            <a:extLst>
+              <a:ext uri="{FF2B5EF4-FFF2-40B4-BE49-F238E27FC236}">
+                <a16:creationId xmlns:a16="http://schemas.microsoft.com/office/drawing/2014/main" id="{5B3F7794-8713-5E85-B9C5-294AF4C2B2E8}"/>
+              </a:ext>
+            </a:extLst>
+          </p:cNvPr>
+          <p:cNvSpPr txBox="1"/>
+          <p:nvPr/>
+        </p:nvSpPr>
+        <p:spPr>
+          <a:xfrm>
+            <a:off x="6282980" y="4233878"/>
+            <a:ext cx="1635581" cy="246221"/>
+          </a:xfrm>
+          <a:prstGeom prst="rect">
+            <a:avLst/>
+          </a:prstGeom>
+          <a:noFill/>
+        </p:spPr>
+        <p:txBody>
+          <a:bodyPr wrap="square" rtlCol="0">
+            <a:spAutoFit/>
+          </a:bodyPr>
+          <a:lstStyle/>
+          <a:p>
+            <a:pPr algn="r"/>
+            <a:r>
+              <a:rPr lang="pt-BR" sz="1000" dirty="0"/>
+              <a:t>Coupler</a:t>
+            </a:r>
+          </a:p>
+        </p:txBody>
+      </p:sp>
+      <p:sp>
+        <p:nvSpPr>
+          <p:cNvPr id="22" name="TextBox 21">
+            <a:extLst>
+              <a:ext uri="{FF2B5EF4-FFF2-40B4-BE49-F238E27FC236}">
+                <a16:creationId xmlns:a16="http://schemas.microsoft.com/office/drawing/2014/main" id="{478BC7A5-C96B-D0E8-8EF3-E5443AF384E8}"/>
+              </a:ext>
+            </a:extLst>
+          </p:cNvPr>
+          <p:cNvSpPr txBox="1"/>
+          <p:nvPr/>
+        </p:nvSpPr>
+        <p:spPr>
+          <a:xfrm>
+            <a:off x="6282981" y="4453668"/>
+            <a:ext cx="1635581" cy="246221"/>
+          </a:xfrm>
+          <a:prstGeom prst="rect">
+            <a:avLst/>
+          </a:prstGeom>
+          <a:noFill/>
+        </p:spPr>
+        <p:txBody>
+          <a:bodyPr wrap="square" rtlCol="0">
+            <a:spAutoFit/>
+          </a:bodyPr>
+          <a:lstStyle/>
+          <a:p>
+            <a:pPr algn="r"/>
+            <a:r>
+              <a:rPr lang="pt-BR" sz="1000" dirty="0"/>
+              <a:t>Bar</a:t>
+            </a:r>
+          </a:p>
+        </p:txBody>
+      </p:sp>
+      <p:sp>
+        <p:nvSpPr>
+          <p:cNvPr id="23" name="TextBox 22">
+            <a:extLst>
+              <a:ext uri="{FF2B5EF4-FFF2-40B4-BE49-F238E27FC236}">
+                <a16:creationId xmlns:a16="http://schemas.microsoft.com/office/drawing/2014/main" id="{C92217DF-B227-163D-6036-DCA201A8B73D}"/>
+              </a:ext>
+            </a:extLst>
+          </p:cNvPr>
+          <p:cNvSpPr txBox="1"/>
+          <p:nvPr/>
+        </p:nvSpPr>
+        <p:spPr>
+          <a:xfrm>
+            <a:off x="6282982" y="4663217"/>
+            <a:ext cx="1635581" cy="246221"/>
+          </a:xfrm>
+          <a:prstGeom prst="rect">
+            <a:avLst/>
+          </a:prstGeom>
+          <a:noFill/>
+        </p:spPr>
+        <p:txBody>
+          <a:bodyPr wrap="square" rtlCol="0">
+            <a:spAutoFit/>
+          </a:bodyPr>
+          <a:lstStyle/>
+          <a:p>
+            <a:pPr algn="r"/>
+            <a:r>
+              <a:rPr lang="pt-BR" sz="1000" dirty="0"/>
+              <a:t>Crossing</a:t>
+            </a:r>
+          </a:p>
+        </p:txBody>
+      </p:sp>
+      <p:pic>
+        <p:nvPicPr>
+          <p:cNvPr id="25" name="Picture 24">
+            <a:extLst>
+              <a:ext uri="{FF2B5EF4-FFF2-40B4-BE49-F238E27FC236}">
+                <a16:creationId xmlns:a16="http://schemas.microsoft.com/office/drawing/2014/main" id="{650BDBA4-205A-7ED3-158F-52EC5DFF0113}"/>
+              </a:ext>
+            </a:extLst>
+          </p:cNvPr>
+          <p:cNvPicPr>
+            <a:picLocks noChangeAspect="1"/>
+          </p:cNvPicPr>
+          <p:nvPr/>
+        </p:nvPicPr>
+        <p:blipFill>
+          <a:blip r:embed="rId4"/>
+          <a:stretch>
+            <a:fillRect/>
+          </a:stretch>
+        </p:blipFill>
+        <p:spPr>
+          <a:xfrm>
+            <a:off x="8031755" y="3505674"/>
+            <a:ext cx="343357" cy="515035"/>
+          </a:xfrm>
+          <a:prstGeom prst="rect">
+            <a:avLst/>
+          </a:prstGeom>
+        </p:spPr>
+      </p:pic>
+      <p:sp>
+        <p:nvSpPr>
+          <p:cNvPr id="26" name="TextBox 25">
+            <a:extLst>
+              <a:ext uri="{FF2B5EF4-FFF2-40B4-BE49-F238E27FC236}">
+                <a16:creationId xmlns:a16="http://schemas.microsoft.com/office/drawing/2014/main" id="{737D2887-45E7-8CC8-F997-77E4B765B168}"/>
+              </a:ext>
+            </a:extLst>
+          </p:cNvPr>
+          <p:cNvSpPr txBox="1"/>
+          <p:nvPr/>
+        </p:nvSpPr>
+        <p:spPr>
+          <a:xfrm>
+            <a:off x="5964288" y="3740071"/>
+            <a:ext cx="1954272" cy="246221"/>
+          </a:xfrm>
+          <a:prstGeom prst="rect">
+            <a:avLst/>
+          </a:prstGeom>
+          <a:noFill/>
+        </p:spPr>
+        <p:txBody>
+          <a:bodyPr wrap="square" rtlCol="0">
+            <a:spAutoFit/>
+          </a:bodyPr>
+          <a:lstStyle/>
+          <a:p>
+            <a:pPr algn="r"/>
+            <a:r>
+              <a:rPr lang="pt-BR" sz="1000" dirty="0"/>
+              <a:t>Coupler para Splitting</a:t>
+            </a:r>
+          </a:p>
+        </p:txBody>
+      </p:sp>
+      <p:sp>
+        <p:nvSpPr>
+          <p:cNvPr id="27" name="TextBox 26">
+            <a:extLst>
+              <a:ext uri="{FF2B5EF4-FFF2-40B4-BE49-F238E27FC236}">
+                <a16:creationId xmlns:a16="http://schemas.microsoft.com/office/drawing/2014/main" id="{779CA047-AFDF-4914-E592-92D3F20E10E7}"/>
+              </a:ext>
+            </a:extLst>
+          </p:cNvPr>
+          <p:cNvSpPr txBox="1"/>
+          <p:nvPr/>
+        </p:nvSpPr>
+        <p:spPr>
+          <a:xfrm>
+            <a:off x="5964288" y="3471504"/>
+            <a:ext cx="1954272" cy="246221"/>
+          </a:xfrm>
+          <a:prstGeom prst="rect">
+            <a:avLst/>
+          </a:prstGeom>
+          <a:noFill/>
+        </p:spPr>
+        <p:txBody>
+          <a:bodyPr wrap="square" rtlCol="0">
+            <a:spAutoFit/>
+          </a:bodyPr>
+          <a:lstStyle/>
+          <a:p>
+            <a:pPr algn="r"/>
+            <a:r>
+              <a:rPr lang="pt-BR" sz="1000" dirty="0"/>
+              <a:t>Coupler para Pesagem</a:t>
+            </a:r>
+          </a:p>
+        </p:txBody>
+      </p:sp>
+      <p:pic>
+        <p:nvPicPr>
+          <p:cNvPr id="29" name="Picture 28">
+            <a:extLst>
+              <a:ext uri="{FF2B5EF4-FFF2-40B4-BE49-F238E27FC236}">
+                <a16:creationId xmlns:a16="http://schemas.microsoft.com/office/drawing/2014/main" id="{98BC7260-9DBC-0225-27B9-323DCEAB149F}"/>
+              </a:ext>
+            </a:extLst>
+          </p:cNvPr>
+          <p:cNvPicPr>
+            <a:picLocks noChangeAspect="1"/>
+          </p:cNvPicPr>
+          <p:nvPr/>
+        </p:nvPicPr>
+        <p:blipFill>
+          <a:blip r:embed="rId5"/>
+          <a:stretch>
+            <a:fillRect/>
+          </a:stretch>
+        </p:blipFill>
+        <p:spPr>
+          <a:xfrm>
+            <a:off x="6108792" y="572650"/>
+            <a:ext cx="2932777" cy="1541413"/>
+          </a:xfrm>
+          <a:prstGeom prst="rect">
+            <a:avLst/>
+          </a:prstGeom>
+        </p:spPr>
+      </p:pic>
+      <p:pic>
+        <p:nvPicPr>
+          <p:cNvPr id="30" name="Picture 29">
+            <a:extLst>
+              <a:ext uri="{FF2B5EF4-FFF2-40B4-BE49-F238E27FC236}">
+                <a16:creationId xmlns:a16="http://schemas.microsoft.com/office/drawing/2014/main" id="{3AF871AF-0BE5-C16B-748B-EFF5185CC948}"/>
+              </a:ext>
+            </a:extLst>
+          </p:cNvPr>
+          <p:cNvPicPr>
+            <a:picLocks noChangeAspect="1"/>
+          </p:cNvPicPr>
+          <p:nvPr/>
+        </p:nvPicPr>
+        <p:blipFill>
+          <a:blip r:embed="rId4"/>
+          <a:stretch>
+            <a:fillRect/>
+          </a:stretch>
+        </p:blipFill>
+        <p:spPr>
+          <a:xfrm>
+            <a:off x="8024400" y="3493302"/>
+            <a:ext cx="343357" cy="515035"/>
+          </a:xfrm>
+          <a:prstGeom prst="rect">
+            <a:avLst/>
+          </a:prstGeom>
+        </p:spPr>
+      </p:pic>
+      <mc:AlternateContent xmlns:mc="http://schemas.openxmlformats.org/markup-compatibility/2006">
+        <mc:Choice xmlns:a14="http://schemas.microsoft.com/office/drawing/2010/main" Requires="a14">
+          <p:sp>
+            <p:nvSpPr>
+              <p:cNvPr id="32" name="TextBox 31">
+                <a:extLst>
+                  <a:ext uri="{FF2B5EF4-FFF2-40B4-BE49-F238E27FC236}">
+                    <a16:creationId xmlns:a16="http://schemas.microsoft.com/office/drawing/2014/main" id="{F122BCFB-B8F1-B35C-DDDC-88841B19BEA1}"/>
+                  </a:ext>
+                </a:extLst>
+              </p:cNvPr>
+              <p:cNvSpPr txBox="1"/>
+              <p:nvPr/>
+            </p:nvSpPr>
+            <p:spPr>
+              <a:xfrm>
+                <a:off x="4986369" y="2635302"/>
+                <a:ext cx="1122423" cy="332912"/>
+              </a:xfrm>
+              <a:prstGeom prst="rect">
+                <a:avLst/>
+              </a:prstGeom>
+              <a:noFill/>
+            </p:spPr>
+            <p:txBody>
+              <a:bodyPr wrap="none" rtlCol="0">
+                <a:spAutoFit/>
+              </a:bodyPr>
+              <a:lstStyle/>
+              <a:p>
+                <a14:m>
+                  <m:oMath xmlns:m="http://schemas.openxmlformats.org/officeDocument/2006/math">
+                    <m:r>
+                      <a:rPr lang="pt-BR" sz="1600" b="0" i="1" smtClean="0">
+                        <a:latin typeface="Cambria Math" panose="02040503050406030204" pitchFamily="18" charset="0"/>
+                        <a:ea typeface="Cambria Math" panose="02040503050406030204" pitchFamily="18" charset="0"/>
+                      </a:rPr>
+                      <m:t>∆</m:t>
+                    </m:r>
+                  </m:oMath>
+                </a14:m>
+                <a:r>
+                  <a:rPr lang="pt-BR" dirty="0"/>
+                  <a:t>L: </a:t>
+                </a:r>
+                <a:r>
+                  <a:rPr lang="pt-BR" b="1" dirty="0"/>
+                  <a:t>6 BULs</a:t>
+                </a:r>
+                <a:endParaRPr lang="pt-BR" sz="1600" b="1" dirty="0"/>
+              </a:p>
+            </p:txBody>
+          </p:sp>
+        </mc:Choice>
+        <mc:Fallback>
+          <p:sp>
+            <p:nvSpPr>
+              <p:cNvPr id="32" name="TextBox 31">
+                <a:extLst>
+                  <a:ext uri="{FF2B5EF4-FFF2-40B4-BE49-F238E27FC236}">
+                    <a16:creationId xmlns:a16="http://schemas.microsoft.com/office/drawing/2014/main" id="{F122BCFB-B8F1-B35C-DDDC-88841B19BEA1}"/>
+                  </a:ext>
+                </a:extLst>
+              </p:cNvPr>
+              <p:cNvSpPr txBox="1">
+                <a:spLocks noRot="1" noChangeAspect="1" noMove="1" noResize="1" noEditPoints="1" noAdjustHandles="1" noChangeArrowheads="1" noChangeShapeType="1" noTextEdit="1"/>
+              </p:cNvSpPr>
+              <p:nvPr/>
+            </p:nvSpPr>
+            <p:spPr>
+              <a:xfrm>
+                <a:off x="4986369" y="2635302"/>
+                <a:ext cx="1122423" cy="332912"/>
+              </a:xfrm>
+              <a:prstGeom prst="rect">
+                <a:avLst/>
+              </a:prstGeom>
+              <a:blipFill>
+                <a:blip r:embed="rId6"/>
+                <a:stretch>
+                  <a:fillRect r="-543" b="-18182"/>
+                </a:stretch>
+              </a:blipFill>
+            </p:spPr>
+            <p:txBody>
+              <a:bodyPr/>
+              <a:lstStyle/>
+              <a:p>
+                <a:r>
+                  <a:rPr lang="pt-BR">
+                    <a:noFill/>
+                  </a:rPr>
+                  <a:t> </a:t>
+                </a:r>
+              </a:p>
+            </p:txBody>
+          </p:sp>
+        </mc:Fallback>
+      </mc:AlternateContent>
+      <mc:AlternateContent xmlns:mc="http://schemas.openxmlformats.org/markup-compatibility/2006">
+        <mc:Choice xmlns:a14="http://schemas.microsoft.com/office/drawing/2010/main" Requires="a14">
+          <p:sp>
+            <p:nvSpPr>
+              <p:cNvPr id="33" name="TextBox 32">
+                <a:extLst>
+                  <a:ext uri="{FF2B5EF4-FFF2-40B4-BE49-F238E27FC236}">
+                    <a16:creationId xmlns:a16="http://schemas.microsoft.com/office/drawing/2014/main" id="{7C0A4B99-5181-B2B0-7BC1-6EE3C60137AB}"/>
+                  </a:ext>
+                </a:extLst>
+              </p:cNvPr>
+              <p:cNvSpPr txBox="1"/>
+              <p:nvPr/>
+            </p:nvSpPr>
+            <p:spPr>
+              <a:xfrm>
+                <a:off x="6234305" y="694544"/>
+                <a:ext cx="360996" cy="276999"/>
+              </a:xfrm>
+              <a:prstGeom prst="rect">
+                <a:avLst/>
+              </a:prstGeom>
+              <a:noFill/>
+            </p:spPr>
+            <p:txBody>
+              <a:bodyPr wrap="none" rtlCol="0">
+                <a:spAutoFit/>
+              </a:bodyPr>
+              <a:lstStyle/>
+              <a:p>
+                <a14:m>
+                  <m:oMath xmlns:m="http://schemas.openxmlformats.org/officeDocument/2006/math">
+                    <m:r>
+                      <a:rPr lang="pt-BR" sz="1200" b="0" i="1" smtClean="0">
+                        <a:latin typeface="Cambria Math" panose="02040503050406030204" pitchFamily="18" charset="0"/>
+                        <a:ea typeface="Cambria Math" panose="02040503050406030204" pitchFamily="18" charset="0"/>
+                      </a:rPr>
+                      <m:t>∆</m:t>
+                    </m:r>
+                  </m:oMath>
+                </a14:m>
+                <a:r>
+                  <a:rPr lang="pt-BR" sz="1100" dirty="0"/>
+                  <a:t>L</a:t>
+                </a:r>
+                <a:endParaRPr lang="pt-BR" sz="1200" b="1" dirty="0"/>
+              </a:p>
+            </p:txBody>
+          </p:sp>
+        </mc:Choice>
+        <mc:Fallback>
+          <p:sp>
+            <p:nvSpPr>
+              <p:cNvPr id="33" name="TextBox 32">
+                <a:extLst>
+                  <a:ext uri="{FF2B5EF4-FFF2-40B4-BE49-F238E27FC236}">
+                    <a16:creationId xmlns:a16="http://schemas.microsoft.com/office/drawing/2014/main" id="{7C0A4B99-5181-B2B0-7BC1-6EE3C60137AB}"/>
+                  </a:ext>
+                </a:extLst>
+              </p:cNvPr>
+              <p:cNvSpPr txBox="1">
+                <a:spLocks noRot="1" noChangeAspect="1" noMove="1" noResize="1" noEditPoints="1" noAdjustHandles="1" noChangeArrowheads="1" noChangeShapeType="1" noTextEdit="1"/>
+              </p:cNvSpPr>
+              <p:nvPr/>
+            </p:nvSpPr>
+            <p:spPr>
+              <a:xfrm>
+                <a:off x="6234305" y="694544"/>
+                <a:ext cx="360996" cy="276999"/>
+              </a:xfrm>
+              <a:prstGeom prst="rect">
+                <a:avLst/>
+              </a:prstGeom>
+              <a:blipFill>
+                <a:blip r:embed="rId7"/>
+                <a:stretch>
+                  <a:fillRect b="-13333"/>
+                </a:stretch>
+              </a:blipFill>
+            </p:spPr>
+            <p:txBody>
+              <a:bodyPr/>
+              <a:lstStyle/>
+              <a:p>
+                <a:r>
+                  <a:rPr lang="pt-BR">
+                    <a:noFill/>
+                  </a:rPr>
+                  <a:t> </a:t>
+                </a:r>
+              </a:p>
+            </p:txBody>
+          </p:sp>
+        </mc:Fallback>
+      </mc:AlternateContent>
+      <p:sp>
+        <p:nvSpPr>
+          <p:cNvPr id="35" name="TextBox 34">
+            <a:extLst>
+              <a:ext uri="{FF2B5EF4-FFF2-40B4-BE49-F238E27FC236}">
+                <a16:creationId xmlns:a16="http://schemas.microsoft.com/office/drawing/2014/main" id="{1264BDE1-528E-3FF8-EDD9-48694123A775}"/>
+              </a:ext>
+            </a:extLst>
+          </p:cNvPr>
+          <p:cNvSpPr txBox="1"/>
+          <p:nvPr/>
+        </p:nvSpPr>
+        <p:spPr>
+          <a:xfrm>
+            <a:off x="4986369" y="2412113"/>
+            <a:ext cx="780983" cy="307777"/>
+          </a:xfrm>
+          <a:prstGeom prst="rect">
+            <a:avLst/>
+          </a:prstGeom>
+          <a:noFill/>
+        </p:spPr>
+        <p:txBody>
+          <a:bodyPr wrap="none" rtlCol="0">
+            <a:spAutoFit/>
+          </a:bodyPr>
+          <a:lstStyle/>
+          <a:p>
+            <a:r>
+              <a:rPr lang="pt-BR" dirty="0"/>
+              <a:t>Taps: </a:t>
+            </a:r>
+            <a:r>
+              <a:rPr lang="pt-BR" b="1" dirty="0"/>
+              <a:t>6</a:t>
+            </a:r>
+            <a:endParaRPr lang="pt-BR" sz="1600" b="1" dirty="0"/>
+          </a:p>
+        </p:txBody>
+      </p:sp>
+      <p:sp>
+        <p:nvSpPr>
+          <p:cNvPr id="36" name="Rectangle: Rounded Corners 35">
+            <a:extLst>
+              <a:ext uri="{FF2B5EF4-FFF2-40B4-BE49-F238E27FC236}">
+                <a16:creationId xmlns:a16="http://schemas.microsoft.com/office/drawing/2014/main" id="{4E71C5C6-0E8F-8DF6-C8C5-1A121C5D8341}"/>
+              </a:ext>
+            </a:extLst>
+          </p:cNvPr>
+          <p:cNvSpPr/>
+          <p:nvPr/>
+        </p:nvSpPr>
+        <p:spPr>
+          <a:xfrm>
+            <a:off x="6543756" y="2248326"/>
+            <a:ext cx="2477402" cy="970536"/>
+          </a:xfrm>
+          <a:prstGeom prst="roundRect">
+            <a:avLst/>
+          </a:prstGeom>
+        </p:spPr>
+        <p:style>
+          <a:lnRef idx="1">
+            <a:schemeClr val="dk1"/>
+          </a:lnRef>
+          <a:fillRef idx="2">
+            <a:schemeClr val="dk1"/>
+          </a:fillRef>
+          <a:effectRef idx="1">
+            <a:schemeClr val="dk1"/>
+          </a:effectRef>
+          <a:fontRef idx="minor">
+            <a:schemeClr val="dk1"/>
+          </a:fontRef>
+        </p:style>
+        <p:txBody>
+          <a:bodyPr rtlCol="0" anchor="ctr"/>
+          <a:lstStyle/>
+          <a:p>
+            <a:pPr algn="ctr"/>
+            <a:endParaRPr lang="pt-BR"/>
+          </a:p>
+        </p:txBody>
+      </p:sp>
+      <p:sp>
+        <p:nvSpPr>
+          <p:cNvPr id="38" name="TextBox 37">
+            <a:extLst>
+              <a:ext uri="{FF2B5EF4-FFF2-40B4-BE49-F238E27FC236}">
+                <a16:creationId xmlns:a16="http://schemas.microsoft.com/office/drawing/2014/main" id="{2ED1BFFB-D14A-EA2B-A3CA-968DABB4306C}"/>
+              </a:ext>
+            </a:extLst>
+          </p:cNvPr>
+          <p:cNvSpPr txBox="1"/>
+          <p:nvPr/>
+        </p:nvSpPr>
+        <p:spPr>
+          <a:xfrm>
+            <a:off x="6509490" y="2278843"/>
+            <a:ext cx="2532079" cy="938719"/>
+          </a:xfrm>
+          <a:prstGeom prst="rect">
+            <a:avLst/>
+          </a:prstGeom>
+          <a:noFill/>
+        </p:spPr>
+        <p:txBody>
+          <a:bodyPr wrap="square" rtlCol="0">
+            <a:spAutoFit/>
+          </a:bodyPr>
+          <a:lstStyle/>
+          <a:p>
+            <a:pPr algn="ctr"/>
+            <a:r>
+              <a:rPr lang="pt-BR" sz="1100" b="1" dirty="0"/>
+              <a:t>Para esta topologia, não há a presença de um combiner dos sinais de saída, sendo necessário um circuito externo para cumprir esse papel </a:t>
+            </a:r>
+          </a:p>
+        </p:txBody>
+      </p:sp>
+    </p:spTree>
+    <p:extLst>
+      <p:ext uri="{BB962C8B-B14F-4D97-AF65-F5344CB8AC3E}">
+        <p14:creationId xmlns:p14="http://schemas.microsoft.com/office/powerpoint/2010/main" val="3973229900"/>
+      </p:ext>
+    </p:extLst>
+  </p:cSld>
+  <p:clrMapOvr>
+    <a:masterClrMapping/>
+  </p:clrMapOvr>
+</p:sld>
+</file>
+
+<file path=ppt/slides/slide19.xml><?xml version="1.0" encoding="utf-8"?>
+<p:sld xmlns:a="http://schemas.openxmlformats.org/drawingml/2006/main" xmlns:r="http://schemas.openxmlformats.org/officeDocument/2006/relationships" xmlns:p="http://schemas.openxmlformats.org/presentationml/2006/main">
+  <p:cSld>
+    <p:spTree>
+      <p:nvGrpSpPr>
+        <p:cNvPr id="1" name=""/>
+        <p:cNvGrpSpPr/>
+        <p:nvPr/>
+      </p:nvGrpSpPr>
+      <p:grpSpPr>
+        <a:xfrm>
+          <a:off x="0" y="0"/>
+          <a:ext cx="0" cy="0"/>
+          <a:chOff x="0" y="0"/>
+          <a:chExt cx="0" cy="0"/>
+        </a:xfrm>
+      </p:grpSpPr>
       <p:sp>
         <p:nvSpPr>
           <p:cNvPr id="4" name="Slide Number Placeholder 3">
@@ -19526,7 +22476,7 @@
             </a:pPr>
             <a:fld id="{00000000-1234-1234-1234-123412341234}" type="slidenum">
               <a:rPr lang="pt-BR" smtClean="0"/>
-              <a:t>17</a:t>
+              <a:t>19</a:t>
             </a:fld>
             <a:endParaRPr lang="pt-BR"/>
           </a:p>
@@ -20101,677 +23051,6 @@
     <p:extLst>
       <p:ext uri="{BB962C8B-B14F-4D97-AF65-F5344CB8AC3E}">
         <p14:creationId xmlns:p14="http://schemas.microsoft.com/office/powerpoint/2010/main" val="1869987781"/>
-      </p:ext>
-    </p:extLst>
-  </p:cSld>
-  <p:clrMapOvr>
-    <a:masterClrMapping/>
-  </p:clrMapOvr>
-</p:sld>
-</file>
-
-<file path=ppt/slides/slide18.xml><?xml version="1.0" encoding="utf-8"?>
-<p:sld xmlns:a="http://schemas.openxmlformats.org/drawingml/2006/main" xmlns:r="http://schemas.openxmlformats.org/officeDocument/2006/relationships" xmlns:p="http://schemas.openxmlformats.org/presentationml/2006/main">
-  <p:cSld>
-    <p:spTree>
-      <p:nvGrpSpPr>
-        <p:cNvPr id="1" name=""/>
-        <p:cNvGrpSpPr/>
-        <p:nvPr/>
-      </p:nvGrpSpPr>
-      <p:grpSpPr>
-        <a:xfrm>
-          <a:off x="0" y="0"/>
-          <a:ext cx="0" cy="0"/>
-          <a:chOff x="0" y="0"/>
-          <a:chExt cx="0" cy="0"/>
-        </a:xfrm>
-      </p:grpSpPr>
-      <p:sp>
-        <p:nvSpPr>
-          <p:cNvPr id="4" name="Slide Number Placeholder 3">
-            <a:extLst>
-              <a:ext uri="{FF2B5EF4-FFF2-40B4-BE49-F238E27FC236}">
-                <a16:creationId xmlns:a16="http://schemas.microsoft.com/office/drawing/2014/main" id="{DD6D8166-12CE-09CD-18CF-427B82E9A196}"/>
-              </a:ext>
-            </a:extLst>
-          </p:cNvPr>
-          <p:cNvSpPr>
-            <a:spLocks noGrp="1"/>
-          </p:cNvSpPr>
-          <p:nvPr>
-            <p:ph type="sldNum" idx="12"/>
-          </p:nvPr>
-        </p:nvSpPr>
-        <p:spPr/>
-        <p:txBody>
-          <a:bodyPr/>
-          <a:lstStyle/>
-          <a:p>
-            <a:pPr marL="0" lvl="0" indent="0" algn="r" rtl="0">
-              <a:spcBef>
-                <a:spcPts val="0"/>
-              </a:spcBef>
-              <a:spcAft>
-                <a:spcPts val="0"/>
-              </a:spcAft>
-              <a:buNone/>
-            </a:pPr>
-            <a:fld id="{00000000-1234-1234-1234-123412341234}" type="slidenum">
-              <a:rPr lang="pt-BR" smtClean="0"/>
-              <a:t>18</a:t>
-            </a:fld>
-            <a:endParaRPr lang="pt-BR"/>
-          </a:p>
-        </p:txBody>
-      </p:sp>
-      <p:sp>
-        <p:nvSpPr>
-          <p:cNvPr id="11" name="Google Shape;395;p45">
-            <a:extLst>
-              <a:ext uri="{FF2B5EF4-FFF2-40B4-BE49-F238E27FC236}">
-                <a16:creationId xmlns:a16="http://schemas.microsoft.com/office/drawing/2014/main" id="{5097425B-F07C-BEF9-9436-BDE5F00B62EE}"/>
-              </a:ext>
-            </a:extLst>
-          </p:cNvPr>
-          <p:cNvSpPr txBox="1">
-            <a:spLocks/>
-          </p:cNvSpPr>
-          <p:nvPr/>
-        </p:nvSpPr>
-        <p:spPr>
-          <a:xfrm>
-            <a:off x="0" y="0"/>
-            <a:ext cx="8832300" cy="575700"/>
-          </a:xfrm>
-          <a:prstGeom prst="rect">
-            <a:avLst/>
-          </a:prstGeom>
-          <a:noFill/>
-          <a:ln>
-            <a:noFill/>
-          </a:ln>
-        </p:spPr>
-        <p:txBody>
-          <a:bodyPr spcFirstLastPara="1" wrap="square" lIns="91425" tIns="91425" rIns="91425" bIns="91425" anchor="b" anchorCtr="0">
-            <a:normAutofit fontScale="97500"/>
-          </a:bodyPr>
-          <a:lstStyle>
-            <a:defPPr marR="0" lvl="0" algn="l" rtl="0">
-              <a:lnSpc>
-                <a:spcPct val="100000"/>
-              </a:lnSpc>
-              <a:spcBef>
-                <a:spcPts val="0"/>
-              </a:spcBef>
-              <a:spcAft>
-                <a:spcPts val="0"/>
-              </a:spcAft>
-            </a:defPPr>
-            <a:lvl1pPr marR="0" lvl="0" algn="l" rtl="0">
-              <a:lnSpc>
-                <a:spcPct val="100000"/>
-              </a:lnSpc>
-              <a:spcBef>
-                <a:spcPts val="0"/>
-              </a:spcBef>
-              <a:spcAft>
-                <a:spcPts val="0"/>
-              </a:spcAft>
-              <a:buClr>
-                <a:schemeClr val="dk1"/>
-              </a:buClr>
-              <a:buSzPts val="2800"/>
-              <a:buFont typeface="Arial"/>
-              <a:buNone/>
-              <a:defRPr sz="2800" b="0" i="0" u="none" strike="noStrike" cap="none">
-                <a:solidFill>
-                  <a:schemeClr val="dk1"/>
-                </a:solidFill>
-                <a:latin typeface="Arial"/>
-                <a:ea typeface="Arial"/>
-                <a:cs typeface="Arial"/>
-                <a:sym typeface="Arial"/>
-              </a:defRPr>
-            </a:lvl1pPr>
-            <a:lvl2pPr marR="0" lvl="1" algn="l" rtl="0">
-              <a:lnSpc>
-                <a:spcPct val="100000"/>
-              </a:lnSpc>
-              <a:spcBef>
-                <a:spcPts val="0"/>
-              </a:spcBef>
-              <a:spcAft>
-                <a:spcPts val="0"/>
-              </a:spcAft>
-              <a:buClr>
-                <a:schemeClr val="dk1"/>
-              </a:buClr>
-              <a:buSzPts val="2800"/>
-              <a:buFont typeface="Arial"/>
-              <a:buNone/>
-              <a:defRPr sz="2800" b="0" i="0" u="none" strike="noStrike" cap="none">
-                <a:solidFill>
-                  <a:schemeClr val="dk1"/>
-                </a:solidFill>
-                <a:latin typeface="Arial"/>
-                <a:ea typeface="Arial"/>
-                <a:cs typeface="Arial"/>
-                <a:sym typeface="Arial"/>
-              </a:defRPr>
-            </a:lvl2pPr>
-            <a:lvl3pPr marR="0" lvl="2" algn="l" rtl="0">
-              <a:lnSpc>
-                <a:spcPct val="100000"/>
-              </a:lnSpc>
-              <a:spcBef>
-                <a:spcPts val="0"/>
-              </a:spcBef>
-              <a:spcAft>
-                <a:spcPts val="0"/>
-              </a:spcAft>
-              <a:buClr>
-                <a:schemeClr val="dk1"/>
-              </a:buClr>
-              <a:buSzPts val="2800"/>
-              <a:buFont typeface="Arial"/>
-              <a:buNone/>
-              <a:defRPr sz="2800" b="0" i="0" u="none" strike="noStrike" cap="none">
-                <a:solidFill>
-                  <a:schemeClr val="dk1"/>
-                </a:solidFill>
-                <a:latin typeface="Arial"/>
-                <a:ea typeface="Arial"/>
-                <a:cs typeface="Arial"/>
-                <a:sym typeface="Arial"/>
-              </a:defRPr>
-            </a:lvl3pPr>
-            <a:lvl4pPr marR="0" lvl="3" algn="l" rtl="0">
-              <a:lnSpc>
-                <a:spcPct val="100000"/>
-              </a:lnSpc>
-              <a:spcBef>
-                <a:spcPts val="0"/>
-              </a:spcBef>
-              <a:spcAft>
-                <a:spcPts val="0"/>
-              </a:spcAft>
-              <a:buClr>
-                <a:schemeClr val="dk1"/>
-              </a:buClr>
-              <a:buSzPts val="2800"/>
-              <a:buFont typeface="Arial"/>
-              <a:buNone/>
-              <a:defRPr sz="2800" b="0" i="0" u="none" strike="noStrike" cap="none">
-                <a:solidFill>
-                  <a:schemeClr val="dk1"/>
-                </a:solidFill>
-                <a:latin typeface="Arial"/>
-                <a:ea typeface="Arial"/>
-                <a:cs typeface="Arial"/>
-                <a:sym typeface="Arial"/>
-              </a:defRPr>
-            </a:lvl4pPr>
-            <a:lvl5pPr marR="0" lvl="4" algn="l" rtl="0">
-              <a:lnSpc>
-                <a:spcPct val="100000"/>
-              </a:lnSpc>
-              <a:spcBef>
-                <a:spcPts val="0"/>
-              </a:spcBef>
-              <a:spcAft>
-                <a:spcPts val="0"/>
-              </a:spcAft>
-              <a:buClr>
-                <a:schemeClr val="dk1"/>
-              </a:buClr>
-              <a:buSzPts val="2800"/>
-              <a:buFont typeface="Arial"/>
-              <a:buNone/>
-              <a:defRPr sz="2800" b="0" i="0" u="none" strike="noStrike" cap="none">
-                <a:solidFill>
-                  <a:schemeClr val="dk1"/>
-                </a:solidFill>
-                <a:latin typeface="Arial"/>
-                <a:ea typeface="Arial"/>
-                <a:cs typeface="Arial"/>
-                <a:sym typeface="Arial"/>
-              </a:defRPr>
-            </a:lvl5pPr>
-            <a:lvl6pPr marR="0" lvl="5" algn="l" rtl="0">
-              <a:lnSpc>
-                <a:spcPct val="100000"/>
-              </a:lnSpc>
-              <a:spcBef>
-                <a:spcPts val="0"/>
-              </a:spcBef>
-              <a:spcAft>
-                <a:spcPts val="0"/>
-              </a:spcAft>
-              <a:buClr>
-                <a:schemeClr val="dk1"/>
-              </a:buClr>
-              <a:buSzPts val="2800"/>
-              <a:buFont typeface="Arial"/>
-              <a:buNone/>
-              <a:defRPr sz="2800" b="0" i="0" u="none" strike="noStrike" cap="none">
-                <a:solidFill>
-                  <a:schemeClr val="dk1"/>
-                </a:solidFill>
-                <a:latin typeface="Arial"/>
-                <a:ea typeface="Arial"/>
-                <a:cs typeface="Arial"/>
-                <a:sym typeface="Arial"/>
-              </a:defRPr>
-            </a:lvl6pPr>
-            <a:lvl7pPr marR="0" lvl="6" algn="l" rtl="0">
-              <a:lnSpc>
-                <a:spcPct val="100000"/>
-              </a:lnSpc>
-              <a:spcBef>
-                <a:spcPts val="0"/>
-              </a:spcBef>
-              <a:spcAft>
-                <a:spcPts val="0"/>
-              </a:spcAft>
-              <a:buClr>
-                <a:schemeClr val="dk1"/>
-              </a:buClr>
-              <a:buSzPts val="2800"/>
-              <a:buFont typeface="Arial"/>
-              <a:buNone/>
-              <a:defRPr sz="2800" b="0" i="0" u="none" strike="noStrike" cap="none">
-                <a:solidFill>
-                  <a:schemeClr val="dk1"/>
-                </a:solidFill>
-                <a:latin typeface="Arial"/>
-                <a:ea typeface="Arial"/>
-                <a:cs typeface="Arial"/>
-                <a:sym typeface="Arial"/>
-              </a:defRPr>
-            </a:lvl7pPr>
-            <a:lvl8pPr marR="0" lvl="7" algn="l" rtl="0">
-              <a:lnSpc>
-                <a:spcPct val="100000"/>
-              </a:lnSpc>
-              <a:spcBef>
-                <a:spcPts val="0"/>
-              </a:spcBef>
-              <a:spcAft>
-                <a:spcPts val="0"/>
-              </a:spcAft>
-              <a:buClr>
-                <a:schemeClr val="dk1"/>
-              </a:buClr>
-              <a:buSzPts val="2800"/>
-              <a:buFont typeface="Arial"/>
-              <a:buNone/>
-              <a:defRPr sz="2800" b="0" i="0" u="none" strike="noStrike" cap="none">
-                <a:solidFill>
-                  <a:schemeClr val="dk1"/>
-                </a:solidFill>
-                <a:latin typeface="Arial"/>
-                <a:ea typeface="Arial"/>
-                <a:cs typeface="Arial"/>
-                <a:sym typeface="Arial"/>
-              </a:defRPr>
-            </a:lvl8pPr>
-            <a:lvl9pPr marR="0" lvl="8" algn="l" rtl="0">
-              <a:lnSpc>
-                <a:spcPct val="100000"/>
-              </a:lnSpc>
-              <a:spcBef>
-                <a:spcPts val="0"/>
-              </a:spcBef>
-              <a:spcAft>
-                <a:spcPts val="0"/>
-              </a:spcAft>
-              <a:buClr>
-                <a:schemeClr val="dk1"/>
-              </a:buClr>
-              <a:buSzPts val="2800"/>
-              <a:buFont typeface="Arial"/>
-              <a:buNone/>
-              <a:defRPr sz="2800" b="0" i="0" u="none" strike="noStrike" cap="none">
-                <a:solidFill>
-                  <a:schemeClr val="dk1"/>
-                </a:solidFill>
-                <a:latin typeface="Arial"/>
-                <a:ea typeface="Arial"/>
-                <a:cs typeface="Arial"/>
-                <a:sym typeface="Arial"/>
-              </a:defRPr>
-            </a:lvl9pPr>
-          </a:lstStyle>
-          <a:p>
-            <a:endParaRPr lang="pt-BR" sz="2500" dirty="0">
-              <a:latin typeface="+mn-lt"/>
-            </a:endParaRPr>
-          </a:p>
-        </p:txBody>
-      </p:sp>
-      <p:sp>
-        <p:nvSpPr>
-          <p:cNvPr id="5" name="Google Shape;395;p45">
-            <a:extLst>
-              <a:ext uri="{FF2B5EF4-FFF2-40B4-BE49-F238E27FC236}">
-                <a16:creationId xmlns:a16="http://schemas.microsoft.com/office/drawing/2014/main" id="{CE936A9C-F6C6-E142-55DA-D47FCF15E24D}"/>
-              </a:ext>
-            </a:extLst>
-          </p:cNvPr>
-          <p:cNvSpPr txBox="1">
-            <a:spLocks/>
-          </p:cNvSpPr>
-          <p:nvPr/>
-        </p:nvSpPr>
-        <p:spPr>
-          <a:xfrm>
-            <a:off x="0" y="0"/>
-            <a:ext cx="8832300" cy="575700"/>
-          </a:xfrm>
-          <a:prstGeom prst="rect">
-            <a:avLst/>
-          </a:prstGeom>
-          <a:noFill/>
-          <a:ln>
-            <a:noFill/>
-          </a:ln>
-        </p:spPr>
-        <p:txBody>
-          <a:bodyPr spcFirstLastPara="1" wrap="square" lIns="91425" tIns="91425" rIns="91425" bIns="91425" anchor="b" anchorCtr="0">
-            <a:normAutofit fontScale="97500" lnSpcReduction="10000"/>
-          </a:bodyPr>
-          <a:lstStyle>
-            <a:defPPr marR="0" lvl="0" algn="l" rtl="0">
-              <a:lnSpc>
-                <a:spcPct val="100000"/>
-              </a:lnSpc>
-              <a:spcBef>
-                <a:spcPts val="0"/>
-              </a:spcBef>
-              <a:spcAft>
-                <a:spcPts val="0"/>
-              </a:spcAft>
-            </a:defPPr>
-            <a:lvl1pPr marR="0" lvl="0" algn="l" rtl="0">
-              <a:lnSpc>
-                <a:spcPct val="100000"/>
-              </a:lnSpc>
-              <a:spcBef>
-                <a:spcPts val="0"/>
-              </a:spcBef>
-              <a:spcAft>
-                <a:spcPts val="0"/>
-              </a:spcAft>
-              <a:buClr>
-                <a:schemeClr val="dk1"/>
-              </a:buClr>
-              <a:buSzPts val="2800"/>
-              <a:buFont typeface="Arial"/>
-              <a:buNone/>
-              <a:defRPr sz="2800" b="0" i="0" u="none" strike="noStrike" cap="none">
-                <a:solidFill>
-                  <a:schemeClr val="dk1"/>
-                </a:solidFill>
-                <a:latin typeface="Arial"/>
-                <a:ea typeface="Arial"/>
-                <a:cs typeface="Arial"/>
-                <a:sym typeface="Arial"/>
-              </a:defRPr>
-            </a:lvl1pPr>
-            <a:lvl2pPr marR="0" lvl="1" algn="l" rtl="0">
-              <a:lnSpc>
-                <a:spcPct val="100000"/>
-              </a:lnSpc>
-              <a:spcBef>
-                <a:spcPts val="0"/>
-              </a:spcBef>
-              <a:spcAft>
-                <a:spcPts val="0"/>
-              </a:spcAft>
-              <a:buClr>
-                <a:schemeClr val="dk1"/>
-              </a:buClr>
-              <a:buSzPts val="2800"/>
-              <a:buFont typeface="Arial"/>
-              <a:buNone/>
-              <a:defRPr sz="2800" b="0" i="0" u="none" strike="noStrike" cap="none">
-                <a:solidFill>
-                  <a:schemeClr val="dk1"/>
-                </a:solidFill>
-                <a:latin typeface="Arial"/>
-                <a:ea typeface="Arial"/>
-                <a:cs typeface="Arial"/>
-                <a:sym typeface="Arial"/>
-              </a:defRPr>
-            </a:lvl2pPr>
-            <a:lvl3pPr marR="0" lvl="2" algn="l" rtl="0">
-              <a:lnSpc>
-                <a:spcPct val="100000"/>
-              </a:lnSpc>
-              <a:spcBef>
-                <a:spcPts val="0"/>
-              </a:spcBef>
-              <a:spcAft>
-                <a:spcPts val="0"/>
-              </a:spcAft>
-              <a:buClr>
-                <a:schemeClr val="dk1"/>
-              </a:buClr>
-              <a:buSzPts val="2800"/>
-              <a:buFont typeface="Arial"/>
-              <a:buNone/>
-              <a:defRPr sz="2800" b="0" i="0" u="none" strike="noStrike" cap="none">
-                <a:solidFill>
-                  <a:schemeClr val="dk1"/>
-                </a:solidFill>
-                <a:latin typeface="Arial"/>
-                <a:ea typeface="Arial"/>
-                <a:cs typeface="Arial"/>
-                <a:sym typeface="Arial"/>
-              </a:defRPr>
-            </a:lvl3pPr>
-            <a:lvl4pPr marR="0" lvl="3" algn="l" rtl="0">
-              <a:lnSpc>
-                <a:spcPct val="100000"/>
-              </a:lnSpc>
-              <a:spcBef>
-                <a:spcPts val="0"/>
-              </a:spcBef>
-              <a:spcAft>
-                <a:spcPts val="0"/>
-              </a:spcAft>
-              <a:buClr>
-                <a:schemeClr val="dk1"/>
-              </a:buClr>
-              <a:buSzPts val="2800"/>
-              <a:buFont typeface="Arial"/>
-              <a:buNone/>
-              <a:defRPr sz="2800" b="0" i="0" u="none" strike="noStrike" cap="none">
-                <a:solidFill>
-                  <a:schemeClr val="dk1"/>
-                </a:solidFill>
-                <a:latin typeface="Arial"/>
-                <a:ea typeface="Arial"/>
-                <a:cs typeface="Arial"/>
-                <a:sym typeface="Arial"/>
-              </a:defRPr>
-            </a:lvl4pPr>
-            <a:lvl5pPr marR="0" lvl="4" algn="l" rtl="0">
-              <a:lnSpc>
-                <a:spcPct val="100000"/>
-              </a:lnSpc>
-              <a:spcBef>
-                <a:spcPts val="0"/>
-              </a:spcBef>
-              <a:spcAft>
-                <a:spcPts val="0"/>
-              </a:spcAft>
-              <a:buClr>
-                <a:schemeClr val="dk1"/>
-              </a:buClr>
-              <a:buSzPts val="2800"/>
-              <a:buFont typeface="Arial"/>
-              <a:buNone/>
-              <a:defRPr sz="2800" b="0" i="0" u="none" strike="noStrike" cap="none">
-                <a:solidFill>
-                  <a:schemeClr val="dk1"/>
-                </a:solidFill>
-                <a:latin typeface="Arial"/>
-                <a:ea typeface="Arial"/>
-                <a:cs typeface="Arial"/>
-                <a:sym typeface="Arial"/>
-              </a:defRPr>
-            </a:lvl5pPr>
-            <a:lvl6pPr marR="0" lvl="5" algn="l" rtl="0">
-              <a:lnSpc>
-                <a:spcPct val="100000"/>
-              </a:lnSpc>
-              <a:spcBef>
-                <a:spcPts val="0"/>
-              </a:spcBef>
-              <a:spcAft>
-                <a:spcPts val="0"/>
-              </a:spcAft>
-              <a:buClr>
-                <a:schemeClr val="dk1"/>
-              </a:buClr>
-              <a:buSzPts val="2800"/>
-              <a:buFont typeface="Arial"/>
-              <a:buNone/>
-              <a:defRPr sz="2800" b="0" i="0" u="none" strike="noStrike" cap="none">
-                <a:solidFill>
-                  <a:schemeClr val="dk1"/>
-                </a:solidFill>
-                <a:latin typeface="Arial"/>
-                <a:ea typeface="Arial"/>
-                <a:cs typeface="Arial"/>
-                <a:sym typeface="Arial"/>
-              </a:defRPr>
-            </a:lvl6pPr>
-            <a:lvl7pPr marR="0" lvl="6" algn="l" rtl="0">
-              <a:lnSpc>
-                <a:spcPct val="100000"/>
-              </a:lnSpc>
-              <a:spcBef>
-                <a:spcPts val="0"/>
-              </a:spcBef>
-              <a:spcAft>
-                <a:spcPts val="0"/>
-              </a:spcAft>
-              <a:buClr>
-                <a:schemeClr val="dk1"/>
-              </a:buClr>
-              <a:buSzPts val="2800"/>
-              <a:buFont typeface="Arial"/>
-              <a:buNone/>
-              <a:defRPr sz="2800" b="0" i="0" u="none" strike="noStrike" cap="none">
-                <a:solidFill>
-                  <a:schemeClr val="dk1"/>
-                </a:solidFill>
-                <a:latin typeface="Arial"/>
-                <a:ea typeface="Arial"/>
-                <a:cs typeface="Arial"/>
-                <a:sym typeface="Arial"/>
-              </a:defRPr>
-            </a:lvl7pPr>
-            <a:lvl8pPr marR="0" lvl="7" algn="l" rtl="0">
-              <a:lnSpc>
-                <a:spcPct val="100000"/>
-              </a:lnSpc>
-              <a:spcBef>
-                <a:spcPts val="0"/>
-              </a:spcBef>
-              <a:spcAft>
-                <a:spcPts val="0"/>
-              </a:spcAft>
-              <a:buClr>
-                <a:schemeClr val="dk1"/>
-              </a:buClr>
-              <a:buSzPts val="2800"/>
-              <a:buFont typeface="Arial"/>
-              <a:buNone/>
-              <a:defRPr sz="2800" b="0" i="0" u="none" strike="noStrike" cap="none">
-                <a:solidFill>
-                  <a:schemeClr val="dk1"/>
-                </a:solidFill>
-                <a:latin typeface="Arial"/>
-                <a:ea typeface="Arial"/>
-                <a:cs typeface="Arial"/>
-                <a:sym typeface="Arial"/>
-              </a:defRPr>
-            </a:lvl8pPr>
-            <a:lvl9pPr marR="0" lvl="8" algn="l" rtl="0">
-              <a:lnSpc>
-                <a:spcPct val="100000"/>
-              </a:lnSpc>
-              <a:spcBef>
-                <a:spcPts val="0"/>
-              </a:spcBef>
-              <a:spcAft>
-                <a:spcPts val="0"/>
-              </a:spcAft>
-              <a:buClr>
-                <a:schemeClr val="dk1"/>
-              </a:buClr>
-              <a:buSzPts val="2800"/>
-              <a:buFont typeface="Arial"/>
-              <a:buNone/>
-              <a:defRPr sz="2800" b="0" i="0" u="none" strike="noStrike" cap="none">
-                <a:solidFill>
-                  <a:schemeClr val="dk1"/>
-                </a:solidFill>
-                <a:latin typeface="Arial"/>
-                <a:ea typeface="Arial"/>
-                <a:cs typeface="Arial"/>
-                <a:sym typeface="Arial"/>
-              </a:defRPr>
-            </a:lvl9pPr>
-          </a:lstStyle>
-          <a:p>
-            <a:r>
-              <a:rPr lang="pt-BR" sz="2700" dirty="0"/>
-              <a:t>Nova topologia</a:t>
-            </a:r>
-            <a:endParaRPr lang="pt-BR" sz="2500" dirty="0">
-              <a:latin typeface="+mn-lt"/>
-            </a:endParaRPr>
-          </a:p>
-        </p:txBody>
-      </p:sp>
-      <p:pic>
-        <p:nvPicPr>
-          <p:cNvPr id="8" name="Picture 7">
-            <a:extLst>
-              <a:ext uri="{FF2B5EF4-FFF2-40B4-BE49-F238E27FC236}">
-                <a16:creationId xmlns:a16="http://schemas.microsoft.com/office/drawing/2014/main" id="{08A9F0AA-CD8F-81E5-8CC4-064F20488C5D}"/>
-              </a:ext>
-            </a:extLst>
-          </p:cNvPr>
-          <p:cNvPicPr>
-            <a:picLocks noChangeAspect="1"/>
-          </p:cNvPicPr>
-          <p:nvPr/>
-        </p:nvPicPr>
-        <p:blipFill rotWithShape="1">
-          <a:blip r:embed="rId2"/>
-          <a:srcRect l="16583" t="7557" r="17917" b="6666"/>
-          <a:stretch/>
-        </p:blipFill>
-        <p:spPr>
-          <a:xfrm>
-            <a:off x="1897380" y="644837"/>
-            <a:ext cx="5989320" cy="4411980"/>
-          </a:xfrm>
-          <a:prstGeom prst="rect">
-            <a:avLst/>
-          </a:prstGeom>
-        </p:spPr>
-      </p:pic>
-    </p:spTree>
-    <p:extLst>
-      <p:ext uri="{BB962C8B-B14F-4D97-AF65-F5344CB8AC3E}">
-        <p14:creationId xmlns:p14="http://schemas.microsoft.com/office/powerpoint/2010/main" val="3973229900"/>
       </p:ext>
     </p:extLst>
   </p:cSld>

--- a/Documentation/PPC_Report.pptx
+++ b/Documentation/PPC_Report.pptx
@@ -5,7 +5,7 @@
     <p:sldMasterId id="2147483659" r:id="rId1"/>
   </p:sldMasterIdLst>
   <p:notesMasterIdLst>
-    <p:notesMasterId r:id="rId21"/>
+    <p:notesMasterId r:id="rId27"/>
   </p:notesMasterIdLst>
   <p:sldIdLst>
     <p:sldId id="262" r:id="rId2"/>
@@ -27,13 +27,19 @@
     <p:sldId id="276" r:id="rId18"/>
     <p:sldId id="274" r:id="rId19"/>
     <p:sldId id="273" r:id="rId20"/>
+    <p:sldId id="277" r:id="rId21"/>
+    <p:sldId id="279" r:id="rId22"/>
+    <p:sldId id="281" r:id="rId23"/>
+    <p:sldId id="282" r:id="rId24"/>
+    <p:sldId id="278" r:id="rId25"/>
+    <p:sldId id="280" r:id="rId26"/>
   </p:sldIdLst>
   <p:sldSz cx="9144000" cy="5143500" type="screen16x9"/>
   <p:notesSz cx="6858000" cy="9144000"/>
   <p:embeddedFontLst>
     <p:embeddedFont>
       <p:font typeface="Cambria Math" panose="02040503050406030204" pitchFamily="18" charset="0"/>
-      <p:regular r:id="rId22"/>
+      <p:regular r:id="rId28"/>
     </p:embeddedFont>
   </p:embeddedFontLst>
   <p:defaultTextStyle>
@@ -300,8 +306,8 @@
 <pc:chgInfo xmlns:a="http://schemas.openxmlformats.org/drawingml/2006/main" xmlns:r="http://schemas.openxmlformats.org/officeDocument/2006/relationships" xmlns:ac="http://schemas.microsoft.com/office/drawing/2013/main/command" xmlns:pc="http://schemas.microsoft.com/office/powerpoint/2013/main/command">
   <pc:docChgLst>
     <pc:chgData name="Caio Rodrigues" userId="9ce2624af9b64a3c" providerId="LiveId" clId="{16E2BC24-AF38-4833-9D41-9220B2331143}"/>
-    <pc:docChg chg="undo custSel addSld delSld modSld sldOrd">
-      <pc:chgData name="Caio Rodrigues" userId="9ce2624af9b64a3c" providerId="LiveId" clId="{16E2BC24-AF38-4833-9D41-9220B2331143}" dt="2024-07-31T03:02:43.032" v="7378" actId="14100"/>
+    <pc:docChg chg="undo redo custSel addSld delSld modSld sldOrd">
+      <pc:chgData name="Caio Rodrigues" userId="9ce2624af9b64a3c" providerId="LiveId" clId="{16E2BC24-AF38-4833-9D41-9220B2331143}" dt="2024-08-07T12:28:12.893" v="11322" actId="20577"/>
       <pc:docMkLst>
         <pc:docMk/>
       </pc:docMkLst>
@@ -2152,7 +2158,7 @@
         </pc:picChg>
       </pc:sldChg>
       <pc:sldChg chg="addSp delSp modSp add mod ord">
-        <pc:chgData name="Caio Rodrigues" userId="9ce2624af9b64a3c" providerId="LiveId" clId="{16E2BC24-AF38-4833-9D41-9220B2331143}" dt="2024-07-31T02:48:46.495" v="6165" actId="1076"/>
+        <pc:chgData name="Caio Rodrigues" userId="9ce2624af9b64a3c" providerId="LiveId" clId="{16E2BC24-AF38-4833-9D41-9220B2331143}" dt="2024-08-07T03:33:43.046" v="8484" actId="688"/>
         <pc:sldMkLst>
           <pc:docMk/>
           <pc:sldMk cId="3973229900" sldId="274"/>
@@ -2318,7 +2324,7 @@
           </ac:spMkLst>
         </pc:spChg>
         <pc:spChg chg="add mod">
-          <ac:chgData name="Caio Rodrigues" userId="9ce2624af9b64a3c" providerId="LiveId" clId="{16E2BC24-AF38-4833-9D41-9220B2331143}" dt="2024-07-31T02:31:51.410" v="5770" actId="1076"/>
+          <ac:chgData name="Caio Rodrigues" userId="9ce2624af9b64a3c" providerId="LiveId" clId="{16E2BC24-AF38-4833-9D41-9220B2331143}" dt="2024-08-07T03:10:58.131" v="7820" actId="1076"/>
           <ac:spMkLst>
             <pc:docMk/>
             <pc:sldMk cId="3973229900" sldId="274"/>
@@ -2342,7 +2348,7 @@
           </ac:spMkLst>
         </pc:spChg>
         <pc:spChg chg="add mod">
-          <ac:chgData name="Caio Rodrigues" userId="9ce2624af9b64a3c" providerId="LiveId" clId="{16E2BC24-AF38-4833-9D41-9220B2331143}" dt="2024-07-31T02:31:51.410" v="5770" actId="1076"/>
+          <ac:chgData name="Caio Rodrigues" userId="9ce2624af9b64a3c" providerId="LiveId" clId="{16E2BC24-AF38-4833-9D41-9220B2331143}" dt="2024-08-07T03:10:58.131" v="7820" actId="1076"/>
           <ac:spMkLst>
             <pc:docMk/>
             <pc:sldMk cId="3973229900" sldId="274"/>
@@ -2366,15 +2372,23 @@
           </ac:spMkLst>
         </pc:spChg>
         <pc:spChg chg="add mod">
-          <ac:chgData name="Caio Rodrigues" userId="9ce2624af9b64a3c" providerId="LiveId" clId="{16E2BC24-AF38-4833-9D41-9220B2331143}" dt="2024-07-31T02:48:46.495" v="6165" actId="1076"/>
+          <ac:chgData name="Caio Rodrigues" userId="9ce2624af9b64a3c" providerId="LiveId" clId="{16E2BC24-AF38-4833-9D41-9220B2331143}" dt="2024-08-07T03:33:43.046" v="8484" actId="688"/>
           <ac:spMkLst>
             <pc:docMk/>
             <pc:sldMk cId="3973229900" sldId="274"/>
             <ac:spMk id="38" creationId="{2ED1BFFB-D14A-EA2B-A3CA-968DABB4306C}"/>
           </ac:spMkLst>
         </pc:spChg>
-        <pc:picChg chg="add mod modCrop">
-          <ac:chgData name="Caio Rodrigues" userId="9ce2624af9b64a3c" providerId="LiveId" clId="{16E2BC24-AF38-4833-9D41-9220B2331143}" dt="2024-07-31T02:31:46.414" v="5769" actId="34135"/>
+        <pc:picChg chg="add mod ord modCrop">
+          <ac:chgData name="Caio Rodrigues" userId="9ce2624af9b64a3c" providerId="LiveId" clId="{16E2BC24-AF38-4833-9D41-9220B2331143}" dt="2024-08-07T03:10:51.049" v="7819" actId="732"/>
+          <ac:picMkLst>
+            <pc:docMk/>
+            <pc:sldMk cId="3973229900" sldId="274"/>
+            <ac:picMk id="3" creationId="{F64A85A3-9C19-C8F3-8119-920D5CF52B0B}"/>
+          </ac:picMkLst>
+        </pc:picChg>
+        <pc:picChg chg="add del mod modCrop">
+          <ac:chgData name="Caio Rodrigues" userId="9ce2624af9b64a3c" providerId="LiveId" clId="{16E2BC24-AF38-4833-9D41-9220B2331143}" dt="2024-08-07T03:10:25.497" v="7810" actId="478"/>
           <ac:picMkLst>
             <pc:docMk/>
             <pc:sldMk cId="3973229900" sldId="274"/>
@@ -2785,6 +2799,1255 @@
             <pc:docMk/>
             <pc:sldMk cId="1605725609" sldId="276"/>
             <ac:picMk id="30" creationId="{3AF871AF-0BE5-C16B-748B-EFF5185CC948}"/>
+          </ac:picMkLst>
+        </pc:picChg>
+      </pc:sldChg>
+      <pc:sldChg chg="modSp add mod">
+        <pc:chgData name="Caio Rodrigues" userId="9ce2624af9b64a3c" providerId="LiveId" clId="{16E2BC24-AF38-4833-9D41-9220B2331143}" dt="2024-08-07T05:34:38.427" v="11153" actId="20577"/>
+        <pc:sldMkLst>
+          <pc:docMk/>
+          <pc:sldMk cId="630506749" sldId="277"/>
+        </pc:sldMkLst>
+        <pc:spChg chg="mod">
+          <ac:chgData name="Caio Rodrigues" userId="9ce2624af9b64a3c" providerId="LiveId" clId="{16E2BC24-AF38-4833-9D41-9220B2331143}" dt="2024-08-07T05:34:38.427" v="11153" actId="20577"/>
+          <ac:spMkLst>
+            <pc:docMk/>
+            <pc:sldMk cId="630506749" sldId="277"/>
+            <ac:spMk id="5" creationId="{A5723E84-CD5F-E25E-C096-794DD573282F}"/>
+          </ac:spMkLst>
+        </pc:spChg>
+      </pc:sldChg>
+      <pc:sldChg chg="addSp delSp modSp add mod ord">
+        <pc:chgData name="Caio Rodrigues" userId="9ce2624af9b64a3c" providerId="LiveId" clId="{16E2BC24-AF38-4833-9D41-9220B2331143}" dt="2024-08-07T12:28:12.893" v="11322" actId="20577"/>
+        <pc:sldMkLst>
+          <pc:docMk/>
+          <pc:sldMk cId="2929368403" sldId="278"/>
+        </pc:sldMkLst>
+        <pc:spChg chg="del">
+          <ac:chgData name="Caio Rodrigues" userId="9ce2624af9b64a3c" providerId="LiveId" clId="{16E2BC24-AF38-4833-9D41-9220B2331143}" dt="2024-08-07T03:19:18.017" v="8088" actId="478"/>
+          <ac:spMkLst>
+            <pc:docMk/>
+            <pc:sldMk cId="2929368403" sldId="278"/>
+            <ac:spMk id="3" creationId="{54E7E00D-1348-5CC3-48D7-19E0C3250BD2}"/>
+          </ac:spMkLst>
+        </pc:spChg>
+        <pc:spChg chg="mod">
+          <ac:chgData name="Caio Rodrigues" userId="9ce2624af9b64a3c" providerId="LiveId" clId="{16E2BC24-AF38-4833-9D41-9220B2331143}" dt="2024-08-07T03:30:33.575" v="8360" actId="20577"/>
+          <ac:spMkLst>
+            <pc:docMk/>
+            <pc:sldMk cId="2929368403" sldId="278"/>
+            <ac:spMk id="5" creationId="{CE936A9C-F6C6-E142-55DA-D47FCF15E24D}"/>
+          </ac:spMkLst>
+        </pc:spChg>
+        <pc:spChg chg="add mod">
+          <ac:chgData name="Caio Rodrigues" userId="9ce2624af9b64a3c" providerId="LiveId" clId="{16E2BC24-AF38-4833-9D41-9220B2331143}" dt="2024-08-07T03:31:15.832" v="8386" actId="1076"/>
+          <ac:spMkLst>
+            <pc:docMk/>
+            <pc:sldMk cId="2929368403" sldId="278"/>
+            <ac:spMk id="6" creationId="{5091EEE3-6911-CA89-3892-82BFCB2C944D}"/>
+          </ac:spMkLst>
+        </pc:spChg>
+        <pc:spChg chg="mod">
+          <ac:chgData name="Caio Rodrigues" userId="9ce2624af9b64a3c" providerId="LiveId" clId="{16E2BC24-AF38-4833-9D41-9220B2331143}" dt="2024-08-07T03:31:15.832" v="8386" actId="1076"/>
+          <ac:spMkLst>
+            <pc:docMk/>
+            <pc:sldMk cId="2929368403" sldId="278"/>
+            <ac:spMk id="9" creationId="{0217AB85-7175-F23D-09A7-CEDCB030E01D}"/>
+          </ac:spMkLst>
+        </pc:spChg>
+        <pc:spChg chg="mod">
+          <ac:chgData name="Caio Rodrigues" userId="9ce2624af9b64a3c" providerId="LiveId" clId="{16E2BC24-AF38-4833-9D41-9220B2331143}" dt="2024-08-07T03:31:15.832" v="8386" actId="1076"/>
+          <ac:spMkLst>
+            <pc:docMk/>
+            <pc:sldMk cId="2929368403" sldId="278"/>
+            <ac:spMk id="10" creationId="{215DC632-D3B1-4994-CE31-371A9F9C163E}"/>
+          </ac:spMkLst>
+        </pc:spChg>
+        <pc:spChg chg="add mod">
+          <ac:chgData name="Caio Rodrigues" userId="9ce2624af9b64a3c" providerId="LiveId" clId="{16E2BC24-AF38-4833-9D41-9220B2331143}" dt="2024-08-07T03:31:15.832" v="8386" actId="1076"/>
+          <ac:spMkLst>
+            <pc:docMk/>
+            <pc:sldMk cId="2929368403" sldId="278"/>
+            <ac:spMk id="12" creationId="{2D4753AD-885E-A730-822F-6A9908A1532C}"/>
+          </ac:spMkLst>
+        </pc:spChg>
+        <pc:spChg chg="del">
+          <ac:chgData name="Caio Rodrigues" userId="9ce2624af9b64a3c" providerId="LiveId" clId="{16E2BC24-AF38-4833-9D41-9220B2331143}" dt="2024-08-06T00:51:42.192" v="7432" actId="478"/>
+          <ac:spMkLst>
+            <pc:docMk/>
+            <pc:sldMk cId="2929368403" sldId="278"/>
+            <ac:spMk id="12" creationId="{CFC43339-4DF6-77F5-A4E4-2272866F41FF}"/>
+          </ac:spMkLst>
+        </pc:spChg>
+        <pc:spChg chg="add mod">
+          <ac:chgData name="Caio Rodrigues" userId="9ce2624af9b64a3c" providerId="LiveId" clId="{16E2BC24-AF38-4833-9D41-9220B2331143}" dt="2024-08-07T03:31:15.832" v="8386" actId="1076"/>
+          <ac:spMkLst>
+            <pc:docMk/>
+            <pc:sldMk cId="2929368403" sldId="278"/>
+            <ac:spMk id="14" creationId="{BA826EE8-24E6-65AA-582D-30C6DA79551A}"/>
+          </ac:spMkLst>
+        </pc:spChg>
+        <pc:spChg chg="del">
+          <ac:chgData name="Caio Rodrigues" userId="9ce2624af9b64a3c" providerId="LiveId" clId="{16E2BC24-AF38-4833-9D41-9220B2331143}" dt="2024-08-06T00:51:43.008" v="7433" actId="478"/>
+          <ac:spMkLst>
+            <pc:docMk/>
+            <pc:sldMk cId="2929368403" sldId="278"/>
+            <ac:spMk id="14" creationId="{DBE7F078-10FA-A3DD-8517-F76EB738E72F}"/>
+          </ac:spMkLst>
+        </pc:spChg>
+        <pc:spChg chg="add mod">
+          <ac:chgData name="Caio Rodrigues" userId="9ce2624af9b64a3c" providerId="LiveId" clId="{16E2BC24-AF38-4833-9D41-9220B2331143}" dt="2024-08-07T03:31:15.832" v="8386" actId="1076"/>
+          <ac:spMkLst>
+            <pc:docMk/>
+            <pc:sldMk cId="2929368403" sldId="278"/>
+            <ac:spMk id="15" creationId="{A2C5B3AB-E67F-D466-ECA0-320E91BD6565}"/>
+          </ac:spMkLst>
+        </pc:spChg>
+        <pc:spChg chg="add mod">
+          <ac:chgData name="Caio Rodrigues" userId="9ce2624af9b64a3c" providerId="LiveId" clId="{16E2BC24-AF38-4833-9D41-9220B2331143}" dt="2024-08-07T03:31:15.832" v="8386" actId="1076"/>
+          <ac:spMkLst>
+            <pc:docMk/>
+            <pc:sldMk cId="2929368403" sldId="278"/>
+            <ac:spMk id="16" creationId="{0C677360-6752-2CD3-4211-9FAFC5ABDAE9}"/>
+          </ac:spMkLst>
+        </pc:spChg>
+        <pc:spChg chg="del">
+          <ac:chgData name="Caio Rodrigues" userId="9ce2624af9b64a3c" providerId="LiveId" clId="{16E2BC24-AF38-4833-9D41-9220B2331143}" dt="2024-08-06T00:51:44.009" v="7434" actId="478"/>
+          <ac:spMkLst>
+            <pc:docMk/>
+            <pc:sldMk cId="2929368403" sldId="278"/>
+            <ac:spMk id="16" creationId="{3D1F7B29-A338-C02B-AD16-836AAE6FDE5E}"/>
+          </ac:spMkLst>
+        </pc:spChg>
+        <pc:spChg chg="del">
+          <ac:chgData name="Caio Rodrigues" userId="9ce2624af9b64a3c" providerId="LiveId" clId="{16E2BC24-AF38-4833-9D41-9220B2331143}" dt="2024-08-06T00:51:45.309" v="7435" actId="478"/>
+          <ac:spMkLst>
+            <pc:docMk/>
+            <pc:sldMk cId="2929368403" sldId="278"/>
+            <ac:spMk id="17" creationId="{960AD84A-FCD5-72FB-AC06-B32B91D3EA65}"/>
+          </ac:spMkLst>
+        </pc:spChg>
+        <pc:spChg chg="add mod">
+          <ac:chgData name="Caio Rodrigues" userId="9ce2624af9b64a3c" providerId="LiveId" clId="{16E2BC24-AF38-4833-9D41-9220B2331143}" dt="2024-08-07T03:31:15.832" v="8386" actId="1076"/>
+          <ac:spMkLst>
+            <pc:docMk/>
+            <pc:sldMk cId="2929368403" sldId="278"/>
+            <ac:spMk id="17" creationId="{C76D7E7B-5964-AD42-7FB2-3FDE2A7B949A}"/>
+          </ac:spMkLst>
+        </pc:spChg>
+        <pc:spChg chg="add mod">
+          <ac:chgData name="Caio Rodrigues" userId="9ce2624af9b64a3c" providerId="LiveId" clId="{16E2BC24-AF38-4833-9D41-9220B2331143}" dt="2024-08-07T03:31:15.832" v="8386" actId="1076"/>
+          <ac:spMkLst>
+            <pc:docMk/>
+            <pc:sldMk cId="2929368403" sldId="278"/>
+            <ac:spMk id="18" creationId="{EC88FDBA-BBA8-6B12-A8FA-26398392A4F6}"/>
+          </ac:spMkLst>
+        </pc:spChg>
+        <pc:spChg chg="add mod">
+          <ac:chgData name="Caio Rodrigues" userId="9ce2624af9b64a3c" providerId="LiveId" clId="{16E2BC24-AF38-4833-9D41-9220B2331143}" dt="2024-08-07T03:31:15.832" v="8386" actId="1076"/>
+          <ac:spMkLst>
+            <pc:docMk/>
+            <pc:sldMk cId="2929368403" sldId="278"/>
+            <ac:spMk id="19" creationId="{023A0531-312D-F7B3-DCD4-267DFA550E7A}"/>
+          </ac:spMkLst>
+        </pc:spChg>
+        <pc:spChg chg="add mod">
+          <ac:chgData name="Caio Rodrigues" userId="9ce2624af9b64a3c" providerId="LiveId" clId="{16E2BC24-AF38-4833-9D41-9220B2331143}" dt="2024-08-07T03:31:15.832" v="8386" actId="1076"/>
+          <ac:spMkLst>
+            <pc:docMk/>
+            <pc:sldMk cId="2929368403" sldId="278"/>
+            <ac:spMk id="20" creationId="{95567A6A-2EE1-2083-73AD-63CE39F54AAD}"/>
+          </ac:spMkLst>
+        </pc:spChg>
+        <pc:spChg chg="add mod">
+          <ac:chgData name="Caio Rodrigues" userId="9ce2624af9b64a3c" providerId="LiveId" clId="{16E2BC24-AF38-4833-9D41-9220B2331143}" dt="2024-08-07T03:25:39.532" v="8214" actId="571"/>
+          <ac:spMkLst>
+            <pc:docMk/>
+            <pc:sldMk cId="2929368403" sldId="278"/>
+            <ac:spMk id="21" creationId="{A54433C9-48D3-C6F9-E1BF-F965EA0418B1}"/>
+          </ac:spMkLst>
+        </pc:spChg>
+        <pc:spChg chg="add mod">
+          <ac:chgData name="Caio Rodrigues" userId="9ce2624af9b64a3c" providerId="LiveId" clId="{16E2BC24-AF38-4833-9D41-9220B2331143}" dt="2024-08-07T03:31:15.832" v="8386" actId="1076"/>
+          <ac:spMkLst>
+            <pc:docMk/>
+            <pc:sldMk cId="2929368403" sldId="278"/>
+            <ac:spMk id="22" creationId="{67DB4201-EDC6-12D3-334A-3C319A991EBF}"/>
+          </ac:spMkLst>
+        </pc:spChg>
+        <pc:spChg chg="add mod">
+          <ac:chgData name="Caio Rodrigues" userId="9ce2624af9b64a3c" providerId="LiveId" clId="{16E2BC24-AF38-4833-9D41-9220B2331143}" dt="2024-08-07T03:31:15.832" v="8386" actId="1076"/>
+          <ac:spMkLst>
+            <pc:docMk/>
+            <pc:sldMk cId="2929368403" sldId="278"/>
+            <ac:spMk id="23" creationId="{5AA650E7-31FD-0665-6EDD-A3B2E8FC822C}"/>
+          </ac:spMkLst>
+        </pc:spChg>
+        <pc:spChg chg="add mod">
+          <ac:chgData name="Caio Rodrigues" userId="9ce2624af9b64a3c" providerId="LiveId" clId="{16E2BC24-AF38-4833-9D41-9220B2331143}" dt="2024-08-07T03:31:15.832" v="8386" actId="1076"/>
+          <ac:spMkLst>
+            <pc:docMk/>
+            <pc:sldMk cId="2929368403" sldId="278"/>
+            <ac:spMk id="24" creationId="{C24458DD-557B-02DE-B447-C36E8A43343D}"/>
+          </ac:spMkLst>
+        </pc:spChg>
+        <pc:spChg chg="add mod">
+          <ac:chgData name="Caio Rodrigues" userId="9ce2624af9b64a3c" providerId="LiveId" clId="{16E2BC24-AF38-4833-9D41-9220B2331143}" dt="2024-08-07T12:28:12.893" v="11322" actId="20577"/>
+          <ac:spMkLst>
+            <pc:docMk/>
+            <pc:sldMk cId="2929368403" sldId="278"/>
+            <ac:spMk id="25" creationId="{E1CFC2A9-C48B-29FC-1570-A98A2B5AABD3}"/>
+          </ac:spMkLst>
+        </pc:spChg>
+        <pc:spChg chg="add mod">
+          <ac:chgData name="Caio Rodrigues" userId="9ce2624af9b64a3c" providerId="LiveId" clId="{16E2BC24-AF38-4833-9D41-9220B2331143}" dt="2024-08-07T03:35:41.780" v="8517" actId="1076"/>
+          <ac:spMkLst>
+            <pc:docMk/>
+            <pc:sldMk cId="2929368403" sldId="278"/>
+            <ac:spMk id="26" creationId="{D8CFED75-F64F-4D6F-C1CC-20FEB51E105F}"/>
+          </ac:spMkLst>
+        </pc:spChg>
+        <pc:spChg chg="add mod">
+          <ac:chgData name="Caio Rodrigues" userId="9ce2624af9b64a3c" providerId="LiveId" clId="{16E2BC24-AF38-4833-9D41-9220B2331143}" dt="2024-08-07T03:33:33.057" v="8482"/>
+          <ac:spMkLst>
+            <pc:docMk/>
+            <pc:sldMk cId="2929368403" sldId="278"/>
+            <ac:spMk id="27" creationId="{680B4043-CF88-3F78-60E7-A77570DBC902}"/>
+          </ac:spMkLst>
+        </pc:spChg>
+        <pc:spChg chg="add mod ord">
+          <ac:chgData name="Caio Rodrigues" userId="9ce2624af9b64a3c" providerId="LiveId" clId="{16E2BC24-AF38-4833-9D41-9220B2331143}" dt="2024-08-07T03:35:41.780" v="8517" actId="1076"/>
+          <ac:spMkLst>
+            <pc:docMk/>
+            <pc:sldMk cId="2929368403" sldId="278"/>
+            <ac:spMk id="28" creationId="{DC909E00-5EF4-5A76-A8AD-E32C6C4734EE}"/>
+          </ac:spMkLst>
+        </pc:spChg>
+        <pc:spChg chg="del mod">
+          <ac:chgData name="Caio Rodrigues" userId="9ce2624af9b64a3c" providerId="LiveId" clId="{16E2BC24-AF38-4833-9D41-9220B2331143}" dt="2024-08-07T03:19:21.438" v="8091" actId="478"/>
+          <ac:spMkLst>
+            <pc:docMk/>
+            <pc:sldMk cId="2929368403" sldId="278"/>
+            <ac:spMk id="33" creationId="{7C0A4B99-5181-B2B0-7BC1-6EE3C60137AB}"/>
+          </ac:spMkLst>
+        </pc:spChg>
+        <pc:picChg chg="mod">
+          <ac:chgData name="Caio Rodrigues" userId="9ce2624af9b64a3c" providerId="LiveId" clId="{16E2BC24-AF38-4833-9D41-9220B2331143}" dt="2024-08-07T03:31:15.832" v="8386" actId="1076"/>
+          <ac:picMkLst>
+            <pc:docMk/>
+            <pc:sldMk cId="2929368403" sldId="278"/>
+            <ac:picMk id="2" creationId="{773AFAF0-8E56-8083-07BF-F32450ABBF48}"/>
+          </ac:picMkLst>
+        </pc:picChg>
+        <pc:picChg chg="mod">
+          <ac:chgData name="Caio Rodrigues" userId="9ce2624af9b64a3c" providerId="LiveId" clId="{16E2BC24-AF38-4833-9D41-9220B2331143}" dt="2024-08-07T03:31:15.832" v="8386" actId="1076"/>
+          <ac:picMkLst>
+            <pc:docMk/>
+            <pc:sldMk cId="2929368403" sldId="278"/>
+            <ac:picMk id="7" creationId="{7A5BDD21-4F00-F866-8C9E-180AD4BDB48B}"/>
+          </ac:picMkLst>
+        </pc:picChg>
+        <pc:picChg chg="add mod">
+          <ac:chgData name="Caio Rodrigues" userId="9ce2624af9b64a3c" providerId="LiveId" clId="{16E2BC24-AF38-4833-9D41-9220B2331143}" dt="2024-08-07T03:31:15.832" v="8386" actId="1076"/>
+          <ac:picMkLst>
+            <pc:docMk/>
+            <pc:sldMk cId="2929368403" sldId="278"/>
+            <ac:picMk id="8" creationId="{B146628A-88C0-5FD6-D80A-027A4093A5B5}"/>
+          </ac:picMkLst>
+        </pc:picChg>
+        <pc:picChg chg="add mod">
+          <ac:chgData name="Caio Rodrigues" userId="9ce2624af9b64a3c" providerId="LiveId" clId="{16E2BC24-AF38-4833-9D41-9220B2331143}" dt="2024-08-07T05:14:22.554" v="10479" actId="1076"/>
+          <ac:picMkLst>
+            <pc:docMk/>
+            <pc:sldMk cId="2929368403" sldId="278"/>
+            <ac:picMk id="13" creationId="{D181DBC0-5DA4-5BF9-F70B-CBB962B6F416}"/>
+          </ac:picMkLst>
+        </pc:picChg>
+      </pc:sldChg>
+      <pc:sldChg chg="addSp delSp modSp add mod ord">
+        <pc:chgData name="Caio Rodrigues" userId="9ce2624af9b64a3c" providerId="LiveId" clId="{16E2BC24-AF38-4833-9D41-9220B2331143}" dt="2024-08-07T11:28:49.340" v="11280" actId="207"/>
+        <pc:sldMkLst>
+          <pc:docMk/>
+          <pc:sldMk cId="2028039462" sldId="279"/>
+        </pc:sldMkLst>
+        <pc:spChg chg="mod">
+          <ac:chgData name="Caio Rodrigues" userId="9ce2624af9b64a3c" providerId="LiveId" clId="{16E2BC24-AF38-4833-9D41-9220B2331143}" dt="2024-08-07T03:01:00.492" v="7485" actId="1076"/>
+          <ac:spMkLst>
+            <pc:docMk/>
+            <pc:sldMk cId="2028039462" sldId="279"/>
+            <ac:spMk id="3" creationId="{54E7E00D-1348-5CC3-48D7-19E0C3250BD2}"/>
+          </ac:spMkLst>
+        </pc:spChg>
+        <pc:spChg chg="mod">
+          <ac:chgData name="Caio Rodrigues" userId="9ce2624af9b64a3c" providerId="LiveId" clId="{16E2BC24-AF38-4833-9D41-9220B2331143}" dt="2024-08-07T03:18:41.271" v="8085" actId="20577"/>
+          <ac:spMkLst>
+            <pc:docMk/>
+            <pc:sldMk cId="2028039462" sldId="279"/>
+            <ac:spMk id="5" creationId="{CE936A9C-F6C6-E142-55DA-D47FCF15E24D}"/>
+          </ac:spMkLst>
+        </pc:spChg>
+        <pc:spChg chg="add del mod">
+          <ac:chgData name="Caio Rodrigues" userId="9ce2624af9b64a3c" providerId="LiveId" clId="{16E2BC24-AF38-4833-9D41-9220B2331143}" dt="2024-08-07T03:00:34.895" v="7481" actId="478"/>
+          <ac:spMkLst>
+            <pc:docMk/>
+            <pc:sldMk cId="2028039462" sldId="279"/>
+            <ac:spMk id="6" creationId="{3C908D9D-CF9B-EFEC-F01E-EFFBD52224C4}"/>
+          </ac:spMkLst>
+        </pc:spChg>
+        <pc:spChg chg="mod">
+          <ac:chgData name="Caio Rodrigues" userId="9ce2624af9b64a3c" providerId="LiveId" clId="{16E2BC24-AF38-4833-9D41-9220B2331143}" dt="2024-08-07T03:01:00.492" v="7485" actId="1076"/>
+          <ac:spMkLst>
+            <pc:docMk/>
+            <pc:sldMk cId="2028039462" sldId="279"/>
+            <ac:spMk id="9" creationId="{0217AB85-7175-F23D-09A7-CEDCB030E01D}"/>
+          </ac:spMkLst>
+        </pc:spChg>
+        <pc:spChg chg="mod">
+          <ac:chgData name="Caio Rodrigues" userId="9ce2624af9b64a3c" providerId="LiveId" clId="{16E2BC24-AF38-4833-9D41-9220B2331143}" dt="2024-08-07T03:01:00.492" v="7485" actId="1076"/>
+          <ac:spMkLst>
+            <pc:docMk/>
+            <pc:sldMk cId="2028039462" sldId="279"/>
+            <ac:spMk id="10" creationId="{215DC632-D3B1-4994-CE31-371A9F9C163E}"/>
+          </ac:spMkLst>
+        </pc:spChg>
+        <pc:spChg chg="add mod">
+          <ac:chgData name="Caio Rodrigues" userId="9ce2624af9b64a3c" providerId="LiveId" clId="{16E2BC24-AF38-4833-9D41-9220B2331143}" dt="2024-08-07T03:35:38.711" v="8515" actId="1076"/>
+          <ac:spMkLst>
+            <pc:docMk/>
+            <pc:sldMk cId="2028039462" sldId="279"/>
+            <ac:spMk id="12" creationId="{A029A8EE-72D5-A938-6A98-27E47167357D}"/>
+          </ac:spMkLst>
+        </pc:spChg>
+        <pc:spChg chg="add mod">
+          <ac:chgData name="Caio Rodrigues" userId="9ce2624af9b64a3c" providerId="LiveId" clId="{16E2BC24-AF38-4833-9D41-9220B2331143}" dt="2024-08-07T03:35:38.711" v="8515" actId="1076"/>
+          <ac:spMkLst>
+            <pc:docMk/>
+            <pc:sldMk cId="2028039462" sldId="279"/>
+            <ac:spMk id="14" creationId="{B3198B04-1C87-37F2-08DA-1DE73DA8FCD6}"/>
+          </ac:spMkLst>
+        </pc:spChg>
+        <pc:spChg chg="add mod">
+          <ac:chgData name="Caio Rodrigues" userId="9ce2624af9b64a3c" providerId="LiveId" clId="{16E2BC24-AF38-4833-9D41-9220B2331143}" dt="2024-08-07T03:35:38.711" v="8515" actId="1076"/>
+          <ac:spMkLst>
+            <pc:docMk/>
+            <pc:sldMk cId="2028039462" sldId="279"/>
+            <ac:spMk id="15" creationId="{78B972B9-DE18-A3E3-F533-1C3667E0EF48}"/>
+          </ac:spMkLst>
+        </pc:spChg>
+        <pc:spChg chg="add mod">
+          <ac:chgData name="Caio Rodrigues" userId="9ce2624af9b64a3c" providerId="LiveId" clId="{16E2BC24-AF38-4833-9D41-9220B2331143}" dt="2024-08-07T05:22:07.041" v="10789" actId="20577"/>
+          <ac:spMkLst>
+            <pc:docMk/>
+            <pc:sldMk cId="2028039462" sldId="279"/>
+            <ac:spMk id="16" creationId="{C6684BBC-A274-4B39-C2DA-C5D52A36E2AB}"/>
+          </ac:spMkLst>
+        </pc:spChg>
+        <pc:spChg chg="add mod">
+          <ac:chgData name="Caio Rodrigues" userId="9ce2624af9b64a3c" providerId="LiveId" clId="{16E2BC24-AF38-4833-9D41-9220B2331143}" dt="2024-08-07T11:28:49.340" v="11280" actId="207"/>
+          <ac:spMkLst>
+            <pc:docMk/>
+            <pc:sldMk cId="2028039462" sldId="279"/>
+            <ac:spMk id="17" creationId="{543D62B4-FCFC-A582-852C-1666993DD23F}"/>
+          </ac:spMkLst>
+        </pc:spChg>
+        <pc:spChg chg="mod">
+          <ac:chgData name="Caio Rodrigues" userId="9ce2624af9b64a3c" providerId="LiveId" clId="{16E2BC24-AF38-4833-9D41-9220B2331143}" dt="2024-08-07T03:01:00.492" v="7485" actId="1076"/>
+          <ac:spMkLst>
+            <pc:docMk/>
+            <pc:sldMk cId="2028039462" sldId="279"/>
+            <ac:spMk id="33" creationId="{7C0A4B99-5181-B2B0-7BC1-6EE3C60137AB}"/>
+          </ac:spMkLst>
+        </pc:spChg>
+        <pc:picChg chg="mod">
+          <ac:chgData name="Caio Rodrigues" userId="9ce2624af9b64a3c" providerId="LiveId" clId="{16E2BC24-AF38-4833-9D41-9220B2331143}" dt="2024-08-07T03:01:00.492" v="7485" actId="1076"/>
+          <ac:picMkLst>
+            <pc:docMk/>
+            <pc:sldMk cId="2028039462" sldId="279"/>
+            <ac:picMk id="2" creationId="{773AFAF0-8E56-8083-07BF-F32450ABBF48}"/>
+          </ac:picMkLst>
+        </pc:picChg>
+        <pc:picChg chg="mod">
+          <ac:chgData name="Caio Rodrigues" userId="9ce2624af9b64a3c" providerId="LiveId" clId="{16E2BC24-AF38-4833-9D41-9220B2331143}" dt="2024-08-07T03:01:00.492" v="7485" actId="1076"/>
+          <ac:picMkLst>
+            <pc:docMk/>
+            <pc:sldMk cId="2028039462" sldId="279"/>
+            <ac:picMk id="7" creationId="{7A5BDD21-4F00-F866-8C9E-180AD4BDB48B}"/>
+          </ac:picMkLst>
+        </pc:picChg>
+        <pc:picChg chg="del">
+          <ac:chgData name="Caio Rodrigues" userId="9ce2624af9b64a3c" providerId="LiveId" clId="{16E2BC24-AF38-4833-9D41-9220B2331143}" dt="2024-08-07T02:59:13.019" v="7456" actId="478"/>
+          <ac:picMkLst>
+            <pc:docMk/>
+            <pc:sldMk cId="2028039462" sldId="279"/>
+            <ac:picMk id="8" creationId="{B146628A-88C0-5FD6-D80A-027A4093A5B5}"/>
+          </ac:picMkLst>
+        </pc:picChg>
+        <pc:picChg chg="del">
+          <ac:chgData name="Caio Rodrigues" userId="9ce2624af9b64a3c" providerId="LiveId" clId="{16E2BC24-AF38-4833-9D41-9220B2331143}" dt="2024-08-07T02:59:13.875" v="7457" actId="478"/>
+          <ac:picMkLst>
+            <pc:docMk/>
+            <pc:sldMk cId="2028039462" sldId="279"/>
+            <ac:picMk id="13" creationId="{D181DBC0-5DA4-5BF9-F70B-CBB962B6F416}"/>
+          </ac:picMkLst>
+        </pc:picChg>
+      </pc:sldChg>
+      <pc:sldChg chg="addSp delSp modSp add mod ord">
+        <pc:chgData name="Caio Rodrigues" userId="9ce2624af9b64a3c" providerId="LiveId" clId="{16E2BC24-AF38-4833-9D41-9220B2331143}" dt="2024-08-07T05:41:04.349" v="11237" actId="1076"/>
+        <pc:sldMkLst>
+          <pc:docMk/>
+          <pc:sldMk cId="3017889025" sldId="280"/>
+        </pc:sldMkLst>
+        <pc:spChg chg="add mod">
+          <ac:chgData name="Caio Rodrigues" userId="9ce2624af9b64a3c" providerId="LiveId" clId="{16E2BC24-AF38-4833-9D41-9220B2331143}" dt="2024-08-07T04:16:02.719" v="9562" actId="1076"/>
+          <ac:spMkLst>
+            <pc:docMk/>
+            <pc:sldMk cId="3017889025" sldId="280"/>
+            <ac:spMk id="3" creationId="{92861520-C625-F208-001E-14FC0FCAB4F0}"/>
+          </ac:spMkLst>
+        </pc:spChg>
+        <pc:spChg chg="del">
+          <ac:chgData name="Caio Rodrigues" userId="9ce2624af9b64a3c" providerId="LiveId" clId="{16E2BC24-AF38-4833-9D41-9220B2331143}" dt="2024-08-07T04:15:47.519" v="9558" actId="478"/>
+          <ac:spMkLst>
+            <pc:docMk/>
+            <pc:sldMk cId="3017889025" sldId="280"/>
+            <ac:spMk id="5" creationId="{CE936A9C-F6C6-E142-55DA-D47FCF15E24D}"/>
+          </ac:spMkLst>
+        </pc:spChg>
+        <pc:spChg chg="del">
+          <ac:chgData name="Caio Rodrigues" userId="9ce2624af9b64a3c" providerId="LiveId" clId="{16E2BC24-AF38-4833-9D41-9220B2331143}" dt="2024-08-07T04:06:47.647" v="9489" actId="478"/>
+          <ac:spMkLst>
+            <pc:docMk/>
+            <pc:sldMk cId="3017889025" sldId="280"/>
+            <ac:spMk id="6" creationId="{5091EEE3-6911-CA89-3892-82BFCB2C944D}"/>
+          </ac:spMkLst>
+        </pc:spChg>
+        <pc:spChg chg="del">
+          <ac:chgData name="Caio Rodrigues" userId="9ce2624af9b64a3c" providerId="LiveId" clId="{16E2BC24-AF38-4833-9D41-9220B2331143}" dt="2024-08-07T04:06:43.885" v="9485" actId="478"/>
+          <ac:spMkLst>
+            <pc:docMk/>
+            <pc:sldMk cId="3017889025" sldId="280"/>
+            <ac:spMk id="9" creationId="{0217AB85-7175-F23D-09A7-CEDCB030E01D}"/>
+          </ac:spMkLst>
+        </pc:spChg>
+        <pc:spChg chg="del">
+          <ac:chgData name="Caio Rodrigues" userId="9ce2624af9b64a3c" providerId="LiveId" clId="{16E2BC24-AF38-4833-9D41-9220B2331143}" dt="2024-08-07T04:06:44.827" v="9487" actId="478"/>
+          <ac:spMkLst>
+            <pc:docMk/>
+            <pc:sldMk cId="3017889025" sldId="280"/>
+            <ac:spMk id="10" creationId="{215DC632-D3B1-4994-CE31-371A9F9C163E}"/>
+          </ac:spMkLst>
+        </pc:spChg>
+        <pc:spChg chg="del">
+          <ac:chgData name="Caio Rodrigues" userId="9ce2624af9b64a3c" providerId="LiveId" clId="{16E2BC24-AF38-4833-9D41-9220B2331143}" dt="2024-08-07T04:06:47.647" v="9489" actId="478"/>
+          <ac:spMkLst>
+            <pc:docMk/>
+            <pc:sldMk cId="3017889025" sldId="280"/>
+            <ac:spMk id="12" creationId="{2D4753AD-885E-A730-822F-6A9908A1532C}"/>
+          </ac:spMkLst>
+        </pc:spChg>
+        <pc:spChg chg="del">
+          <ac:chgData name="Caio Rodrigues" userId="9ce2624af9b64a3c" providerId="LiveId" clId="{16E2BC24-AF38-4833-9D41-9220B2331143}" dt="2024-08-07T04:06:47.647" v="9489" actId="478"/>
+          <ac:spMkLst>
+            <pc:docMk/>
+            <pc:sldMk cId="3017889025" sldId="280"/>
+            <ac:spMk id="14" creationId="{BA826EE8-24E6-65AA-582D-30C6DA79551A}"/>
+          </ac:spMkLst>
+        </pc:spChg>
+        <pc:spChg chg="del">
+          <ac:chgData name="Caio Rodrigues" userId="9ce2624af9b64a3c" providerId="LiveId" clId="{16E2BC24-AF38-4833-9D41-9220B2331143}" dt="2024-08-07T04:06:47.647" v="9489" actId="478"/>
+          <ac:spMkLst>
+            <pc:docMk/>
+            <pc:sldMk cId="3017889025" sldId="280"/>
+            <ac:spMk id="15" creationId="{A2C5B3AB-E67F-D466-ECA0-320E91BD6565}"/>
+          </ac:spMkLst>
+        </pc:spChg>
+        <pc:spChg chg="del">
+          <ac:chgData name="Caio Rodrigues" userId="9ce2624af9b64a3c" providerId="LiveId" clId="{16E2BC24-AF38-4833-9D41-9220B2331143}" dt="2024-08-07T04:06:47.647" v="9489" actId="478"/>
+          <ac:spMkLst>
+            <pc:docMk/>
+            <pc:sldMk cId="3017889025" sldId="280"/>
+            <ac:spMk id="16" creationId="{0C677360-6752-2CD3-4211-9FAFC5ABDAE9}"/>
+          </ac:spMkLst>
+        </pc:spChg>
+        <pc:spChg chg="del">
+          <ac:chgData name="Caio Rodrigues" userId="9ce2624af9b64a3c" providerId="LiveId" clId="{16E2BC24-AF38-4833-9D41-9220B2331143}" dt="2024-08-07T04:06:47.647" v="9489" actId="478"/>
+          <ac:spMkLst>
+            <pc:docMk/>
+            <pc:sldMk cId="3017889025" sldId="280"/>
+            <ac:spMk id="17" creationId="{C76D7E7B-5964-AD42-7FB2-3FDE2A7B949A}"/>
+          </ac:spMkLst>
+        </pc:spChg>
+        <pc:spChg chg="del">
+          <ac:chgData name="Caio Rodrigues" userId="9ce2624af9b64a3c" providerId="LiveId" clId="{16E2BC24-AF38-4833-9D41-9220B2331143}" dt="2024-08-07T04:06:47.647" v="9489" actId="478"/>
+          <ac:spMkLst>
+            <pc:docMk/>
+            <pc:sldMk cId="3017889025" sldId="280"/>
+            <ac:spMk id="18" creationId="{EC88FDBA-BBA8-6B12-A8FA-26398392A4F6}"/>
+          </ac:spMkLst>
+        </pc:spChg>
+        <pc:spChg chg="del">
+          <ac:chgData name="Caio Rodrigues" userId="9ce2624af9b64a3c" providerId="LiveId" clId="{16E2BC24-AF38-4833-9D41-9220B2331143}" dt="2024-08-07T04:06:47.647" v="9489" actId="478"/>
+          <ac:spMkLst>
+            <pc:docMk/>
+            <pc:sldMk cId="3017889025" sldId="280"/>
+            <ac:spMk id="19" creationId="{023A0531-312D-F7B3-DCD4-267DFA550E7A}"/>
+          </ac:spMkLst>
+        </pc:spChg>
+        <pc:spChg chg="del">
+          <ac:chgData name="Caio Rodrigues" userId="9ce2624af9b64a3c" providerId="LiveId" clId="{16E2BC24-AF38-4833-9D41-9220B2331143}" dt="2024-08-07T04:06:47.647" v="9489" actId="478"/>
+          <ac:spMkLst>
+            <pc:docMk/>
+            <pc:sldMk cId="3017889025" sldId="280"/>
+            <ac:spMk id="20" creationId="{95567A6A-2EE1-2083-73AD-63CE39F54AAD}"/>
+          </ac:spMkLst>
+        </pc:spChg>
+        <pc:spChg chg="del">
+          <ac:chgData name="Caio Rodrigues" userId="9ce2624af9b64a3c" providerId="LiveId" clId="{16E2BC24-AF38-4833-9D41-9220B2331143}" dt="2024-08-07T04:06:47.647" v="9489" actId="478"/>
+          <ac:spMkLst>
+            <pc:docMk/>
+            <pc:sldMk cId="3017889025" sldId="280"/>
+            <ac:spMk id="22" creationId="{67DB4201-EDC6-12D3-334A-3C319A991EBF}"/>
+          </ac:spMkLst>
+        </pc:spChg>
+        <pc:spChg chg="del">
+          <ac:chgData name="Caio Rodrigues" userId="9ce2624af9b64a3c" providerId="LiveId" clId="{16E2BC24-AF38-4833-9D41-9220B2331143}" dt="2024-08-07T04:06:47.647" v="9489" actId="478"/>
+          <ac:spMkLst>
+            <pc:docMk/>
+            <pc:sldMk cId="3017889025" sldId="280"/>
+            <ac:spMk id="23" creationId="{5AA650E7-31FD-0665-6EDD-A3B2E8FC822C}"/>
+          </ac:spMkLst>
+        </pc:spChg>
+        <pc:spChg chg="del">
+          <ac:chgData name="Caio Rodrigues" userId="9ce2624af9b64a3c" providerId="LiveId" clId="{16E2BC24-AF38-4833-9D41-9220B2331143}" dt="2024-08-07T04:06:47.647" v="9489" actId="478"/>
+          <ac:spMkLst>
+            <pc:docMk/>
+            <pc:sldMk cId="3017889025" sldId="280"/>
+            <ac:spMk id="24" creationId="{C24458DD-557B-02DE-B447-C36E8A43343D}"/>
+          </ac:spMkLst>
+        </pc:spChg>
+        <pc:spChg chg="del">
+          <ac:chgData name="Caio Rodrigues" userId="9ce2624af9b64a3c" providerId="LiveId" clId="{16E2BC24-AF38-4833-9D41-9220B2331143}" dt="2024-08-07T04:06:47.647" v="9489" actId="478"/>
+          <ac:spMkLst>
+            <pc:docMk/>
+            <pc:sldMk cId="3017889025" sldId="280"/>
+            <ac:spMk id="25" creationId="{E1CFC2A9-C48B-29FC-1570-A98A2B5AABD3}"/>
+          </ac:spMkLst>
+        </pc:spChg>
+        <pc:spChg chg="add mod">
+          <ac:chgData name="Caio Rodrigues" userId="9ce2624af9b64a3c" providerId="LiveId" clId="{16E2BC24-AF38-4833-9D41-9220B2331143}" dt="2024-08-07T04:28:41.335" v="9631" actId="34135"/>
+          <ac:spMkLst>
+            <pc:docMk/>
+            <pc:sldMk cId="3017889025" sldId="280"/>
+            <ac:spMk id="28" creationId="{BBB2C02E-9715-E017-BD85-891070EC95AC}"/>
+          </ac:spMkLst>
+        </pc:spChg>
+        <pc:spChg chg="add mod">
+          <ac:chgData name="Caio Rodrigues" userId="9ce2624af9b64a3c" providerId="LiveId" clId="{16E2BC24-AF38-4833-9D41-9220B2331143}" dt="2024-08-07T04:28:41.335" v="9631" actId="34135"/>
+          <ac:spMkLst>
+            <pc:docMk/>
+            <pc:sldMk cId="3017889025" sldId="280"/>
+            <ac:spMk id="29" creationId="{A459EB50-321B-63F9-E43E-9DD169D27825}"/>
+          </ac:spMkLst>
+        </pc:spChg>
+        <pc:spChg chg="add del mod">
+          <ac:chgData name="Caio Rodrigues" userId="9ce2624af9b64a3c" providerId="LiveId" clId="{16E2BC24-AF38-4833-9D41-9220B2331143}" dt="2024-08-07T04:26:32.857" v="9597" actId="478"/>
+          <ac:spMkLst>
+            <pc:docMk/>
+            <pc:sldMk cId="3017889025" sldId="280"/>
+            <ac:spMk id="30" creationId="{B57B709A-BF00-752E-1242-616C98F06C62}"/>
+          </ac:spMkLst>
+        </pc:spChg>
+        <pc:spChg chg="add mod">
+          <ac:chgData name="Caio Rodrigues" userId="9ce2624af9b64a3c" providerId="LiveId" clId="{16E2BC24-AF38-4833-9D41-9220B2331143}" dt="2024-08-07T04:28:41.335" v="9631" actId="34135"/>
+          <ac:spMkLst>
+            <pc:docMk/>
+            <pc:sldMk cId="3017889025" sldId="280"/>
+            <ac:spMk id="31" creationId="{C49B072C-6746-67C2-10F8-50CBD3FA42E0}"/>
+          </ac:spMkLst>
+        </pc:spChg>
+        <pc:spChg chg="add mod">
+          <ac:chgData name="Caio Rodrigues" userId="9ce2624af9b64a3c" providerId="LiveId" clId="{16E2BC24-AF38-4833-9D41-9220B2331143}" dt="2024-08-07T04:28:41.335" v="9631" actId="34135"/>
+          <ac:spMkLst>
+            <pc:docMk/>
+            <pc:sldMk cId="3017889025" sldId="280"/>
+            <ac:spMk id="32" creationId="{4956D246-216D-63D5-090A-4C93E2F4DA89}"/>
+          </ac:spMkLst>
+        </pc:spChg>
+        <pc:spChg chg="add mod">
+          <ac:chgData name="Caio Rodrigues" userId="9ce2624af9b64a3c" providerId="LiveId" clId="{16E2BC24-AF38-4833-9D41-9220B2331143}" dt="2024-08-07T04:28:41.335" v="9631" actId="34135"/>
+          <ac:spMkLst>
+            <pc:docMk/>
+            <pc:sldMk cId="3017889025" sldId="280"/>
+            <ac:spMk id="33" creationId="{C287B739-7C97-86B2-579A-01091E111E42}"/>
+          </ac:spMkLst>
+        </pc:spChg>
+        <pc:spChg chg="add mod">
+          <ac:chgData name="Caio Rodrigues" userId="9ce2624af9b64a3c" providerId="LiveId" clId="{16E2BC24-AF38-4833-9D41-9220B2331143}" dt="2024-08-07T04:28:41.335" v="9631" actId="34135"/>
+          <ac:spMkLst>
+            <pc:docMk/>
+            <pc:sldMk cId="3017889025" sldId="280"/>
+            <ac:spMk id="34" creationId="{5F58063E-A084-9B5E-5180-A57D03AB4DAE}"/>
+          </ac:spMkLst>
+        </pc:spChg>
+        <pc:spChg chg="add mod">
+          <ac:chgData name="Caio Rodrigues" userId="9ce2624af9b64a3c" providerId="LiveId" clId="{16E2BC24-AF38-4833-9D41-9220B2331143}" dt="2024-08-07T04:28:41.335" v="9631" actId="34135"/>
+          <ac:spMkLst>
+            <pc:docMk/>
+            <pc:sldMk cId="3017889025" sldId="280"/>
+            <ac:spMk id="35" creationId="{2CDF8E08-0C66-2A22-F573-AAA904E1BF8B}"/>
+          </ac:spMkLst>
+        </pc:spChg>
+        <pc:spChg chg="add mod">
+          <ac:chgData name="Caio Rodrigues" userId="9ce2624af9b64a3c" providerId="LiveId" clId="{16E2BC24-AF38-4833-9D41-9220B2331143}" dt="2024-08-07T04:28:41.335" v="9631" actId="34135"/>
+          <ac:spMkLst>
+            <pc:docMk/>
+            <pc:sldMk cId="3017889025" sldId="280"/>
+            <ac:spMk id="36" creationId="{BC90AF24-041D-F1C7-5C6F-3EE5A28988EA}"/>
+          </ac:spMkLst>
+        </pc:spChg>
+        <pc:spChg chg="add mod">
+          <ac:chgData name="Caio Rodrigues" userId="9ce2624af9b64a3c" providerId="LiveId" clId="{16E2BC24-AF38-4833-9D41-9220B2331143}" dt="2024-08-07T04:28:41.335" v="9631" actId="34135"/>
+          <ac:spMkLst>
+            <pc:docMk/>
+            <pc:sldMk cId="3017889025" sldId="280"/>
+            <ac:spMk id="37" creationId="{2FFBC471-F3B9-C0BF-19E2-DC9C946D47DB}"/>
+          </ac:spMkLst>
+        </pc:spChg>
+        <pc:spChg chg="add mod">
+          <ac:chgData name="Caio Rodrigues" userId="9ce2624af9b64a3c" providerId="LiveId" clId="{16E2BC24-AF38-4833-9D41-9220B2331143}" dt="2024-08-07T05:40:57.733" v="11234" actId="1076"/>
+          <ac:spMkLst>
+            <pc:docMk/>
+            <pc:sldMk cId="3017889025" sldId="280"/>
+            <ac:spMk id="40" creationId="{FB36BB8F-C2E1-760A-8EC0-A23B7C597D4E}"/>
+          </ac:spMkLst>
+        </pc:spChg>
+        <pc:spChg chg="add del mod">
+          <ac:chgData name="Caio Rodrigues" userId="9ce2624af9b64a3c" providerId="LiveId" clId="{16E2BC24-AF38-4833-9D41-9220B2331143}" dt="2024-08-07T05:20:47.007" v="10754" actId="478"/>
+          <ac:spMkLst>
+            <pc:docMk/>
+            <pc:sldMk cId="3017889025" sldId="280"/>
+            <ac:spMk id="41" creationId="{460E978E-06E7-D70E-9293-792A0C17F9B0}"/>
+          </ac:spMkLst>
+        </pc:spChg>
+        <pc:spChg chg="add del mod">
+          <ac:chgData name="Caio Rodrigues" userId="9ce2624af9b64a3c" providerId="LiveId" clId="{16E2BC24-AF38-4833-9D41-9220B2331143}" dt="2024-08-07T05:20:57.519" v="10756" actId="478"/>
+          <ac:spMkLst>
+            <pc:docMk/>
+            <pc:sldMk cId="3017889025" sldId="280"/>
+            <ac:spMk id="46" creationId="{D80FD2A7-F554-178F-2424-CB9CE0DC0AFB}"/>
+          </ac:spMkLst>
+        </pc:spChg>
+        <pc:spChg chg="add del mod">
+          <ac:chgData name="Caio Rodrigues" userId="9ce2624af9b64a3c" providerId="LiveId" clId="{16E2BC24-AF38-4833-9D41-9220B2331143}" dt="2024-08-07T05:20:57.519" v="10756" actId="478"/>
+          <ac:spMkLst>
+            <pc:docMk/>
+            <pc:sldMk cId="3017889025" sldId="280"/>
+            <ac:spMk id="47" creationId="{BDA3C299-B17F-7582-03FC-7C489F755122}"/>
+          </ac:spMkLst>
+        </pc:spChg>
+        <pc:spChg chg="add del mod">
+          <ac:chgData name="Caio Rodrigues" userId="9ce2624af9b64a3c" providerId="LiveId" clId="{16E2BC24-AF38-4833-9D41-9220B2331143}" dt="2024-08-07T05:20:57.519" v="10756" actId="478"/>
+          <ac:spMkLst>
+            <pc:docMk/>
+            <pc:sldMk cId="3017889025" sldId="280"/>
+            <ac:spMk id="48" creationId="{4648AA6D-B320-50D4-8E78-EEDE64EFC714}"/>
+          </ac:spMkLst>
+        </pc:spChg>
+        <pc:spChg chg="add del mod">
+          <ac:chgData name="Caio Rodrigues" userId="9ce2624af9b64a3c" providerId="LiveId" clId="{16E2BC24-AF38-4833-9D41-9220B2331143}" dt="2024-08-07T05:20:57.519" v="10756" actId="478"/>
+          <ac:spMkLst>
+            <pc:docMk/>
+            <pc:sldMk cId="3017889025" sldId="280"/>
+            <ac:spMk id="49" creationId="{23BAEFE9-6E45-7E34-A649-CAF892B9DDC4}"/>
+          </ac:spMkLst>
+        </pc:spChg>
+        <pc:spChg chg="add del mod">
+          <ac:chgData name="Caio Rodrigues" userId="9ce2624af9b64a3c" providerId="LiveId" clId="{16E2BC24-AF38-4833-9D41-9220B2331143}" dt="2024-08-07T05:20:57.519" v="10756" actId="478"/>
+          <ac:spMkLst>
+            <pc:docMk/>
+            <pc:sldMk cId="3017889025" sldId="280"/>
+            <ac:spMk id="50" creationId="{054D1C49-923D-BC80-767F-A353978A181F}"/>
+          </ac:spMkLst>
+        </pc:spChg>
+        <pc:spChg chg="add del mod">
+          <ac:chgData name="Caio Rodrigues" userId="9ce2624af9b64a3c" providerId="LiveId" clId="{16E2BC24-AF38-4833-9D41-9220B2331143}" dt="2024-08-07T05:05:14.984" v="10336" actId="478"/>
+          <ac:spMkLst>
+            <pc:docMk/>
+            <pc:sldMk cId="3017889025" sldId="280"/>
+            <ac:spMk id="52" creationId="{C8D0DFE7-4332-73B8-A83C-8CEFEAC69C76}"/>
+          </ac:spMkLst>
+        </pc:spChg>
+        <pc:spChg chg="add mod">
+          <ac:chgData name="Caio Rodrigues" userId="9ce2624af9b64a3c" providerId="LiveId" clId="{16E2BC24-AF38-4833-9D41-9220B2331143}" dt="2024-08-07T05:40:57.733" v="11234" actId="1076"/>
+          <ac:spMkLst>
+            <pc:docMk/>
+            <pc:sldMk cId="3017889025" sldId="280"/>
+            <ac:spMk id="55" creationId="{7AE35B9D-53E0-02D7-CFBB-569E4BA089F8}"/>
+          </ac:spMkLst>
+        </pc:spChg>
+        <pc:spChg chg="add mod">
+          <ac:chgData name="Caio Rodrigues" userId="9ce2624af9b64a3c" providerId="LiveId" clId="{16E2BC24-AF38-4833-9D41-9220B2331143}" dt="2024-08-07T05:40:57.733" v="11234" actId="1076"/>
+          <ac:spMkLst>
+            <pc:docMk/>
+            <pc:sldMk cId="3017889025" sldId="280"/>
+            <ac:spMk id="58" creationId="{B2F63088-40E1-8316-94C1-52812E9A87F0}"/>
+          </ac:spMkLst>
+        </pc:spChg>
+        <pc:grpChg chg="add mod topLvl">
+          <ac:chgData name="Caio Rodrigues" userId="9ce2624af9b64a3c" providerId="LiveId" clId="{16E2BC24-AF38-4833-9D41-9220B2331143}" dt="2024-08-07T04:28:41.335" v="9631" actId="34135"/>
+          <ac:grpSpMkLst>
+            <pc:docMk/>
+            <pc:sldMk cId="3017889025" sldId="280"/>
+            <ac:grpSpMk id="38" creationId="{5C421406-2AA6-96B5-C1FE-687376C07889}"/>
+          </ac:grpSpMkLst>
+        </pc:grpChg>
+        <pc:grpChg chg="add del mod">
+          <ac:chgData name="Caio Rodrigues" userId="9ce2624af9b64a3c" providerId="LiveId" clId="{16E2BC24-AF38-4833-9D41-9220B2331143}" dt="2024-08-07T05:16:34.596" v="10516" actId="478"/>
+          <ac:grpSpMkLst>
+            <pc:docMk/>
+            <pc:sldMk cId="3017889025" sldId="280"/>
+            <ac:grpSpMk id="39" creationId="{56D8C566-225C-7B18-5B3B-DA546B9EC718}"/>
+          </ac:grpSpMkLst>
+        </pc:grpChg>
+        <pc:picChg chg="del">
+          <ac:chgData name="Caio Rodrigues" userId="9ce2624af9b64a3c" providerId="LiveId" clId="{16E2BC24-AF38-4833-9D41-9220B2331143}" dt="2024-08-07T04:06:43.124" v="9484" actId="478"/>
+          <ac:picMkLst>
+            <pc:docMk/>
+            <pc:sldMk cId="3017889025" sldId="280"/>
+            <ac:picMk id="2" creationId="{773AFAF0-8E56-8083-07BF-F32450ABBF48}"/>
+          </ac:picMkLst>
+        </pc:picChg>
+        <pc:picChg chg="del">
+          <ac:chgData name="Caio Rodrigues" userId="9ce2624af9b64a3c" providerId="LiveId" clId="{16E2BC24-AF38-4833-9D41-9220B2331143}" dt="2024-08-07T04:06:44.299" v="9486" actId="478"/>
+          <ac:picMkLst>
+            <pc:docMk/>
+            <pc:sldMk cId="3017889025" sldId="280"/>
+            <ac:picMk id="7" creationId="{7A5BDD21-4F00-F866-8C9E-180AD4BDB48B}"/>
+          </ac:picMkLst>
+        </pc:picChg>
+        <pc:picChg chg="del">
+          <ac:chgData name="Caio Rodrigues" userId="9ce2624af9b64a3c" providerId="LiveId" clId="{16E2BC24-AF38-4833-9D41-9220B2331143}" dt="2024-08-07T04:06:47.647" v="9489" actId="478"/>
+          <ac:picMkLst>
+            <pc:docMk/>
+            <pc:sldMk cId="3017889025" sldId="280"/>
+            <ac:picMk id="8" creationId="{B146628A-88C0-5FD6-D80A-027A4093A5B5}"/>
+          </ac:picMkLst>
+        </pc:picChg>
+        <pc:picChg chg="del">
+          <ac:chgData name="Caio Rodrigues" userId="9ce2624af9b64a3c" providerId="LiveId" clId="{16E2BC24-AF38-4833-9D41-9220B2331143}" dt="2024-08-07T04:06:45.337" v="9488" actId="478"/>
+          <ac:picMkLst>
+            <pc:docMk/>
+            <pc:sldMk cId="3017889025" sldId="280"/>
+            <ac:picMk id="13" creationId="{D181DBC0-5DA4-5BF9-F70B-CBB962B6F416}"/>
+          </ac:picMkLst>
+        </pc:picChg>
+        <pc:picChg chg="add del mod topLvl">
+          <ac:chgData name="Caio Rodrigues" userId="9ce2624af9b64a3c" providerId="LiveId" clId="{16E2BC24-AF38-4833-9D41-9220B2331143}" dt="2024-08-07T04:28:41.335" v="9631" actId="34135"/>
+          <ac:picMkLst>
+            <pc:docMk/>
+            <pc:sldMk cId="3017889025" sldId="280"/>
+            <ac:picMk id="21" creationId="{A1F81ACE-C481-F0D2-DD6D-0E97E6E56750}"/>
+          </ac:picMkLst>
+        </pc:picChg>
+        <pc:picChg chg="add del mod">
+          <ac:chgData name="Caio Rodrigues" userId="9ce2624af9b64a3c" providerId="LiveId" clId="{16E2BC24-AF38-4833-9D41-9220B2331143}" dt="2024-08-07T05:16:35.454" v="10517" actId="478"/>
+          <ac:picMkLst>
+            <pc:docMk/>
+            <pc:sldMk cId="3017889025" sldId="280"/>
+            <ac:picMk id="27" creationId="{389A8D43-719F-3919-5BFA-E8AEE8599071}"/>
+          </ac:picMkLst>
+        </pc:picChg>
+        <pc:picChg chg="add mod">
+          <ac:chgData name="Caio Rodrigues" userId="9ce2624af9b64a3c" providerId="LiveId" clId="{16E2BC24-AF38-4833-9D41-9220B2331143}" dt="2024-08-07T05:40:57.733" v="11234" actId="1076"/>
+          <ac:picMkLst>
+            <pc:docMk/>
+            <pc:sldMk cId="3017889025" sldId="280"/>
+            <ac:picMk id="43" creationId="{A9861DBD-CDF0-6A5C-1124-E372A77DC4ED}"/>
+          </ac:picMkLst>
+        </pc:picChg>
+        <pc:picChg chg="add del mod modCrop">
+          <ac:chgData name="Caio Rodrigues" userId="9ce2624af9b64a3c" providerId="LiveId" clId="{16E2BC24-AF38-4833-9D41-9220B2331143}" dt="2024-08-07T05:20:59.088" v="10757" actId="478"/>
+          <ac:picMkLst>
+            <pc:docMk/>
+            <pc:sldMk cId="3017889025" sldId="280"/>
+            <ac:picMk id="45" creationId="{FED2459D-8886-AF57-1B88-4E91CA9A023C}"/>
+          </ac:picMkLst>
+        </pc:picChg>
+        <pc:picChg chg="add del mod">
+          <ac:chgData name="Caio Rodrigues" userId="9ce2624af9b64a3c" providerId="LiveId" clId="{16E2BC24-AF38-4833-9D41-9220B2331143}" dt="2024-08-07T05:37:35.324" v="11225" actId="478"/>
+          <ac:picMkLst>
+            <pc:docMk/>
+            <pc:sldMk cId="3017889025" sldId="280"/>
+            <ac:picMk id="54" creationId="{F3785C82-6196-ED98-58EA-E27C36DECBA1}"/>
+          </ac:picMkLst>
+        </pc:picChg>
+        <pc:picChg chg="add mod">
+          <ac:chgData name="Caio Rodrigues" userId="9ce2624af9b64a3c" providerId="LiveId" clId="{16E2BC24-AF38-4833-9D41-9220B2331143}" dt="2024-08-07T05:40:57.733" v="11234" actId="1076"/>
+          <ac:picMkLst>
+            <pc:docMk/>
+            <pc:sldMk cId="3017889025" sldId="280"/>
+            <ac:picMk id="57" creationId="{8F7F7FE7-0101-7F0C-BB00-8B1DCD2265E4}"/>
+          </ac:picMkLst>
+        </pc:picChg>
+        <pc:picChg chg="add mod">
+          <ac:chgData name="Caio Rodrigues" userId="9ce2624af9b64a3c" providerId="LiveId" clId="{16E2BC24-AF38-4833-9D41-9220B2331143}" dt="2024-08-07T05:40:57.733" v="11234" actId="1076"/>
+          <ac:picMkLst>
+            <pc:docMk/>
+            <pc:sldMk cId="3017889025" sldId="280"/>
+            <ac:picMk id="60" creationId="{9FB06D12-C19E-E7EA-6035-DB9C8DBFBA4A}"/>
+          </ac:picMkLst>
+        </pc:picChg>
+        <pc:picChg chg="add mod">
+          <ac:chgData name="Caio Rodrigues" userId="9ce2624af9b64a3c" providerId="LiveId" clId="{16E2BC24-AF38-4833-9D41-9220B2331143}" dt="2024-08-07T05:41:04.349" v="11237" actId="1076"/>
+          <ac:picMkLst>
+            <pc:docMk/>
+            <pc:sldMk cId="3017889025" sldId="280"/>
+            <ac:picMk id="62" creationId="{53989AC7-816E-7CF9-396A-99F35BAD764E}"/>
+          </ac:picMkLst>
+        </pc:picChg>
+      </pc:sldChg>
+      <pc:sldChg chg="addSp delSp modSp add mod">
+        <pc:chgData name="Caio Rodrigues" userId="9ce2624af9b64a3c" providerId="LiveId" clId="{16E2BC24-AF38-4833-9D41-9220B2331143}" dt="2024-08-07T04:01:54.375" v="9308" actId="1076"/>
+        <pc:sldMkLst>
+          <pc:docMk/>
+          <pc:sldMk cId="1212088725" sldId="281"/>
+        </pc:sldMkLst>
+        <pc:spChg chg="del">
+          <ac:chgData name="Caio Rodrigues" userId="9ce2624af9b64a3c" providerId="LiveId" clId="{16E2BC24-AF38-4833-9D41-9220B2331143}" dt="2024-08-07T03:37:48.675" v="8526" actId="478"/>
+          <ac:spMkLst>
+            <pc:docMk/>
+            <pc:sldMk cId="1212088725" sldId="281"/>
+            <ac:spMk id="3" creationId="{54E7E00D-1348-5CC3-48D7-19E0C3250BD2}"/>
+          </ac:spMkLst>
+        </pc:spChg>
+        <pc:spChg chg="mod">
+          <ac:chgData name="Caio Rodrigues" userId="9ce2624af9b64a3c" providerId="LiveId" clId="{16E2BC24-AF38-4833-9D41-9220B2331143}" dt="2024-08-07T03:38:45.752" v="8561" actId="20577"/>
+          <ac:spMkLst>
+            <pc:docMk/>
+            <pc:sldMk cId="1212088725" sldId="281"/>
+            <ac:spMk id="5" creationId="{CE936A9C-F6C6-E142-55DA-D47FCF15E24D}"/>
+          </ac:spMkLst>
+        </pc:spChg>
+        <pc:spChg chg="add mod">
+          <ac:chgData name="Caio Rodrigues" userId="9ce2624af9b64a3c" providerId="LiveId" clId="{16E2BC24-AF38-4833-9D41-9220B2331143}" dt="2024-08-07T04:00:12.587" v="9305" actId="20577"/>
+          <ac:spMkLst>
+            <pc:docMk/>
+            <pc:sldMk cId="1212088725" sldId="281"/>
+            <ac:spMk id="6" creationId="{B2163C58-FAEE-87FF-2A80-6DC305896E8A}"/>
+          </ac:spMkLst>
+        </pc:spChg>
+        <pc:spChg chg="del">
+          <ac:chgData name="Caio Rodrigues" userId="9ce2624af9b64a3c" providerId="LiveId" clId="{16E2BC24-AF38-4833-9D41-9220B2331143}" dt="2024-08-07T03:37:46.253" v="8525" actId="478"/>
+          <ac:spMkLst>
+            <pc:docMk/>
+            <pc:sldMk cId="1212088725" sldId="281"/>
+            <ac:spMk id="9" creationId="{0217AB85-7175-F23D-09A7-CEDCB030E01D}"/>
+          </ac:spMkLst>
+        </pc:spChg>
+        <pc:spChg chg="del">
+          <ac:chgData name="Caio Rodrigues" userId="9ce2624af9b64a3c" providerId="LiveId" clId="{16E2BC24-AF38-4833-9D41-9220B2331143}" dt="2024-08-07T03:37:50.166" v="8528" actId="478"/>
+          <ac:spMkLst>
+            <pc:docMk/>
+            <pc:sldMk cId="1212088725" sldId="281"/>
+            <ac:spMk id="10" creationId="{215DC632-D3B1-4994-CE31-371A9F9C163E}"/>
+          </ac:spMkLst>
+        </pc:spChg>
+        <pc:spChg chg="del">
+          <ac:chgData name="Caio Rodrigues" userId="9ce2624af9b64a3c" providerId="LiveId" clId="{16E2BC24-AF38-4833-9D41-9220B2331143}" dt="2024-08-07T03:37:29.381" v="8520" actId="478"/>
+          <ac:spMkLst>
+            <pc:docMk/>
+            <pc:sldMk cId="1212088725" sldId="281"/>
+            <ac:spMk id="12" creationId="{A029A8EE-72D5-A938-6A98-27E47167357D}"/>
+          </ac:spMkLst>
+        </pc:spChg>
+        <pc:spChg chg="del">
+          <ac:chgData name="Caio Rodrigues" userId="9ce2624af9b64a3c" providerId="LiveId" clId="{16E2BC24-AF38-4833-9D41-9220B2331143}" dt="2024-08-07T03:37:26.683" v="8519" actId="478"/>
+          <ac:spMkLst>
+            <pc:docMk/>
+            <pc:sldMk cId="1212088725" sldId="281"/>
+            <ac:spMk id="14" creationId="{B3198B04-1C87-37F2-08DA-1DE73DA8FCD6}"/>
+          </ac:spMkLst>
+        </pc:spChg>
+        <pc:spChg chg="del">
+          <ac:chgData name="Caio Rodrigues" userId="9ce2624af9b64a3c" providerId="LiveId" clId="{16E2BC24-AF38-4833-9D41-9220B2331143}" dt="2024-08-07T03:37:30.140" v="8521" actId="478"/>
+          <ac:spMkLst>
+            <pc:docMk/>
+            <pc:sldMk cId="1212088725" sldId="281"/>
+            <ac:spMk id="15" creationId="{78B972B9-DE18-A3E3-F533-1C3667E0EF48}"/>
+          </ac:spMkLst>
+        </pc:spChg>
+        <pc:spChg chg="del">
+          <ac:chgData name="Caio Rodrigues" userId="9ce2624af9b64a3c" providerId="LiveId" clId="{16E2BC24-AF38-4833-9D41-9220B2331143}" dt="2024-08-07T03:37:30.933" v="8522" actId="478"/>
+          <ac:spMkLst>
+            <pc:docMk/>
+            <pc:sldMk cId="1212088725" sldId="281"/>
+            <ac:spMk id="16" creationId="{C6684BBC-A274-4B39-C2DA-C5D52A36E2AB}"/>
+          </ac:spMkLst>
+        </pc:spChg>
+        <pc:spChg chg="del">
+          <ac:chgData name="Caio Rodrigues" userId="9ce2624af9b64a3c" providerId="LiveId" clId="{16E2BC24-AF38-4833-9D41-9220B2331143}" dt="2024-08-07T03:37:31.729" v="8523" actId="478"/>
+          <ac:spMkLst>
+            <pc:docMk/>
+            <pc:sldMk cId="1212088725" sldId="281"/>
+            <ac:spMk id="17" creationId="{543D62B4-FCFC-A582-852C-1666993DD23F}"/>
+          </ac:spMkLst>
+        </pc:spChg>
+        <pc:spChg chg="add mod">
+          <ac:chgData name="Caio Rodrigues" userId="9ce2624af9b64a3c" providerId="LiveId" clId="{16E2BC24-AF38-4833-9D41-9220B2331143}" dt="2024-08-07T04:00:15.528" v="9306" actId="1076"/>
+          <ac:spMkLst>
+            <pc:docMk/>
+            <pc:sldMk cId="1212088725" sldId="281"/>
+            <ac:spMk id="22" creationId="{193651C2-0AEE-4AE7-58B2-AB7F0B7C6B67}"/>
+          </ac:spMkLst>
+        </pc:spChg>
+        <pc:spChg chg="add mod">
+          <ac:chgData name="Caio Rodrigues" userId="9ce2624af9b64a3c" providerId="LiveId" clId="{16E2BC24-AF38-4833-9D41-9220B2331143}" dt="2024-08-07T04:01:54.375" v="9308" actId="1076"/>
+          <ac:spMkLst>
+            <pc:docMk/>
+            <pc:sldMk cId="1212088725" sldId="281"/>
+            <ac:spMk id="25" creationId="{D10EFBCD-FFDD-4052-3E2B-BDF19FB21E9D}"/>
+          </ac:spMkLst>
+        </pc:spChg>
+        <pc:spChg chg="del mod">
+          <ac:chgData name="Caio Rodrigues" userId="9ce2624af9b64a3c" providerId="LiveId" clId="{16E2BC24-AF38-4833-9D41-9220B2331143}" dt="2024-08-07T03:37:54.644" v="8531" actId="478"/>
+          <ac:spMkLst>
+            <pc:docMk/>
+            <pc:sldMk cId="1212088725" sldId="281"/>
+            <ac:spMk id="33" creationId="{7C0A4B99-5181-B2B0-7BC1-6EE3C60137AB}"/>
+          </ac:spMkLst>
+        </pc:spChg>
+        <pc:grpChg chg="add del mod">
+          <ac:chgData name="Caio Rodrigues" userId="9ce2624af9b64a3c" providerId="LiveId" clId="{16E2BC24-AF38-4833-9D41-9220B2331143}" dt="2024-08-07T03:50:40.725" v="8921" actId="165"/>
+          <ac:grpSpMkLst>
+            <pc:docMk/>
+            <pc:sldMk cId="1212088725" sldId="281"/>
+            <ac:grpSpMk id="20" creationId="{FA47124C-8F1B-B650-2F9B-61EAC780698E}"/>
+          </ac:grpSpMkLst>
+        </pc:grpChg>
+        <pc:grpChg chg="add del mod">
+          <ac:chgData name="Caio Rodrigues" userId="9ce2624af9b64a3c" providerId="LiveId" clId="{16E2BC24-AF38-4833-9D41-9220B2331143}" dt="2024-08-07T03:57:10.582" v="9142" actId="478"/>
+          <ac:grpSpMkLst>
+            <pc:docMk/>
+            <pc:sldMk cId="1212088725" sldId="281"/>
+            <ac:grpSpMk id="21" creationId="{BEE875FB-9CBC-1026-4490-70E5C9BF2E23}"/>
+          </ac:grpSpMkLst>
+        </pc:grpChg>
+        <pc:picChg chg="mod">
+          <ac:chgData name="Caio Rodrigues" userId="9ce2624af9b64a3c" providerId="LiveId" clId="{16E2BC24-AF38-4833-9D41-9220B2331143}" dt="2024-08-07T03:38:01.081" v="8532" actId="1076"/>
+          <ac:picMkLst>
+            <pc:docMk/>
+            <pc:sldMk cId="1212088725" sldId="281"/>
+            <ac:picMk id="2" creationId="{773AFAF0-8E56-8083-07BF-F32450ABBF48}"/>
+          </ac:picMkLst>
+        </pc:picChg>
+        <pc:picChg chg="del">
+          <ac:chgData name="Caio Rodrigues" userId="9ce2624af9b64a3c" providerId="LiveId" clId="{16E2BC24-AF38-4833-9D41-9220B2331143}" dt="2024-08-07T03:37:49.387" v="8527" actId="478"/>
+          <ac:picMkLst>
+            <pc:docMk/>
+            <pc:sldMk cId="1212088725" sldId="281"/>
+            <ac:picMk id="7" creationId="{7A5BDD21-4F00-F866-8C9E-180AD4BDB48B}"/>
+          </ac:picMkLst>
+        </pc:picChg>
+        <pc:picChg chg="add mod topLvl modCrop">
+          <ac:chgData name="Caio Rodrigues" userId="9ce2624af9b64a3c" providerId="LiveId" clId="{16E2BC24-AF38-4833-9D41-9220B2331143}" dt="2024-08-07T03:50:49.572" v="8923" actId="164"/>
+          <ac:picMkLst>
+            <pc:docMk/>
+            <pc:sldMk cId="1212088725" sldId="281"/>
+            <ac:picMk id="13" creationId="{E5A33DEF-FD5D-D191-A580-73EF6D29252A}"/>
+          </ac:picMkLst>
+        </pc:picChg>
+        <pc:picChg chg="add mod topLvl modCrop">
+          <ac:chgData name="Caio Rodrigues" userId="9ce2624af9b64a3c" providerId="LiveId" clId="{16E2BC24-AF38-4833-9D41-9220B2331143}" dt="2024-08-07T03:50:49.572" v="8923" actId="164"/>
+          <ac:picMkLst>
+            <pc:docMk/>
+            <pc:sldMk cId="1212088725" sldId="281"/>
+            <ac:picMk id="18" creationId="{C6141213-2AF3-03F9-C70D-D1F844EF8781}"/>
+          </ac:picMkLst>
+        </pc:picChg>
+        <pc:picChg chg="add mod topLvl">
+          <ac:chgData name="Caio Rodrigues" userId="9ce2624af9b64a3c" providerId="LiveId" clId="{16E2BC24-AF38-4833-9D41-9220B2331143}" dt="2024-08-07T03:50:49.572" v="8923" actId="164"/>
+          <ac:picMkLst>
+            <pc:docMk/>
+            <pc:sldMk cId="1212088725" sldId="281"/>
+            <ac:picMk id="19" creationId="{60AA11E6-9002-F88C-B108-3EDA28EB91E9}"/>
+          </ac:picMkLst>
+        </pc:picChg>
+        <pc:picChg chg="add mod">
+          <ac:chgData name="Caio Rodrigues" userId="9ce2624af9b64a3c" providerId="LiveId" clId="{16E2BC24-AF38-4833-9D41-9220B2331143}" dt="2024-08-07T04:01:47.963" v="9307" actId="1076"/>
+          <ac:picMkLst>
+            <pc:docMk/>
+            <pc:sldMk cId="1212088725" sldId="281"/>
+            <ac:picMk id="24" creationId="{7E0636C6-BB33-7767-3111-48419E3C5B72}"/>
+          </ac:picMkLst>
+        </pc:picChg>
+      </pc:sldChg>
+      <pc:sldChg chg="addSp delSp modSp add del mod">
+        <pc:chgData name="Caio Rodrigues" userId="9ce2624af9b64a3c" providerId="LiveId" clId="{16E2BC24-AF38-4833-9D41-9220B2331143}" dt="2024-08-07T03:34:58.629" v="8507" actId="2890"/>
+        <pc:sldMkLst>
+          <pc:docMk/>
+          <pc:sldMk cId="2111436177" sldId="281"/>
+        </pc:sldMkLst>
+        <pc:spChg chg="mod">
+          <ac:chgData name="Caio Rodrigues" userId="9ce2624af9b64a3c" providerId="LiveId" clId="{16E2BC24-AF38-4833-9D41-9220B2331143}" dt="2024-08-07T03:34:56.233" v="8500" actId="1076"/>
+          <ac:spMkLst>
+            <pc:docMk/>
+            <pc:sldMk cId="2111436177" sldId="281"/>
+            <ac:spMk id="9" creationId="{0217AB85-7175-F23D-09A7-CEDCB030E01D}"/>
+          </ac:spMkLst>
+        </pc:spChg>
+        <pc:spChg chg="add del">
+          <ac:chgData name="Caio Rodrigues" userId="9ce2624af9b64a3c" providerId="LiveId" clId="{16E2BC24-AF38-4833-9D41-9220B2331143}" dt="2024-08-07T03:34:57.239" v="8503" actId="478"/>
+          <ac:spMkLst>
+            <pc:docMk/>
+            <pc:sldMk cId="2111436177" sldId="281"/>
+            <ac:spMk id="12" creationId="{A029A8EE-72D5-A938-6A98-27E47167357D}"/>
+          </ac:spMkLst>
+        </pc:spChg>
+        <pc:spChg chg="add del">
+          <ac:chgData name="Caio Rodrigues" userId="9ce2624af9b64a3c" providerId="LiveId" clId="{16E2BC24-AF38-4833-9D41-9220B2331143}" dt="2024-08-07T03:34:58.067" v="8506" actId="478"/>
+          <ac:spMkLst>
+            <pc:docMk/>
+            <pc:sldMk cId="2111436177" sldId="281"/>
+            <ac:spMk id="14" creationId="{B3198B04-1C87-37F2-08DA-1DE73DA8FCD6}"/>
+          </ac:spMkLst>
+        </pc:spChg>
+        <pc:spChg chg="add del">
+          <ac:chgData name="Caio Rodrigues" userId="9ce2624af9b64a3c" providerId="LiveId" clId="{16E2BC24-AF38-4833-9D41-9220B2331143}" dt="2024-08-07T03:34:57.625" v="8504" actId="478"/>
+          <ac:spMkLst>
+            <pc:docMk/>
+            <pc:sldMk cId="2111436177" sldId="281"/>
+            <ac:spMk id="15" creationId="{78B972B9-DE18-A3E3-F533-1C3667E0EF48}"/>
+          </ac:spMkLst>
+        </pc:spChg>
+        <pc:spChg chg="add del">
+          <ac:chgData name="Caio Rodrigues" userId="9ce2624af9b64a3c" providerId="LiveId" clId="{16E2BC24-AF38-4833-9D41-9220B2331143}" dt="2024-08-07T03:34:57.863" v="8505" actId="478"/>
+          <ac:spMkLst>
+            <pc:docMk/>
+            <pc:sldMk cId="2111436177" sldId="281"/>
+            <ac:spMk id="16" creationId="{C6684BBC-A274-4B39-C2DA-C5D52A36E2AB}"/>
+          </ac:spMkLst>
+        </pc:spChg>
+        <pc:spChg chg="add del">
+          <ac:chgData name="Caio Rodrigues" userId="9ce2624af9b64a3c" providerId="LiveId" clId="{16E2BC24-AF38-4833-9D41-9220B2331143}" dt="2024-08-07T03:34:56.671" v="8502" actId="478"/>
+          <ac:spMkLst>
+            <pc:docMk/>
+            <pc:sldMk cId="2111436177" sldId="281"/>
+            <ac:spMk id="17" creationId="{543D62B4-FCFC-A582-852C-1666993DD23F}"/>
+          </ac:spMkLst>
+        </pc:spChg>
+        <pc:picChg chg="mod">
+          <ac:chgData name="Caio Rodrigues" userId="9ce2624af9b64a3c" providerId="LiveId" clId="{16E2BC24-AF38-4833-9D41-9220B2331143}" dt="2024-08-07T03:34:56.481" v="8501" actId="1076"/>
+          <ac:picMkLst>
+            <pc:docMk/>
+            <pc:sldMk cId="2111436177" sldId="281"/>
+            <ac:picMk id="2" creationId="{773AFAF0-8E56-8083-07BF-F32450ABBF48}"/>
+          </ac:picMkLst>
+        </pc:picChg>
+      </pc:sldChg>
+      <pc:sldChg chg="addSp delSp modSp add mod ord">
+        <pc:chgData name="Caio Rodrigues" userId="9ce2624af9b64a3c" providerId="LiveId" clId="{16E2BC24-AF38-4833-9D41-9220B2331143}" dt="2024-08-07T11:52:03.712" v="11318" actId="20577"/>
+        <pc:sldMkLst>
+          <pc:docMk/>
+          <pc:sldMk cId="1440646292" sldId="282"/>
+        </pc:sldMkLst>
+        <pc:spChg chg="del">
+          <ac:chgData name="Caio Rodrigues" userId="9ce2624af9b64a3c" providerId="LiveId" clId="{16E2BC24-AF38-4833-9D41-9220B2331143}" dt="2024-08-07T05:22:25.036" v="10790" actId="478"/>
+          <ac:spMkLst>
+            <pc:docMk/>
+            <pc:sldMk cId="1440646292" sldId="282"/>
+            <ac:spMk id="3" creationId="{92861520-C625-F208-001E-14FC0FCAB4F0}"/>
+          </ac:spMkLst>
+        </pc:spChg>
+        <pc:spChg chg="add mod">
+          <ac:chgData name="Caio Rodrigues" userId="9ce2624af9b64a3c" providerId="LiveId" clId="{16E2BC24-AF38-4833-9D41-9220B2331143}" dt="2024-08-07T11:52:03.712" v="11318" actId="20577"/>
+          <ac:spMkLst>
+            <pc:docMk/>
+            <pc:sldMk cId="1440646292" sldId="282"/>
+            <ac:spMk id="3" creationId="{E68D17FA-F464-6058-715F-F293C2B41DF9}"/>
+          </ac:spMkLst>
+        </pc:spChg>
+        <pc:spChg chg="add mod">
+          <ac:chgData name="Caio Rodrigues" userId="9ce2624af9b64a3c" providerId="LiveId" clId="{16E2BC24-AF38-4833-9D41-9220B2331143}" dt="2024-08-07T05:13:55.048" v="10475" actId="1076"/>
+          <ac:spMkLst>
+            <pc:docMk/>
+            <pc:sldMk cId="1440646292" sldId="282"/>
+            <ac:spMk id="6" creationId="{64977D4E-93A8-6001-DF75-7C919AF50BB5}"/>
+          </ac:spMkLst>
+        </pc:spChg>
+        <pc:spChg chg="add mod">
+          <ac:chgData name="Caio Rodrigues" userId="9ce2624af9b64a3c" providerId="LiveId" clId="{16E2BC24-AF38-4833-9D41-9220B2331143}" dt="2024-08-07T05:13:55.048" v="10475" actId="1076"/>
+          <ac:spMkLst>
+            <pc:docMk/>
+            <pc:sldMk cId="1440646292" sldId="282"/>
+            <ac:spMk id="7" creationId="{88E2E9E6-DB8F-FC76-856C-A6872BB429DF}"/>
+          </ac:spMkLst>
+        </pc:spChg>
+        <pc:spChg chg="add mod">
+          <ac:chgData name="Caio Rodrigues" userId="9ce2624af9b64a3c" providerId="LiveId" clId="{16E2BC24-AF38-4833-9D41-9220B2331143}" dt="2024-08-07T05:13:55.048" v="10475" actId="1076"/>
+          <ac:spMkLst>
+            <pc:docMk/>
+            <pc:sldMk cId="1440646292" sldId="282"/>
+            <ac:spMk id="8" creationId="{8F246EE0-4C4B-DEC9-5DD2-A4B4B42F6C0D}"/>
+          </ac:spMkLst>
+        </pc:spChg>
+        <pc:spChg chg="add mod">
+          <ac:chgData name="Caio Rodrigues" userId="9ce2624af9b64a3c" providerId="LiveId" clId="{16E2BC24-AF38-4833-9D41-9220B2331143}" dt="2024-08-07T05:13:55.048" v="10475" actId="1076"/>
+          <ac:spMkLst>
+            <pc:docMk/>
+            <pc:sldMk cId="1440646292" sldId="282"/>
+            <ac:spMk id="9" creationId="{E71D6E3D-93A6-C546-9BC6-C2F1BD5B107C}"/>
+          </ac:spMkLst>
+        </pc:spChg>
+        <pc:spChg chg="add mod">
+          <ac:chgData name="Caio Rodrigues" userId="9ce2624af9b64a3c" providerId="LiveId" clId="{16E2BC24-AF38-4833-9D41-9220B2331143}" dt="2024-08-07T05:13:55.048" v="10475" actId="1076"/>
+          <ac:spMkLst>
+            <pc:docMk/>
+            <pc:sldMk cId="1440646292" sldId="282"/>
+            <ac:spMk id="10" creationId="{DB3E2237-E4DD-0754-FA74-52FDEB2C79EE}"/>
+          </ac:spMkLst>
+        </pc:spChg>
+        <pc:spChg chg="add mod">
+          <ac:chgData name="Caio Rodrigues" userId="9ce2624af9b64a3c" providerId="LiveId" clId="{16E2BC24-AF38-4833-9D41-9220B2331143}" dt="2024-08-07T05:16:15.678" v="10515" actId="1076"/>
+          <ac:spMkLst>
+            <pc:docMk/>
+            <pc:sldMk cId="1440646292" sldId="282"/>
+            <ac:spMk id="12" creationId="{716EDBDE-FB3E-7CFB-A99F-AEFA9D218C76}"/>
+          </ac:spMkLst>
+        </pc:spChg>
+        <pc:spChg chg="add mod">
+          <ac:chgData name="Caio Rodrigues" userId="9ce2624af9b64a3c" providerId="LiveId" clId="{16E2BC24-AF38-4833-9D41-9220B2331143}" dt="2024-08-07T05:22:30.670" v="10792" actId="1076"/>
+          <ac:spMkLst>
+            <pc:docMk/>
+            <pc:sldMk cId="1440646292" sldId="282"/>
+            <ac:spMk id="13" creationId="{4C94B5B2-79D3-1DED-FA06-9A5A4AE81755}"/>
+          </ac:spMkLst>
+        </pc:spChg>
+        <pc:spChg chg="mod">
+          <ac:chgData name="Caio Rodrigues" userId="9ce2624af9b64a3c" providerId="LiveId" clId="{16E2BC24-AF38-4833-9D41-9220B2331143}" dt="2024-08-07T05:15:25.669" v="10505" actId="20577"/>
+          <ac:spMkLst>
+            <pc:docMk/>
+            <pc:sldMk cId="1440646292" sldId="282"/>
+            <ac:spMk id="29" creationId="{A459EB50-321B-63F9-E43E-9DD169D27825}"/>
+          </ac:spMkLst>
+        </pc:spChg>
+        <pc:spChg chg="mod">
+          <ac:chgData name="Caio Rodrigues" userId="9ce2624af9b64a3c" providerId="LiveId" clId="{16E2BC24-AF38-4833-9D41-9220B2331143}" dt="2024-08-07T05:15:23.146" v="10503" actId="20577"/>
+          <ac:spMkLst>
+            <pc:docMk/>
+            <pc:sldMk cId="1440646292" sldId="282"/>
+            <ac:spMk id="33" creationId="{C287B739-7C97-86B2-579A-01091E111E42}"/>
+          </ac:spMkLst>
+        </pc:spChg>
+        <pc:spChg chg="mod">
+          <ac:chgData name="Caio Rodrigues" userId="9ce2624af9b64a3c" providerId="LiveId" clId="{16E2BC24-AF38-4833-9D41-9220B2331143}" dt="2024-08-07T05:15:21.309" v="10501" actId="20577"/>
+          <ac:spMkLst>
+            <pc:docMk/>
+            <pc:sldMk cId="1440646292" sldId="282"/>
+            <ac:spMk id="35" creationId="{2CDF8E08-0C66-2A22-F573-AAA904E1BF8B}"/>
+          </ac:spMkLst>
+        </pc:spChg>
+        <pc:spChg chg="mod">
+          <ac:chgData name="Caio Rodrigues" userId="9ce2624af9b64a3c" providerId="LiveId" clId="{16E2BC24-AF38-4833-9D41-9220B2331143}" dt="2024-08-07T05:15:12.619" v="10499" actId="20577"/>
+          <ac:spMkLst>
+            <pc:docMk/>
+            <pc:sldMk cId="1440646292" sldId="282"/>
+            <ac:spMk id="37" creationId="{2FFBC471-F3B9-C0BF-19E2-DC9C946D47DB}"/>
+          </ac:spMkLst>
+        </pc:spChg>
+        <pc:spChg chg="mod">
+          <ac:chgData name="Caio Rodrigues" userId="9ce2624af9b64a3c" providerId="LiveId" clId="{16E2BC24-AF38-4833-9D41-9220B2331143}" dt="2024-08-07T11:50:45.852" v="11282" actId="1076"/>
+          <ac:spMkLst>
+            <pc:docMk/>
+            <pc:sldMk cId="1440646292" sldId="282"/>
+            <ac:spMk id="40" creationId="{FB36BB8F-C2E1-760A-8EC0-A23B7C597D4E}"/>
+          </ac:spMkLst>
+        </pc:spChg>
+        <pc:spChg chg="del">
+          <ac:chgData name="Caio Rodrigues" userId="9ce2624af9b64a3c" providerId="LiveId" clId="{16E2BC24-AF38-4833-9D41-9220B2331143}" dt="2024-08-07T05:11:38.512" v="10377" actId="478"/>
+          <ac:spMkLst>
+            <pc:docMk/>
+            <pc:sldMk cId="1440646292" sldId="282"/>
+            <ac:spMk id="41" creationId="{460E978E-06E7-D70E-9293-792A0C17F9B0}"/>
+          </ac:spMkLst>
+        </pc:spChg>
+        <pc:spChg chg="del">
+          <ac:chgData name="Caio Rodrigues" userId="9ce2624af9b64a3c" providerId="LiveId" clId="{16E2BC24-AF38-4833-9D41-9220B2331143}" dt="2024-08-07T05:11:34.807" v="10375" actId="478"/>
+          <ac:spMkLst>
+            <pc:docMk/>
+            <pc:sldMk cId="1440646292" sldId="282"/>
+            <ac:spMk id="46" creationId="{D80FD2A7-F554-178F-2424-CB9CE0DC0AFB}"/>
+          </ac:spMkLst>
+        </pc:spChg>
+        <pc:spChg chg="del">
+          <ac:chgData name="Caio Rodrigues" userId="9ce2624af9b64a3c" providerId="LiveId" clId="{16E2BC24-AF38-4833-9D41-9220B2331143}" dt="2024-08-07T05:11:34.807" v="10375" actId="478"/>
+          <ac:spMkLst>
+            <pc:docMk/>
+            <pc:sldMk cId="1440646292" sldId="282"/>
+            <ac:spMk id="47" creationId="{BDA3C299-B17F-7582-03FC-7C489F755122}"/>
+          </ac:spMkLst>
+        </pc:spChg>
+        <pc:spChg chg="del">
+          <ac:chgData name="Caio Rodrigues" userId="9ce2624af9b64a3c" providerId="LiveId" clId="{16E2BC24-AF38-4833-9D41-9220B2331143}" dt="2024-08-07T05:11:34.807" v="10375" actId="478"/>
+          <ac:spMkLst>
+            <pc:docMk/>
+            <pc:sldMk cId="1440646292" sldId="282"/>
+            <ac:spMk id="48" creationId="{4648AA6D-B320-50D4-8E78-EEDE64EFC714}"/>
+          </ac:spMkLst>
+        </pc:spChg>
+        <pc:spChg chg="del">
+          <ac:chgData name="Caio Rodrigues" userId="9ce2624af9b64a3c" providerId="LiveId" clId="{16E2BC24-AF38-4833-9D41-9220B2331143}" dt="2024-08-07T05:11:34.807" v="10375" actId="478"/>
+          <ac:spMkLst>
+            <pc:docMk/>
+            <pc:sldMk cId="1440646292" sldId="282"/>
+            <ac:spMk id="49" creationId="{23BAEFE9-6E45-7E34-A649-CAF892B9DDC4}"/>
+          </ac:spMkLst>
+        </pc:spChg>
+        <pc:spChg chg="del">
+          <ac:chgData name="Caio Rodrigues" userId="9ce2624af9b64a3c" providerId="LiveId" clId="{16E2BC24-AF38-4833-9D41-9220B2331143}" dt="2024-08-07T05:11:34.807" v="10375" actId="478"/>
+          <ac:spMkLst>
+            <pc:docMk/>
+            <pc:sldMk cId="1440646292" sldId="282"/>
+            <ac:spMk id="50" creationId="{054D1C49-923D-BC80-767F-A353978A181F}"/>
+          </ac:spMkLst>
+        </pc:spChg>
+        <pc:picChg chg="add mod">
+          <ac:chgData name="Caio Rodrigues" userId="9ce2624af9b64a3c" providerId="LiveId" clId="{16E2BC24-AF38-4833-9D41-9220B2331143}" dt="2024-08-07T05:14:06.132" v="10478" actId="1076"/>
+          <ac:picMkLst>
+            <pc:docMk/>
+            <pc:sldMk cId="1440646292" sldId="282"/>
+            <ac:picMk id="2" creationId="{5B203563-2B7E-61F2-9DF5-C3B5DFE90DC8}"/>
+          </ac:picMkLst>
+        </pc:picChg>
+        <pc:picChg chg="add mod">
+          <ac:chgData name="Caio Rodrigues" userId="9ce2624af9b64a3c" providerId="LiveId" clId="{16E2BC24-AF38-4833-9D41-9220B2331143}" dt="2024-08-07T05:13:55.048" v="10475" actId="1076"/>
+          <ac:picMkLst>
+            <pc:docMk/>
+            <pc:sldMk cId="1440646292" sldId="282"/>
+            <ac:picMk id="5" creationId="{7C45C3F0-3E14-71C0-B778-15B6F30C975F}"/>
+          </ac:picMkLst>
+        </pc:picChg>
+        <pc:picChg chg="mod">
+          <ac:chgData name="Caio Rodrigues" userId="9ce2624af9b64a3c" providerId="LiveId" clId="{16E2BC24-AF38-4833-9D41-9220B2331143}" dt="2024-08-07T11:51:15.979" v="11302" actId="1076"/>
+          <ac:picMkLst>
+            <pc:docMk/>
+            <pc:sldMk cId="1440646292" sldId="282"/>
+            <ac:picMk id="27" creationId="{389A8D43-719F-3919-5BFA-E8AEE8599071}"/>
+          </ac:picMkLst>
+        </pc:picChg>
+        <pc:picChg chg="del">
+          <ac:chgData name="Caio Rodrigues" userId="9ce2624af9b64a3c" providerId="LiveId" clId="{16E2BC24-AF38-4833-9D41-9220B2331143}" dt="2024-08-07T05:11:35.388" v="10376" actId="478"/>
+          <ac:picMkLst>
+            <pc:docMk/>
+            <pc:sldMk cId="1440646292" sldId="282"/>
+            <ac:picMk id="43" creationId="{A9861DBD-CDF0-6A5C-1124-E372A77DC4ED}"/>
+          </ac:picMkLst>
+        </pc:picChg>
+        <pc:picChg chg="del">
+          <ac:chgData name="Caio Rodrigues" userId="9ce2624af9b64a3c" providerId="LiveId" clId="{16E2BC24-AF38-4833-9D41-9220B2331143}" dt="2024-08-07T05:11:31.995" v="10374" actId="478"/>
+          <ac:picMkLst>
+            <pc:docMk/>
+            <pc:sldMk cId="1440646292" sldId="282"/>
+            <ac:picMk id="45" creationId="{FED2459D-8886-AF57-1B88-4E91CA9A023C}"/>
           </ac:picMkLst>
         </pc:picChg>
       </pc:sldChg>
@@ -20544,8 +21807,8 @@
           </a:p>
         </p:txBody>
       </p:sp>
-      <mc:AlternateContent xmlns:mc="http://schemas.openxmlformats.org/markup-compatibility/2006">
-        <mc:Choice xmlns:a14="http://schemas.microsoft.com/office/drawing/2010/main" Requires="a14">
+      <mc:AlternateContent xmlns:mc="http://schemas.openxmlformats.org/markup-compatibility/2006" xmlns:a14="http://schemas.microsoft.com/office/drawing/2010/main">
+        <mc:Choice Requires="a14">
           <p:sp>
             <p:nvSpPr>
               <p:cNvPr id="33" name="TextBox 32">
@@ -20594,7 +21857,7 @@
             </p:txBody>
           </p:sp>
         </mc:Choice>
-        <mc:Fallback>
+        <mc:Fallback xmlns="">
           <p:sp>
             <p:nvSpPr>
               <p:cNvPr id="33" name="TextBox 32">
@@ -20668,8 +21931,8 @@
           </a:prstGeom>
         </p:spPr>
       </p:pic>
-      <mc:AlternateContent xmlns:mc="http://schemas.openxmlformats.org/markup-compatibility/2006">
-        <mc:Choice xmlns:a14="http://schemas.microsoft.com/office/drawing/2010/main" Requires="a14">
+      <mc:AlternateContent xmlns:mc="http://schemas.openxmlformats.org/markup-compatibility/2006" xmlns:a14="http://schemas.microsoft.com/office/drawing/2010/main">
+        <mc:Choice Requires="a14">
           <p:sp>
             <p:nvSpPr>
               <p:cNvPr id="3" name="TextBox 2">
@@ -20718,7 +21981,7 @@
             </p:txBody>
           </p:sp>
         </mc:Choice>
-        <mc:Fallback>
+        <mc:Fallback xmlns="">
           <p:sp>
             <p:nvSpPr>
               <p:cNvPr id="3" name="TextBox 2">
@@ -20969,8 +22232,8 @@
           </a:p>
         </p:txBody>
       </p:sp>
-      <mc:AlternateContent xmlns:mc="http://schemas.openxmlformats.org/markup-compatibility/2006">
-        <mc:Choice xmlns:a14="http://schemas.microsoft.com/office/drawing/2010/main" Requires="a14">
+      <mc:AlternateContent xmlns:mc="http://schemas.openxmlformats.org/markup-compatibility/2006" xmlns:a14="http://schemas.microsoft.com/office/drawing/2010/main">
+        <mc:Choice Requires="a14">
           <p:sp>
             <p:nvSpPr>
               <p:cNvPr id="17" name="TextBox 16">
@@ -21048,7 +22311,7 @@
             </p:txBody>
           </p:sp>
         </mc:Choice>
-        <mc:Fallback>
+        <mc:Fallback xmlns="">
           <p:sp>
             <p:nvSpPr>
               <p:cNvPr id="17" name="TextBox 16">
@@ -21123,6 +22386,35 @@
           <a:chExt cx="0" cy="0"/>
         </a:xfrm>
       </p:grpSpPr>
+      <p:pic>
+        <p:nvPicPr>
+          <p:cNvPr id="3" name="Picture 2">
+            <a:extLst>
+              <a:ext uri="{FF2B5EF4-FFF2-40B4-BE49-F238E27FC236}">
+                <a16:creationId xmlns:a16="http://schemas.microsoft.com/office/drawing/2014/main" id="{F64A85A3-9C19-C8F3-8119-920D5CF52B0B}"/>
+              </a:ext>
+            </a:extLst>
+          </p:cNvPr>
+          <p:cNvPicPr>
+            <a:picLocks noChangeAspect="1"/>
+          </p:cNvPicPr>
+          <p:nvPr/>
+        </p:nvPicPr>
+        <p:blipFill rotWithShape="1">
+          <a:blip r:embed="rId2"/>
+          <a:srcRect l="14668" t="7259" r="14532" b="4550"/>
+          <a:stretch/>
+        </p:blipFill>
+        <p:spPr>
+          <a:xfrm>
+            <a:off x="0" y="611668"/>
+            <a:ext cx="6225919" cy="4362231"/>
+          </a:xfrm>
+          <a:prstGeom prst="rect">
+            <a:avLst/>
+          </a:prstGeom>
+        </p:spPr>
+      </p:pic>
       <p:sp>
         <p:nvSpPr>
           <p:cNvPr id="4" name="Slide Number Placeholder 3">
@@ -21735,35 +23027,6 @@
           </a:p>
         </p:txBody>
       </p:sp>
-      <p:pic>
-        <p:nvPicPr>
-          <p:cNvPr id="8" name="Picture 7">
-            <a:extLst>
-              <a:ext uri="{FF2B5EF4-FFF2-40B4-BE49-F238E27FC236}">
-                <a16:creationId xmlns:a16="http://schemas.microsoft.com/office/drawing/2014/main" id="{08A9F0AA-CD8F-81E5-8CC4-064F20488C5D}"/>
-              </a:ext>
-            </a:extLst>
-          </p:cNvPr>
-          <p:cNvPicPr>
-            <a:picLocks noGrp="1" noRot="1" noChangeAspect="1" noMove="1" noResize="1" noEditPoints="1" noAdjustHandles="1" noChangeArrowheads="1" noChangeShapeType="1" noCrop="1"/>
-          </p:cNvPicPr>
-          <p:nvPr/>
-        </p:nvPicPr>
-        <p:blipFill rotWithShape="1">
-          <a:blip r:embed="rId2"/>
-          <a:srcRect l="16583" t="7557" r="17917" b="6666"/>
-          <a:stretch/>
-        </p:blipFill>
-        <p:spPr>
-          <a:xfrm>
-            <a:off x="68165" y="778644"/>
-            <a:ext cx="5699187" cy="4198256"/>
-          </a:xfrm>
-          <a:prstGeom prst="rect">
-            <a:avLst/>
-          </a:prstGeom>
-        </p:spPr>
-      </p:pic>
       <p:pic>
         <p:nvPicPr>
           <p:cNvPr id="19" name="Picture 18">
@@ -22100,8 +23363,8 @@
           </a:prstGeom>
         </p:spPr>
       </p:pic>
-      <mc:AlternateContent xmlns:mc="http://schemas.openxmlformats.org/markup-compatibility/2006">
-        <mc:Choice xmlns:a14="http://schemas.microsoft.com/office/drawing/2010/main" Requires="a14">
+      <mc:AlternateContent xmlns:mc="http://schemas.openxmlformats.org/markup-compatibility/2006" xmlns:a14="http://schemas.microsoft.com/office/drawing/2010/main">
+        <mc:Choice Requires="a14">
           <p:sp>
             <p:nvSpPr>
               <p:cNvPr id="32" name="TextBox 31">
@@ -22116,7 +23379,7 @@
             </p:nvSpPr>
             <p:spPr>
               <a:xfrm>
-                <a:off x="4986369" y="2635302"/>
+                <a:off x="5323771" y="2641050"/>
                 <a:ext cx="1122423" cy="332912"/>
               </a:xfrm>
               <a:prstGeom prst="rect">
@@ -22154,7 +23417,7 @@
             </p:txBody>
           </p:sp>
         </mc:Choice>
-        <mc:Fallback>
+        <mc:Fallback xmlns="">
           <p:sp>
             <p:nvSpPr>
               <p:cNvPr id="32" name="TextBox 31">
@@ -22171,7 +23434,7 @@
             </p:nvSpPr>
             <p:spPr>
               <a:xfrm>
-                <a:off x="4986369" y="2635302"/>
+                <a:off x="5323771" y="2641050"/>
                 <a:ext cx="1122423" cy="332912"/>
               </a:xfrm>
               <a:prstGeom prst="rect">
@@ -22199,8 +23462,8 @@
           </p:sp>
         </mc:Fallback>
       </mc:AlternateContent>
-      <mc:AlternateContent xmlns:mc="http://schemas.openxmlformats.org/markup-compatibility/2006">
-        <mc:Choice xmlns:a14="http://schemas.microsoft.com/office/drawing/2010/main" Requires="a14">
+      <mc:AlternateContent xmlns:mc="http://schemas.openxmlformats.org/markup-compatibility/2006" xmlns:a14="http://schemas.microsoft.com/office/drawing/2010/main">
+        <mc:Choice Requires="a14">
           <p:sp>
             <p:nvSpPr>
               <p:cNvPr id="33" name="TextBox 32">
@@ -22249,7 +23512,7 @@
             </p:txBody>
           </p:sp>
         </mc:Choice>
-        <mc:Fallback>
+        <mc:Fallback xmlns="">
           <p:sp>
             <p:nvSpPr>
               <p:cNvPr id="33" name="TextBox 32">
@@ -22308,7 +23571,7 @@
         </p:nvSpPr>
         <p:spPr>
           <a:xfrm>
-            <a:off x="4986369" y="2412113"/>
+            <a:off x="5323771" y="2417861"/>
             <a:ext cx="780983" cy="307777"/>
           </a:xfrm>
           <a:prstGeom prst="rect">
@@ -23690,6 +24953,8169 @@
     <p:extLst>
       <p:ext uri="{BB962C8B-B14F-4D97-AF65-F5344CB8AC3E}">
         <p14:creationId xmlns:p14="http://schemas.microsoft.com/office/powerpoint/2010/main" val="2991559039"/>
+      </p:ext>
+    </p:extLst>
+  </p:cSld>
+  <p:clrMapOvr>
+    <a:masterClrMapping/>
+  </p:clrMapOvr>
+</p:sld>
+</file>
+
+<file path=ppt/slides/slide20.xml><?xml version="1.0" encoding="utf-8"?>
+<p:sld xmlns:a="http://schemas.openxmlformats.org/drawingml/2006/main" xmlns:r="http://schemas.openxmlformats.org/officeDocument/2006/relationships" xmlns:p="http://schemas.openxmlformats.org/presentationml/2006/main">
+  <p:cSld>
+    <p:spTree>
+      <p:nvGrpSpPr>
+        <p:cNvPr id="1" name=""/>
+        <p:cNvGrpSpPr/>
+        <p:nvPr/>
+      </p:nvGrpSpPr>
+      <p:grpSpPr>
+        <a:xfrm>
+          <a:off x="0" y="0"/>
+          <a:ext cx="0" cy="0"/>
+          <a:chOff x="0" y="0"/>
+          <a:chExt cx="0" cy="0"/>
+        </a:xfrm>
+      </p:grpSpPr>
+      <p:sp>
+        <p:nvSpPr>
+          <p:cNvPr id="4" name="Slide Number Placeholder 3">
+            <a:extLst>
+              <a:ext uri="{FF2B5EF4-FFF2-40B4-BE49-F238E27FC236}">
+                <a16:creationId xmlns:a16="http://schemas.microsoft.com/office/drawing/2014/main" id="{DD6D8166-12CE-09CD-18CF-427B82E9A196}"/>
+              </a:ext>
+            </a:extLst>
+          </p:cNvPr>
+          <p:cNvSpPr>
+            <a:spLocks noGrp="1"/>
+          </p:cNvSpPr>
+          <p:nvPr>
+            <p:ph type="sldNum" idx="12"/>
+          </p:nvPr>
+        </p:nvSpPr>
+        <p:spPr/>
+        <p:txBody>
+          <a:bodyPr/>
+          <a:lstStyle/>
+          <a:p>
+            <a:pPr marL="0" lvl="0" indent="0" algn="r" rtl="0">
+              <a:spcBef>
+                <a:spcPts val="0"/>
+              </a:spcBef>
+              <a:spcAft>
+                <a:spcPts val="0"/>
+              </a:spcAft>
+              <a:buNone/>
+            </a:pPr>
+            <a:fld id="{00000000-1234-1234-1234-123412341234}" type="slidenum">
+              <a:rPr lang="pt-BR" smtClean="0"/>
+              <a:t>20</a:t>
+            </a:fld>
+            <a:endParaRPr lang="pt-BR"/>
+          </a:p>
+        </p:txBody>
+      </p:sp>
+      <p:sp>
+        <p:nvSpPr>
+          <p:cNvPr id="2" name="Google Shape;54;p13">
+            <a:extLst>
+              <a:ext uri="{FF2B5EF4-FFF2-40B4-BE49-F238E27FC236}">
+                <a16:creationId xmlns:a16="http://schemas.microsoft.com/office/drawing/2014/main" id="{C9176FF6-71FE-4C30-89D3-926F3526821B}"/>
+              </a:ext>
+            </a:extLst>
+          </p:cNvPr>
+          <p:cNvSpPr txBox="1">
+            <a:spLocks/>
+          </p:cNvSpPr>
+          <p:nvPr/>
+        </p:nvSpPr>
+        <p:spPr>
+          <a:xfrm>
+            <a:off x="525780" y="519150"/>
+            <a:ext cx="8832300" cy="2052600"/>
+          </a:xfrm>
+          <a:prstGeom prst="rect">
+            <a:avLst/>
+          </a:prstGeom>
+          <a:noFill/>
+          <a:ln>
+            <a:noFill/>
+          </a:ln>
+        </p:spPr>
+        <p:txBody>
+          <a:bodyPr spcFirstLastPara="1" wrap="square" lIns="91425" tIns="91425" rIns="91425" bIns="91425" anchor="b" anchorCtr="0">
+            <a:normAutofit/>
+          </a:bodyPr>
+          <a:lstStyle>
+            <a:defPPr marR="0" lvl="0" algn="l" rtl="0">
+              <a:lnSpc>
+                <a:spcPct val="100000"/>
+              </a:lnSpc>
+              <a:spcBef>
+                <a:spcPts val="0"/>
+              </a:spcBef>
+              <a:spcAft>
+                <a:spcPts val="0"/>
+              </a:spcAft>
+            </a:defPPr>
+            <a:lvl1pPr marR="0" lvl="0" algn="l" rtl="0">
+              <a:lnSpc>
+                <a:spcPct val="100000"/>
+              </a:lnSpc>
+              <a:spcBef>
+                <a:spcPts val="0"/>
+              </a:spcBef>
+              <a:spcAft>
+                <a:spcPts val="0"/>
+              </a:spcAft>
+              <a:buClr>
+                <a:schemeClr val="dk1"/>
+              </a:buClr>
+              <a:buSzPts val="2800"/>
+              <a:buFont typeface="Arial"/>
+              <a:buNone/>
+              <a:defRPr sz="2800" b="0" i="0" u="none" strike="noStrike" cap="none">
+                <a:solidFill>
+                  <a:schemeClr val="dk1"/>
+                </a:solidFill>
+                <a:latin typeface="Arial"/>
+                <a:ea typeface="Arial"/>
+                <a:cs typeface="Arial"/>
+                <a:sym typeface="Arial"/>
+              </a:defRPr>
+            </a:lvl1pPr>
+            <a:lvl2pPr marR="0" lvl="1" algn="l" rtl="0">
+              <a:lnSpc>
+                <a:spcPct val="100000"/>
+              </a:lnSpc>
+              <a:spcBef>
+                <a:spcPts val="0"/>
+              </a:spcBef>
+              <a:spcAft>
+                <a:spcPts val="0"/>
+              </a:spcAft>
+              <a:buClr>
+                <a:schemeClr val="dk1"/>
+              </a:buClr>
+              <a:buSzPts val="2800"/>
+              <a:buFont typeface="Arial"/>
+              <a:buNone/>
+              <a:defRPr sz="2800" b="0" i="0" u="none" strike="noStrike" cap="none">
+                <a:solidFill>
+                  <a:schemeClr val="dk1"/>
+                </a:solidFill>
+                <a:latin typeface="Arial"/>
+                <a:ea typeface="Arial"/>
+                <a:cs typeface="Arial"/>
+                <a:sym typeface="Arial"/>
+              </a:defRPr>
+            </a:lvl2pPr>
+            <a:lvl3pPr marR="0" lvl="2" algn="l" rtl="0">
+              <a:lnSpc>
+                <a:spcPct val="100000"/>
+              </a:lnSpc>
+              <a:spcBef>
+                <a:spcPts val="0"/>
+              </a:spcBef>
+              <a:spcAft>
+                <a:spcPts val="0"/>
+              </a:spcAft>
+              <a:buClr>
+                <a:schemeClr val="dk1"/>
+              </a:buClr>
+              <a:buSzPts val="2800"/>
+              <a:buFont typeface="Arial"/>
+              <a:buNone/>
+              <a:defRPr sz="2800" b="0" i="0" u="none" strike="noStrike" cap="none">
+                <a:solidFill>
+                  <a:schemeClr val="dk1"/>
+                </a:solidFill>
+                <a:latin typeface="Arial"/>
+                <a:ea typeface="Arial"/>
+                <a:cs typeface="Arial"/>
+                <a:sym typeface="Arial"/>
+              </a:defRPr>
+            </a:lvl3pPr>
+            <a:lvl4pPr marR="0" lvl="3" algn="l" rtl="0">
+              <a:lnSpc>
+                <a:spcPct val="100000"/>
+              </a:lnSpc>
+              <a:spcBef>
+                <a:spcPts val="0"/>
+              </a:spcBef>
+              <a:spcAft>
+                <a:spcPts val="0"/>
+              </a:spcAft>
+              <a:buClr>
+                <a:schemeClr val="dk1"/>
+              </a:buClr>
+              <a:buSzPts val="2800"/>
+              <a:buFont typeface="Arial"/>
+              <a:buNone/>
+              <a:defRPr sz="2800" b="0" i="0" u="none" strike="noStrike" cap="none">
+                <a:solidFill>
+                  <a:schemeClr val="dk1"/>
+                </a:solidFill>
+                <a:latin typeface="Arial"/>
+                <a:ea typeface="Arial"/>
+                <a:cs typeface="Arial"/>
+                <a:sym typeface="Arial"/>
+              </a:defRPr>
+            </a:lvl4pPr>
+            <a:lvl5pPr marR="0" lvl="4" algn="l" rtl="0">
+              <a:lnSpc>
+                <a:spcPct val="100000"/>
+              </a:lnSpc>
+              <a:spcBef>
+                <a:spcPts val="0"/>
+              </a:spcBef>
+              <a:spcAft>
+                <a:spcPts val="0"/>
+              </a:spcAft>
+              <a:buClr>
+                <a:schemeClr val="dk1"/>
+              </a:buClr>
+              <a:buSzPts val="2800"/>
+              <a:buFont typeface="Arial"/>
+              <a:buNone/>
+              <a:defRPr sz="2800" b="0" i="0" u="none" strike="noStrike" cap="none">
+                <a:solidFill>
+                  <a:schemeClr val="dk1"/>
+                </a:solidFill>
+                <a:latin typeface="Arial"/>
+                <a:ea typeface="Arial"/>
+                <a:cs typeface="Arial"/>
+                <a:sym typeface="Arial"/>
+              </a:defRPr>
+            </a:lvl5pPr>
+            <a:lvl6pPr marR="0" lvl="5" algn="l" rtl="0">
+              <a:lnSpc>
+                <a:spcPct val="100000"/>
+              </a:lnSpc>
+              <a:spcBef>
+                <a:spcPts val="0"/>
+              </a:spcBef>
+              <a:spcAft>
+                <a:spcPts val="0"/>
+              </a:spcAft>
+              <a:buClr>
+                <a:schemeClr val="dk1"/>
+              </a:buClr>
+              <a:buSzPts val="2800"/>
+              <a:buFont typeface="Arial"/>
+              <a:buNone/>
+              <a:defRPr sz="2800" b="0" i="0" u="none" strike="noStrike" cap="none">
+                <a:solidFill>
+                  <a:schemeClr val="dk1"/>
+                </a:solidFill>
+                <a:latin typeface="Arial"/>
+                <a:ea typeface="Arial"/>
+                <a:cs typeface="Arial"/>
+                <a:sym typeface="Arial"/>
+              </a:defRPr>
+            </a:lvl6pPr>
+            <a:lvl7pPr marR="0" lvl="6" algn="l" rtl="0">
+              <a:lnSpc>
+                <a:spcPct val="100000"/>
+              </a:lnSpc>
+              <a:spcBef>
+                <a:spcPts val="0"/>
+              </a:spcBef>
+              <a:spcAft>
+                <a:spcPts val="0"/>
+              </a:spcAft>
+              <a:buClr>
+                <a:schemeClr val="dk1"/>
+              </a:buClr>
+              <a:buSzPts val="2800"/>
+              <a:buFont typeface="Arial"/>
+              <a:buNone/>
+              <a:defRPr sz="2800" b="0" i="0" u="none" strike="noStrike" cap="none">
+                <a:solidFill>
+                  <a:schemeClr val="dk1"/>
+                </a:solidFill>
+                <a:latin typeface="Arial"/>
+                <a:ea typeface="Arial"/>
+                <a:cs typeface="Arial"/>
+                <a:sym typeface="Arial"/>
+              </a:defRPr>
+            </a:lvl7pPr>
+            <a:lvl8pPr marR="0" lvl="7" algn="l" rtl="0">
+              <a:lnSpc>
+                <a:spcPct val="100000"/>
+              </a:lnSpc>
+              <a:spcBef>
+                <a:spcPts val="0"/>
+              </a:spcBef>
+              <a:spcAft>
+                <a:spcPts val="0"/>
+              </a:spcAft>
+              <a:buClr>
+                <a:schemeClr val="dk1"/>
+              </a:buClr>
+              <a:buSzPts val="2800"/>
+              <a:buFont typeface="Arial"/>
+              <a:buNone/>
+              <a:defRPr sz="2800" b="0" i="0" u="none" strike="noStrike" cap="none">
+                <a:solidFill>
+                  <a:schemeClr val="dk1"/>
+                </a:solidFill>
+                <a:latin typeface="Arial"/>
+                <a:ea typeface="Arial"/>
+                <a:cs typeface="Arial"/>
+                <a:sym typeface="Arial"/>
+              </a:defRPr>
+            </a:lvl8pPr>
+            <a:lvl9pPr marR="0" lvl="8" algn="l" rtl="0">
+              <a:lnSpc>
+                <a:spcPct val="100000"/>
+              </a:lnSpc>
+              <a:spcBef>
+                <a:spcPts val="0"/>
+              </a:spcBef>
+              <a:spcAft>
+                <a:spcPts val="0"/>
+              </a:spcAft>
+              <a:buClr>
+                <a:schemeClr val="dk1"/>
+              </a:buClr>
+              <a:buSzPts val="2800"/>
+              <a:buFont typeface="Arial"/>
+              <a:buNone/>
+              <a:defRPr sz="2800" b="0" i="0" u="none" strike="noStrike" cap="none">
+                <a:solidFill>
+                  <a:schemeClr val="dk1"/>
+                </a:solidFill>
+                <a:latin typeface="Arial"/>
+                <a:ea typeface="Arial"/>
+                <a:cs typeface="Arial"/>
+                <a:sym typeface="Arial"/>
+              </a:defRPr>
+            </a:lvl9pPr>
+          </a:lstStyle>
+          <a:p>
+            <a:r>
+              <a:rPr lang="pt-BR" sz="3600" dirty="0"/>
+              <a:t>Programmable Photonic Circuits (PPC)</a:t>
+            </a:r>
+          </a:p>
+        </p:txBody>
+      </p:sp>
+      <p:sp>
+        <p:nvSpPr>
+          <p:cNvPr id="5" name="Google Shape;55;p13">
+            <a:extLst>
+              <a:ext uri="{FF2B5EF4-FFF2-40B4-BE49-F238E27FC236}">
+                <a16:creationId xmlns:a16="http://schemas.microsoft.com/office/drawing/2014/main" id="{A5723E84-CD5F-E25E-C096-794DD573282F}"/>
+              </a:ext>
+            </a:extLst>
+          </p:cNvPr>
+          <p:cNvSpPr txBox="1">
+            <a:spLocks/>
+          </p:cNvSpPr>
+          <p:nvPr/>
+        </p:nvSpPr>
+        <p:spPr>
+          <a:xfrm>
+            <a:off x="311700" y="2571750"/>
+            <a:ext cx="8520600" cy="792600"/>
+          </a:xfrm>
+          <a:prstGeom prst="rect">
+            <a:avLst/>
+          </a:prstGeom>
+          <a:noFill/>
+          <a:ln>
+            <a:noFill/>
+          </a:ln>
+        </p:spPr>
+        <p:txBody>
+          <a:bodyPr spcFirstLastPara="1" wrap="square" lIns="91425" tIns="91425" rIns="91425" bIns="91425" anchor="t" anchorCtr="0">
+            <a:normAutofit/>
+          </a:bodyPr>
+          <a:lstStyle>
+            <a:defPPr marR="0" lvl="0" algn="l" rtl="0">
+              <a:lnSpc>
+                <a:spcPct val="100000"/>
+              </a:lnSpc>
+              <a:spcBef>
+                <a:spcPts val="0"/>
+              </a:spcBef>
+              <a:spcAft>
+                <a:spcPts val="0"/>
+              </a:spcAft>
+            </a:defPPr>
+            <a:lvl1pPr marL="457200" marR="0" lvl="0" indent="-342900" algn="l" rtl="0">
+              <a:lnSpc>
+                <a:spcPct val="115000"/>
+              </a:lnSpc>
+              <a:spcBef>
+                <a:spcPts val="0"/>
+              </a:spcBef>
+              <a:spcAft>
+                <a:spcPts val="0"/>
+              </a:spcAft>
+              <a:buClr>
+                <a:schemeClr val="dk2"/>
+              </a:buClr>
+              <a:buSzPts val="1800"/>
+              <a:buFont typeface="Arial"/>
+              <a:buChar char="●"/>
+              <a:defRPr sz="1800" b="0" i="0" u="none" strike="noStrike" cap="none">
+                <a:solidFill>
+                  <a:schemeClr val="dk2"/>
+                </a:solidFill>
+                <a:latin typeface="Arial"/>
+                <a:ea typeface="Arial"/>
+                <a:cs typeface="Arial"/>
+                <a:sym typeface="Arial"/>
+              </a:defRPr>
+            </a:lvl1pPr>
+            <a:lvl2pPr marL="914400" marR="0" lvl="1" indent="-317500" algn="l" rtl="0">
+              <a:lnSpc>
+                <a:spcPct val="115000"/>
+              </a:lnSpc>
+              <a:spcBef>
+                <a:spcPts val="0"/>
+              </a:spcBef>
+              <a:spcAft>
+                <a:spcPts val="0"/>
+              </a:spcAft>
+              <a:buClr>
+                <a:schemeClr val="dk2"/>
+              </a:buClr>
+              <a:buSzPts val="1400"/>
+              <a:buFont typeface="Arial"/>
+              <a:buChar char="○"/>
+              <a:defRPr sz="1400" b="0" i="0" u="none" strike="noStrike" cap="none">
+                <a:solidFill>
+                  <a:schemeClr val="dk2"/>
+                </a:solidFill>
+                <a:latin typeface="Arial"/>
+                <a:ea typeface="Arial"/>
+                <a:cs typeface="Arial"/>
+                <a:sym typeface="Arial"/>
+              </a:defRPr>
+            </a:lvl2pPr>
+            <a:lvl3pPr marL="1371600" marR="0" lvl="2" indent="-317500" algn="l" rtl="0">
+              <a:lnSpc>
+                <a:spcPct val="115000"/>
+              </a:lnSpc>
+              <a:spcBef>
+                <a:spcPts val="0"/>
+              </a:spcBef>
+              <a:spcAft>
+                <a:spcPts val="0"/>
+              </a:spcAft>
+              <a:buClr>
+                <a:schemeClr val="dk2"/>
+              </a:buClr>
+              <a:buSzPts val="1400"/>
+              <a:buFont typeface="Arial"/>
+              <a:buChar char="■"/>
+              <a:defRPr sz="1400" b="0" i="0" u="none" strike="noStrike" cap="none">
+                <a:solidFill>
+                  <a:schemeClr val="dk2"/>
+                </a:solidFill>
+                <a:latin typeface="Arial"/>
+                <a:ea typeface="Arial"/>
+                <a:cs typeface="Arial"/>
+                <a:sym typeface="Arial"/>
+              </a:defRPr>
+            </a:lvl3pPr>
+            <a:lvl4pPr marL="1828800" marR="0" lvl="3" indent="-317500" algn="l" rtl="0">
+              <a:lnSpc>
+                <a:spcPct val="115000"/>
+              </a:lnSpc>
+              <a:spcBef>
+                <a:spcPts val="0"/>
+              </a:spcBef>
+              <a:spcAft>
+                <a:spcPts val="0"/>
+              </a:spcAft>
+              <a:buClr>
+                <a:schemeClr val="dk2"/>
+              </a:buClr>
+              <a:buSzPts val="1400"/>
+              <a:buFont typeface="Arial"/>
+              <a:buChar char="●"/>
+              <a:defRPr sz="1400" b="0" i="0" u="none" strike="noStrike" cap="none">
+                <a:solidFill>
+                  <a:schemeClr val="dk2"/>
+                </a:solidFill>
+                <a:latin typeface="Arial"/>
+                <a:ea typeface="Arial"/>
+                <a:cs typeface="Arial"/>
+                <a:sym typeface="Arial"/>
+              </a:defRPr>
+            </a:lvl4pPr>
+            <a:lvl5pPr marL="2286000" marR="0" lvl="4" indent="-317500" algn="l" rtl="0">
+              <a:lnSpc>
+                <a:spcPct val="115000"/>
+              </a:lnSpc>
+              <a:spcBef>
+                <a:spcPts val="0"/>
+              </a:spcBef>
+              <a:spcAft>
+                <a:spcPts val="0"/>
+              </a:spcAft>
+              <a:buClr>
+                <a:schemeClr val="dk2"/>
+              </a:buClr>
+              <a:buSzPts val="1400"/>
+              <a:buFont typeface="Arial"/>
+              <a:buChar char="○"/>
+              <a:defRPr sz="1400" b="0" i="0" u="none" strike="noStrike" cap="none">
+                <a:solidFill>
+                  <a:schemeClr val="dk2"/>
+                </a:solidFill>
+                <a:latin typeface="Arial"/>
+                <a:ea typeface="Arial"/>
+                <a:cs typeface="Arial"/>
+                <a:sym typeface="Arial"/>
+              </a:defRPr>
+            </a:lvl5pPr>
+            <a:lvl6pPr marL="2743200" marR="0" lvl="5" indent="-317500" algn="l" rtl="0">
+              <a:lnSpc>
+                <a:spcPct val="115000"/>
+              </a:lnSpc>
+              <a:spcBef>
+                <a:spcPts val="0"/>
+              </a:spcBef>
+              <a:spcAft>
+                <a:spcPts val="0"/>
+              </a:spcAft>
+              <a:buClr>
+                <a:schemeClr val="dk2"/>
+              </a:buClr>
+              <a:buSzPts val="1400"/>
+              <a:buFont typeface="Arial"/>
+              <a:buChar char="■"/>
+              <a:defRPr sz="1400" b="0" i="0" u="none" strike="noStrike" cap="none">
+                <a:solidFill>
+                  <a:schemeClr val="dk2"/>
+                </a:solidFill>
+                <a:latin typeface="Arial"/>
+                <a:ea typeface="Arial"/>
+                <a:cs typeface="Arial"/>
+                <a:sym typeface="Arial"/>
+              </a:defRPr>
+            </a:lvl6pPr>
+            <a:lvl7pPr marL="3200400" marR="0" lvl="6" indent="-317500" algn="l" rtl="0">
+              <a:lnSpc>
+                <a:spcPct val="115000"/>
+              </a:lnSpc>
+              <a:spcBef>
+                <a:spcPts val="0"/>
+              </a:spcBef>
+              <a:spcAft>
+                <a:spcPts val="0"/>
+              </a:spcAft>
+              <a:buClr>
+                <a:schemeClr val="dk2"/>
+              </a:buClr>
+              <a:buSzPts val="1400"/>
+              <a:buFont typeface="Arial"/>
+              <a:buChar char="●"/>
+              <a:defRPr sz="1400" b="0" i="0" u="none" strike="noStrike" cap="none">
+                <a:solidFill>
+                  <a:schemeClr val="dk2"/>
+                </a:solidFill>
+                <a:latin typeface="Arial"/>
+                <a:ea typeface="Arial"/>
+                <a:cs typeface="Arial"/>
+                <a:sym typeface="Arial"/>
+              </a:defRPr>
+            </a:lvl7pPr>
+            <a:lvl8pPr marL="3657600" marR="0" lvl="7" indent="-317500" algn="l" rtl="0">
+              <a:lnSpc>
+                <a:spcPct val="115000"/>
+              </a:lnSpc>
+              <a:spcBef>
+                <a:spcPts val="0"/>
+              </a:spcBef>
+              <a:spcAft>
+                <a:spcPts val="0"/>
+              </a:spcAft>
+              <a:buClr>
+                <a:schemeClr val="dk2"/>
+              </a:buClr>
+              <a:buSzPts val="1400"/>
+              <a:buFont typeface="Arial"/>
+              <a:buChar char="○"/>
+              <a:defRPr sz="1400" b="0" i="0" u="none" strike="noStrike" cap="none">
+                <a:solidFill>
+                  <a:schemeClr val="dk2"/>
+                </a:solidFill>
+                <a:latin typeface="Arial"/>
+                <a:ea typeface="Arial"/>
+                <a:cs typeface="Arial"/>
+                <a:sym typeface="Arial"/>
+              </a:defRPr>
+            </a:lvl8pPr>
+            <a:lvl9pPr marL="4114800" marR="0" lvl="8" indent="-317500" algn="l" rtl="0">
+              <a:lnSpc>
+                <a:spcPct val="115000"/>
+              </a:lnSpc>
+              <a:spcBef>
+                <a:spcPts val="0"/>
+              </a:spcBef>
+              <a:spcAft>
+                <a:spcPts val="0"/>
+              </a:spcAft>
+              <a:buClr>
+                <a:schemeClr val="dk2"/>
+              </a:buClr>
+              <a:buSzPts val="1400"/>
+              <a:buFont typeface="Arial"/>
+              <a:buChar char="■"/>
+              <a:defRPr sz="1400" b="0" i="0" u="none" strike="noStrike" cap="none">
+                <a:solidFill>
+                  <a:schemeClr val="dk2"/>
+                </a:solidFill>
+                <a:latin typeface="Arial"/>
+                <a:ea typeface="Arial"/>
+                <a:cs typeface="Arial"/>
+                <a:sym typeface="Arial"/>
+              </a:defRPr>
+            </a:lvl9pPr>
+          </a:lstStyle>
+          <a:p>
+            <a:pPr marL="0" indent="0" algn="ctr">
+              <a:lnSpc>
+                <a:spcPct val="80000"/>
+              </a:lnSpc>
+              <a:buSzPts val="935"/>
+              <a:buFont typeface="Arial"/>
+              <a:buNone/>
+            </a:pPr>
+            <a:r>
+              <a:rPr lang="pt-BR" sz="2080" dirty="0"/>
+              <a:t>Estudo acerca das topologias de rede neural</a:t>
+            </a:r>
+          </a:p>
+        </p:txBody>
+      </p:sp>
+    </p:spTree>
+    <p:extLst>
+      <p:ext uri="{BB962C8B-B14F-4D97-AF65-F5344CB8AC3E}">
+        <p14:creationId xmlns:p14="http://schemas.microsoft.com/office/powerpoint/2010/main" val="630506749"/>
+      </p:ext>
+    </p:extLst>
+  </p:cSld>
+  <p:clrMapOvr>
+    <a:masterClrMapping/>
+  </p:clrMapOvr>
+</p:sld>
+</file>
+
+<file path=ppt/slides/slide21.xml><?xml version="1.0" encoding="utf-8"?>
+<p:sld xmlns:a="http://schemas.openxmlformats.org/drawingml/2006/main" xmlns:r="http://schemas.openxmlformats.org/officeDocument/2006/relationships" xmlns:p="http://schemas.openxmlformats.org/presentationml/2006/main">
+  <p:cSld>
+    <p:spTree>
+      <p:nvGrpSpPr>
+        <p:cNvPr id="1" name=""/>
+        <p:cNvGrpSpPr/>
+        <p:nvPr/>
+      </p:nvGrpSpPr>
+      <p:grpSpPr>
+        <a:xfrm>
+          <a:off x="0" y="0"/>
+          <a:ext cx="0" cy="0"/>
+          <a:chOff x="0" y="0"/>
+          <a:chExt cx="0" cy="0"/>
+        </a:xfrm>
+      </p:grpSpPr>
+      <p:pic>
+        <p:nvPicPr>
+          <p:cNvPr id="7" name="Picture 6">
+            <a:extLst>
+              <a:ext uri="{FF2B5EF4-FFF2-40B4-BE49-F238E27FC236}">
+                <a16:creationId xmlns:a16="http://schemas.microsoft.com/office/drawing/2014/main" id="{7A5BDD21-4F00-F866-8C9E-180AD4BDB48B}"/>
+              </a:ext>
+            </a:extLst>
+          </p:cNvPr>
+          <p:cNvPicPr>
+            <a:picLocks noChangeAspect="1"/>
+          </p:cNvPicPr>
+          <p:nvPr/>
+        </p:nvPicPr>
+        <p:blipFill>
+          <a:blip r:embed="rId2"/>
+          <a:stretch>
+            <a:fillRect/>
+          </a:stretch>
+        </p:blipFill>
+        <p:spPr>
+          <a:xfrm>
+            <a:off x="5535607" y="2940935"/>
+            <a:ext cx="3296693" cy="1553901"/>
+          </a:xfrm>
+          <a:prstGeom prst="rect">
+            <a:avLst/>
+          </a:prstGeom>
+        </p:spPr>
+      </p:pic>
+      <p:sp>
+        <p:nvSpPr>
+          <p:cNvPr id="4" name="Slide Number Placeholder 3">
+            <a:extLst>
+              <a:ext uri="{FF2B5EF4-FFF2-40B4-BE49-F238E27FC236}">
+                <a16:creationId xmlns:a16="http://schemas.microsoft.com/office/drawing/2014/main" id="{DD6D8166-12CE-09CD-18CF-427B82E9A196}"/>
+              </a:ext>
+            </a:extLst>
+          </p:cNvPr>
+          <p:cNvSpPr>
+            <a:spLocks noGrp="1" noRot="1" noMove="1" noResize="1" noEditPoints="1" noAdjustHandles="1" noChangeArrowheads="1" noChangeShapeType="1"/>
+          </p:cNvSpPr>
+          <p:nvPr>
+            <p:ph type="sldNum" idx="12"/>
+          </p:nvPr>
+        </p:nvSpPr>
+        <p:spPr/>
+        <p:txBody>
+          <a:bodyPr/>
+          <a:lstStyle/>
+          <a:p>
+            <a:pPr marL="0" lvl="0" indent="0" algn="r" rtl="0">
+              <a:spcBef>
+                <a:spcPts val="0"/>
+              </a:spcBef>
+              <a:spcAft>
+                <a:spcPts val="0"/>
+              </a:spcAft>
+              <a:buNone/>
+            </a:pPr>
+            <a:fld id="{00000000-1234-1234-1234-123412341234}" type="slidenum">
+              <a:rPr lang="pt-BR" smtClean="0"/>
+              <a:t>21</a:t>
+            </a:fld>
+            <a:endParaRPr lang="pt-BR" dirty="0"/>
+          </a:p>
+        </p:txBody>
+      </p:sp>
+      <p:sp>
+        <p:nvSpPr>
+          <p:cNvPr id="11" name="Google Shape;395;p45">
+            <a:extLst>
+              <a:ext uri="{FF2B5EF4-FFF2-40B4-BE49-F238E27FC236}">
+                <a16:creationId xmlns:a16="http://schemas.microsoft.com/office/drawing/2014/main" id="{5097425B-F07C-BEF9-9436-BDE5F00B62EE}"/>
+              </a:ext>
+            </a:extLst>
+          </p:cNvPr>
+          <p:cNvSpPr txBox="1">
+            <a:spLocks/>
+          </p:cNvSpPr>
+          <p:nvPr/>
+        </p:nvSpPr>
+        <p:spPr>
+          <a:xfrm>
+            <a:off x="0" y="0"/>
+            <a:ext cx="8832300" cy="575700"/>
+          </a:xfrm>
+          <a:prstGeom prst="rect">
+            <a:avLst/>
+          </a:prstGeom>
+          <a:noFill/>
+          <a:ln>
+            <a:noFill/>
+          </a:ln>
+        </p:spPr>
+        <p:txBody>
+          <a:bodyPr spcFirstLastPara="1" wrap="square" lIns="91425" tIns="91425" rIns="91425" bIns="91425" anchor="b" anchorCtr="0">
+            <a:normAutofit fontScale="97500"/>
+          </a:bodyPr>
+          <a:lstStyle>
+            <a:defPPr marR="0" lvl="0" algn="l" rtl="0">
+              <a:lnSpc>
+                <a:spcPct val="100000"/>
+              </a:lnSpc>
+              <a:spcBef>
+                <a:spcPts val="0"/>
+              </a:spcBef>
+              <a:spcAft>
+                <a:spcPts val="0"/>
+              </a:spcAft>
+            </a:defPPr>
+            <a:lvl1pPr marR="0" lvl="0" algn="l" rtl="0">
+              <a:lnSpc>
+                <a:spcPct val="100000"/>
+              </a:lnSpc>
+              <a:spcBef>
+                <a:spcPts val="0"/>
+              </a:spcBef>
+              <a:spcAft>
+                <a:spcPts val="0"/>
+              </a:spcAft>
+              <a:buClr>
+                <a:schemeClr val="dk1"/>
+              </a:buClr>
+              <a:buSzPts val="2800"/>
+              <a:buFont typeface="Arial"/>
+              <a:buNone/>
+              <a:defRPr sz="2800" b="0" i="0" u="none" strike="noStrike" cap="none">
+                <a:solidFill>
+                  <a:schemeClr val="dk1"/>
+                </a:solidFill>
+                <a:latin typeface="Arial"/>
+                <a:ea typeface="Arial"/>
+                <a:cs typeface="Arial"/>
+                <a:sym typeface="Arial"/>
+              </a:defRPr>
+            </a:lvl1pPr>
+            <a:lvl2pPr marR="0" lvl="1" algn="l" rtl="0">
+              <a:lnSpc>
+                <a:spcPct val="100000"/>
+              </a:lnSpc>
+              <a:spcBef>
+                <a:spcPts val="0"/>
+              </a:spcBef>
+              <a:spcAft>
+                <a:spcPts val="0"/>
+              </a:spcAft>
+              <a:buClr>
+                <a:schemeClr val="dk1"/>
+              </a:buClr>
+              <a:buSzPts val="2800"/>
+              <a:buFont typeface="Arial"/>
+              <a:buNone/>
+              <a:defRPr sz="2800" b="0" i="0" u="none" strike="noStrike" cap="none">
+                <a:solidFill>
+                  <a:schemeClr val="dk1"/>
+                </a:solidFill>
+                <a:latin typeface="Arial"/>
+                <a:ea typeface="Arial"/>
+                <a:cs typeface="Arial"/>
+                <a:sym typeface="Arial"/>
+              </a:defRPr>
+            </a:lvl2pPr>
+            <a:lvl3pPr marR="0" lvl="2" algn="l" rtl="0">
+              <a:lnSpc>
+                <a:spcPct val="100000"/>
+              </a:lnSpc>
+              <a:spcBef>
+                <a:spcPts val="0"/>
+              </a:spcBef>
+              <a:spcAft>
+                <a:spcPts val="0"/>
+              </a:spcAft>
+              <a:buClr>
+                <a:schemeClr val="dk1"/>
+              </a:buClr>
+              <a:buSzPts val="2800"/>
+              <a:buFont typeface="Arial"/>
+              <a:buNone/>
+              <a:defRPr sz="2800" b="0" i="0" u="none" strike="noStrike" cap="none">
+                <a:solidFill>
+                  <a:schemeClr val="dk1"/>
+                </a:solidFill>
+                <a:latin typeface="Arial"/>
+                <a:ea typeface="Arial"/>
+                <a:cs typeface="Arial"/>
+                <a:sym typeface="Arial"/>
+              </a:defRPr>
+            </a:lvl3pPr>
+            <a:lvl4pPr marR="0" lvl="3" algn="l" rtl="0">
+              <a:lnSpc>
+                <a:spcPct val="100000"/>
+              </a:lnSpc>
+              <a:spcBef>
+                <a:spcPts val="0"/>
+              </a:spcBef>
+              <a:spcAft>
+                <a:spcPts val="0"/>
+              </a:spcAft>
+              <a:buClr>
+                <a:schemeClr val="dk1"/>
+              </a:buClr>
+              <a:buSzPts val="2800"/>
+              <a:buFont typeface="Arial"/>
+              <a:buNone/>
+              <a:defRPr sz="2800" b="0" i="0" u="none" strike="noStrike" cap="none">
+                <a:solidFill>
+                  <a:schemeClr val="dk1"/>
+                </a:solidFill>
+                <a:latin typeface="Arial"/>
+                <a:ea typeface="Arial"/>
+                <a:cs typeface="Arial"/>
+                <a:sym typeface="Arial"/>
+              </a:defRPr>
+            </a:lvl4pPr>
+            <a:lvl5pPr marR="0" lvl="4" algn="l" rtl="0">
+              <a:lnSpc>
+                <a:spcPct val="100000"/>
+              </a:lnSpc>
+              <a:spcBef>
+                <a:spcPts val="0"/>
+              </a:spcBef>
+              <a:spcAft>
+                <a:spcPts val="0"/>
+              </a:spcAft>
+              <a:buClr>
+                <a:schemeClr val="dk1"/>
+              </a:buClr>
+              <a:buSzPts val="2800"/>
+              <a:buFont typeface="Arial"/>
+              <a:buNone/>
+              <a:defRPr sz="2800" b="0" i="0" u="none" strike="noStrike" cap="none">
+                <a:solidFill>
+                  <a:schemeClr val="dk1"/>
+                </a:solidFill>
+                <a:latin typeface="Arial"/>
+                <a:ea typeface="Arial"/>
+                <a:cs typeface="Arial"/>
+                <a:sym typeface="Arial"/>
+              </a:defRPr>
+            </a:lvl5pPr>
+            <a:lvl6pPr marR="0" lvl="5" algn="l" rtl="0">
+              <a:lnSpc>
+                <a:spcPct val="100000"/>
+              </a:lnSpc>
+              <a:spcBef>
+                <a:spcPts val="0"/>
+              </a:spcBef>
+              <a:spcAft>
+                <a:spcPts val="0"/>
+              </a:spcAft>
+              <a:buClr>
+                <a:schemeClr val="dk1"/>
+              </a:buClr>
+              <a:buSzPts val="2800"/>
+              <a:buFont typeface="Arial"/>
+              <a:buNone/>
+              <a:defRPr sz="2800" b="0" i="0" u="none" strike="noStrike" cap="none">
+                <a:solidFill>
+                  <a:schemeClr val="dk1"/>
+                </a:solidFill>
+                <a:latin typeface="Arial"/>
+                <a:ea typeface="Arial"/>
+                <a:cs typeface="Arial"/>
+                <a:sym typeface="Arial"/>
+              </a:defRPr>
+            </a:lvl6pPr>
+            <a:lvl7pPr marR="0" lvl="6" algn="l" rtl="0">
+              <a:lnSpc>
+                <a:spcPct val="100000"/>
+              </a:lnSpc>
+              <a:spcBef>
+                <a:spcPts val="0"/>
+              </a:spcBef>
+              <a:spcAft>
+                <a:spcPts val="0"/>
+              </a:spcAft>
+              <a:buClr>
+                <a:schemeClr val="dk1"/>
+              </a:buClr>
+              <a:buSzPts val="2800"/>
+              <a:buFont typeface="Arial"/>
+              <a:buNone/>
+              <a:defRPr sz="2800" b="0" i="0" u="none" strike="noStrike" cap="none">
+                <a:solidFill>
+                  <a:schemeClr val="dk1"/>
+                </a:solidFill>
+                <a:latin typeface="Arial"/>
+                <a:ea typeface="Arial"/>
+                <a:cs typeface="Arial"/>
+                <a:sym typeface="Arial"/>
+              </a:defRPr>
+            </a:lvl7pPr>
+            <a:lvl8pPr marR="0" lvl="7" algn="l" rtl="0">
+              <a:lnSpc>
+                <a:spcPct val="100000"/>
+              </a:lnSpc>
+              <a:spcBef>
+                <a:spcPts val="0"/>
+              </a:spcBef>
+              <a:spcAft>
+                <a:spcPts val="0"/>
+              </a:spcAft>
+              <a:buClr>
+                <a:schemeClr val="dk1"/>
+              </a:buClr>
+              <a:buSzPts val="2800"/>
+              <a:buFont typeface="Arial"/>
+              <a:buNone/>
+              <a:defRPr sz="2800" b="0" i="0" u="none" strike="noStrike" cap="none">
+                <a:solidFill>
+                  <a:schemeClr val="dk1"/>
+                </a:solidFill>
+                <a:latin typeface="Arial"/>
+                <a:ea typeface="Arial"/>
+                <a:cs typeface="Arial"/>
+                <a:sym typeface="Arial"/>
+              </a:defRPr>
+            </a:lvl8pPr>
+            <a:lvl9pPr marR="0" lvl="8" algn="l" rtl="0">
+              <a:lnSpc>
+                <a:spcPct val="100000"/>
+              </a:lnSpc>
+              <a:spcBef>
+                <a:spcPts val="0"/>
+              </a:spcBef>
+              <a:spcAft>
+                <a:spcPts val="0"/>
+              </a:spcAft>
+              <a:buClr>
+                <a:schemeClr val="dk1"/>
+              </a:buClr>
+              <a:buSzPts val="2800"/>
+              <a:buFont typeface="Arial"/>
+              <a:buNone/>
+              <a:defRPr sz="2800" b="0" i="0" u="none" strike="noStrike" cap="none">
+                <a:solidFill>
+                  <a:schemeClr val="dk1"/>
+                </a:solidFill>
+                <a:latin typeface="Arial"/>
+                <a:ea typeface="Arial"/>
+                <a:cs typeface="Arial"/>
+                <a:sym typeface="Arial"/>
+              </a:defRPr>
+            </a:lvl9pPr>
+          </a:lstStyle>
+          <a:p>
+            <a:endParaRPr lang="pt-BR" sz="2500" dirty="0">
+              <a:latin typeface="+mn-lt"/>
+            </a:endParaRPr>
+          </a:p>
+        </p:txBody>
+      </p:sp>
+      <p:sp>
+        <p:nvSpPr>
+          <p:cNvPr id="5" name="Google Shape;395;p45">
+            <a:extLst>
+              <a:ext uri="{FF2B5EF4-FFF2-40B4-BE49-F238E27FC236}">
+                <a16:creationId xmlns:a16="http://schemas.microsoft.com/office/drawing/2014/main" id="{CE936A9C-F6C6-E142-55DA-D47FCF15E24D}"/>
+              </a:ext>
+            </a:extLst>
+          </p:cNvPr>
+          <p:cNvSpPr txBox="1">
+            <a:spLocks/>
+          </p:cNvSpPr>
+          <p:nvPr/>
+        </p:nvSpPr>
+        <p:spPr>
+          <a:xfrm>
+            <a:off x="0" y="0"/>
+            <a:ext cx="8832300" cy="575700"/>
+          </a:xfrm>
+          <a:prstGeom prst="rect">
+            <a:avLst/>
+          </a:prstGeom>
+          <a:noFill/>
+          <a:ln>
+            <a:noFill/>
+          </a:ln>
+        </p:spPr>
+        <p:txBody>
+          <a:bodyPr spcFirstLastPara="1" wrap="square" lIns="91425" tIns="91425" rIns="91425" bIns="91425" anchor="b" anchorCtr="0">
+            <a:normAutofit fontScale="97500"/>
+          </a:bodyPr>
+          <a:lstStyle>
+            <a:defPPr marR="0" lvl="0" algn="l" rtl="0">
+              <a:lnSpc>
+                <a:spcPct val="100000"/>
+              </a:lnSpc>
+              <a:spcBef>
+                <a:spcPts val="0"/>
+              </a:spcBef>
+              <a:spcAft>
+                <a:spcPts val="0"/>
+              </a:spcAft>
+            </a:defPPr>
+            <a:lvl1pPr marR="0" lvl="0" algn="l" rtl="0">
+              <a:lnSpc>
+                <a:spcPct val="100000"/>
+              </a:lnSpc>
+              <a:spcBef>
+                <a:spcPts val="0"/>
+              </a:spcBef>
+              <a:spcAft>
+                <a:spcPts val="0"/>
+              </a:spcAft>
+              <a:buClr>
+                <a:schemeClr val="dk1"/>
+              </a:buClr>
+              <a:buSzPts val="2800"/>
+              <a:buFont typeface="Arial"/>
+              <a:buNone/>
+              <a:defRPr sz="2800" b="0" i="0" u="none" strike="noStrike" cap="none">
+                <a:solidFill>
+                  <a:schemeClr val="dk1"/>
+                </a:solidFill>
+                <a:latin typeface="Arial"/>
+                <a:ea typeface="Arial"/>
+                <a:cs typeface="Arial"/>
+                <a:sym typeface="Arial"/>
+              </a:defRPr>
+            </a:lvl1pPr>
+            <a:lvl2pPr marR="0" lvl="1" algn="l" rtl="0">
+              <a:lnSpc>
+                <a:spcPct val="100000"/>
+              </a:lnSpc>
+              <a:spcBef>
+                <a:spcPts val="0"/>
+              </a:spcBef>
+              <a:spcAft>
+                <a:spcPts val="0"/>
+              </a:spcAft>
+              <a:buClr>
+                <a:schemeClr val="dk1"/>
+              </a:buClr>
+              <a:buSzPts val="2800"/>
+              <a:buFont typeface="Arial"/>
+              <a:buNone/>
+              <a:defRPr sz="2800" b="0" i="0" u="none" strike="noStrike" cap="none">
+                <a:solidFill>
+                  <a:schemeClr val="dk1"/>
+                </a:solidFill>
+                <a:latin typeface="Arial"/>
+                <a:ea typeface="Arial"/>
+                <a:cs typeface="Arial"/>
+                <a:sym typeface="Arial"/>
+              </a:defRPr>
+            </a:lvl2pPr>
+            <a:lvl3pPr marR="0" lvl="2" algn="l" rtl="0">
+              <a:lnSpc>
+                <a:spcPct val="100000"/>
+              </a:lnSpc>
+              <a:spcBef>
+                <a:spcPts val="0"/>
+              </a:spcBef>
+              <a:spcAft>
+                <a:spcPts val="0"/>
+              </a:spcAft>
+              <a:buClr>
+                <a:schemeClr val="dk1"/>
+              </a:buClr>
+              <a:buSzPts val="2800"/>
+              <a:buFont typeface="Arial"/>
+              <a:buNone/>
+              <a:defRPr sz="2800" b="0" i="0" u="none" strike="noStrike" cap="none">
+                <a:solidFill>
+                  <a:schemeClr val="dk1"/>
+                </a:solidFill>
+                <a:latin typeface="Arial"/>
+                <a:ea typeface="Arial"/>
+                <a:cs typeface="Arial"/>
+                <a:sym typeface="Arial"/>
+              </a:defRPr>
+            </a:lvl3pPr>
+            <a:lvl4pPr marR="0" lvl="3" algn="l" rtl="0">
+              <a:lnSpc>
+                <a:spcPct val="100000"/>
+              </a:lnSpc>
+              <a:spcBef>
+                <a:spcPts val="0"/>
+              </a:spcBef>
+              <a:spcAft>
+                <a:spcPts val="0"/>
+              </a:spcAft>
+              <a:buClr>
+                <a:schemeClr val="dk1"/>
+              </a:buClr>
+              <a:buSzPts val="2800"/>
+              <a:buFont typeface="Arial"/>
+              <a:buNone/>
+              <a:defRPr sz="2800" b="0" i="0" u="none" strike="noStrike" cap="none">
+                <a:solidFill>
+                  <a:schemeClr val="dk1"/>
+                </a:solidFill>
+                <a:latin typeface="Arial"/>
+                <a:ea typeface="Arial"/>
+                <a:cs typeface="Arial"/>
+                <a:sym typeface="Arial"/>
+              </a:defRPr>
+            </a:lvl4pPr>
+            <a:lvl5pPr marR="0" lvl="4" algn="l" rtl="0">
+              <a:lnSpc>
+                <a:spcPct val="100000"/>
+              </a:lnSpc>
+              <a:spcBef>
+                <a:spcPts val="0"/>
+              </a:spcBef>
+              <a:spcAft>
+                <a:spcPts val="0"/>
+              </a:spcAft>
+              <a:buClr>
+                <a:schemeClr val="dk1"/>
+              </a:buClr>
+              <a:buSzPts val="2800"/>
+              <a:buFont typeface="Arial"/>
+              <a:buNone/>
+              <a:defRPr sz="2800" b="0" i="0" u="none" strike="noStrike" cap="none">
+                <a:solidFill>
+                  <a:schemeClr val="dk1"/>
+                </a:solidFill>
+                <a:latin typeface="Arial"/>
+                <a:ea typeface="Arial"/>
+                <a:cs typeface="Arial"/>
+                <a:sym typeface="Arial"/>
+              </a:defRPr>
+            </a:lvl5pPr>
+            <a:lvl6pPr marR="0" lvl="5" algn="l" rtl="0">
+              <a:lnSpc>
+                <a:spcPct val="100000"/>
+              </a:lnSpc>
+              <a:spcBef>
+                <a:spcPts val="0"/>
+              </a:spcBef>
+              <a:spcAft>
+                <a:spcPts val="0"/>
+              </a:spcAft>
+              <a:buClr>
+                <a:schemeClr val="dk1"/>
+              </a:buClr>
+              <a:buSzPts val="2800"/>
+              <a:buFont typeface="Arial"/>
+              <a:buNone/>
+              <a:defRPr sz="2800" b="0" i="0" u="none" strike="noStrike" cap="none">
+                <a:solidFill>
+                  <a:schemeClr val="dk1"/>
+                </a:solidFill>
+                <a:latin typeface="Arial"/>
+                <a:ea typeface="Arial"/>
+                <a:cs typeface="Arial"/>
+                <a:sym typeface="Arial"/>
+              </a:defRPr>
+            </a:lvl6pPr>
+            <a:lvl7pPr marR="0" lvl="6" algn="l" rtl="0">
+              <a:lnSpc>
+                <a:spcPct val="100000"/>
+              </a:lnSpc>
+              <a:spcBef>
+                <a:spcPts val="0"/>
+              </a:spcBef>
+              <a:spcAft>
+                <a:spcPts val="0"/>
+              </a:spcAft>
+              <a:buClr>
+                <a:schemeClr val="dk1"/>
+              </a:buClr>
+              <a:buSzPts val="2800"/>
+              <a:buFont typeface="Arial"/>
+              <a:buNone/>
+              <a:defRPr sz="2800" b="0" i="0" u="none" strike="noStrike" cap="none">
+                <a:solidFill>
+                  <a:schemeClr val="dk1"/>
+                </a:solidFill>
+                <a:latin typeface="Arial"/>
+                <a:ea typeface="Arial"/>
+                <a:cs typeface="Arial"/>
+                <a:sym typeface="Arial"/>
+              </a:defRPr>
+            </a:lvl7pPr>
+            <a:lvl8pPr marR="0" lvl="7" algn="l" rtl="0">
+              <a:lnSpc>
+                <a:spcPct val="100000"/>
+              </a:lnSpc>
+              <a:spcBef>
+                <a:spcPts val="0"/>
+              </a:spcBef>
+              <a:spcAft>
+                <a:spcPts val="0"/>
+              </a:spcAft>
+              <a:buClr>
+                <a:schemeClr val="dk1"/>
+              </a:buClr>
+              <a:buSzPts val="2800"/>
+              <a:buFont typeface="Arial"/>
+              <a:buNone/>
+              <a:defRPr sz="2800" b="0" i="0" u="none" strike="noStrike" cap="none">
+                <a:solidFill>
+                  <a:schemeClr val="dk1"/>
+                </a:solidFill>
+                <a:latin typeface="Arial"/>
+                <a:ea typeface="Arial"/>
+                <a:cs typeface="Arial"/>
+                <a:sym typeface="Arial"/>
+              </a:defRPr>
+            </a:lvl8pPr>
+            <a:lvl9pPr marR="0" lvl="8" algn="l" rtl="0">
+              <a:lnSpc>
+                <a:spcPct val="100000"/>
+              </a:lnSpc>
+              <a:spcBef>
+                <a:spcPts val="0"/>
+              </a:spcBef>
+              <a:spcAft>
+                <a:spcPts val="0"/>
+              </a:spcAft>
+              <a:buClr>
+                <a:schemeClr val="dk1"/>
+              </a:buClr>
+              <a:buSzPts val="2800"/>
+              <a:buFont typeface="Arial"/>
+              <a:buNone/>
+              <a:defRPr sz="2800" b="0" i="0" u="none" strike="noStrike" cap="none">
+                <a:solidFill>
+                  <a:schemeClr val="dk1"/>
+                </a:solidFill>
+                <a:latin typeface="Arial"/>
+                <a:ea typeface="Arial"/>
+                <a:cs typeface="Arial"/>
+                <a:sym typeface="Arial"/>
+              </a:defRPr>
+            </a:lvl9pPr>
+          </a:lstStyle>
+          <a:p>
+            <a:r>
+              <a:rPr lang="pt-BR" sz="2500" dirty="0">
+                <a:latin typeface="+mn-lt"/>
+              </a:rPr>
+              <a:t>Comparação entre modelos de NN (Neural Network) </a:t>
+            </a:r>
+          </a:p>
+        </p:txBody>
+      </p:sp>
+      <mc:AlternateContent xmlns:mc="http://schemas.openxmlformats.org/markup-compatibility/2006" xmlns:a14="http://schemas.microsoft.com/office/drawing/2010/main">
+        <mc:Choice Requires="a14">
+          <p:sp>
+            <p:nvSpPr>
+              <p:cNvPr id="33" name="TextBox 32">
+                <a:extLst>
+                  <a:ext uri="{FF2B5EF4-FFF2-40B4-BE49-F238E27FC236}">
+                    <a16:creationId xmlns:a16="http://schemas.microsoft.com/office/drawing/2014/main" id="{7C0A4B99-5181-B2B0-7BC1-6EE3C60137AB}"/>
+                  </a:ext>
+                </a:extLst>
+              </p:cNvPr>
+              <p:cNvSpPr txBox="1"/>
+              <p:nvPr/>
+            </p:nvSpPr>
+            <p:spPr>
+              <a:xfrm>
+                <a:off x="5690365" y="3118250"/>
+                <a:ext cx="360996" cy="276999"/>
+              </a:xfrm>
+              <a:prstGeom prst="rect">
+                <a:avLst/>
+              </a:prstGeom>
+              <a:noFill/>
+            </p:spPr>
+            <p:txBody>
+              <a:bodyPr wrap="none" rtlCol="0">
+                <a:spAutoFit/>
+              </a:bodyPr>
+              <a:lstStyle/>
+              <a:p>
+                <a14:m>
+                  <m:oMath xmlns:m="http://schemas.openxmlformats.org/officeDocument/2006/math">
+                    <m:r>
+                      <a:rPr lang="pt-BR" sz="1200" b="0" i="1" smtClean="0">
+                        <a:latin typeface="Cambria Math" panose="02040503050406030204" pitchFamily="18" charset="0"/>
+                        <a:ea typeface="Cambria Math" panose="02040503050406030204" pitchFamily="18" charset="0"/>
+                      </a:rPr>
+                      <m:t>∆</m:t>
+                    </m:r>
+                  </m:oMath>
+                </a14:m>
+                <a:r>
+                  <a:rPr lang="pt-BR" sz="1100" dirty="0"/>
+                  <a:t>L</a:t>
+                </a:r>
+                <a:endParaRPr lang="pt-BR" sz="1200" b="1" dirty="0"/>
+              </a:p>
+            </p:txBody>
+          </p:sp>
+        </mc:Choice>
+        <mc:Fallback xmlns="">
+          <p:sp>
+            <p:nvSpPr>
+              <p:cNvPr id="33" name="TextBox 32">
+                <a:extLst>
+                  <a:ext uri="{FF2B5EF4-FFF2-40B4-BE49-F238E27FC236}">
+                    <a16:creationId xmlns:a16="http://schemas.microsoft.com/office/drawing/2014/main" id="{7C0A4B99-5181-B2B0-7BC1-6EE3C60137AB}"/>
+                  </a:ext>
+                </a:extLst>
+              </p:cNvPr>
+              <p:cNvSpPr txBox="1">
+                <a:spLocks noRot="1" noChangeAspect="1" noMove="1" noResize="1" noEditPoints="1" noAdjustHandles="1" noChangeArrowheads="1" noChangeShapeType="1" noTextEdit="1"/>
+              </p:cNvSpPr>
+              <p:nvPr/>
+            </p:nvSpPr>
+            <p:spPr>
+              <a:xfrm>
+                <a:off x="5690365" y="3118250"/>
+                <a:ext cx="360996" cy="276999"/>
+              </a:xfrm>
+              <a:prstGeom prst="rect">
+                <a:avLst/>
+              </a:prstGeom>
+              <a:blipFill>
+                <a:blip r:embed="rId3"/>
+                <a:stretch>
+                  <a:fillRect b="-13333"/>
+                </a:stretch>
+              </a:blipFill>
+            </p:spPr>
+            <p:txBody>
+              <a:bodyPr/>
+              <a:lstStyle/>
+              <a:p>
+                <a:r>
+                  <a:rPr lang="pt-BR">
+                    <a:noFill/>
+                  </a:rPr>
+                  <a:t> </a:t>
+                </a:r>
+              </a:p>
+            </p:txBody>
+          </p:sp>
+        </mc:Fallback>
+      </mc:AlternateContent>
+      <p:pic>
+        <p:nvPicPr>
+          <p:cNvPr id="2" name="Picture 1">
+            <a:extLst>
+              <a:ext uri="{FF2B5EF4-FFF2-40B4-BE49-F238E27FC236}">
+                <a16:creationId xmlns:a16="http://schemas.microsoft.com/office/drawing/2014/main" id="{773AFAF0-8E56-8083-07BF-F32450ABBF48}"/>
+              </a:ext>
+            </a:extLst>
+          </p:cNvPr>
+          <p:cNvPicPr>
+            <a:picLocks noChangeAspect="1"/>
+          </p:cNvPicPr>
+          <p:nvPr/>
+        </p:nvPicPr>
+        <p:blipFill rotWithShape="1">
+          <a:blip r:embed="rId4"/>
+          <a:srcRect l="14268" t="5786" r="33531" b="57797"/>
+          <a:stretch/>
+        </p:blipFill>
+        <p:spPr>
+          <a:xfrm>
+            <a:off x="5535607" y="807830"/>
+            <a:ext cx="3345069" cy="1558798"/>
+          </a:xfrm>
+          <a:prstGeom prst="rect">
+            <a:avLst/>
+          </a:prstGeom>
+        </p:spPr>
+      </p:pic>
+      <mc:AlternateContent xmlns:mc="http://schemas.openxmlformats.org/markup-compatibility/2006" xmlns:a14="http://schemas.microsoft.com/office/drawing/2010/main">
+        <mc:Choice Requires="a14">
+          <p:sp>
+            <p:nvSpPr>
+              <p:cNvPr id="3" name="TextBox 2">
+                <a:extLst>
+                  <a:ext uri="{FF2B5EF4-FFF2-40B4-BE49-F238E27FC236}">
+                    <a16:creationId xmlns:a16="http://schemas.microsoft.com/office/drawing/2014/main" id="{54E7E00D-1348-5CC3-48D7-19E0C3250BD2}"/>
+                  </a:ext>
+                </a:extLst>
+              </p:cNvPr>
+              <p:cNvSpPr txBox="1"/>
+              <p:nvPr/>
+            </p:nvSpPr>
+            <p:spPr>
+              <a:xfrm>
+                <a:off x="5901056" y="909779"/>
+                <a:ext cx="360996" cy="276999"/>
+              </a:xfrm>
+              <a:prstGeom prst="rect">
+                <a:avLst/>
+              </a:prstGeom>
+              <a:noFill/>
+            </p:spPr>
+            <p:txBody>
+              <a:bodyPr wrap="none" rtlCol="0">
+                <a:spAutoFit/>
+              </a:bodyPr>
+              <a:lstStyle/>
+              <a:p>
+                <a14:m>
+                  <m:oMath xmlns:m="http://schemas.openxmlformats.org/officeDocument/2006/math">
+                    <m:r>
+                      <a:rPr lang="pt-BR" sz="1200" b="0" i="1" smtClean="0">
+                        <a:latin typeface="Cambria Math" panose="02040503050406030204" pitchFamily="18" charset="0"/>
+                        <a:ea typeface="Cambria Math" panose="02040503050406030204" pitchFamily="18" charset="0"/>
+                      </a:rPr>
+                      <m:t>∆</m:t>
+                    </m:r>
+                  </m:oMath>
+                </a14:m>
+                <a:r>
+                  <a:rPr lang="pt-BR" sz="1100" dirty="0"/>
+                  <a:t>L</a:t>
+                </a:r>
+                <a:endParaRPr lang="pt-BR" sz="1200" b="1" dirty="0"/>
+              </a:p>
+            </p:txBody>
+          </p:sp>
+        </mc:Choice>
+        <mc:Fallback xmlns="">
+          <p:sp>
+            <p:nvSpPr>
+              <p:cNvPr id="3" name="TextBox 2">
+                <a:extLst>
+                  <a:ext uri="{FF2B5EF4-FFF2-40B4-BE49-F238E27FC236}">
+                    <a16:creationId xmlns:a16="http://schemas.microsoft.com/office/drawing/2014/main" id="{54E7E00D-1348-5CC3-48D7-19E0C3250BD2}"/>
+                  </a:ext>
+                </a:extLst>
+              </p:cNvPr>
+              <p:cNvSpPr txBox="1">
+                <a:spLocks noRot="1" noChangeAspect="1" noMove="1" noResize="1" noEditPoints="1" noAdjustHandles="1" noChangeArrowheads="1" noChangeShapeType="1" noTextEdit="1"/>
+              </p:cNvSpPr>
+              <p:nvPr/>
+            </p:nvSpPr>
+            <p:spPr>
+              <a:xfrm>
+                <a:off x="5901056" y="909779"/>
+                <a:ext cx="360996" cy="276999"/>
+              </a:xfrm>
+              <a:prstGeom prst="rect">
+                <a:avLst/>
+              </a:prstGeom>
+              <a:blipFill>
+                <a:blip r:embed="rId5"/>
+                <a:stretch>
+                  <a:fillRect b="-10870"/>
+                </a:stretch>
+              </a:blipFill>
+            </p:spPr>
+            <p:txBody>
+              <a:bodyPr/>
+              <a:lstStyle/>
+              <a:p>
+                <a:r>
+                  <a:rPr lang="pt-BR">
+                    <a:noFill/>
+                  </a:rPr>
+                  <a:t> </a:t>
+                </a:r>
+              </a:p>
+            </p:txBody>
+          </p:sp>
+        </mc:Fallback>
+      </mc:AlternateContent>
+      <p:sp>
+        <p:nvSpPr>
+          <p:cNvPr id="9" name="TextBox 8">
+            <a:extLst>
+              <a:ext uri="{FF2B5EF4-FFF2-40B4-BE49-F238E27FC236}">
+                <a16:creationId xmlns:a16="http://schemas.microsoft.com/office/drawing/2014/main" id="{0217AB85-7175-F23D-09A7-CEDCB030E01D}"/>
+              </a:ext>
+            </a:extLst>
+          </p:cNvPr>
+          <p:cNvSpPr txBox="1"/>
+          <p:nvPr/>
+        </p:nvSpPr>
+        <p:spPr>
+          <a:xfrm>
+            <a:off x="6408041" y="2366691"/>
+            <a:ext cx="1600200" cy="276999"/>
+          </a:xfrm>
+          <a:prstGeom prst="rect">
+            <a:avLst/>
+          </a:prstGeom>
+          <a:noFill/>
+        </p:spPr>
+        <p:txBody>
+          <a:bodyPr wrap="square" rtlCol="0">
+            <a:spAutoFit/>
+          </a:bodyPr>
+          <a:lstStyle/>
+          <a:p>
+            <a:r>
+              <a:rPr lang="pt-BR" sz="1200" b="1" dirty="0">
+                <a:latin typeface="+mj-lt"/>
+              </a:rPr>
+              <a:t>Modelo paralelo</a:t>
+            </a:r>
+            <a:endParaRPr lang="pt-BR" sz="1050" b="1" dirty="0">
+              <a:latin typeface="+mj-lt"/>
+            </a:endParaRPr>
+          </a:p>
+        </p:txBody>
+      </p:sp>
+      <p:sp>
+        <p:nvSpPr>
+          <p:cNvPr id="10" name="TextBox 9">
+            <a:extLst>
+              <a:ext uri="{FF2B5EF4-FFF2-40B4-BE49-F238E27FC236}">
+                <a16:creationId xmlns:a16="http://schemas.microsoft.com/office/drawing/2014/main" id="{215DC632-D3B1-4994-CE31-371A9F9C163E}"/>
+              </a:ext>
+            </a:extLst>
+          </p:cNvPr>
+          <p:cNvSpPr txBox="1"/>
+          <p:nvPr/>
+        </p:nvSpPr>
+        <p:spPr>
+          <a:xfrm>
+            <a:off x="6720869" y="4505242"/>
+            <a:ext cx="1600200" cy="276999"/>
+          </a:xfrm>
+          <a:prstGeom prst="rect">
+            <a:avLst/>
+          </a:prstGeom>
+          <a:noFill/>
+        </p:spPr>
+        <p:txBody>
+          <a:bodyPr wrap="square" rtlCol="0">
+            <a:spAutoFit/>
+          </a:bodyPr>
+          <a:lstStyle/>
+          <a:p>
+            <a:r>
+              <a:rPr lang="pt-BR" sz="1200" b="1" dirty="0">
+                <a:latin typeface="+mj-lt"/>
+              </a:rPr>
+              <a:t>Modelo série</a:t>
+            </a:r>
+            <a:endParaRPr lang="pt-BR" sz="1050" b="1" dirty="0">
+              <a:latin typeface="+mj-lt"/>
+            </a:endParaRPr>
+          </a:p>
+        </p:txBody>
+      </p:sp>
+      <p:sp>
+        <p:nvSpPr>
+          <p:cNvPr id="12" name="TextBox 11">
+            <a:extLst>
+              <a:ext uri="{FF2B5EF4-FFF2-40B4-BE49-F238E27FC236}">
+                <a16:creationId xmlns:a16="http://schemas.microsoft.com/office/drawing/2014/main" id="{A029A8EE-72D5-A938-6A98-27E47167357D}"/>
+              </a:ext>
+            </a:extLst>
+          </p:cNvPr>
+          <p:cNvSpPr txBox="1"/>
+          <p:nvPr/>
+        </p:nvSpPr>
+        <p:spPr>
+          <a:xfrm>
+            <a:off x="631592" y="2164141"/>
+            <a:ext cx="4369636" cy="307777"/>
+          </a:xfrm>
+          <a:prstGeom prst="rect">
+            <a:avLst/>
+          </a:prstGeom>
+          <a:noFill/>
+        </p:spPr>
+        <p:txBody>
+          <a:bodyPr wrap="square">
+            <a:spAutoFit/>
+          </a:bodyPr>
+          <a:lstStyle/>
+          <a:p>
+            <a:pPr marL="285750" indent="-285750" algn="just">
+              <a:buFont typeface="Arial" panose="020B0604020202020204" pitchFamily="34" charset="0"/>
+              <a:buChar char="•"/>
+            </a:pPr>
+            <a:r>
+              <a:rPr lang="pt-BR" b="1" dirty="0"/>
+              <a:t>Footprint efetiva</a:t>
+            </a:r>
+          </a:p>
+        </p:txBody>
+      </p:sp>
+      <p:sp>
+        <p:nvSpPr>
+          <p:cNvPr id="14" name="TextBox 13">
+            <a:extLst>
+              <a:ext uri="{FF2B5EF4-FFF2-40B4-BE49-F238E27FC236}">
+                <a16:creationId xmlns:a16="http://schemas.microsoft.com/office/drawing/2014/main" id="{B3198B04-1C87-37F2-08DA-1DE73DA8FCD6}"/>
+              </a:ext>
+            </a:extLst>
+          </p:cNvPr>
+          <p:cNvSpPr txBox="1"/>
+          <p:nvPr/>
+        </p:nvSpPr>
+        <p:spPr>
+          <a:xfrm>
+            <a:off x="604866" y="1408791"/>
+            <a:ext cx="4609119" cy="523220"/>
+          </a:xfrm>
+          <a:prstGeom prst="rect">
+            <a:avLst/>
+          </a:prstGeom>
+          <a:noFill/>
+        </p:spPr>
+        <p:txBody>
+          <a:bodyPr wrap="square" rtlCol="0">
+            <a:spAutoFit/>
+          </a:bodyPr>
+          <a:lstStyle/>
+          <a:p>
+            <a:pPr algn="just"/>
+            <a:r>
+              <a:rPr lang="pt-BR" dirty="0"/>
+              <a:t>É realizado uma comparação entre os dois modelos com base nos seguintes pontos:</a:t>
+            </a:r>
+          </a:p>
+        </p:txBody>
+      </p:sp>
+      <p:sp>
+        <p:nvSpPr>
+          <p:cNvPr id="15" name="TextBox 14">
+            <a:extLst>
+              <a:ext uri="{FF2B5EF4-FFF2-40B4-BE49-F238E27FC236}">
+                <a16:creationId xmlns:a16="http://schemas.microsoft.com/office/drawing/2014/main" id="{78B972B9-DE18-A3E3-F533-1C3667E0EF48}"/>
+              </a:ext>
+            </a:extLst>
+          </p:cNvPr>
+          <p:cNvSpPr txBox="1"/>
+          <p:nvPr/>
+        </p:nvSpPr>
+        <p:spPr>
+          <a:xfrm>
+            <a:off x="631592" y="2471918"/>
+            <a:ext cx="4369636" cy="307777"/>
+          </a:xfrm>
+          <a:prstGeom prst="rect">
+            <a:avLst/>
+          </a:prstGeom>
+          <a:noFill/>
+        </p:spPr>
+        <p:txBody>
+          <a:bodyPr wrap="square">
+            <a:spAutoFit/>
+          </a:bodyPr>
+          <a:lstStyle/>
+          <a:p>
+            <a:pPr marL="285750" indent="-285750" algn="just">
+              <a:buFont typeface="Arial" panose="020B0604020202020204" pitchFamily="34" charset="0"/>
+              <a:buChar char="•"/>
+            </a:pPr>
+            <a:r>
+              <a:rPr lang="pt-BR" b="1" dirty="0"/>
+              <a:t>Equação característica</a:t>
+            </a:r>
+          </a:p>
+        </p:txBody>
+      </p:sp>
+      <p:sp>
+        <p:nvSpPr>
+          <p:cNvPr id="16" name="TextBox 15">
+            <a:extLst>
+              <a:ext uri="{FF2B5EF4-FFF2-40B4-BE49-F238E27FC236}">
+                <a16:creationId xmlns:a16="http://schemas.microsoft.com/office/drawing/2014/main" id="{C6684BBC-A274-4B39-C2DA-C5D52A36E2AB}"/>
+              </a:ext>
+            </a:extLst>
+          </p:cNvPr>
+          <p:cNvSpPr txBox="1"/>
+          <p:nvPr/>
+        </p:nvSpPr>
+        <p:spPr>
+          <a:xfrm>
+            <a:off x="631592" y="2779695"/>
+            <a:ext cx="4369636" cy="307777"/>
+          </a:xfrm>
+          <a:prstGeom prst="rect">
+            <a:avLst/>
+          </a:prstGeom>
+          <a:noFill/>
+        </p:spPr>
+        <p:txBody>
+          <a:bodyPr wrap="square">
+            <a:spAutoFit/>
+          </a:bodyPr>
+          <a:lstStyle/>
+          <a:p>
+            <a:pPr marL="285750" indent="-285750" algn="just">
+              <a:buFont typeface="Arial" panose="020B0604020202020204" pitchFamily="34" charset="0"/>
+              <a:buChar char="•"/>
+            </a:pPr>
+            <a:r>
+              <a:rPr lang="pt-BR" b="1" dirty="0"/>
+              <a:t>Quantidade e configuração de splitters</a:t>
+            </a:r>
+          </a:p>
+        </p:txBody>
+      </p:sp>
+      <p:sp>
+        <p:nvSpPr>
+          <p:cNvPr id="17" name="TextBox 16">
+            <a:extLst>
+              <a:ext uri="{FF2B5EF4-FFF2-40B4-BE49-F238E27FC236}">
+                <a16:creationId xmlns:a16="http://schemas.microsoft.com/office/drawing/2014/main" id="{543D62B4-FCFC-A582-852C-1666993DD23F}"/>
+              </a:ext>
+            </a:extLst>
+          </p:cNvPr>
+          <p:cNvSpPr txBox="1"/>
+          <p:nvPr/>
+        </p:nvSpPr>
+        <p:spPr>
+          <a:xfrm>
+            <a:off x="631592" y="3087472"/>
+            <a:ext cx="4369636" cy="307777"/>
+          </a:xfrm>
+          <a:prstGeom prst="rect">
+            <a:avLst/>
+          </a:prstGeom>
+          <a:noFill/>
+        </p:spPr>
+        <p:txBody>
+          <a:bodyPr wrap="square">
+            <a:spAutoFit/>
+          </a:bodyPr>
+          <a:lstStyle/>
+          <a:p>
+            <a:pPr marL="285750" indent="-285750" algn="just">
+              <a:buFont typeface="Arial" panose="020B0604020202020204" pitchFamily="34" charset="0"/>
+              <a:buChar char="•"/>
+            </a:pPr>
+            <a:r>
+              <a:rPr lang="pt-BR" b="1" dirty="0"/>
+              <a:t>Perdas </a:t>
+            </a:r>
+            <a:r>
+              <a:rPr lang="pt-BR" b="1" dirty="0">
+                <a:solidFill>
+                  <a:srgbClr val="FF0000"/>
+                </a:solidFill>
+              </a:rPr>
+              <a:t>(ditada pela quantidade de células)</a:t>
+            </a:r>
+          </a:p>
+        </p:txBody>
+      </p:sp>
+    </p:spTree>
+    <p:extLst>
+      <p:ext uri="{BB962C8B-B14F-4D97-AF65-F5344CB8AC3E}">
+        <p14:creationId xmlns:p14="http://schemas.microsoft.com/office/powerpoint/2010/main" val="2028039462"/>
+      </p:ext>
+    </p:extLst>
+  </p:cSld>
+  <p:clrMapOvr>
+    <a:masterClrMapping/>
+  </p:clrMapOvr>
+</p:sld>
+</file>
+
+<file path=ppt/slides/slide22.xml><?xml version="1.0" encoding="utf-8"?>
+<p:sld xmlns:a="http://schemas.openxmlformats.org/drawingml/2006/main" xmlns:r="http://schemas.openxmlformats.org/officeDocument/2006/relationships" xmlns:p="http://schemas.openxmlformats.org/presentationml/2006/main">
+  <p:cSld>
+    <p:spTree>
+      <p:nvGrpSpPr>
+        <p:cNvPr id="1" name=""/>
+        <p:cNvGrpSpPr/>
+        <p:nvPr/>
+      </p:nvGrpSpPr>
+      <p:grpSpPr>
+        <a:xfrm>
+          <a:off x="0" y="0"/>
+          <a:ext cx="0" cy="0"/>
+          <a:chOff x="0" y="0"/>
+          <a:chExt cx="0" cy="0"/>
+        </a:xfrm>
+      </p:grpSpPr>
+      <p:sp>
+        <p:nvSpPr>
+          <p:cNvPr id="4" name="Slide Number Placeholder 3">
+            <a:extLst>
+              <a:ext uri="{FF2B5EF4-FFF2-40B4-BE49-F238E27FC236}">
+                <a16:creationId xmlns:a16="http://schemas.microsoft.com/office/drawing/2014/main" id="{DD6D8166-12CE-09CD-18CF-427B82E9A196}"/>
+              </a:ext>
+            </a:extLst>
+          </p:cNvPr>
+          <p:cNvSpPr>
+            <a:spLocks noGrp="1" noRot="1" noMove="1" noResize="1" noEditPoints="1" noAdjustHandles="1" noChangeArrowheads="1" noChangeShapeType="1"/>
+          </p:cNvSpPr>
+          <p:nvPr>
+            <p:ph type="sldNum" idx="12"/>
+          </p:nvPr>
+        </p:nvSpPr>
+        <p:spPr/>
+        <p:txBody>
+          <a:bodyPr/>
+          <a:lstStyle/>
+          <a:p>
+            <a:pPr marL="0" lvl="0" indent="0" algn="r" rtl="0">
+              <a:spcBef>
+                <a:spcPts val="0"/>
+              </a:spcBef>
+              <a:spcAft>
+                <a:spcPts val="0"/>
+              </a:spcAft>
+              <a:buNone/>
+            </a:pPr>
+            <a:fld id="{00000000-1234-1234-1234-123412341234}" type="slidenum">
+              <a:rPr lang="pt-BR" smtClean="0"/>
+              <a:t>22</a:t>
+            </a:fld>
+            <a:endParaRPr lang="pt-BR" dirty="0"/>
+          </a:p>
+        </p:txBody>
+      </p:sp>
+      <p:sp>
+        <p:nvSpPr>
+          <p:cNvPr id="11" name="Google Shape;395;p45">
+            <a:extLst>
+              <a:ext uri="{FF2B5EF4-FFF2-40B4-BE49-F238E27FC236}">
+                <a16:creationId xmlns:a16="http://schemas.microsoft.com/office/drawing/2014/main" id="{5097425B-F07C-BEF9-9436-BDE5F00B62EE}"/>
+              </a:ext>
+            </a:extLst>
+          </p:cNvPr>
+          <p:cNvSpPr txBox="1">
+            <a:spLocks/>
+          </p:cNvSpPr>
+          <p:nvPr/>
+        </p:nvSpPr>
+        <p:spPr>
+          <a:xfrm>
+            <a:off x="0" y="0"/>
+            <a:ext cx="8832300" cy="575700"/>
+          </a:xfrm>
+          <a:prstGeom prst="rect">
+            <a:avLst/>
+          </a:prstGeom>
+          <a:noFill/>
+          <a:ln>
+            <a:noFill/>
+          </a:ln>
+        </p:spPr>
+        <p:txBody>
+          <a:bodyPr spcFirstLastPara="1" wrap="square" lIns="91425" tIns="91425" rIns="91425" bIns="91425" anchor="b" anchorCtr="0">
+            <a:normAutofit fontScale="97500"/>
+          </a:bodyPr>
+          <a:lstStyle>
+            <a:defPPr marR="0" lvl="0" algn="l" rtl="0">
+              <a:lnSpc>
+                <a:spcPct val="100000"/>
+              </a:lnSpc>
+              <a:spcBef>
+                <a:spcPts val="0"/>
+              </a:spcBef>
+              <a:spcAft>
+                <a:spcPts val="0"/>
+              </a:spcAft>
+            </a:defPPr>
+            <a:lvl1pPr marR="0" lvl="0" algn="l" rtl="0">
+              <a:lnSpc>
+                <a:spcPct val="100000"/>
+              </a:lnSpc>
+              <a:spcBef>
+                <a:spcPts val="0"/>
+              </a:spcBef>
+              <a:spcAft>
+                <a:spcPts val="0"/>
+              </a:spcAft>
+              <a:buClr>
+                <a:schemeClr val="dk1"/>
+              </a:buClr>
+              <a:buSzPts val="2800"/>
+              <a:buFont typeface="Arial"/>
+              <a:buNone/>
+              <a:defRPr sz="2800" b="0" i="0" u="none" strike="noStrike" cap="none">
+                <a:solidFill>
+                  <a:schemeClr val="dk1"/>
+                </a:solidFill>
+                <a:latin typeface="Arial"/>
+                <a:ea typeface="Arial"/>
+                <a:cs typeface="Arial"/>
+                <a:sym typeface="Arial"/>
+              </a:defRPr>
+            </a:lvl1pPr>
+            <a:lvl2pPr marR="0" lvl="1" algn="l" rtl="0">
+              <a:lnSpc>
+                <a:spcPct val="100000"/>
+              </a:lnSpc>
+              <a:spcBef>
+                <a:spcPts val="0"/>
+              </a:spcBef>
+              <a:spcAft>
+                <a:spcPts val="0"/>
+              </a:spcAft>
+              <a:buClr>
+                <a:schemeClr val="dk1"/>
+              </a:buClr>
+              <a:buSzPts val="2800"/>
+              <a:buFont typeface="Arial"/>
+              <a:buNone/>
+              <a:defRPr sz="2800" b="0" i="0" u="none" strike="noStrike" cap="none">
+                <a:solidFill>
+                  <a:schemeClr val="dk1"/>
+                </a:solidFill>
+                <a:latin typeface="Arial"/>
+                <a:ea typeface="Arial"/>
+                <a:cs typeface="Arial"/>
+                <a:sym typeface="Arial"/>
+              </a:defRPr>
+            </a:lvl2pPr>
+            <a:lvl3pPr marR="0" lvl="2" algn="l" rtl="0">
+              <a:lnSpc>
+                <a:spcPct val="100000"/>
+              </a:lnSpc>
+              <a:spcBef>
+                <a:spcPts val="0"/>
+              </a:spcBef>
+              <a:spcAft>
+                <a:spcPts val="0"/>
+              </a:spcAft>
+              <a:buClr>
+                <a:schemeClr val="dk1"/>
+              </a:buClr>
+              <a:buSzPts val="2800"/>
+              <a:buFont typeface="Arial"/>
+              <a:buNone/>
+              <a:defRPr sz="2800" b="0" i="0" u="none" strike="noStrike" cap="none">
+                <a:solidFill>
+                  <a:schemeClr val="dk1"/>
+                </a:solidFill>
+                <a:latin typeface="Arial"/>
+                <a:ea typeface="Arial"/>
+                <a:cs typeface="Arial"/>
+                <a:sym typeface="Arial"/>
+              </a:defRPr>
+            </a:lvl3pPr>
+            <a:lvl4pPr marR="0" lvl="3" algn="l" rtl="0">
+              <a:lnSpc>
+                <a:spcPct val="100000"/>
+              </a:lnSpc>
+              <a:spcBef>
+                <a:spcPts val="0"/>
+              </a:spcBef>
+              <a:spcAft>
+                <a:spcPts val="0"/>
+              </a:spcAft>
+              <a:buClr>
+                <a:schemeClr val="dk1"/>
+              </a:buClr>
+              <a:buSzPts val="2800"/>
+              <a:buFont typeface="Arial"/>
+              <a:buNone/>
+              <a:defRPr sz="2800" b="0" i="0" u="none" strike="noStrike" cap="none">
+                <a:solidFill>
+                  <a:schemeClr val="dk1"/>
+                </a:solidFill>
+                <a:latin typeface="Arial"/>
+                <a:ea typeface="Arial"/>
+                <a:cs typeface="Arial"/>
+                <a:sym typeface="Arial"/>
+              </a:defRPr>
+            </a:lvl4pPr>
+            <a:lvl5pPr marR="0" lvl="4" algn="l" rtl="0">
+              <a:lnSpc>
+                <a:spcPct val="100000"/>
+              </a:lnSpc>
+              <a:spcBef>
+                <a:spcPts val="0"/>
+              </a:spcBef>
+              <a:spcAft>
+                <a:spcPts val="0"/>
+              </a:spcAft>
+              <a:buClr>
+                <a:schemeClr val="dk1"/>
+              </a:buClr>
+              <a:buSzPts val="2800"/>
+              <a:buFont typeface="Arial"/>
+              <a:buNone/>
+              <a:defRPr sz="2800" b="0" i="0" u="none" strike="noStrike" cap="none">
+                <a:solidFill>
+                  <a:schemeClr val="dk1"/>
+                </a:solidFill>
+                <a:latin typeface="Arial"/>
+                <a:ea typeface="Arial"/>
+                <a:cs typeface="Arial"/>
+                <a:sym typeface="Arial"/>
+              </a:defRPr>
+            </a:lvl5pPr>
+            <a:lvl6pPr marR="0" lvl="5" algn="l" rtl="0">
+              <a:lnSpc>
+                <a:spcPct val="100000"/>
+              </a:lnSpc>
+              <a:spcBef>
+                <a:spcPts val="0"/>
+              </a:spcBef>
+              <a:spcAft>
+                <a:spcPts val="0"/>
+              </a:spcAft>
+              <a:buClr>
+                <a:schemeClr val="dk1"/>
+              </a:buClr>
+              <a:buSzPts val="2800"/>
+              <a:buFont typeface="Arial"/>
+              <a:buNone/>
+              <a:defRPr sz="2800" b="0" i="0" u="none" strike="noStrike" cap="none">
+                <a:solidFill>
+                  <a:schemeClr val="dk1"/>
+                </a:solidFill>
+                <a:latin typeface="Arial"/>
+                <a:ea typeface="Arial"/>
+                <a:cs typeface="Arial"/>
+                <a:sym typeface="Arial"/>
+              </a:defRPr>
+            </a:lvl6pPr>
+            <a:lvl7pPr marR="0" lvl="6" algn="l" rtl="0">
+              <a:lnSpc>
+                <a:spcPct val="100000"/>
+              </a:lnSpc>
+              <a:spcBef>
+                <a:spcPts val="0"/>
+              </a:spcBef>
+              <a:spcAft>
+                <a:spcPts val="0"/>
+              </a:spcAft>
+              <a:buClr>
+                <a:schemeClr val="dk1"/>
+              </a:buClr>
+              <a:buSzPts val="2800"/>
+              <a:buFont typeface="Arial"/>
+              <a:buNone/>
+              <a:defRPr sz="2800" b="0" i="0" u="none" strike="noStrike" cap="none">
+                <a:solidFill>
+                  <a:schemeClr val="dk1"/>
+                </a:solidFill>
+                <a:latin typeface="Arial"/>
+                <a:ea typeface="Arial"/>
+                <a:cs typeface="Arial"/>
+                <a:sym typeface="Arial"/>
+              </a:defRPr>
+            </a:lvl7pPr>
+            <a:lvl8pPr marR="0" lvl="7" algn="l" rtl="0">
+              <a:lnSpc>
+                <a:spcPct val="100000"/>
+              </a:lnSpc>
+              <a:spcBef>
+                <a:spcPts val="0"/>
+              </a:spcBef>
+              <a:spcAft>
+                <a:spcPts val="0"/>
+              </a:spcAft>
+              <a:buClr>
+                <a:schemeClr val="dk1"/>
+              </a:buClr>
+              <a:buSzPts val="2800"/>
+              <a:buFont typeface="Arial"/>
+              <a:buNone/>
+              <a:defRPr sz="2800" b="0" i="0" u="none" strike="noStrike" cap="none">
+                <a:solidFill>
+                  <a:schemeClr val="dk1"/>
+                </a:solidFill>
+                <a:latin typeface="Arial"/>
+                <a:ea typeface="Arial"/>
+                <a:cs typeface="Arial"/>
+                <a:sym typeface="Arial"/>
+              </a:defRPr>
+            </a:lvl8pPr>
+            <a:lvl9pPr marR="0" lvl="8" algn="l" rtl="0">
+              <a:lnSpc>
+                <a:spcPct val="100000"/>
+              </a:lnSpc>
+              <a:spcBef>
+                <a:spcPts val="0"/>
+              </a:spcBef>
+              <a:spcAft>
+                <a:spcPts val="0"/>
+              </a:spcAft>
+              <a:buClr>
+                <a:schemeClr val="dk1"/>
+              </a:buClr>
+              <a:buSzPts val="2800"/>
+              <a:buFont typeface="Arial"/>
+              <a:buNone/>
+              <a:defRPr sz="2800" b="0" i="0" u="none" strike="noStrike" cap="none">
+                <a:solidFill>
+                  <a:schemeClr val="dk1"/>
+                </a:solidFill>
+                <a:latin typeface="Arial"/>
+                <a:ea typeface="Arial"/>
+                <a:cs typeface="Arial"/>
+                <a:sym typeface="Arial"/>
+              </a:defRPr>
+            </a:lvl9pPr>
+          </a:lstStyle>
+          <a:p>
+            <a:endParaRPr lang="pt-BR" sz="2500" dirty="0">
+              <a:latin typeface="+mn-lt"/>
+            </a:endParaRPr>
+          </a:p>
+        </p:txBody>
+      </p:sp>
+      <p:sp>
+        <p:nvSpPr>
+          <p:cNvPr id="5" name="Google Shape;395;p45">
+            <a:extLst>
+              <a:ext uri="{FF2B5EF4-FFF2-40B4-BE49-F238E27FC236}">
+                <a16:creationId xmlns:a16="http://schemas.microsoft.com/office/drawing/2014/main" id="{CE936A9C-F6C6-E142-55DA-D47FCF15E24D}"/>
+              </a:ext>
+            </a:extLst>
+          </p:cNvPr>
+          <p:cNvSpPr txBox="1">
+            <a:spLocks/>
+          </p:cNvSpPr>
+          <p:nvPr/>
+        </p:nvSpPr>
+        <p:spPr>
+          <a:xfrm>
+            <a:off x="0" y="0"/>
+            <a:ext cx="8832300" cy="575700"/>
+          </a:xfrm>
+          <a:prstGeom prst="rect">
+            <a:avLst/>
+          </a:prstGeom>
+          <a:noFill/>
+          <a:ln>
+            <a:noFill/>
+          </a:ln>
+        </p:spPr>
+        <p:txBody>
+          <a:bodyPr spcFirstLastPara="1" wrap="square" lIns="91425" tIns="91425" rIns="91425" bIns="91425" anchor="b" anchorCtr="0">
+            <a:normAutofit fontScale="97500"/>
+          </a:bodyPr>
+          <a:lstStyle>
+            <a:defPPr marR="0" lvl="0" algn="l" rtl="0">
+              <a:lnSpc>
+                <a:spcPct val="100000"/>
+              </a:lnSpc>
+              <a:spcBef>
+                <a:spcPts val="0"/>
+              </a:spcBef>
+              <a:spcAft>
+                <a:spcPts val="0"/>
+              </a:spcAft>
+            </a:defPPr>
+            <a:lvl1pPr marR="0" lvl="0" algn="l" rtl="0">
+              <a:lnSpc>
+                <a:spcPct val="100000"/>
+              </a:lnSpc>
+              <a:spcBef>
+                <a:spcPts val="0"/>
+              </a:spcBef>
+              <a:spcAft>
+                <a:spcPts val="0"/>
+              </a:spcAft>
+              <a:buClr>
+                <a:schemeClr val="dk1"/>
+              </a:buClr>
+              <a:buSzPts val="2800"/>
+              <a:buFont typeface="Arial"/>
+              <a:buNone/>
+              <a:defRPr sz="2800" b="0" i="0" u="none" strike="noStrike" cap="none">
+                <a:solidFill>
+                  <a:schemeClr val="dk1"/>
+                </a:solidFill>
+                <a:latin typeface="Arial"/>
+                <a:ea typeface="Arial"/>
+                <a:cs typeface="Arial"/>
+                <a:sym typeface="Arial"/>
+              </a:defRPr>
+            </a:lvl1pPr>
+            <a:lvl2pPr marR="0" lvl="1" algn="l" rtl="0">
+              <a:lnSpc>
+                <a:spcPct val="100000"/>
+              </a:lnSpc>
+              <a:spcBef>
+                <a:spcPts val="0"/>
+              </a:spcBef>
+              <a:spcAft>
+                <a:spcPts val="0"/>
+              </a:spcAft>
+              <a:buClr>
+                <a:schemeClr val="dk1"/>
+              </a:buClr>
+              <a:buSzPts val="2800"/>
+              <a:buFont typeface="Arial"/>
+              <a:buNone/>
+              <a:defRPr sz="2800" b="0" i="0" u="none" strike="noStrike" cap="none">
+                <a:solidFill>
+                  <a:schemeClr val="dk1"/>
+                </a:solidFill>
+                <a:latin typeface="Arial"/>
+                <a:ea typeface="Arial"/>
+                <a:cs typeface="Arial"/>
+                <a:sym typeface="Arial"/>
+              </a:defRPr>
+            </a:lvl2pPr>
+            <a:lvl3pPr marR="0" lvl="2" algn="l" rtl="0">
+              <a:lnSpc>
+                <a:spcPct val="100000"/>
+              </a:lnSpc>
+              <a:spcBef>
+                <a:spcPts val="0"/>
+              </a:spcBef>
+              <a:spcAft>
+                <a:spcPts val="0"/>
+              </a:spcAft>
+              <a:buClr>
+                <a:schemeClr val="dk1"/>
+              </a:buClr>
+              <a:buSzPts val="2800"/>
+              <a:buFont typeface="Arial"/>
+              <a:buNone/>
+              <a:defRPr sz="2800" b="0" i="0" u="none" strike="noStrike" cap="none">
+                <a:solidFill>
+                  <a:schemeClr val="dk1"/>
+                </a:solidFill>
+                <a:latin typeface="Arial"/>
+                <a:ea typeface="Arial"/>
+                <a:cs typeface="Arial"/>
+                <a:sym typeface="Arial"/>
+              </a:defRPr>
+            </a:lvl3pPr>
+            <a:lvl4pPr marR="0" lvl="3" algn="l" rtl="0">
+              <a:lnSpc>
+                <a:spcPct val="100000"/>
+              </a:lnSpc>
+              <a:spcBef>
+                <a:spcPts val="0"/>
+              </a:spcBef>
+              <a:spcAft>
+                <a:spcPts val="0"/>
+              </a:spcAft>
+              <a:buClr>
+                <a:schemeClr val="dk1"/>
+              </a:buClr>
+              <a:buSzPts val="2800"/>
+              <a:buFont typeface="Arial"/>
+              <a:buNone/>
+              <a:defRPr sz="2800" b="0" i="0" u="none" strike="noStrike" cap="none">
+                <a:solidFill>
+                  <a:schemeClr val="dk1"/>
+                </a:solidFill>
+                <a:latin typeface="Arial"/>
+                <a:ea typeface="Arial"/>
+                <a:cs typeface="Arial"/>
+                <a:sym typeface="Arial"/>
+              </a:defRPr>
+            </a:lvl4pPr>
+            <a:lvl5pPr marR="0" lvl="4" algn="l" rtl="0">
+              <a:lnSpc>
+                <a:spcPct val="100000"/>
+              </a:lnSpc>
+              <a:spcBef>
+                <a:spcPts val="0"/>
+              </a:spcBef>
+              <a:spcAft>
+                <a:spcPts val="0"/>
+              </a:spcAft>
+              <a:buClr>
+                <a:schemeClr val="dk1"/>
+              </a:buClr>
+              <a:buSzPts val="2800"/>
+              <a:buFont typeface="Arial"/>
+              <a:buNone/>
+              <a:defRPr sz="2800" b="0" i="0" u="none" strike="noStrike" cap="none">
+                <a:solidFill>
+                  <a:schemeClr val="dk1"/>
+                </a:solidFill>
+                <a:latin typeface="Arial"/>
+                <a:ea typeface="Arial"/>
+                <a:cs typeface="Arial"/>
+                <a:sym typeface="Arial"/>
+              </a:defRPr>
+            </a:lvl5pPr>
+            <a:lvl6pPr marR="0" lvl="5" algn="l" rtl="0">
+              <a:lnSpc>
+                <a:spcPct val="100000"/>
+              </a:lnSpc>
+              <a:spcBef>
+                <a:spcPts val="0"/>
+              </a:spcBef>
+              <a:spcAft>
+                <a:spcPts val="0"/>
+              </a:spcAft>
+              <a:buClr>
+                <a:schemeClr val="dk1"/>
+              </a:buClr>
+              <a:buSzPts val="2800"/>
+              <a:buFont typeface="Arial"/>
+              <a:buNone/>
+              <a:defRPr sz="2800" b="0" i="0" u="none" strike="noStrike" cap="none">
+                <a:solidFill>
+                  <a:schemeClr val="dk1"/>
+                </a:solidFill>
+                <a:latin typeface="Arial"/>
+                <a:ea typeface="Arial"/>
+                <a:cs typeface="Arial"/>
+                <a:sym typeface="Arial"/>
+              </a:defRPr>
+            </a:lvl6pPr>
+            <a:lvl7pPr marR="0" lvl="6" algn="l" rtl="0">
+              <a:lnSpc>
+                <a:spcPct val="100000"/>
+              </a:lnSpc>
+              <a:spcBef>
+                <a:spcPts val="0"/>
+              </a:spcBef>
+              <a:spcAft>
+                <a:spcPts val="0"/>
+              </a:spcAft>
+              <a:buClr>
+                <a:schemeClr val="dk1"/>
+              </a:buClr>
+              <a:buSzPts val="2800"/>
+              <a:buFont typeface="Arial"/>
+              <a:buNone/>
+              <a:defRPr sz="2800" b="0" i="0" u="none" strike="noStrike" cap="none">
+                <a:solidFill>
+                  <a:schemeClr val="dk1"/>
+                </a:solidFill>
+                <a:latin typeface="Arial"/>
+                <a:ea typeface="Arial"/>
+                <a:cs typeface="Arial"/>
+                <a:sym typeface="Arial"/>
+              </a:defRPr>
+            </a:lvl7pPr>
+            <a:lvl8pPr marR="0" lvl="7" algn="l" rtl="0">
+              <a:lnSpc>
+                <a:spcPct val="100000"/>
+              </a:lnSpc>
+              <a:spcBef>
+                <a:spcPts val="0"/>
+              </a:spcBef>
+              <a:spcAft>
+                <a:spcPts val="0"/>
+              </a:spcAft>
+              <a:buClr>
+                <a:schemeClr val="dk1"/>
+              </a:buClr>
+              <a:buSzPts val="2800"/>
+              <a:buFont typeface="Arial"/>
+              <a:buNone/>
+              <a:defRPr sz="2800" b="0" i="0" u="none" strike="noStrike" cap="none">
+                <a:solidFill>
+                  <a:schemeClr val="dk1"/>
+                </a:solidFill>
+                <a:latin typeface="Arial"/>
+                <a:ea typeface="Arial"/>
+                <a:cs typeface="Arial"/>
+                <a:sym typeface="Arial"/>
+              </a:defRPr>
+            </a:lvl8pPr>
+            <a:lvl9pPr marR="0" lvl="8" algn="l" rtl="0">
+              <a:lnSpc>
+                <a:spcPct val="100000"/>
+              </a:lnSpc>
+              <a:spcBef>
+                <a:spcPts val="0"/>
+              </a:spcBef>
+              <a:spcAft>
+                <a:spcPts val="0"/>
+              </a:spcAft>
+              <a:buClr>
+                <a:schemeClr val="dk1"/>
+              </a:buClr>
+              <a:buSzPts val="2800"/>
+              <a:buFont typeface="Arial"/>
+              <a:buNone/>
+              <a:defRPr sz="2800" b="0" i="0" u="none" strike="noStrike" cap="none">
+                <a:solidFill>
+                  <a:schemeClr val="dk1"/>
+                </a:solidFill>
+                <a:latin typeface="Arial"/>
+                <a:ea typeface="Arial"/>
+                <a:cs typeface="Arial"/>
+                <a:sym typeface="Arial"/>
+              </a:defRPr>
+            </a:lvl9pPr>
+          </a:lstStyle>
+          <a:p>
+            <a:r>
+              <a:rPr lang="pt-BR" sz="2500" dirty="0">
+                <a:latin typeface="+mn-lt"/>
+              </a:rPr>
+              <a:t>Comparação entre modelos de NN: Número de Splitters</a:t>
+            </a:r>
+          </a:p>
+        </p:txBody>
+      </p:sp>
+      <p:pic>
+        <p:nvPicPr>
+          <p:cNvPr id="2" name="Picture 1">
+            <a:extLst>
+              <a:ext uri="{FF2B5EF4-FFF2-40B4-BE49-F238E27FC236}">
+                <a16:creationId xmlns:a16="http://schemas.microsoft.com/office/drawing/2014/main" id="{773AFAF0-8E56-8083-07BF-F32450ABBF48}"/>
+              </a:ext>
+            </a:extLst>
+          </p:cNvPr>
+          <p:cNvPicPr>
+            <a:picLocks noChangeAspect="1"/>
+          </p:cNvPicPr>
+          <p:nvPr/>
+        </p:nvPicPr>
+        <p:blipFill rotWithShape="1">
+          <a:blip r:embed="rId2"/>
+          <a:srcRect l="14268" t="5786" r="33531" b="57797"/>
+          <a:stretch/>
+        </p:blipFill>
+        <p:spPr>
+          <a:xfrm>
+            <a:off x="361627" y="3104419"/>
+            <a:ext cx="3345069" cy="1558798"/>
+          </a:xfrm>
+          <a:prstGeom prst="rect">
+            <a:avLst/>
+          </a:prstGeom>
+        </p:spPr>
+      </p:pic>
+      <p:sp>
+        <p:nvSpPr>
+          <p:cNvPr id="6" name="TextBox 5">
+            <a:extLst>
+              <a:ext uri="{FF2B5EF4-FFF2-40B4-BE49-F238E27FC236}">
+                <a16:creationId xmlns:a16="http://schemas.microsoft.com/office/drawing/2014/main" id="{B2163C58-FAEE-87FF-2A80-6DC305896E8A}"/>
+              </a:ext>
+            </a:extLst>
+          </p:cNvPr>
+          <p:cNvSpPr txBox="1"/>
+          <p:nvPr/>
+        </p:nvSpPr>
+        <p:spPr>
+          <a:xfrm>
+            <a:off x="361627" y="864870"/>
+            <a:ext cx="8190548" cy="954107"/>
+          </a:xfrm>
+          <a:prstGeom prst="rect">
+            <a:avLst/>
+          </a:prstGeom>
+          <a:noFill/>
+        </p:spPr>
+        <p:txBody>
+          <a:bodyPr wrap="square" rtlCol="0">
+            <a:spAutoFit/>
+          </a:bodyPr>
+          <a:lstStyle/>
+          <a:p>
+            <a:pPr algn="just"/>
+            <a:r>
+              <a:rPr lang="pt-BR" dirty="0"/>
+              <a:t>Em relação ao número de splitters </a:t>
+            </a:r>
+            <a:r>
+              <a:rPr lang="pt-BR" b="1" dirty="0"/>
+              <a:t>na entrada </a:t>
+            </a:r>
+            <a:r>
+              <a:rPr lang="pt-BR" dirty="0"/>
+              <a:t>da topologia, é necessário observar pela aplicação. Em um circuito fotônico programável, desconsiderando a utilização de um HPB (</a:t>
+            </a:r>
+            <a:r>
+              <a:rPr lang="pt-BR" i="1" dirty="0"/>
+              <a:t>High Performance Block</a:t>
+            </a:r>
+            <a:r>
+              <a:rPr lang="pt-BR" dirty="0"/>
+              <a:t>), como as divisões são feitas a partir de um MZI em modo coupler, deve limitar-se somente a utilizar conjuntos de </a:t>
+            </a:r>
+            <a:r>
+              <a:rPr lang="pt-BR" b="1" dirty="0"/>
+              <a:t>splitters 1:2</a:t>
+            </a:r>
+            <a:r>
+              <a:rPr lang="pt-BR" dirty="0"/>
+              <a:t>.</a:t>
+            </a:r>
+            <a:endParaRPr lang="pt-BR" b="1" dirty="0"/>
+          </a:p>
+        </p:txBody>
+      </p:sp>
+      <mc:AlternateContent xmlns:mc="http://schemas.openxmlformats.org/markup-compatibility/2006" xmlns:a14="http://schemas.microsoft.com/office/drawing/2010/main">
+        <mc:Choice Requires="a14">
+          <p:sp>
+            <p:nvSpPr>
+              <p:cNvPr id="22" name="TextBox 21">
+                <a:extLst>
+                  <a:ext uri="{FF2B5EF4-FFF2-40B4-BE49-F238E27FC236}">
+                    <a16:creationId xmlns:a16="http://schemas.microsoft.com/office/drawing/2014/main" id="{193651C2-0AEE-4AE7-58B2-AB7F0B7C6B67}"/>
+                  </a:ext>
+                </a:extLst>
+              </p:cNvPr>
+              <p:cNvSpPr txBox="1"/>
+              <p:nvPr/>
+            </p:nvSpPr>
+            <p:spPr>
+              <a:xfrm>
+                <a:off x="361627" y="2048530"/>
+                <a:ext cx="8190548" cy="523220"/>
+              </a:xfrm>
+              <a:prstGeom prst="rect">
+                <a:avLst/>
+              </a:prstGeom>
+              <a:noFill/>
+            </p:spPr>
+            <p:txBody>
+              <a:bodyPr wrap="square" rtlCol="0">
+                <a:spAutoFit/>
+              </a:bodyPr>
+              <a:lstStyle/>
+              <a:p>
+                <a:pPr algn="just"/>
+                <a:r>
+                  <a:rPr lang="pt-BR" dirty="0"/>
+                  <a:t>Dessa forma, é interessante representar um splitter 1:N como um conjunto de splitters 1:2, quantificando </a:t>
+                </a:r>
+                <a14:m>
+                  <m:oMath xmlns:m="http://schemas.openxmlformats.org/officeDocument/2006/math">
+                    <m:r>
+                      <a:rPr lang="pt-BR" i="1" dirty="0" smtClean="0">
+                        <a:latin typeface="Cambria Math" panose="02040503050406030204" pitchFamily="18" charset="0"/>
+                      </a:rPr>
+                      <m:t>𝑁</m:t>
+                    </m:r>
+                    <m:r>
+                      <a:rPr lang="pt-BR" i="1" dirty="0" smtClean="0">
+                        <a:latin typeface="Cambria Math" panose="02040503050406030204" pitchFamily="18" charset="0"/>
+                      </a:rPr>
+                      <m:t>−1</m:t>
+                    </m:r>
+                  </m:oMath>
+                </a14:m>
+                <a:r>
+                  <a:rPr lang="pt-BR" dirty="0"/>
+                  <a:t> splitters de entrada no total</a:t>
+                </a:r>
+                <a:endParaRPr lang="pt-BR" b="1" dirty="0"/>
+              </a:p>
+            </p:txBody>
+          </p:sp>
+        </mc:Choice>
+        <mc:Fallback xmlns="">
+          <p:sp>
+            <p:nvSpPr>
+              <p:cNvPr id="22" name="TextBox 21">
+                <a:extLst>
+                  <a:ext uri="{FF2B5EF4-FFF2-40B4-BE49-F238E27FC236}">
+                    <a16:creationId xmlns:a16="http://schemas.microsoft.com/office/drawing/2014/main" id="{193651C2-0AEE-4AE7-58B2-AB7F0B7C6B67}"/>
+                  </a:ext>
+                </a:extLst>
+              </p:cNvPr>
+              <p:cNvSpPr txBox="1">
+                <a:spLocks noRot="1" noChangeAspect="1" noMove="1" noResize="1" noEditPoints="1" noAdjustHandles="1" noChangeArrowheads="1" noChangeShapeType="1" noTextEdit="1"/>
+              </p:cNvSpPr>
+              <p:nvPr/>
+            </p:nvSpPr>
+            <p:spPr>
+              <a:xfrm>
+                <a:off x="361627" y="2048530"/>
+                <a:ext cx="8190548" cy="523220"/>
+              </a:xfrm>
+              <a:prstGeom prst="rect">
+                <a:avLst/>
+              </a:prstGeom>
+              <a:blipFill>
+                <a:blip r:embed="rId3"/>
+                <a:stretch>
+                  <a:fillRect l="-223" t="-2326" r="-223" b="-11628"/>
+                </a:stretch>
+              </a:blipFill>
+            </p:spPr>
+            <p:txBody>
+              <a:bodyPr/>
+              <a:lstStyle/>
+              <a:p>
+                <a:r>
+                  <a:rPr lang="pt-BR">
+                    <a:noFill/>
+                  </a:rPr>
+                  <a:t> </a:t>
+                </a:r>
+              </a:p>
+            </p:txBody>
+          </p:sp>
+        </mc:Fallback>
+      </mc:AlternateContent>
+      <p:pic>
+        <p:nvPicPr>
+          <p:cNvPr id="24" name="Picture 23">
+            <a:extLst>
+              <a:ext uri="{FF2B5EF4-FFF2-40B4-BE49-F238E27FC236}">
+                <a16:creationId xmlns:a16="http://schemas.microsoft.com/office/drawing/2014/main" id="{7E0636C6-BB33-7767-3111-48419E3C5B72}"/>
+              </a:ext>
+            </a:extLst>
+          </p:cNvPr>
+          <p:cNvPicPr>
+            <a:picLocks noChangeAspect="1"/>
+          </p:cNvPicPr>
+          <p:nvPr/>
+        </p:nvPicPr>
+        <p:blipFill>
+          <a:blip r:embed="rId4"/>
+          <a:stretch>
+            <a:fillRect/>
+          </a:stretch>
+        </p:blipFill>
+        <p:spPr>
+          <a:xfrm>
+            <a:off x="5207107" y="2753201"/>
+            <a:ext cx="2866339" cy="1756916"/>
+          </a:xfrm>
+          <a:prstGeom prst="rect">
+            <a:avLst/>
+          </a:prstGeom>
+        </p:spPr>
+      </p:pic>
+      <p:sp>
+        <p:nvSpPr>
+          <p:cNvPr id="25" name="TextBox 24">
+            <a:extLst>
+              <a:ext uri="{FF2B5EF4-FFF2-40B4-BE49-F238E27FC236}">
+                <a16:creationId xmlns:a16="http://schemas.microsoft.com/office/drawing/2014/main" id="{D10EFBCD-FFDD-4052-3E2B-BDF19FB21E9D}"/>
+              </a:ext>
+            </a:extLst>
+          </p:cNvPr>
+          <p:cNvSpPr txBox="1"/>
+          <p:nvPr/>
+        </p:nvSpPr>
+        <p:spPr>
+          <a:xfrm>
+            <a:off x="5062327" y="4414569"/>
+            <a:ext cx="3345068" cy="276999"/>
+          </a:xfrm>
+          <a:prstGeom prst="rect">
+            <a:avLst/>
+          </a:prstGeom>
+          <a:noFill/>
+        </p:spPr>
+        <p:txBody>
+          <a:bodyPr wrap="square" rtlCol="0">
+            <a:spAutoFit/>
+          </a:bodyPr>
+          <a:lstStyle/>
+          <a:p>
+            <a:r>
+              <a:rPr lang="pt-BR" sz="1200" b="1" dirty="0">
+                <a:latin typeface="+mj-lt"/>
+              </a:rPr>
+              <a:t>Splitter 1:8 representado por 7 splitters 1:2</a:t>
+            </a:r>
+            <a:endParaRPr lang="pt-BR" sz="1050" b="1" dirty="0">
+              <a:latin typeface="+mj-lt"/>
+            </a:endParaRPr>
+          </a:p>
+        </p:txBody>
+      </p:sp>
+    </p:spTree>
+    <p:extLst>
+      <p:ext uri="{BB962C8B-B14F-4D97-AF65-F5344CB8AC3E}">
+        <p14:creationId xmlns:p14="http://schemas.microsoft.com/office/powerpoint/2010/main" val="1212088725"/>
+      </p:ext>
+    </p:extLst>
+  </p:cSld>
+  <p:clrMapOvr>
+    <a:masterClrMapping/>
+  </p:clrMapOvr>
+</p:sld>
+</file>
+
+<file path=ppt/slides/slide23.xml><?xml version="1.0" encoding="utf-8"?>
+<p:sld xmlns:a="http://schemas.openxmlformats.org/drawingml/2006/main" xmlns:r="http://schemas.openxmlformats.org/officeDocument/2006/relationships" xmlns:p="http://schemas.openxmlformats.org/presentationml/2006/main">
+  <p:cSld>
+    <p:spTree>
+      <p:nvGrpSpPr>
+        <p:cNvPr id="1" name=""/>
+        <p:cNvGrpSpPr/>
+        <p:nvPr/>
+      </p:nvGrpSpPr>
+      <p:grpSpPr>
+        <a:xfrm>
+          <a:off x="0" y="0"/>
+          <a:ext cx="0" cy="0"/>
+          <a:chOff x="0" y="0"/>
+          <a:chExt cx="0" cy="0"/>
+        </a:xfrm>
+      </p:grpSpPr>
+      <p:sp>
+        <p:nvSpPr>
+          <p:cNvPr id="4" name="Slide Number Placeholder 3">
+            <a:extLst>
+              <a:ext uri="{FF2B5EF4-FFF2-40B4-BE49-F238E27FC236}">
+                <a16:creationId xmlns:a16="http://schemas.microsoft.com/office/drawing/2014/main" id="{DD6D8166-12CE-09CD-18CF-427B82E9A196}"/>
+              </a:ext>
+            </a:extLst>
+          </p:cNvPr>
+          <p:cNvSpPr>
+            <a:spLocks noGrp="1" noRot="1" noMove="1" noResize="1" noEditPoints="1" noAdjustHandles="1" noChangeArrowheads="1" noChangeShapeType="1"/>
+          </p:cNvSpPr>
+          <p:nvPr>
+            <p:ph type="sldNum" idx="12"/>
+          </p:nvPr>
+        </p:nvSpPr>
+        <p:spPr/>
+        <p:txBody>
+          <a:bodyPr/>
+          <a:lstStyle/>
+          <a:p>
+            <a:pPr marL="0" lvl="0" indent="0" algn="r" rtl="0">
+              <a:spcBef>
+                <a:spcPts val="0"/>
+              </a:spcBef>
+              <a:spcAft>
+                <a:spcPts val="0"/>
+              </a:spcAft>
+              <a:buNone/>
+            </a:pPr>
+            <a:fld id="{00000000-1234-1234-1234-123412341234}" type="slidenum">
+              <a:rPr lang="pt-BR" smtClean="0"/>
+              <a:t>23</a:t>
+            </a:fld>
+            <a:endParaRPr lang="pt-BR" dirty="0"/>
+          </a:p>
+        </p:txBody>
+      </p:sp>
+      <p:sp>
+        <p:nvSpPr>
+          <p:cNvPr id="11" name="Google Shape;395;p45">
+            <a:extLst>
+              <a:ext uri="{FF2B5EF4-FFF2-40B4-BE49-F238E27FC236}">
+                <a16:creationId xmlns:a16="http://schemas.microsoft.com/office/drawing/2014/main" id="{5097425B-F07C-BEF9-9436-BDE5F00B62EE}"/>
+              </a:ext>
+            </a:extLst>
+          </p:cNvPr>
+          <p:cNvSpPr txBox="1">
+            <a:spLocks/>
+          </p:cNvSpPr>
+          <p:nvPr/>
+        </p:nvSpPr>
+        <p:spPr>
+          <a:xfrm>
+            <a:off x="0" y="0"/>
+            <a:ext cx="8832300" cy="575700"/>
+          </a:xfrm>
+          <a:prstGeom prst="rect">
+            <a:avLst/>
+          </a:prstGeom>
+          <a:noFill/>
+          <a:ln>
+            <a:noFill/>
+          </a:ln>
+        </p:spPr>
+        <p:txBody>
+          <a:bodyPr spcFirstLastPara="1" wrap="square" lIns="91425" tIns="91425" rIns="91425" bIns="91425" anchor="b" anchorCtr="0">
+            <a:normAutofit fontScale="97500"/>
+          </a:bodyPr>
+          <a:lstStyle>
+            <a:defPPr marR="0" lvl="0" algn="l" rtl="0">
+              <a:lnSpc>
+                <a:spcPct val="100000"/>
+              </a:lnSpc>
+              <a:spcBef>
+                <a:spcPts val="0"/>
+              </a:spcBef>
+              <a:spcAft>
+                <a:spcPts val="0"/>
+              </a:spcAft>
+            </a:defPPr>
+            <a:lvl1pPr marR="0" lvl="0" algn="l" rtl="0">
+              <a:lnSpc>
+                <a:spcPct val="100000"/>
+              </a:lnSpc>
+              <a:spcBef>
+                <a:spcPts val="0"/>
+              </a:spcBef>
+              <a:spcAft>
+                <a:spcPts val="0"/>
+              </a:spcAft>
+              <a:buClr>
+                <a:schemeClr val="dk1"/>
+              </a:buClr>
+              <a:buSzPts val="2800"/>
+              <a:buFont typeface="Arial"/>
+              <a:buNone/>
+              <a:defRPr sz="2800" b="0" i="0" u="none" strike="noStrike" cap="none">
+                <a:solidFill>
+                  <a:schemeClr val="dk1"/>
+                </a:solidFill>
+                <a:latin typeface="Arial"/>
+                <a:ea typeface="Arial"/>
+                <a:cs typeface="Arial"/>
+                <a:sym typeface="Arial"/>
+              </a:defRPr>
+            </a:lvl1pPr>
+            <a:lvl2pPr marR="0" lvl="1" algn="l" rtl="0">
+              <a:lnSpc>
+                <a:spcPct val="100000"/>
+              </a:lnSpc>
+              <a:spcBef>
+                <a:spcPts val="0"/>
+              </a:spcBef>
+              <a:spcAft>
+                <a:spcPts val="0"/>
+              </a:spcAft>
+              <a:buClr>
+                <a:schemeClr val="dk1"/>
+              </a:buClr>
+              <a:buSzPts val="2800"/>
+              <a:buFont typeface="Arial"/>
+              <a:buNone/>
+              <a:defRPr sz="2800" b="0" i="0" u="none" strike="noStrike" cap="none">
+                <a:solidFill>
+                  <a:schemeClr val="dk1"/>
+                </a:solidFill>
+                <a:latin typeface="Arial"/>
+                <a:ea typeface="Arial"/>
+                <a:cs typeface="Arial"/>
+                <a:sym typeface="Arial"/>
+              </a:defRPr>
+            </a:lvl2pPr>
+            <a:lvl3pPr marR="0" lvl="2" algn="l" rtl="0">
+              <a:lnSpc>
+                <a:spcPct val="100000"/>
+              </a:lnSpc>
+              <a:spcBef>
+                <a:spcPts val="0"/>
+              </a:spcBef>
+              <a:spcAft>
+                <a:spcPts val="0"/>
+              </a:spcAft>
+              <a:buClr>
+                <a:schemeClr val="dk1"/>
+              </a:buClr>
+              <a:buSzPts val="2800"/>
+              <a:buFont typeface="Arial"/>
+              <a:buNone/>
+              <a:defRPr sz="2800" b="0" i="0" u="none" strike="noStrike" cap="none">
+                <a:solidFill>
+                  <a:schemeClr val="dk1"/>
+                </a:solidFill>
+                <a:latin typeface="Arial"/>
+                <a:ea typeface="Arial"/>
+                <a:cs typeface="Arial"/>
+                <a:sym typeface="Arial"/>
+              </a:defRPr>
+            </a:lvl3pPr>
+            <a:lvl4pPr marR="0" lvl="3" algn="l" rtl="0">
+              <a:lnSpc>
+                <a:spcPct val="100000"/>
+              </a:lnSpc>
+              <a:spcBef>
+                <a:spcPts val="0"/>
+              </a:spcBef>
+              <a:spcAft>
+                <a:spcPts val="0"/>
+              </a:spcAft>
+              <a:buClr>
+                <a:schemeClr val="dk1"/>
+              </a:buClr>
+              <a:buSzPts val="2800"/>
+              <a:buFont typeface="Arial"/>
+              <a:buNone/>
+              <a:defRPr sz="2800" b="0" i="0" u="none" strike="noStrike" cap="none">
+                <a:solidFill>
+                  <a:schemeClr val="dk1"/>
+                </a:solidFill>
+                <a:latin typeface="Arial"/>
+                <a:ea typeface="Arial"/>
+                <a:cs typeface="Arial"/>
+                <a:sym typeface="Arial"/>
+              </a:defRPr>
+            </a:lvl4pPr>
+            <a:lvl5pPr marR="0" lvl="4" algn="l" rtl="0">
+              <a:lnSpc>
+                <a:spcPct val="100000"/>
+              </a:lnSpc>
+              <a:spcBef>
+                <a:spcPts val="0"/>
+              </a:spcBef>
+              <a:spcAft>
+                <a:spcPts val="0"/>
+              </a:spcAft>
+              <a:buClr>
+                <a:schemeClr val="dk1"/>
+              </a:buClr>
+              <a:buSzPts val="2800"/>
+              <a:buFont typeface="Arial"/>
+              <a:buNone/>
+              <a:defRPr sz="2800" b="0" i="0" u="none" strike="noStrike" cap="none">
+                <a:solidFill>
+                  <a:schemeClr val="dk1"/>
+                </a:solidFill>
+                <a:latin typeface="Arial"/>
+                <a:ea typeface="Arial"/>
+                <a:cs typeface="Arial"/>
+                <a:sym typeface="Arial"/>
+              </a:defRPr>
+            </a:lvl5pPr>
+            <a:lvl6pPr marR="0" lvl="5" algn="l" rtl="0">
+              <a:lnSpc>
+                <a:spcPct val="100000"/>
+              </a:lnSpc>
+              <a:spcBef>
+                <a:spcPts val="0"/>
+              </a:spcBef>
+              <a:spcAft>
+                <a:spcPts val="0"/>
+              </a:spcAft>
+              <a:buClr>
+                <a:schemeClr val="dk1"/>
+              </a:buClr>
+              <a:buSzPts val="2800"/>
+              <a:buFont typeface="Arial"/>
+              <a:buNone/>
+              <a:defRPr sz="2800" b="0" i="0" u="none" strike="noStrike" cap="none">
+                <a:solidFill>
+                  <a:schemeClr val="dk1"/>
+                </a:solidFill>
+                <a:latin typeface="Arial"/>
+                <a:ea typeface="Arial"/>
+                <a:cs typeface="Arial"/>
+                <a:sym typeface="Arial"/>
+              </a:defRPr>
+            </a:lvl6pPr>
+            <a:lvl7pPr marR="0" lvl="6" algn="l" rtl="0">
+              <a:lnSpc>
+                <a:spcPct val="100000"/>
+              </a:lnSpc>
+              <a:spcBef>
+                <a:spcPts val="0"/>
+              </a:spcBef>
+              <a:spcAft>
+                <a:spcPts val="0"/>
+              </a:spcAft>
+              <a:buClr>
+                <a:schemeClr val="dk1"/>
+              </a:buClr>
+              <a:buSzPts val="2800"/>
+              <a:buFont typeface="Arial"/>
+              <a:buNone/>
+              <a:defRPr sz="2800" b="0" i="0" u="none" strike="noStrike" cap="none">
+                <a:solidFill>
+                  <a:schemeClr val="dk1"/>
+                </a:solidFill>
+                <a:latin typeface="Arial"/>
+                <a:ea typeface="Arial"/>
+                <a:cs typeface="Arial"/>
+                <a:sym typeface="Arial"/>
+              </a:defRPr>
+            </a:lvl7pPr>
+            <a:lvl8pPr marR="0" lvl="7" algn="l" rtl="0">
+              <a:lnSpc>
+                <a:spcPct val="100000"/>
+              </a:lnSpc>
+              <a:spcBef>
+                <a:spcPts val="0"/>
+              </a:spcBef>
+              <a:spcAft>
+                <a:spcPts val="0"/>
+              </a:spcAft>
+              <a:buClr>
+                <a:schemeClr val="dk1"/>
+              </a:buClr>
+              <a:buSzPts val="2800"/>
+              <a:buFont typeface="Arial"/>
+              <a:buNone/>
+              <a:defRPr sz="2800" b="0" i="0" u="none" strike="noStrike" cap="none">
+                <a:solidFill>
+                  <a:schemeClr val="dk1"/>
+                </a:solidFill>
+                <a:latin typeface="Arial"/>
+                <a:ea typeface="Arial"/>
+                <a:cs typeface="Arial"/>
+                <a:sym typeface="Arial"/>
+              </a:defRPr>
+            </a:lvl8pPr>
+            <a:lvl9pPr marR="0" lvl="8" algn="l" rtl="0">
+              <a:lnSpc>
+                <a:spcPct val="100000"/>
+              </a:lnSpc>
+              <a:spcBef>
+                <a:spcPts val="0"/>
+              </a:spcBef>
+              <a:spcAft>
+                <a:spcPts val="0"/>
+              </a:spcAft>
+              <a:buClr>
+                <a:schemeClr val="dk1"/>
+              </a:buClr>
+              <a:buSzPts val="2800"/>
+              <a:buFont typeface="Arial"/>
+              <a:buNone/>
+              <a:defRPr sz="2800" b="0" i="0" u="none" strike="noStrike" cap="none">
+                <a:solidFill>
+                  <a:schemeClr val="dk1"/>
+                </a:solidFill>
+                <a:latin typeface="Arial"/>
+                <a:ea typeface="Arial"/>
+                <a:cs typeface="Arial"/>
+                <a:sym typeface="Arial"/>
+              </a:defRPr>
+            </a:lvl9pPr>
+          </a:lstStyle>
+          <a:p>
+            <a:endParaRPr lang="pt-BR" sz="2500" dirty="0">
+              <a:latin typeface="+mn-lt"/>
+            </a:endParaRPr>
+          </a:p>
+        </p:txBody>
+      </p:sp>
+      <p:pic>
+        <p:nvPicPr>
+          <p:cNvPr id="27" name="Picture 26">
+            <a:extLst>
+              <a:ext uri="{FF2B5EF4-FFF2-40B4-BE49-F238E27FC236}">
+                <a16:creationId xmlns:a16="http://schemas.microsoft.com/office/drawing/2014/main" id="{389A8D43-719F-3919-5BFA-E8AEE8599071}"/>
+              </a:ext>
+            </a:extLst>
+          </p:cNvPr>
+          <p:cNvPicPr>
+            <a:picLocks noChangeAspect="1"/>
+          </p:cNvPicPr>
+          <p:nvPr/>
+        </p:nvPicPr>
+        <p:blipFill>
+          <a:blip r:embed="rId2"/>
+          <a:stretch>
+            <a:fillRect/>
+          </a:stretch>
+        </p:blipFill>
+        <p:spPr>
+          <a:xfrm>
+            <a:off x="3590366" y="558631"/>
+            <a:ext cx="5082969" cy="1798435"/>
+          </a:xfrm>
+          <a:prstGeom prst="rect">
+            <a:avLst/>
+          </a:prstGeom>
+        </p:spPr>
+      </p:pic>
+      <p:grpSp>
+        <p:nvGrpSpPr>
+          <p:cNvPr id="39" name="Group 38">
+            <a:extLst>
+              <a:ext uri="{FF2B5EF4-FFF2-40B4-BE49-F238E27FC236}">
+                <a16:creationId xmlns:a16="http://schemas.microsoft.com/office/drawing/2014/main" id="{56D8C566-225C-7B18-5B3B-DA546B9EC718}"/>
+              </a:ext>
+            </a:extLst>
+          </p:cNvPr>
+          <p:cNvGrpSpPr>
+            <a:grpSpLocks noGrp="1" noUngrp="1" noRot="1" noMove="1" noResize="1"/>
+          </p:cNvGrpSpPr>
+          <p:nvPr/>
+        </p:nvGrpSpPr>
+        <p:grpSpPr>
+          <a:xfrm>
+            <a:off x="363048" y="797100"/>
+            <a:ext cx="3042781" cy="1576683"/>
+            <a:chOff x="363048" y="797100"/>
+            <a:chExt cx="3042781" cy="1576683"/>
+          </a:xfrm>
+        </p:grpSpPr>
+        <p:pic>
+          <p:nvPicPr>
+            <p:cNvPr id="21" name="Picture 20">
+              <a:extLst>
+                <a:ext uri="{FF2B5EF4-FFF2-40B4-BE49-F238E27FC236}">
+                  <a16:creationId xmlns:a16="http://schemas.microsoft.com/office/drawing/2014/main" id="{A1F81ACE-C481-F0D2-DD6D-0E97E6E56750}"/>
+                </a:ext>
+              </a:extLst>
+            </p:cNvPr>
+            <p:cNvPicPr>
+              <a:picLocks noGrp="1" noRot="1" noChangeAspect="1" noMove="1" noResize="1" noEditPoints="1" noAdjustHandles="1" noChangeArrowheads="1" noChangeShapeType="1" noCrop="1"/>
+            </p:cNvPicPr>
+            <p:nvPr/>
+          </p:nvPicPr>
+          <p:blipFill>
+            <a:blip r:embed="rId3"/>
+            <a:stretch>
+              <a:fillRect/>
+            </a:stretch>
+          </p:blipFill>
+          <p:spPr>
+            <a:xfrm>
+              <a:off x="363048" y="939563"/>
+              <a:ext cx="3042781" cy="1434220"/>
+            </a:xfrm>
+            <a:prstGeom prst="rect">
+              <a:avLst/>
+            </a:prstGeom>
+          </p:spPr>
+        </p:pic>
+        <p:grpSp>
+          <p:nvGrpSpPr>
+            <p:cNvPr id="38" name="Group 37">
+              <a:extLst>
+                <a:ext uri="{FF2B5EF4-FFF2-40B4-BE49-F238E27FC236}">
+                  <a16:creationId xmlns:a16="http://schemas.microsoft.com/office/drawing/2014/main" id="{5C421406-2AA6-96B5-C1FE-687376C07889}"/>
+                </a:ext>
+              </a:extLst>
+            </p:cNvPr>
+            <p:cNvGrpSpPr>
+              <a:grpSpLocks noGrp="1" noUngrp="1" noRot="1" noMove="1" noResize="1"/>
+            </p:cNvGrpSpPr>
+            <p:nvPr/>
+          </p:nvGrpSpPr>
+          <p:grpSpPr>
+            <a:xfrm>
+              <a:off x="470665" y="797100"/>
+              <a:ext cx="1192334" cy="1219473"/>
+              <a:chOff x="470665" y="797100"/>
+              <a:chExt cx="1192334" cy="1219473"/>
+            </a:xfrm>
+          </p:grpSpPr>
+          <mc:AlternateContent xmlns:mc="http://schemas.openxmlformats.org/markup-compatibility/2006" xmlns:a14="http://schemas.microsoft.com/office/drawing/2010/main">
+            <mc:Choice Requires="a14">
+              <p:sp>
+                <p:nvSpPr>
+                  <p:cNvPr id="28" name="TextBox 27">
+                    <a:extLst>
+                      <a:ext uri="{FF2B5EF4-FFF2-40B4-BE49-F238E27FC236}">
+                        <a16:creationId xmlns:a16="http://schemas.microsoft.com/office/drawing/2014/main" id="{BBB2C02E-9715-E017-BD85-891070EC95AC}"/>
+                      </a:ext>
+                    </a:extLst>
+                  </p:cNvPr>
+                  <p:cNvSpPr txBox="1">
+                    <a:spLocks noGrp="1" noRot="1" noMove="1" noResize="1" noEditPoints="1" noAdjustHandles="1" noChangeArrowheads="1" noChangeShapeType="1"/>
+                  </p:cNvSpPr>
+                  <p:nvPr/>
+                </p:nvSpPr>
+                <p:spPr>
+                  <a:xfrm>
+                    <a:off x="470665" y="1056600"/>
+                    <a:ext cx="360996" cy="276999"/>
+                  </a:xfrm>
+                  <a:prstGeom prst="rect">
+                    <a:avLst/>
+                  </a:prstGeom>
+                  <a:noFill/>
+                </p:spPr>
+                <p:txBody>
+                  <a:bodyPr wrap="none" rtlCol="0">
+                    <a:spAutoFit/>
+                  </a:bodyPr>
+                  <a:lstStyle/>
+                  <a:p>
+                    <a14:m>
+                      <m:oMath xmlns:m="http://schemas.openxmlformats.org/officeDocument/2006/math">
+                        <m:r>
+                          <a:rPr lang="pt-BR" sz="1200" b="0" i="1" smtClean="0">
+                            <a:latin typeface="Cambria Math" panose="02040503050406030204" pitchFamily="18" charset="0"/>
+                            <a:ea typeface="Cambria Math" panose="02040503050406030204" pitchFamily="18" charset="0"/>
+                          </a:rPr>
+                          <m:t>∆</m:t>
+                        </m:r>
+                      </m:oMath>
+                    </a14:m>
+                    <a:r>
+                      <a:rPr lang="pt-BR" sz="1100" dirty="0"/>
+                      <a:t>L</a:t>
+                    </a:r>
+                    <a:endParaRPr lang="pt-BR" sz="1200" b="1" dirty="0"/>
+                  </a:p>
+                </p:txBody>
+              </p:sp>
+            </mc:Choice>
+            <mc:Fallback xmlns="">
+              <p:sp>
+                <p:nvSpPr>
+                  <p:cNvPr id="28" name="TextBox 27">
+                    <a:extLst>
+                      <a:ext uri="{FF2B5EF4-FFF2-40B4-BE49-F238E27FC236}">
+                        <a16:creationId xmlns:a16="http://schemas.microsoft.com/office/drawing/2014/main" id="{BBB2C02E-9715-E017-BD85-891070EC95AC}"/>
+                      </a:ext>
+                    </a:extLst>
+                  </p:cNvPr>
+                  <p:cNvSpPr txBox="1">
+                    <a:spLocks noGrp="1" noRot="1" noChangeAspect="1" noMove="1" noResize="1" noEditPoints="1" noAdjustHandles="1" noChangeArrowheads="1" noChangeShapeType="1" noTextEdit="1"/>
+                  </p:cNvSpPr>
+                  <p:nvPr/>
+                </p:nvSpPr>
+                <p:spPr>
+                  <a:xfrm>
+                    <a:off x="470665" y="1056600"/>
+                    <a:ext cx="360996" cy="276999"/>
+                  </a:xfrm>
+                  <a:prstGeom prst="rect">
+                    <a:avLst/>
+                  </a:prstGeom>
+                  <a:blipFill>
+                    <a:blip r:embed="rId4"/>
+                    <a:stretch>
+                      <a:fillRect b="-10870"/>
+                    </a:stretch>
+                  </a:blipFill>
+                </p:spPr>
+                <p:txBody>
+                  <a:bodyPr/>
+                  <a:lstStyle/>
+                  <a:p>
+                    <a:r>
+                      <a:rPr lang="pt-BR">
+                        <a:noFill/>
+                      </a:rPr>
+                      <a:t> </a:t>
+                    </a:r>
+                  </a:p>
+                </p:txBody>
+              </p:sp>
+            </mc:Fallback>
+          </mc:AlternateContent>
+          <mc:AlternateContent xmlns:mc="http://schemas.openxmlformats.org/markup-compatibility/2006" xmlns:a14="http://schemas.microsoft.com/office/drawing/2010/main">
+            <mc:Choice Requires="a14">
+              <p:sp>
+                <p:nvSpPr>
+                  <p:cNvPr id="29" name="TextBox 28">
+                    <a:extLst>
+                      <a:ext uri="{FF2B5EF4-FFF2-40B4-BE49-F238E27FC236}">
+                        <a16:creationId xmlns:a16="http://schemas.microsoft.com/office/drawing/2014/main" id="{A459EB50-321B-63F9-E43E-9DD169D27825}"/>
+                      </a:ext>
+                    </a:extLst>
+                  </p:cNvPr>
+                  <p:cNvSpPr txBox="1">
+                    <a:spLocks noGrp="1" noRot="1" noMove="1" noResize="1" noEditPoints="1" noAdjustHandles="1" noChangeArrowheads="1" noChangeShapeType="1"/>
+                  </p:cNvSpPr>
+                  <p:nvPr/>
+                </p:nvSpPr>
+                <p:spPr>
+                  <a:xfrm>
+                    <a:off x="831660" y="797100"/>
+                    <a:ext cx="337181" cy="276999"/>
+                  </a:xfrm>
+                  <a:prstGeom prst="rect">
+                    <a:avLst/>
+                  </a:prstGeom>
+                  <a:noFill/>
+                </p:spPr>
+                <p:txBody>
+                  <a:bodyPr wrap="square" rtlCol="0">
+                    <a:spAutoFit/>
+                  </a:bodyPr>
+                  <a:lstStyle/>
+                  <a:p>
+                    <a:pPr/>
+                    <a14:m>
+                      <m:oMathPara xmlns:m="http://schemas.openxmlformats.org/officeDocument/2006/math">
+                        <m:oMathParaPr>
+                          <m:jc m:val="centerGroup"/>
+                        </m:oMathParaPr>
+                        <m:oMath xmlns:m="http://schemas.openxmlformats.org/officeDocument/2006/math">
+                          <m:r>
+                            <a:rPr lang="pt-BR" sz="1200" b="0" i="1" smtClean="0">
+                              <a:solidFill>
+                                <a:srgbClr val="00B050"/>
+                              </a:solidFill>
+                              <a:latin typeface="Cambria Math" panose="02040503050406030204" pitchFamily="18" charset="0"/>
+                              <a:ea typeface="Cambria Math" panose="02040503050406030204" pitchFamily="18" charset="0"/>
+                            </a:rPr>
+                            <m:t>𝐾𝑁</m:t>
+                          </m:r>
+                        </m:oMath>
+                      </m:oMathPara>
+                    </a14:m>
+                    <a:endParaRPr lang="pt-BR" sz="1200" b="1" dirty="0">
+                      <a:solidFill>
+                        <a:srgbClr val="00B050"/>
+                      </a:solidFill>
+                    </a:endParaRPr>
+                  </a:p>
+                </p:txBody>
+              </p:sp>
+            </mc:Choice>
+            <mc:Fallback xmlns="">
+              <p:sp>
+                <p:nvSpPr>
+                  <p:cNvPr id="29" name="TextBox 28">
+                    <a:extLst>
+                      <a:ext uri="{FF2B5EF4-FFF2-40B4-BE49-F238E27FC236}">
+                        <a16:creationId xmlns:a16="http://schemas.microsoft.com/office/drawing/2014/main" id="{A459EB50-321B-63F9-E43E-9DD169D27825}"/>
+                      </a:ext>
+                    </a:extLst>
+                  </p:cNvPr>
+                  <p:cNvSpPr txBox="1">
+                    <a:spLocks noGrp="1" noRot="1" noChangeAspect="1" noMove="1" noResize="1" noEditPoints="1" noAdjustHandles="1" noChangeArrowheads="1" noChangeShapeType="1" noTextEdit="1"/>
+                  </p:cNvSpPr>
+                  <p:nvPr/>
+                </p:nvSpPr>
+                <p:spPr>
+                  <a:xfrm>
+                    <a:off x="831660" y="797100"/>
+                    <a:ext cx="337181" cy="276999"/>
+                  </a:xfrm>
+                  <a:prstGeom prst="rect">
+                    <a:avLst/>
+                  </a:prstGeom>
+                  <a:blipFill>
+                    <a:blip r:embed="rId5"/>
+                    <a:stretch>
+                      <a:fillRect r="-5357"/>
+                    </a:stretch>
+                  </a:blipFill>
+                </p:spPr>
+                <p:txBody>
+                  <a:bodyPr/>
+                  <a:lstStyle/>
+                  <a:p>
+                    <a:r>
+                      <a:rPr lang="pt-BR">
+                        <a:noFill/>
+                      </a:rPr>
+                      <a:t> </a:t>
+                    </a:r>
+                  </a:p>
+                </p:txBody>
+              </p:sp>
+            </mc:Fallback>
+          </mc:AlternateContent>
+          <p:sp>
+            <p:nvSpPr>
+              <p:cNvPr id="31" name="Oval 30">
+                <a:extLst>
+                  <a:ext uri="{FF2B5EF4-FFF2-40B4-BE49-F238E27FC236}">
+                    <a16:creationId xmlns:a16="http://schemas.microsoft.com/office/drawing/2014/main" id="{C49B072C-6746-67C2-10F8-50CBD3FA42E0}"/>
+                  </a:ext>
+                </a:extLst>
+              </p:cNvPr>
+              <p:cNvSpPr>
+                <a:spLocks noGrp="1" noRot="1" noMove="1" noResize="1" noEditPoints="1" noAdjustHandles="1" noChangeArrowheads="1" noChangeShapeType="1"/>
+              </p:cNvSpPr>
+              <p:nvPr/>
+            </p:nvSpPr>
+            <p:spPr>
+              <a:xfrm>
+                <a:off x="787212" y="1006858"/>
+                <a:ext cx="88900" cy="99483"/>
+              </a:xfrm>
+              <a:prstGeom prst="ellipse">
+                <a:avLst/>
+              </a:prstGeom>
+              <a:noFill/>
+              <a:ln w="6350">
+                <a:solidFill>
+                  <a:srgbClr val="00B050"/>
+                </a:solidFill>
+              </a:ln>
+            </p:spPr>
+            <p:style>
+              <a:lnRef idx="2">
+                <a:schemeClr val="accent1">
+                  <a:shade val="15000"/>
+                </a:schemeClr>
+              </a:lnRef>
+              <a:fillRef idx="1">
+                <a:schemeClr val="accent1"/>
+              </a:fillRef>
+              <a:effectRef idx="0">
+                <a:schemeClr val="accent1"/>
+              </a:effectRef>
+              <a:fontRef idx="minor">
+                <a:schemeClr val="lt1"/>
+              </a:fontRef>
+            </p:style>
+            <p:txBody>
+              <a:bodyPr rtlCol="0" anchor="ctr"/>
+              <a:lstStyle/>
+              <a:p>
+                <a:pPr algn="ctr"/>
+                <a:endParaRPr lang="pt-BR"/>
+              </a:p>
+            </p:txBody>
+          </p:sp>
+          <p:sp>
+            <p:nvSpPr>
+              <p:cNvPr id="32" name="Oval 31">
+                <a:extLst>
+                  <a:ext uri="{FF2B5EF4-FFF2-40B4-BE49-F238E27FC236}">
+                    <a16:creationId xmlns:a16="http://schemas.microsoft.com/office/drawing/2014/main" id="{4956D246-216D-63D5-090A-4C93E2F4DA89}"/>
+                  </a:ext>
+                </a:extLst>
+              </p:cNvPr>
+              <p:cNvSpPr>
+                <a:spLocks noGrp="1" noRot="1" noMove="1" noResize="1" noEditPoints="1" noAdjustHandles="1" noChangeArrowheads="1" noChangeShapeType="1"/>
+              </p:cNvSpPr>
+              <p:nvPr/>
+            </p:nvSpPr>
+            <p:spPr>
+              <a:xfrm>
+                <a:off x="969631" y="1320006"/>
+                <a:ext cx="88900" cy="99483"/>
+              </a:xfrm>
+              <a:prstGeom prst="ellipse">
+                <a:avLst/>
+              </a:prstGeom>
+              <a:noFill/>
+              <a:ln w="6350">
+                <a:solidFill>
+                  <a:srgbClr val="00B050"/>
+                </a:solidFill>
+              </a:ln>
+            </p:spPr>
+            <p:style>
+              <a:lnRef idx="2">
+                <a:schemeClr val="accent1">
+                  <a:shade val="15000"/>
+                </a:schemeClr>
+              </a:lnRef>
+              <a:fillRef idx="1">
+                <a:schemeClr val="accent1"/>
+              </a:fillRef>
+              <a:effectRef idx="0">
+                <a:schemeClr val="accent1"/>
+              </a:effectRef>
+              <a:fontRef idx="minor">
+                <a:schemeClr val="lt1"/>
+              </a:fontRef>
+            </p:style>
+            <p:txBody>
+              <a:bodyPr rtlCol="0" anchor="ctr"/>
+              <a:lstStyle/>
+              <a:p>
+                <a:pPr algn="ctr"/>
+                <a:endParaRPr lang="pt-BR"/>
+              </a:p>
+            </p:txBody>
+          </p:sp>
+          <mc:AlternateContent xmlns:mc="http://schemas.openxmlformats.org/markup-compatibility/2006" xmlns:a14="http://schemas.microsoft.com/office/drawing/2010/main">
+            <mc:Choice Requires="a14">
+              <p:sp>
+                <p:nvSpPr>
+                  <p:cNvPr id="33" name="TextBox 32">
+                    <a:extLst>
+                      <a:ext uri="{FF2B5EF4-FFF2-40B4-BE49-F238E27FC236}">
+                        <a16:creationId xmlns:a16="http://schemas.microsoft.com/office/drawing/2014/main" id="{C287B739-7C97-86B2-579A-01091E111E42}"/>
+                      </a:ext>
+                    </a:extLst>
+                  </p:cNvPr>
+                  <p:cNvSpPr txBox="1">
+                    <a:spLocks noGrp="1" noRot="1" noMove="1" noResize="1" noEditPoints="1" noAdjustHandles="1" noChangeArrowheads="1" noChangeShapeType="1"/>
+                  </p:cNvSpPr>
+                  <p:nvPr/>
+                </p:nvSpPr>
+                <p:spPr>
+                  <a:xfrm>
+                    <a:off x="960978" y="1092749"/>
+                    <a:ext cx="337181" cy="276999"/>
+                  </a:xfrm>
+                  <a:prstGeom prst="rect">
+                    <a:avLst/>
+                  </a:prstGeom>
+                  <a:noFill/>
+                </p:spPr>
+                <p:txBody>
+                  <a:bodyPr wrap="square" rtlCol="0">
+                    <a:spAutoFit/>
+                  </a:bodyPr>
+                  <a:lstStyle/>
+                  <a:p>
+                    <a:pPr/>
+                    <a14:m>
+                      <m:oMathPara xmlns:m="http://schemas.openxmlformats.org/officeDocument/2006/math">
+                        <m:oMathParaPr>
+                          <m:jc m:val="centerGroup"/>
+                        </m:oMathParaPr>
+                        <m:oMath xmlns:m="http://schemas.openxmlformats.org/officeDocument/2006/math">
+                          <m:r>
+                            <a:rPr lang="pt-BR" sz="1200" b="0" i="1" smtClean="0">
+                              <a:solidFill>
+                                <a:srgbClr val="00B050"/>
+                              </a:solidFill>
+                              <a:latin typeface="Cambria Math" panose="02040503050406030204" pitchFamily="18" charset="0"/>
+                              <a:ea typeface="Cambria Math" panose="02040503050406030204" pitchFamily="18" charset="0"/>
+                            </a:rPr>
+                            <m:t>𝐾</m:t>
+                          </m:r>
+                          <m:r>
+                            <a:rPr lang="pt-BR" sz="1200" b="0" i="1" smtClean="0">
+                              <a:solidFill>
+                                <a:srgbClr val="00B050"/>
+                              </a:solidFill>
+                              <a:latin typeface="Cambria Math" panose="02040503050406030204" pitchFamily="18" charset="0"/>
+                              <a:ea typeface="Cambria Math" panose="02040503050406030204" pitchFamily="18" charset="0"/>
+                            </a:rPr>
+                            <m:t>3</m:t>
+                          </m:r>
+                        </m:oMath>
+                      </m:oMathPara>
+                    </a14:m>
+                    <a:endParaRPr lang="pt-BR" sz="1200" b="1" dirty="0">
+                      <a:solidFill>
+                        <a:srgbClr val="00B050"/>
+                      </a:solidFill>
+                    </a:endParaRPr>
+                  </a:p>
+                </p:txBody>
+              </p:sp>
+            </mc:Choice>
+            <mc:Fallback xmlns="">
+              <p:sp>
+                <p:nvSpPr>
+                  <p:cNvPr id="33" name="TextBox 32">
+                    <a:extLst>
+                      <a:ext uri="{FF2B5EF4-FFF2-40B4-BE49-F238E27FC236}">
+                        <a16:creationId xmlns:a16="http://schemas.microsoft.com/office/drawing/2014/main" id="{C287B739-7C97-86B2-579A-01091E111E42}"/>
+                      </a:ext>
+                    </a:extLst>
+                  </p:cNvPr>
+                  <p:cNvSpPr txBox="1">
+                    <a:spLocks noGrp="1" noRot="1" noChangeAspect="1" noMove="1" noResize="1" noEditPoints="1" noAdjustHandles="1" noChangeArrowheads="1" noChangeShapeType="1" noTextEdit="1"/>
+                  </p:cNvSpPr>
+                  <p:nvPr/>
+                </p:nvSpPr>
+                <p:spPr>
+                  <a:xfrm>
+                    <a:off x="960978" y="1092749"/>
+                    <a:ext cx="337181" cy="276999"/>
+                  </a:xfrm>
+                  <a:prstGeom prst="rect">
+                    <a:avLst/>
+                  </a:prstGeom>
+                  <a:blipFill>
+                    <a:blip r:embed="rId6"/>
+                    <a:stretch>
+                      <a:fillRect/>
+                    </a:stretch>
+                  </a:blipFill>
+                </p:spPr>
+                <p:txBody>
+                  <a:bodyPr/>
+                  <a:lstStyle/>
+                  <a:p>
+                    <a:r>
+                      <a:rPr lang="pt-BR">
+                        <a:noFill/>
+                      </a:rPr>
+                      <a:t> </a:t>
+                    </a:r>
+                  </a:p>
+                </p:txBody>
+              </p:sp>
+            </mc:Fallback>
+          </mc:AlternateContent>
+          <p:sp>
+            <p:nvSpPr>
+              <p:cNvPr id="34" name="Oval 33">
+                <a:extLst>
+                  <a:ext uri="{FF2B5EF4-FFF2-40B4-BE49-F238E27FC236}">
+                    <a16:creationId xmlns:a16="http://schemas.microsoft.com/office/drawing/2014/main" id="{5F58063E-A084-9B5E-5180-A57D03AB4DAE}"/>
+                  </a:ext>
+                </a:extLst>
+              </p:cNvPr>
+              <p:cNvSpPr>
+                <a:spLocks noGrp="1" noRot="1" noMove="1" noResize="1" noEditPoints="1" noAdjustHandles="1" noChangeArrowheads="1" noChangeShapeType="1"/>
+              </p:cNvSpPr>
+              <p:nvPr/>
+            </p:nvSpPr>
+            <p:spPr>
+              <a:xfrm>
+                <a:off x="1152051" y="1606931"/>
+                <a:ext cx="88900" cy="99483"/>
+              </a:xfrm>
+              <a:prstGeom prst="ellipse">
+                <a:avLst/>
+              </a:prstGeom>
+              <a:noFill/>
+              <a:ln w="6350">
+                <a:solidFill>
+                  <a:srgbClr val="00B050"/>
+                </a:solidFill>
+              </a:ln>
+            </p:spPr>
+            <p:style>
+              <a:lnRef idx="2">
+                <a:schemeClr val="accent1">
+                  <a:shade val="15000"/>
+                </a:schemeClr>
+              </a:lnRef>
+              <a:fillRef idx="1">
+                <a:schemeClr val="accent1"/>
+              </a:fillRef>
+              <a:effectRef idx="0">
+                <a:schemeClr val="accent1"/>
+              </a:effectRef>
+              <a:fontRef idx="minor">
+                <a:schemeClr val="lt1"/>
+              </a:fontRef>
+            </p:style>
+            <p:txBody>
+              <a:bodyPr rtlCol="0" anchor="ctr"/>
+              <a:lstStyle/>
+              <a:p>
+                <a:pPr algn="ctr"/>
+                <a:endParaRPr lang="pt-BR"/>
+              </a:p>
+            </p:txBody>
+          </p:sp>
+          <mc:AlternateContent xmlns:mc="http://schemas.openxmlformats.org/markup-compatibility/2006" xmlns:a14="http://schemas.microsoft.com/office/drawing/2010/main">
+            <mc:Choice Requires="a14">
+              <p:sp>
+                <p:nvSpPr>
+                  <p:cNvPr id="35" name="TextBox 34">
+                    <a:extLst>
+                      <a:ext uri="{FF2B5EF4-FFF2-40B4-BE49-F238E27FC236}">
+                        <a16:creationId xmlns:a16="http://schemas.microsoft.com/office/drawing/2014/main" id="{2CDF8E08-0C66-2A22-F573-AAA904E1BF8B}"/>
+                      </a:ext>
+                    </a:extLst>
+                  </p:cNvPr>
+                  <p:cNvSpPr txBox="1">
+                    <a:spLocks noGrp="1" noRot="1" noMove="1" noResize="1" noEditPoints="1" noAdjustHandles="1" noChangeArrowheads="1" noChangeShapeType="1"/>
+                  </p:cNvSpPr>
+                  <p:nvPr/>
+                </p:nvSpPr>
+                <p:spPr>
+                  <a:xfrm>
+                    <a:off x="1143398" y="1379674"/>
+                    <a:ext cx="337181" cy="276999"/>
+                  </a:xfrm>
+                  <a:prstGeom prst="rect">
+                    <a:avLst/>
+                  </a:prstGeom>
+                  <a:noFill/>
+                </p:spPr>
+                <p:txBody>
+                  <a:bodyPr wrap="square" rtlCol="0">
+                    <a:spAutoFit/>
+                  </a:bodyPr>
+                  <a:lstStyle/>
+                  <a:p>
+                    <a:pPr/>
+                    <a14:m>
+                      <m:oMathPara xmlns:m="http://schemas.openxmlformats.org/officeDocument/2006/math">
+                        <m:oMathParaPr>
+                          <m:jc m:val="centerGroup"/>
+                        </m:oMathParaPr>
+                        <m:oMath xmlns:m="http://schemas.openxmlformats.org/officeDocument/2006/math">
+                          <m:r>
+                            <a:rPr lang="pt-BR" sz="1200" b="0" i="1" smtClean="0">
+                              <a:solidFill>
+                                <a:srgbClr val="00B050"/>
+                              </a:solidFill>
+                              <a:latin typeface="Cambria Math" panose="02040503050406030204" pitchFamily="18" charset="0"/>
+                              <a:ea typeface="Cambria Math" panose="02040503050406030204" pitchFamily="18" charset="0"/>
+                            </a:rPr>
+                            <m:t>𝐾</m:t>
+                          </m:r>
+                          <m:r>
+                            <a:rPr lang="pt-BR" sz="1200" b="0" i="1" smtClean="0">
+                              <a:solidFill>
+                                <a:srgbClr val="00B050"/>
+                              </a:solidFill>
+                              <a:latin typeface="Cambria Math" panose="02040503050406030204" pitchFamily="18" charset="0"/>
+                              <a:ea typeface="Cambria Math" panose="02040503050406030204" pitchFamily="18" charset="0"/>
+                            </a:rPr>
+                            <m:t>2</m:t>
+                          </m:r>
+                        </m:oMath>
+                      </m:oMathPara>
+                    </a14:m>
+                    <a:endParaRPr lang="pt-BR" sz="1200" b="1" dirty="0">
+                      <a:solidFill>
+                        <a:srgbClr val="00B050"/>
+                      </a:solidFill>
+                    </a:endParaRPr>
+                  </a:p>
+                </p:txBody>
+              </p:sp>
+            </mc:Choice>
+            <mc:Fallback xmlns="">
+              <p:sp>
+                <p:nvSpPr>
+                  <p:cNvPr id="35" name="TextBox 34">
+                    <a:extLst>
+                      <a:ext uri="{FF2B5EF4-FFF2-40B4-BE49-F238E27FC236}">
+                        <a16:creationId xmlns:a16="http://schemas.microsoft.com/office/drawing/2014/main" id="{2CDF8E08-0C66-2A22-F573-AAA904E1BF8B}"/>
+                      </a:ext>
+                    </a:extLst>
+                  </p:cNvPr>
+                  <p:cNvSpPr txBox="1">
+                    <a:spLocks noGrp="1" noRot="1" noChangeAspect="1" noMove="1" noResize="1" noEditPoints="1" noAdjustHandles="1" noChangeArrowheads="1" noChangeShapeType="1" noTextEdit="1"/>
+                  </p:cNvSpPr>
+                  <p:nvPr/>
+                </p:nvSpPr>
+                <p:spPr>
+                  <a:xfrm>
+                    <a:off x="1143398" y="1379674"/>
+                    <a:ext cx="337181" cy="276999"/>
+                  </a:xfrm>
+                  <a:prstGeom prst="rect">
+                    <a:avLst/>
+                  </a:prstGeom>
+                  <a:blipFill>
+                    <a:blip r:embed="rId7"/>
+                    <a:stretch>
+                      <a:fillRect/>
+                    </a:stretch>
+                  </a:blipFill>
+                </p:spPr>
+                <p:txBody>
+                  <a:bodyPr/>
+                  <a:lstStyle/>
+                  <a:p>
+                    <a:r>
+                      <a:rPr lang="pt-BR">
+                        <a:noFill/>
+                      </a:rPr>
+                      <a:t> </a:t>
+                    </a:r>
+                  </a:p>
+                </p:txBody>
+              </p:sp>
+            </mc:Fallback>
+          </mc:AlternateContent>
+          <p:sp>
+            <p:nvSpPr>
+              <p:cNvPr id="36" name="Oval 35">
+                <a:extLst>
+                  <a:ext uri="{FF2B5EF4-FFF2-40B4-BE49-F238E27FC236}">
+                    <a16:creationId xmlns:a16="http://schemas.microsoft.com/office/drawing/2014/main" id="{BC90AF24-041D-F1C7-5C6F-3EE5A28988EA}"/>
+                  </a:ext>
+                </a:extLst>
+              </p:cNvPr>
+              <p:cNvSpPr>
+                <a:spLocks noGrp="1" noRot="1" noMove="1" noResize="1" noEditPoints="1" noAdjustHandles="1" noChangeArrowheads="1" noChangeShapeType="1"/>
+              </p:cNvSpPr>
+              <p:nvPr/>
+            </p:nvSpPr>
+            <p:spPr>
+              <a:xfrm>
+                <a:off x="1334471" y="1917090"/>
+                <a:ext cx="88900" cy="99483"/>
+              </a:xfrm>
+              <a:prstGeom prst="ellipse">
+                <a:avLst/>
+              </a:prstGeom>
+              <a:noFill/>
+              <a:ln w="6350">
+                <a:solidFill>
+                  <a:srgbClr val="00B050"/>
+                </a:solidFill>
+              </a:ln>
+            </p:spPr>
+            <p:style>
+              <a:lnRef idx="2">
+                <a:schemeClr val="accent1">
+                  <a:shade val="15000"/>
+                </a:schemeClr>
+              </a:lnRef>
+              <a:fillRef idx="1">
+                <a:schemeClr val="accent1"/>
+              </a:fillRef>
+              <a:effectRef idx="0">
+                <a:schemeClr val="accent1"/>
+              </a:effectRef>
+              <a:fontRef idx="minor">
+                <a:schemeClr val="lt1"/>
+              </a:fontRef>
+            </p:style>
+            <p:txBody>
+              <a:bodyPr rtlCol="0" anchor="ctr"/>
+              <a:lstStyle/>
+              <a:p>
+                <a:pPr algn="ctr"/>
+                <a:endParaRPr lang="pt-BR"/>
+              </a:p>
+            </p:txBody>
+          </p:sp>
+          <mc:AlternateContent xmlns:mc="http://schemas.openxmlformats.org/markup-compatibility/2006" xmlns:a14="http://schemas.microsoft.com/office/drawing/2010/main">
+            <mc:Choice Requires="a14">
+              <p:sp>
+                <p:nvSpPr>
+                  <p:cNvPr id="37" name="TextBox 36">
+                    <a:extLst>
+                      <a:ext uri="{FF2B5EF4-FFF2-40B4-BE49-F238E27FC236}">
+                        <a16:creationId xmlns:a16="http://schemas.microsoft.com/office/drawing/2014/main" id="{2FFBC471-F3B9-C0BF-19E2-DC9C946D47DB}"/>
+                      </a:ext>
+                    </a:extLst>
+                  </p:cNvPr>
+                  <p:cNvSpPr txBox="1">
+                    <a:spLocks noGrp="1" noRot="1" noMove="1" noResize="1" noEditPoints="1" noAdjustHandles="1" noChangeArrowheads="1" noChangeShapeType="1"/>
+                  </p:cNvSpPr>
+                  <p:nvPr/>
+                </p:nvSpPr>
+                <p:spPr>
+                  <a:xfrm>
+                    <a:off x="1325818" y="1689833"/>
+                    <a:ext cx="337181" cy="276999"/>
+                  </a:xfrm>
+                  <a:prstGeom prst="rect">
+                    <a:avLst/>
+                  </a:prstGeom>
+                  <a:noFill/>
+                </p:spPr>
+                <p:txBody>
+                  <a:bodyPr wrap="square" rtlCol="0">
+                    <a:spAutoFit/>
+                  </a:bodyPr>
+                  <a:lstStyle/>
+                  <a:p>
+                    <a:pPr/>
+                    <a14:m>
+                      <m:oMathPara xmlns:m="http://schemas.openxmlformats.org/officeDocument/2006/math">
+                        <m:oMathParaPr>
+                          <m:jc m:val="centerGroup"/>
+                        </m:oMathParaPr>
+                        <m:oMath xmlns:m="http://schemas.openxmlformats.org/officeDocument/2006/math">
+                          <m:r>
+                            <a:rPr lang="pt-BR" sz="1200" b="0" i="1" smtClean="0">
+                              <a:solidFill>
+                                <a:srgbClr val="00B050"/>
+                              </a:solidFill>
+                              <a:latin typeface="Cambria Math" panose="02040503050406030204" pitchFamily="18" charset="0"/>
+                              <a:ea typeface="Cambria Math" panose="02040503050406030204" pitchFamily="18" charset="0"/>
+                            </a:rPr>
+                            <m:t>𝐾</m:t>
+                          </m:r>
+                          <m:r>
+                            <a:rPr lang="pt-BR" sz="1200" b="0" i="1" smtClean="0">
+                              <a:solidFill>
+                                <a:srgbClr val="00B050"/>
+                              </a:solidFill>
+                              <a:latin typeface="Cambria Math" panose="02040503050406030204" pitchFamily="18" charset="0"/>
+                              <a:ea typeface="Cambria Math" panose="02040503050406030204" pitchFamily="18" charset="0"/>
+                            </a:rPr>
+                            <m:t>1</m:t>
+                          </m:r>
+                        </m:oMath>
+                      </m:oMathPara>
+                    </a14:m>
+                    <a:endParaRPr lang="pt-BR" sz="1200" b="1" dirty="0">
+                      <a:solidFill>
+                        <a:srgbClr val="00B050"/>
+                      </a:solidFill>
+                    </a:endParaRPr>
+                  </a:p>
+                </p:txBody>
+              </p:sp>
+            </mc:Choice>
+            <mc:Fallback xmlns="">
+              <p:sp>
+                <p:nvSpPr>
+                  <p:cNvPr id="37" name="TextBox 36">
+                    <a:extLst>
+                      <a:ext uri="{FF2B5EF4-FFF2-40B4-BE49-F238E27FC236}">
+                        <a16:creationId xmlns:a16="http://schemas.microsoft.com/office/drawing/2014/main" id="{2FFBC471-F3B9-C0BF-19E2-DC9C946D47DB}"/>
+                      </a:ext>
+                    </a:extLst>
+                  </p:cNvPr>
+                  <p:cNvSpPr txBox="1">
+                    <a:spLocks noGrp="1" noRot="1" noChangeAspect="1" noMove="1" noResize="1" noEditPoints="1" noAdjustHandles="1" noChangeArrowheads="1" noChangeShapeType="1" noTextEdit="1"/>
+                  </p:cNvSpPr>
+                  <p:nvPr/>
+                </p:nvSpPr>
+                <p:spPr>
+                  <a:xfrm>
+                    <a:off x="1325818" y="1689833"/>
+                    <a:ext cx="337181" cy="276999"/>
+                  </a:xfrm>
+                  <a:prstGeom prst="rect">
+                    <a:avLst/>
+                  </a:prstGeom>
+                  <a:blipFill>
+                    <a:blip r:embed="rId8"/>
+                    <a:stretch>
+                      <a:fillRect/>
+                    </a:stretch>
+                  </a:blipFill>
+                </p:spPr>
+                <p:txBody>
+                  <a:bodyPr/>
+                  <a:lstStyle/>
+                  <a:p>
+                    <a:r>
+                      <a:rPr lang="pt-BR">
+                        <a:noFill/>
+                      </a:rPr>
+                      <a:t> </a:t>
+                    </a:r>
+                  </a:p>
+                </p:txBody>
+              </p:sp>
+            </mc:Fallback>
+          </mc:AlternateContent>
+        </p:grpSp>
+      </p:grpSp>
+      <mc:AlternateContent xmlns:mc="http://schemas.openxmlformats.org/markup-compatibility/2006">
+        <mc:Choice xmlns:a14="http://schemas.microsoft.com/office/drawing/2010/main" Requires="a14">
+          <p:sp>
+            <p:nvSpPr>
+              <p:cNvPr id="40" name="TextBox 39">
+                <a:extLst>
+                  <a:ext uri="{FF2B5EF4-FFF2-40B4-BE49-F238E27FC236}">
+                    <a16:creationId xmlns:a16="http://schemas.microsoft.com/office/drawing/2014/main" id="{FB36BB8F-C2E1-760A-8EC0-A23B7C597D4E}"/>
+                  </a:ext>
+                </a:extLst>
+              </p:cNvPr>
+              <p:cNvSpPr txBox="1"/>
+              <p:nvPr/>
+            </p:nvSpPr>
+            <p:spPr>
+              <a:xfrm>
+                <a:off x="470665" y="2597306"/>
+                <a:ext cx="8132315" cy="738664"/>
+              </a:xfrm>
+              <a:prstGeom prst="rect">
+                <a:avLst/>
+              </a:prstGeom>
+              <a:noFill/>
+            </p:spPr>
+            <p:txBody>
+              <a:bodyPr wrap="square" rtlCol="0">
+                <a:spAutoFit/>
+              </a:bodyPr>
+              <a:lstStyle/>
+              <a:p>
+                <a:pPr algn="just"/>
+                <a:r>
+                  <a:rPr lang="pt-BR" dirty="0"/>
+                  <a:t>No modelo em série, cada splitter possui sua própria constante de acoplamento, necessárias assim para </a:t>
+                </a:r>
+                <a:r>
+                  <a:rPr lang="pt-BR" b="1" dirty="0"/>
+                  <a:t>dividir igualmente a potência em cada ramo</a:t>
+                </a:r>
+                <a:r>
+                  <a:rPr lang="pt-BR" dirty="0"/>
+                  <a:t>, o que implica em diferenças nas defasagens dos phase-shifters </a:t>
+                </a:r>
+                <a14:m>
+                  <m:oMath xmlns:m="http://schemas.openxmlformats.org/officeDocument/2006/math">
+                    <m:sSub>
+                      <m:sSubPr>
+                        <m:ctrlPr>
+                          <a:rPr lang="pt-BR" i="1" smtClean="0">
+                            <a:latin typeface="Cambria Math" panose="02040503050406030204" pitchFamily="18" charset="0"/>
+                          </a:rPr>
+                        </m:ctrlPr>
+                      </m:sSubPr>
+                      <m:e>
+                        <m:r>
+                          <a:rPr lang="pt-BR" i="1" smtClean="0">
+                            <a:latin typeface="Cambria Math" panose="02040503050406030204" pitchFamily="18" charset="0"/>
+                            <a:ea typeface="Cambria Math" panose="02040503050406030204" pitchFamily="18" charset="0"/>
+                          </a:rPr>
+                          <m:t>𝜃</m:t>
+                        </m:r>
+                      </m:e>
+                      <m:sub>
+                        <m:r>
+                          <a:rPr lang="pt-BR" b="0" i="1" smtClean="0">
+                            <a:latin typeface="Cambria Math" panose="02040503050406030204" pitchFamily="18" charset="0"/>
+                          </a:rPr>
+                          <m:t>1</m:t>
+                        </m:r>
+                      </m:sub>
+                    </m:sSub>
+                  </m:oMath>
+                </a14:m>
+                <a:r>
+                  <a:rPr lang="pt-BR" dirty="0"/>
+                  <a:t>e </a:t>
+                </a:r>
+                <a14:m>
+                  <m:oMath xmlns:m="http://schemas.openxmlformats.org/officeDocument/2006/math">
+                    <m:sSub>
+                      <m:sSubPr>
+                        <m:ctrlPr>
+                          <a:rPr lang="pt-BR" i="1">
+                            <a:latin typeface="Cambria Math" panose="02040503050406030204" pitchFamily="18" charset="0"/>
+                          </a:rPr>
+                        </m:ctrlPr>
+                      </m:sSubPr>
+                      <m:e>
+                        <m:r>
+                          <a:rPr lang="pt-BR" i="1">
+                            <a:latin typeface="Cambria Math" panose="02040503050406030204" pitchFamily="18" charset="0"/>
+                            <a:ea typeface="Cambria Math" panose="02040503050406030204" pitchFamily="18" charset="0"/>
+                          </a:rPr>
+                          <m:t>𝜃</m:t>
+                        </m:r>
+                      </m:e>
+                      <m:sub>
+                        <m:r>
+                          <a:rPr lang="pt-BR" b="0" i="1" smtClean="0">
+                            <a:latin typeface="Cambria Math" panose="02040503050406030204" pitchFamily="18" charset="0"/>
+                            <a:ea typeface="Cambria Math" panose="02040503050406030204" pitchFamily="18" charset="0"/>
+                          </a:rPr>
+                          <m:t>2</m:t>
+                        </m:r>
+                      </m:sub>
+                    </m:sSub>
+                  </m:oMath>
+                </a14:m>
+                <a:r>
+                  <a:rPr lang="pt-BR" dirty="0"/>
+                  <a:t>. No total, </a:t>
+                </a:r>
+                <a14:m>
+                  <m:oMath xmlns:m="http://schemas.openxmlformats.org/officeDocument/2006/math">
+                    <m:r>
+                      <a:rPr lang="pt-BR" i="1" dirty="0">
+                        <a:latin typeface="Cambria Math" panose="02040503050406030204" pitchFamily="18" charset="0"/>
+                      </a:rPr>
+                      <m:t>𝑁</m:t>
+                    </m:r>
+                    <m:r>
+                      <a:rPr lang="pt-BR" i="1" dirty="0">
+                        <a:latin typeface="Cambria Math" panose="02040503050406030204" pitchFamily="18" charset="0"/>
+                      </a:rPr>
+                      <m:t>−1</m:t>
+                    </m:r>
+                  </m:oMath>
+                </a14:m>
+                <a:r>
+                  <a:rPr lang="pt-BR" dirty="0"/>
+                  <a:t> splitters 1:2 são necessários.</a:t>
+                </a:r>
+              </a:p>
+            </p:txBody>
+          </p:sp>
+        </mc:Choice>
+        <mc:Fallback>
+          <p:sp>
+            <p:nvSpPr>
+              <p:cNvPr id="40" name="TextBox 39">
+                <a:extLst>
+                  <a:ext uri="{FF2B5EF4-FFF2-40B4-BE49-F238E27FC236}">
+                    <a16:creationId xmlns:a16="http://schemas.microsoft.com/office/drawing/2014/main" id="{FB36BB8F-C2E1-760A-8EC0-A23B7C597D4E}"/>
+                  </a:ext>
+                </a:extLst>
+              </p:cNvPr>
+              <p:cNvSpPr txBox="1">
+                <a:spLocks noRot="1" noChangeAspect="1" noMove="1" noResize="1" noEditPoints="1" noAdjustHandles="1" noChangeArrowheads="1" noChangeShapeType="1" noTextEdit="1"/>
+              </p:cNvSpPr>
+              <p:nvPr/>
+            </p:nvSpPr>
+            <p:spPr>
+              <a:xfrm>
+                <a:off x="470665" y="2597306"/>
+                <a:ext cx="8132315" cy="738664"/>
+              </a:xfrm>
+              <a:prstGeom prst="rect">
+                <a:avLst/>
+              </a:prstGeom>
+              <a:blipFill>
+                <a:blip r:embed="rId9"/>
+                <a:stretch>
+                  <a:fillRect l="-225" t="-1653" r="-225" b="-8264"/>
+                </a:stretch>
+              </a:blipFill>
+            </p:spPr>
+            <p:txBody>
+              <a:bodyPr/>
+              <a:lstStyle/>
+              <a:p>
+                <a:r>
+                  <a:rPr lang="pt-BR">
+                    <a:noFill/>
+                  </a:rPr>
+                  <a:t> </a:t>
+                </a:r>
+              </a:p>
+            </p:txBody>
+          </p:sp>
+        </mc:Fallback>
+      </mc:AlternateContent>
+      <p:pic>
+        <p:nvPicPr>
+          <p:cNvPr id="2" name="Picture 1">
+            <a:extLst>
+              <a:ext uri="{FF2B5EF4-FFF2-40B4-BE49-F238E27FC236}">
+                <a16:creationId xmlns:a16="http://schemas.microsoft.com/office/drawing/2014/main" id="{5B203563-2B7E-61F2-9DF5-C3B5DFE90DC8}"/>
+              </a:ext>
+            </a:extLst>
+          </p:cNvPr>
+          <p:cNvPicPr>
+            <a:picLocks noChangeAspect="1"/>
+          </p:cNvPicPr>
+          <p:nvPr/>
+        </p:nvPicPr>
+        <p:blipFill>
+          <a:blip r:embed="rId10"/>
+          <a:stretch>
+            <a:fillRect/>
+          </a:stretch>
+        </p:blipFill>
+        <p:spPr>
+          <a:xfrm>
+            <a:off x="4934544" y="3942756"/>
+            <a:ext cx="3812264" cy="660110"/>
+          </a:xfrm>
+          <a:prstGeom prst="rect">
+            <a:avLst/>
+          </a:prstGeom>
+        </p:spPr>
+      </p:pic>
+      <p:pic>
+        <p:nvPicPr>
+          <p:cNvPr id="5" name="Picture 4">
+            <a:extLst>
+              <a:ext uri="{FF2B5EF4-FFF2-40B4-BE49-F238E27FC236}">
+                <a16:creationId xmlns:a16="http://schemas.microsoft.com/office/drawing/2014/main" id="{7C45C3F0-3E14-71C0-B778-15B6F30C975F}"/>
+              </a:ext>
+            </a:extLst>
+          </p:cNvPr>
+          <p:cNvPicPr>
+            <a:picLocks noChangeAspect="1"/>
+          </p:cNvPicPr>
+          <p:nvPr/>
+        </p:nvPicPr>
+        <p:blipFill rotWithShape="1">
+          <a:blip r:embed="rId11"/>
+          <a:srcRect t="5989"/>
+          <a:stretch/>
+        </p:blipFill>
+        <p:spPr>
+          <a:xfrm>
+            <a:off x="1058531" y="3823534"/>
+            <a:ext cx="1397072" cy="901469"/>
+          </a:xfrm>
+          <a:prstGeom prst="rect">
+            <a:avLst/>
+          </a:prstGeom>
+        </p:spPr>
+      </p:pic>
+      <mc:AlternateContent xmlns:mc="http://schemas.openxmlformats.org/markup-compatibility/2006" xmlns:a14="http://schemas.microsoft.com/office/drawing/2010/main">
+        <mc:Choice Requires="a14">
+          <p:sp>
+            <p:nvSpPr>
+              <p:cNvPr id="6" name="TextBox 5">
+                <a:extLst>
+                  <a:ext uri="{FF2B5EF4-FFF2-40B4-BE49-F238E27FC236}">
+                    <a16:creationId xmlns:a16="http://schemas.microsoft.com/office/drawing/2014/main" id="{64977D4E-93A8-6001-DF75-7C919AF50BB5}"/>
+                  </a:ext>
+                </a:extLst>
+              </p:cNvPr>
+              <p:cNvSpPr txBox="1"/>
+              <p:nvPr/>
+            </p:nvSpPr>
+            <p:spPr>
+              <a:xfrm>
+                <a:off x="696008" y="3908204"/>
+                <a:ext cx="412356" cy="307777"/>
+              </a:xfrm>
+              <a:prstGeom prst="rect">
+                <a:avLst/>
+              </a:prstGeom>
+              <a:noFill/>
+            </p:spPr>
+            <p:txBody>
+              <a:bodyPr wrap="none" rtlCol="0">
+                <a:spAutoFit/>
+              </a:bodyPr>
+              <a:lstStyle/>
+              <a:p>
+                <a:pPr/>
+                <a14:m>
+                  <m:oMathPara xmlns:m="http://schemas.openxmlformats.org/officeDocument/2006/math">
+                    <m:oMathParaPr>
+                      <m:jc m:val="centerGroup"/>
+                    </m:oMathParaPr>
+                    <m:oMath xmlns:m="http://schemas.openxmlformats.org/officeDocument/2006/math">
+                      <m:sSub>
+                        <m:sSubPr>
+                          <m:ctrlPr>
+                            <a:rPr lang="pt-BR" i="1" smtClean="0">
+                              <a:latin typeface="Cambria Math" panose="02040503050406030204" pitchFamily="18" charset="0"/>
+                            </a:rPr>
+                          </m:ctrlPr>
+                        </m:sSubPr>
+                        <m:e>
+                          <m:r>
+                            <a:rPr lang="pt-BR" b="0" i="1" smtClean="0">
+                              <a:latin typeface="Cambria Math" panose="02040503050406030204" pitchFamily="18" charset="0"/>
+                            </a:rPr>
+                            <m:t>𝑎</m:t>
+                          </m:r>
+                        </m:e>
+                        <m:sub>
+                          <m:r>
+                            <a:rPr lang="pt-BR" b="0" i="1" smtClean="0">
+                              <a:latin typeface="Cambria Math" panose="02040503050406030204" pitchFamily="18" charset="0"/>
+                            </a:rPr>
+                            <m:t>1</m:t>
+                          </m:r>
+                        </m:sub>
+                      </m:sSub>
+                    </m:oMath>
+                  </m:oMathPara>
+                </a14:m>
+                <a:endParaRPr lang="pt-BR" dirty="0"/>
+              </a:p>
+            </p:txBody>
+          </p:sp>
+        </mc:Choice>
+        <mc:Fallback xmlns="">
+          <p:sp>
+            <p:nvSpPr>
+              <p:cNvPr id="6" name="TextBox 5">
+                <a:extLst>
+                  <a:ext uri="{FF2B5EF4-FFF2-40B4-BE49-F238E27FC236}">
+                    <a16:creationId xmlns:a16="http://schemas.microsoft.com/office/drawing/2014/main" id="{64977D4E-93A8-6001-DF75-7C919AF50BB5}"/>
+                  </a:ext>
+                </a:extLst>
+              </p:cNvPr>
+              <p:cNvSpPr txBox="1">
+                <a:spLocks noRot="1" noChangeAspect="1" noMove="1" noResize="1" noEditPoints="1" noAdjustHandles="1" noChangeArrowheads="1" noChangeShapeType="1" noTextEdit="1"/>
+              </p:cNvSpPr>
+              <p:nvPr/>
+            </p:nvSpPr>
+            <p:spPr>
+              <a:xfrm>
+                <a:off x="696008" y="3908204"/>
+                <a:ext cx="412356" cy="307777"/>
+              </a:xfrm>
+              <a:prstGeom prst="rect">
+                <a:avLst/>
+              </a:prstGeom>
+              <a:blipFill>
+                <a:blip r:embed="rId12"/>
+                <a:stretch>
+                  <a:fillRect/>
+                </a:stretch>
+              </a:blipFill>
+            </p:spPr>
+            <p:txBody>
+              <a:bodyPr/>
+              <a:lstStyle/>
+              <a:p>
+                <a:r>
+                  <a:rPr lang="pt-BR">
+                    <a:noFill/>
+                  </a:rPr>
+                  <a:t> </a:t>
+                </a:r>
+              </a:p>
+            </p:txBody>
+          </p:sp>
+        </mc:Fallback>
+      </mc:AlternateContent>
+      <mc:AlternateContent xmlns:mc="http://schemas.openxmlformats.org/markup-compatibility/2006" xmlns:a14="http://schemas.microsoft.com/office/drawing/2010/main">
+        <mc:Choice Requires="a14">
+          <p:sp>
+            <p:nvSpPr>
+              <p:cNvPr id="7" name="TextBox 6">
+                <a:extLst>
+                  <a:ext uri="{FF2B5EF4-FFF2-40B4-BE49-F238E27FC236}">
+                    <a16:creationId xmlns:a16="http://schemas.microsoft.com/office/drawing/2014/main" id="{88E2E9E6-DB8F-FC76-856C-A6872BB429DF}"/>
+                  </a:ext>
+                </a:extLst>
+              </p:cNvPr>
+              <p:cNvSpPr txBox="1"/>
+              <p:nvPr/>
+            </p:nvSpPr>
+            <p:spPr>
+              <a:xfrm>
+                <a:off x="696008" y="4162439"/>
+                <a:ext cx="416524" cy="307777"/>
+              </a:xfrm>
+              <a:prstGeom prst="rect">
+                <a:avLst/>
+              </a:prstGeom>
+              <a:noFill/>
+            </p:spPr>
+            <p:txBody>
+              <a:bodyPr wrap="none" rtlCol="0">
+                <a:spAutoFit/>
+              </a:bodyPr>
+              <a:lstStyle/>
+              <a:p>
+                <a:pPr/>
+                <a14:m>
+                  <m:oMathPara xmlns:m="http://schemas.openxmlformats.org/officeDocument/2006/math">
+                    <m:oMathParaPr>
+                      <m:jc m:val="centerGroup"/>
+                    </m:oMathParaPr>
+                    <m:oMath xmlns:m="http://schemas.openxmlformats.org/officeDocument/2006/math">
+                      <m:sSub>
+                        <m:sSubPr>
+                          <m:ctrlPr>
+                            <a:rPr lang="pt-BR" i="1" smtClean="0">
+                              <a:latin typeface="Cambria Math" panose="02040503050406030204" pitchFamily="18" charset="0"/>
+                            </a:rPr>
+                          </m:ctrlPr>
+                        </m:sSubPr>
+                        <m:e>
+                          <m:r>
+                            <a:rPr lang="pt-BR" b="0" i="1" smtClean="0">
+                              <a:latin typeface="Cambria Math" panose="02040503050406030204" pitchFamily="18" charset="0"/>
+                            </a:rPr>
+                            <m:t>𝑎</m:t>
+                          </m:r>
+                        </m:e>
+                        <m:sub>
+                          <m:r>
+                            <a:rPr lang="pt-BR" b="0" i="1" smtClean="0">
+                              <a:latin typeface="Cambria Math" panose="02040503050406030204" pitchFamily="18" charset="0"/>
+                            </a:rPr>
+                            <m:t>2</m:t>
+                          </m:r>
+                        </m:sub>
+                      </m:sSub>
+                    </m:oMath>
+                  </m:oMathPara>
+                </a14:m>
+                <a:endParaRPr lang="pt-BR" dirty="0"/>
+              </a:p>
+            </p:txBody>
+          </p:sp>
+        </mc:Choice>
+        <mc:Fallback xmlns="">
+          <p:sp>
+            <p:nvSpPr>
+              <p:cNvPr id="7" name="TextBox 6">
+                <a:extLst>
+                  <a:ext uri="{FF2B5EF4-FFF2-40B4-BE49-F238E27FC236}">
+                    <a16:creationId xmlns:a16="http://schemas.microsoft.com/office/drawing/2014/main" id="{88E2E9E6-DB8F-FC76-856C-A6872BB429DF}"/>
+                  </a:ext>
+                </a:extLst>
+              </p:cNvPr>
+              <p:cNvSpPr txBox="1">
+                <a:spLocks noRot="1" noChangeAspect="1" noMove="1" noResize="1" noEditPoints="1" noAdjustHandles="1" noChangeArrowheads="1" noChangeShapeType="1" noTextEdit="1"/>
+              </p:cNvSpPr>
+              <p:nvPr/>
+            </p:nvSpPr>
+            <p:spPr>
+              <a:xfrm>
+                <a:off x="696008" y="4162439"/>
+                <a:ext cx="416524" cy="307777"/>
+              </a:xfrm>
+              <a:prstGeom prst="rect">
+                <a:avLst/>
+              </a:prstGeom>
+              <a:blipFill>
+                <a:blip r:embed="rId13"/>
+                <a:stretch>
+                  <a:fillRect/>
+                </a:stretch>
+              </a:blipFill>
+            </p:spPr>
+            <p:txBody>
+              <a:bodyPr/>
+              <a:lstStyle/>
+              <a:p>
+                <a:r>
+                  <a:rPr lang="pt-BR">
+                    <a:noFill/>
+                  </a:rPr>
+                  <a:t> </a:t>
+                </a:r>
+              </a:p>
+            </p:txBody>
+          </p:sp>
+        </mc:Fallback>
+      </mc:AlternateContent>
+      <mc:AlternateContent xmlns:mc="http://schemas.openxmlformats.org/markup-compatibility/2006" xmlns:a14="http://schemas.microsoft.com/office/drawing/2010/main">
+        <mc:Choice Requires="a14">
+          <p:sp>
+            <p:nvSpPr>
+              <p:cNvPr id="8" name="TextBox 7">
+                <a:extLst>
+                  <a:ext uri="{FF2B5EF4-FFF2-40B4-BE49-F238E27FC236}">
+                    <a16:creationId xmlns:a16="http://schemas.microsoft.com/office/drawing/2014/main" id="{8F246EE0-4C4B-DEC9-5DD2-A4B4B42F6C0D}"/>
+                  </a:ext>
+                </a:extLst>
+              </p:cNvPr>
+              <p:cNvSpPr txBox="1"/>
+              <p:nvPr/>
+            </p:nvSpPr>
+            <p:spPr>
+              <a:xfrm>
+                <a:off x="2401602" y="3942756"/>
+                <a:ext cx="403444" cy="307777"/>
+              </a:xfrm>
+              <a:prstGeom prst="rect">
+                <a:avLst/>
+              </a:prstGeom>
+              <a:noFill/>
+            </p:spPr>
+            <p:txBody>
+              <a:bodyPr wrap="none" rtlCol="0">
+                <a:spAutoFit/>
+              </a:bodyPr>
+              <a:lstStyle/>
+              <a:p>
+                <a:pPr/>
+                <a14:m>
+                  <m:oMathPara xmlns:m="http://schemas.openxmlformats.org/officeDocument/2006/math">
+                    <m:oMathParaPr>
+                      <m:jc m:val="centerGroup"/>
+                    </m:oMathParaPr>
+                    <m:oMath xmlns:m="http://schemas.openxmlformats.org/officeDocument/2006/math">
+                      <m:sSub>
+                        <m:sSubPr>
+                          <m:ctrlPr>
+                            <a:rPr lang="pt-BR" i="1" smtClean="0">
+                              <a:latin typeface="Cambria Math" panose="02040503050406030204" pitchFamily="18" charset="0"/>
+                            </a:rPr>
+                          </m:ctrlPr>
+                        </m:sSubPr>
+                        <m:e>
+                          <m:r>
+                            <a:rPr lang="pt-BR" b="0" i="1" smtClean="0">
+                              <a:latin typeface="Cambria Math" panose="02040503050406030204" pitchFamily="18" charset="0"/>
+                            </a:rPr>
+                            <m:t>𝑏</m:t>
+                          </m:r>
+                        </m:e>
+                        <m:sub>
+                          <m:r>
+                            <a:rPr lang="pt-BR" b="0" i="1" smtClean="0">
+                              <a:latin typeface="Cambria Math" panose="02040503050406030204" pitchFamily="18" charset="0"/>
+                            </a:rPr>
+                            <m:t>1</m:t>
+                          </m:r>
+                        </m:sub>
+                      </m:sSub>
+                    </m:oMath>
+                  </m:oMathPara>
+                </a14:m>
+                <a:endParaRPr lang="pt-BR" dirty="0"/>
+              </a:p>
+            </p:txBody>
+          </p:sp>
+        </mc:Choice>
+        <mc:Fallback xmlns="">
+          <p:sp>
+            <p:nvSpPr>
+              <p:cNvPr id="8" name="TextBox 7">
+                <a:extLst>
+                  <a:ext uri="{FF2B5EF4-FFF2-40B4-BE49-F238E27FC236}">
+                    <a16:creationId xmlns:a16="http://schemas.microsoft.com/office/drawing/2014/main" id="{8F246EE0-4C4B-DEC9-5DD2-A4B4B42F6C0D}"/>
+                  </a:ext>
+                </a:extLst>
+              </p:cNvPr>
+              <p:cNvSpPr txBox="1">
+                <a:spLocks noRot="1" noChangeAspect="1" noMove="1" noResize="1" noEditPoints="1" noAdjustHandles="1" noChangeArrowheads="1" noChangeShapeType="1" noTextEdit="1"/>
+              </p:cNvSpPr>
+              <p:nvPr/>
+            </p:nvSpPr>
+            <p:spPr>
+              <a:xfrm>
+                <a:off x="2401602" y="3942756"/>
+                <a:ext cx="403444" cy="307777"/>
+              </a:xfrm>
+              <a:prstGeom prst="rect">
+                <a:avLst/>
+              </a:prstGeom>
+              <a:blipFill>
+                <a:blip r:embed="rId14"/>
+                <a:stretch>
+                  <a:fillRect/>
+                </a:stretch>
+              </a:blipFill>
+            </p:spPr>
+            <p:txBody>
+              <a:bodyPr/>
+              <a:lstStyle/>
+              <a:p>
+                <a:r>
+                  <a:rPr lang="pt-BR">
+                    <a:noFill/>
+                  </a:rPr>
+                  <a:t> </a:t>
+                </a:r>
+              </a:p>
+            </p:txBody>
+          </p:sp>
+        </mc:Fallback>
+      </mc:AlternateContent>
+      <mc:AlternateContent xmlns:mc="http://schemas.openxmlformats.org/markup-compatibility/2006" xmlns:a14="http://schemas.microsoft.com/office/drawing/2010/main">
+        <mc:Choice Requires="a14">
+          <p:sp>
+            <p:nvSpPr>
+              <p:cNvPr id="9" name="TextBox 8">
+                <a:extLst>
+                  <a:ext uri="{FF2B5EF4-FFF2-40B4-BE49-F238E27FC236}">
+                    <a16:creationId xmlns:a16="http://schemas.microsoft.com/office/drawing/2014/main" id="{E71D6E3D-93A6-C546-9BC6-C2F1BD5B107C}"/>
+                  </a:ext>
+                </a:extLst>
+              </p:cNvPr>
+              <p:cNvSpPr txBox="1"/>
+              <p:nvPr/>
+            </p:nvSpPr>
+            <p:spPr>
+              <a:xfrm>
+                <a:off x="2401602" y="4196991"/>
+                <a:ext cx="407611" cy="307777"/>
+              </a:xfrm>
+              <a:prstGeom prst="rect">
+                <a:avLst/>
+              </a:prstGeom>
+              <a:noFill/>
+            </p:spPr>
+            <p:txBody>
+              <a:bodyPr wrap="none" rtlCol="0">
+                <a:spAutoFit/>
+              </a:bodyPr>
+              <a:lstStyle/>
+              <a:p>
+                <a:pPr/>
+                <a14:m>
+                  <m:oMathPara xmlns:m="http://schemas.openxmlformats.org/officeDocument/2006/math">
+                    <m:oMathParaPr>
+                      <m:jc m:val="centerGroup"/>
+                    </m:oMathParaPr>
+                    <m:oMath xmlns:m="http://schemas.openxmlformats.org/officeDocument/2006/math">
+                      <m:sSub>
+                        <m:sSubPr>
+                          <m:ctrlPr>
+                            <a:rPr lang="pt-BR" i="1" smtClean="0">
+                              <a:latin typeface="Cambria Math" panose="02040503050406030204" pitchFamily="18" charset="0"/>
+                            </a:rPr>
+                          </m:ctrlPr>
+                        </m:sSubPr>
+                        <m:e>
+                          <m:r>
+                            <a:rPr lang="pt-BR" b="0" i="1" smtClean="0">
+                              <a:latin typeface="Cambria Math" panose="02040503050406030204" pitchFamily="18" charset="0"/>
+                            </a:rPr>
+                            <m:t>𝑏</m:t>
+                          </m:r>
+                        </m:e>
+                        <m:sub>
+                          <m:r>
+                            <a:rPr lang="pt-BR" b="0" i="1" smtClean="0">
+                              <a:latin typeface="Cambria Math" panose="02040503050406030204" pitchFamily="18" charset="0"/>
+                            </a:rPr>
+                            <m:t>2</m:t>
+                          </m:r>
+                        </m:sub>
+                      </m:sSub>
+                    </m:oMath>
+                  </m:oMathPara>
+                </a14:m>
+                <a:endParaRPr lang="pt-BR" dirty="0"/>
+              </a:p>
+            </p:txBody>
+          </p:sp>
+        </mc:Choice>
+        <mc:Fallback xmlns="">
+          <p:sp>
+            <p:nvSpPr>
+              <p:cNvPr id="9" name="TextBox 8">
+                <a:extLst>
+                  <a:ext uri="{FF2B5EF4-FFF2-40B4-BE49-F238E27FC236}">
+                    <a16:creationId xmlns:a16="http://schemas.microsoft.com/office/drawing/2014/main" id="{E71D6E3D-93A6-C546-9BC6-C2F1BD5B107C}"/>
+                  </a:ext>
+                </a:extLst>
+              </p:cNvPr>
+              <p:cNvSpPr txBox="1">
+                <a:spLocks noRot="1" noChangeAspect="1" noMove="1" noResize="1" noEditPoints="1" noAdjustHandles="1" noChangeArrowheads="1" noChangeShapeType="1" noTextEdit="1"/>
+              </p:cNvSpPr>
+              <p:nvPr/>
+            </p:nvSpPr>
+            <p:spPr>
+              <a:xfrm>
+                <a:off x="2401602" y="4196991"/>
+                <a:ext cx="407611" cy="307777"/>
+              </a:xfrm>
+              <a:prstGeom prst="rect">
+                <a:avLst/>
+              </a:prstGeom>
+              <a:blipFill>
+                <a:blip r:embed="rId15"/>
+                <a:stretch>
+                  <a:fillRect/>
+                </a:stretch>
+              </a:blipFill>
+            </p:spPr>
+            <p:txBody>
+              <a:bodyPr/>
+              <a:lstStyle/>
+              <a:p>
+                <a:r>
+                  <a:rPr lang="pt-BR">
+                    <a:noFill/>
+                  </a:rPr>
+                  <a:t> </a:t>
+                </a:r>
+              </a:p>
+            </p:txBody>
+          </p:sp>
+        </mc:Fallback>
+      </mc:AlternateContent>
+      <mc:AlternateContent xmlns:mc="http://schemas.openxmlformats.org/markup-compatibility/2006" xmlns:a14="http://schemas.microsoft.com/office/drawing/2010/main">
+        <mc:Choice Requires="a14">
+          <p:sp>
+            <p:nvSpPr>
+              <p:cNvPr id="10" name="TextBox 9">
+                <a:extLst>
+                  <a:ext uri="{FF2B5EF4-FFF2-40B4-BE49-F238E27FC236}">
+                    <a16:creationId xmlns:a16="http://schemas.microsoft.com/office/drawing/2014/main" id="{DB3E2237-E4DD-0754-FA74-52FDEB2C79EE}"/>
+                  </a:ext>
+                </a:extLst>
+              </p:cNvPr>
+              <p:cNvSpPr txBox="1"/>
+              <p:nvPr/>
+            </p:nvSpPr>
+            <p:spPr>
+              <a:xfrm>
+                <a:off x="3112219" y="4070859"/>
+                <a:ext cx="1180323" cy="307777"/>
+              </a:xfrm>
+              <a:prstGeom prst="rect">
+                <a:avLst/>
+              </a:prstGeom>
+              <a:noFill/>
+            </p:spPr>
+            <p:txBody>
+              <a:bodyPr wrap="none" rtlCol="0">
+                <a:spAutoFit/>
+              </a:bodyPr>
+              <a:lstStyle/>
+              <a:p>
+                <a:pPr/>
+                <a14:m>
+                  <m:oMathPara xmlns:m="http://schemas.openxmlformats.org/officeDocument/2006/math">
+                    <m:oMathParaPr>
+                      <m:jc m:val="centerGroup"/>
+                    </m:oMathParaPr>
+                    <m:oMath xmlns:m="http://schemas.openxmlformats.org/officeDocument/2006/math">
+                      <m:r>
+                        <a:rPr lang="pt-BR" i="1" smtClean="0">
+                          <a:latin typeface="Cambria Math" panose="02040503050406030204" pitchFamily="18" charset="0"/>
+                          <a:ea typeface="Cambria Math" panose="02040503050406030204" pitchFamily="18" charset="0"/>
+                        </a:rPr>
+                        <m:t>𝜃</m:t>
+                      </m:r>
+                      <m:r>
+                        <a:rPr lang="pt-BR" b="0" i="1" smtClean="0">
+                          <a:latin typeface="Cambria Math" panose="02040503050406030204" pitchFamily="18" charset="0"/>
+                          <a:ea typeface="Cambria Math" panose="02040503050406030204" pitchFamily="18" charset="0"/>
+                        </a:rPr>
+                        <m:t>= </m:t>
+                      </m:r>
+                      <m:sSub>
+                        <m:sSubPr>
+                          <m:ctrlPr>
+                            <a:rPr lang="pt-BR" b="0" i="1" smtClean="0">
+                              <a:latin typeface="Cambria Math" panose="02040503050406030204" pitchFamily="18" charset="0"/>
+                              <a:ea typeface="Cambria Math" panose="02040503050406030204" pitchFamily="18" charset="0"/>
+                            </a:rPr>
+                          </m:ctrlPr>
+                        </m:sSubPr>
+                        <m:e>
+                          <m:r>
+                            <a:rPr lang="pt-BR" b="0" i="1" smtClean="0">
+                              <a:latin typeface="Cambria Math" panose="02040503050406030204" pitchFamily="18" charset="0"/>
+                              <a:ea typeface="Cambria Math" panose="02040503050406030204" pitchFamily="18" charset="0"/>
+                            </a:rPr>
+                            <m:t>𝜃</m:t>
+                          </m:r>
+                        </m:e>
+                        <m:sub>
+                          <m:r>
+                            <a:rPr lang="pt-BR" b="0" i="1" smtClean="0">
+                              <a:latin typeface="Cambria Math" panose="02040503050406030204" pitchFamily="18" charset="0"/>
+                              <a:ea typeface="Cambria Math" panose="02040503050406030204" pitchFamily="18" charset="0"/>
+                            </a:rPr>
+                            <m:t>1</m:t>
+                          </m:r>
+                        </m:sub>
+                      </m:sSub>
+                      <m:r>
+                        <a:rPr lang="pt-BR" b="0" i="1" smtClean="0">
+                          <a:latin typeface="Cambria Math" panose="02040503050406030204" pitchFamily="18" charset="0"/>
+                          <a:ea typeface="Cambria Math" panose="02040503050406030204" pitchFamily="18" charset="0"/>
+                        </a:rPr>
+                        <m:t>−</m:t>
+                      </m:r>
+                      <m:sSub>
+                        <m:sSubPr>
+                          <m:ctrlPr>
+                            <a:rPr lang="pt-BR" b="0" i="1" smtClean="0">
+                              <a:latin typeface="Cambria Math" panose="02040503050406030204" pitchFamily="18" charset="0"/>
+                              <a:ea typeface="Cambria Math" panose="02040503050406030204" pitchFamily="18" charset="0"/>
+                            </a:rPr>
+                          </m:ctrlPr>
+                        </m:sSubPr>
+                        <m:e>
+                          <m:r>
+                            <a:rPr lang="pt-BR" b="0" i="1" smtClean="0">
+                              <a:latin typeface="Cambria Math" panose="02040503050406030204" pitchFamily="18" charset="0"/>
+                              <a:ea typeface="Cambria Math" panose="02040503050406030204" pitchFamily="18" charset="0"/>
+                            </a:rPr>
+                            <m:t>𝜃</m:t>
+                          </m:r>
+                        </m:e>
+                        <m:sub>
+                          <m:r>
+                            <a:rPr lang="pt-BR" b="0" i="1" smtClean="0">
+                              <a:latin typeface="Cambria Math" panose="02040503050406030204" pitchFamily="18" charset="0"/>
+                              <a:ea typeface="Cambria Math" panose="02040503050406030204" pitchFamily="18" charset="0"/>
+                            </a:rPr>
+                            <m:t>2</m:t>
+                          </m:r>
+                        </m:sub>
+                      </m:sSub>
+                    </m:oMath>
+                  </m:oMathPara>
+                </a14:m>
+                <a:endParaRPr lang="pt-BR" dirty="0"/>
+              </a:p>
+            </p:txBody>
+          </p:sp>
+        </mc:Choice>
+        <mc:Fallback xmlns="">
+          <p:sp>
+            <p:nvSpPr>
+              <p:cNvPr id="10" name="TextBox 9">
+                <a:extLst>
+                  <a:ext uri="{FF2B5EF4-FFF2-40B4-BE49-F238E27FC236}">
+                    <a16:creationId xmlns:a16="http://schemas.microsoft.com/office/drawing/2014/main" id="{DB3E2237-E4DD-0754-FA74-52FDEB2C79EE}"/>
+                  </a:ext>
+                </a:extLst>
+              </p:cNvPr>
+              <p:cNvSpPr txBox="1">
+                <a:spLocks noRot="1" noChangeAspect="1" noMove="1" noResize="1" noEditPoints="1" noAdjustHandles="1" noChangeArrowheads="1" noChangeShapeType="1" noTextEdit="1"/>
+              </p:cNvSpPr>
+              <p:nvPr/>
+            </p:nvSpPr>
+            <p:spPr>
+              <a:xfrm>
+                <a:off x="3112219" y="4070859"/>
+                <a:ext cx="1180323" cy="307777"/>
+              </a:xfrm>
+              <a:prstGeom prst="rect">
+                <a:avLst/>
+              </a:prstGeom>
+              <a:blipFill>
+                <a:blip r:embed="rId16"/>
+                <a:stretch>
+                  <a:fillRect/>
+                </a:stretch>
+              </a:blipFill>
+            </p:spPr>
+            <p:txBody>
+              <a:bodyPr/>
+              <a:lstStyle/>
+              <a:p>
+                <a:r>
+                  <a:rPr lang="pt-BR">
+                    <a:noFill/>
+                  </a:rPr>
+                  <a:t> </a:t>
+                </a:r>
+              </a:p>
+            </p:txBody>
+          </p:sp>
+        </mc:Fallback>
+      </mc:AlternateContent>
+      <mc:AlternateContent xmlns:mc="http://schemas.openxmlformats.org/markup-compatibility/2006" xmlns:a14="http://schemas.microsoft.com/office/drawing/2010/main">
+        <mc:Choice Requires="a14">
+          <p:sp>
+            <p:nvSpPr>
+              <p:cNvPr id="12" name="TextBox 11">
+                <a:extLst>
+                  <a:ext uri="{FF2B5EF4-FFF2-40B4-BE49-F238E27FC236}">
+                    <a16:creationId xmlns:a16="http://schemas.microsoft.com/office/drawing/2014/main" id="{716EDBDE-FB3E-7CFB-A99F-AEFA9D218C76}"/>
+                  </a:ext>
+                </a:extLst>
+              </p:cNvPr>
+              <p:cNvSpPr txBox="1"/>
+              <p:nvPr/>
+            </p:nvSpPr>
+            <p:spPr>
+              <a:xfrm rot="4053757">
+                <a:off x="962134" y="915473"/>
+                <a:ext cx="141012" cy="276999"/>
+              </a:xfrm>
+              <a:prstGeom prst="rect">
+                <a:avLst/>
+              </a:prstGeom>
+              <a:noFill/>
+            </p:spPr>
+            <p:txBody>
+              <a:bodyPr wrap="square" rtlCol="0">
+                <a:spAutoFit/>
+              </a:bodyPr>
+              <a:lstStyle/>
+              <a:p>
+                <a:pPr/>
+                <a14:m>
+                  <m:oMathPara xmlns:m="http://schemas.openxmlformats.org/officeDocument/2006/math">
+                    <m:oMathParaPr>
+                      <m:jc m:val="centerGroup"/>
+                    </m:oMathParaPr>
+                    <m:oMath xmlns:m="http://schemas.openxmlformats.org/officeDocument/2006/math">
+                      <m:r>
+                        <a:rPr lang="pt-BR" sz="1200" b="0" i="1" smtClean="0">
+                          <a:solidFill>
+                            <a:srgbClr val="00B050"/>
+                          </a:solidFill>
+                          <a:latin typeface="Cambria Math" panose="02040503050406030204" pitchFamily="18" charset="0"/>
+                          <a:ea typeface="Cambria Math" panose="02040503050406030204" pitchFamily="18" charset="0"/>
+                        </a:rPr>
+                        <m:t>…</m:t>
+                      </m:r>
+                    </m:oMath>
+                  </m:oMathPara>
+                </a14:m>
+                <a:endParaRPr lang="pt-BR" sz="1200" b="1" dirty="0">
+                  <a:solidFill>
+                    <a:srgbClr val="00B050"/>
+                  </a:solidFill>
+                </a:endParaRPr>
+              </a:p>
+            </p:txBody>
+          </p:sp>
+        </mc:Choice>
+        <mc:Fallback xmlns="">
+          <p:sp>
+            <p:nvSpPr>
+              <p:cNvPr id="12" name="TextBox 11">
+                <a:extLst>
+                  <a:ext uri="{FF2B5EF4-FFF2-40B4-BE49-F238E27FC236}">
+                    <a16:creationId xmlns:a16="http://schemas.microsoft.com/office/drawing/2014/main" id="{716EDBDE-FB3E-7CFB-A99F-AEFA9D218C76}"/>
+                  </a:ext>
+                </a:extLst>
+              </p:cNvPr>
+              <p:cNvSpPr txBox="1">
+                <a:spLocks noRot="1" noChangeAspect="1" noMove="1" noResize="1" noEditPoints="1" noAdjustHandles="1" noChangeArrowheads="1" noChangeShapeType="1" noTextEdit="1"/>
+              </p:cNvSpPr>
+              <p:nvPr/>
+            </p:nvSpPr>
+            <p:spPr>
+              <a:xfrm rot="4053757">
+                <a:off x="962134" y="915473"/>
+                <a:ext cx="141012" cy="276999"/>
+              </a:xfrm>
+              <a:prstGeom prst="rect">
+                <a:avLst/>
+              </a:prstGeom>
+              <a:blipFill>
+                <a:blip r:embed="rId17"/>
+                <a:stretch>
+                  <a:fillRect b="-7500"/>
+                </a:stretch>
+              </a:blipFill>
+            </p:spPr>
+            <p:txBody>
+              <a:bodyPr/>
+              <a:lstStyle/>
+              <a:p>
+                <a:r>
+                  <a:rPr lang="pt-BR">
+                    <a:noFill/>
+                  </a:rPr>
+                  <a:t> </a:t>
+                </a:r>
+              </a:p>
+            </p:txBody>
+          </p:sp>
+        </mc:Fallback>
+      </mc:AlternateContent>
+      <p:sp>
+        <p:nvSpPr>
+          <p:cNvPr id="13" name="Google Shape;395;p45">
+            <a:extLst>
+              <a:ext uri="{FF2B5EF4-FFF2-40B4-BE49-F238E27FC236}">
+                <a16:creationId xmlns:a16="http://schemas.microsoft.com/office/drawing/2014/main" id="{4C94B5B2-79D3-1DED-FA06-9A5A4AE81755}"/>
+              </a:ext>
+            </a:extLst>
+          </p:cNvPr>
+          <p:cNvSpPr txBox="1">
+            <a:spLocks/>
+          </p:cNvSpPr>
+          <p:nvPr/>
+        </p:nvSpPr>
+        <p:spPr>
+          <a:xfrm>
+            <a:off x="0" y="-14757"/>
+            <a:ext cx="8832300" cy="575700"/>
+          </a:xfrm>
+          <a:prstGeom prst="rect">
+            <a:avLst/>
+          </a:prstGeom>
+          <a:noFill/>
+          <a:ln>
+            <a:noFill/>
+          </a:ln>
+        </p:spPr>
+        <p:txBody>
+          <a:bodyPr spcFirstLastPara="1" wrap="square" lIns="91425" tIns="91425" rIns="91425" bIns="91425" anchor="b" anchorCtr="0">
+            <a:normAutofit fontScale="97500"/>
+          </a:bodyPr>
+          <a:lstStyle>
+            <a:defPPr marR="0" lvl="0" algn="l" rtl="0">
+              <a:lnSpc>
+                <a:spcPct val="100000"/>
+              </a:lnSpc>
+              <a:spcBef>
+                <a:spcPts val="0"/>
+              </a:spcBef>
+              <a:spcAft>
+                <a:spcPts val="0"/>
+              </a:spcAft>
+            </a:defPPr>
+            <a:lvl1pPr marR="0" lvl="0" algn="l" rtl="0">
+              <a:lnSpc>
+                <a:spcPct val="100000"/>
+              </a:lnSpc>
+              <a:spcBef>
+                <a:spcPts val="0"/>
+              </a:spcBef>
+              <a:spcAft>
+                <a:spcPts val="0"/>
+              </a:spcAft>
+              <a:buClr>
+                <a:schemeClr val="dk1"/>
+              </a:buClr>
+              <a:buSzPts val="2800"/>
+              <a:buFont typeface="Arial"/>
+              <a:buNone/>
+              <a:defRPr sz="2800" b="0" i="0" u="none" strike="noStrike" cap="none">
+                <a:solidFill>
+                  <a:schemeClr val="dk1"/>
+                </a:solidFill>
+                <a:latin typeface="Arial"/>
+                <a:ea typeface="Arial"/>
+                <a:cs typeface="Arial"/>
+                <a:sym typeface="Arial"/>
+              </a:defRPr>
+            </a:lvl1pPr>
+            <a:lvl2pPr marR="0" lvl="1" algn="l" rtl="0">
+              <a:lnSpc>
+                <a:spcPct val="100000"/>
+              </a:lnSpc>
+              <a:spcBef>
+                <a:spcPts val="0"/>
+              </a:spcBef>
+              <a:spcAft>
+                <a:spcPts val="0"/>
+              </a:spcAft>
+              <a:buClr>
+                <a:schemeClr val="dk1"/>
+              </a:buClr>
+              <a:buSzPts val="2800"/>
+              <a:buFont typeface="Arial"/>
+              <a:buNone/>
+              <a:defRPr sz="2800" b="0" i="0" u="none" strike="noStrike" cap="none">
+                <a:solidFill>
+                  <a:schemeClr val="dk1"/>
+                </a:solidFill>
+                <a:latin typeface="Arial"/>
+                <a:ea typeface="Arial"/>
+                <a:cs typeface="Arial"/>
+                <a:sym typeface="Arial"/>
+              </a:defRPr>
+            </a:lvl2pPr>
+            <a:lvl3pPr marR="0" lvl="2" algn="l" rtl="0">
+              <a:lnSpc>
+                <a:spcPct val="100000"/>
+              </a:lnSpc>
+              <a:spcBef>
+                <a:spcPts val="0"/>
+              </a:spcBef>
+              <a:spcAft>
+                <a:spcPts val="0"/>
+              </a:spcAft>
+              <a:buClr>
+                <a:schemeClr val="dk1"/>
+              </a:buClr>
+              <a:buSzPts val="2800"/>
+              <a:buFont typeface="Arial"/>
+              <a:buNone/>
+              <a:defRPr sz="2800" b="0" i="0" u="none" strike="noStrike" cap="none">
+                <a:solidFill>
+                  <a:schemeClr val="dk1"/>
+                </a:solidFill>
+                <a:latin typeface="Arial"/>
+                <a:ea typeface="Arial"/>
+                <a:cs typeface="Arial"/>
+                <a:sym typeface="Arial"/>
+              </a:defRPr>
+            </a:lvl3pPr>
+            <a:lvl4pPr marR="0" lvl="3" algn="l" rtl="0">
+              <a:lnSpc>
+                <a:spcPct val="100000"/>
+              </a:lnSpc>
+              <a:spcBef>
+                <a:spcPts val="0"/>
+              </a:spcBef>
+              <a:spcAft>
+                <a:spcPts val="0"/>
+              </a:spcAft>
+              <a:buClr>
+                <a:schemeClr val="dk1"/>
+              </a:buClr>
+              <a:buSzPts val="2800"/>
+              <a:buFont typeface="Arial"/>
+              <a:buNone/>
+              <a:defRPr sz="2800" b="0" i="0" u="none" strike="noStrike" cap="none">
+                <a:solidFill>
+                  <a:schemeClr val="dk1"/>
+                </a:solidFill>
+                <a:latin typeface="Arial"/>
+                <a:ea typeface="Arial"/>
+                <a:cs typeface="Arial"/>
+                <a:sym typeface="Arial"/>
+              </a:defRPr>
+            </a:lvl4pPr>
+            <a:lvl5pPr marR="0" lvl="4" algn="l" rtl="0">
+              <a:lnSpc>
+                <a:spcPct val="100000"/>
+              </a:lnSpc>
+              <a:spcBef>
+                <a:spcPts val="0"/>
+              </a:spcBef>
+              <a:spcAft>
+                <a:spcPts val="0"/>
+              </a:spcAft>
+              <a:buClr>
+                <a:schemeClr val="dk1"/>
+              </a:buClr>
+              <a:buSzPts val="2800"/>
+              <a:buFont typeface="Arial"/>
+              <a:buNone/>
+              <a:defRPr sz="2800" b="0" i="0" u="none" strike="noStrike" cap="none">
+                <a:solidFill>
+                  <a:schemeClr val="dk1"/>
+                </a:solidFill>
+                <a:latin typeface="Arial"/>
+                <a:ea typeface="Arial"/>
+                <a:cs typeface="Arial"/>
+                <a:sym typeface="Arial"/>
+              </a:defRPr>
+            </a:lvl5pPr>
+            <a:lvl6pPr marR="0" lvl="5" algn="l" rtl="0">
+              <a:lnSpc>
+                <a:spcPct val="100000"/>
+              </a:lnSpc>
+              <a:spcBef>
+                <a:spcPts val="0"/>
+              </a:spcBef>
+              <a:spcAft>
+                <a:spcPts val="0"/>
+              </a:spcAft>
+              <a:buClr>
+                <a:schemeClr val="dk1"/>
+              </a:buClr>
+              <a:buSzPts val="2800"/>
+              <a:buFont typeface="Arial"/>
+              <a:buNone/>
+              <a:defRPr sz="2800" b="0" i="0" u="none" strike="noStrike" cap="none">
+                <a:solidFill>
+                  <a:schemeClr val="dk1"/>
+                </a:solidFill>
+                <a:latin typeface="Arial"/>
+                <a:ea typeface="Arial"/>
+                <a:cs typeface="Arial"/>
+                <a:sym typeface="Arial"/>
+              </a:defRPr>
+            </a:lvl6pPr>
+            <a:lvl7pPr marR="0" lvl="6" algn="l" rtl="0">
+              <a:lnSpc>
+                <a:spcPct val="100000"/>
+              </a:lnSpc>
+              <a:spcBef>
+                <a:spcPts val="0"/>
+              </a:spcBef>
+              <a:spcAft>
+                <a:spcPts val="0"/>
+              </a:spcAft>
+              <a:buClr>
+                <a:schemeClr val="dk1"/>
+              </a:buClr>
+              <a:buSzPts val="2800"/>
+              <a:buFont typeface="Arial"/>
+              <a:buNone/>
+              <a:defRPr sz="2800" b="0" i="0" u="none" strike="noStrike" cap="none">
+                <a:solidFill>
+                  <a:schemeClr val="dk1"/>
+                </a:solidFill>
+                <a:latin typeface="Arial"/>
+                <a:ea typeface="Arial"/>
+                <a:cs typeface="Arial"/>
+                <a:sym typeface="Arial"/>
+              </a:defRPr>
+            </a:lvl7pPr>
+            <a:lvl8pPr marR="0" lvl="7" algn="l" rtl="0">
+              <a:lnSpc>
+                <a:spcPct val="100000"/>
+              </a:lnSpc>
+              <a:spcBef>
+                <a:spcPts val="0"/>
+              </a:spcBef>
+              <a:spcAft>
+                <a:spcPts val="0"/>
+              </a:spcAft>
+              <a:buClr>
+                <a:schemeClr val="dk1"/>
+              </a:buClr>
+              <a:buSzPts val="2800"/>
+              <a:buFont typeface="Arial"/>
+              <a:buNone/>
+              <a:defRPr sz="2800" b="0" i="0" u="none" strike="noStrike" cap="none">
+                <a:solidFill>
+                  <a:schemeClr val="dk1"/>
+                </a:solidFill>
+                <a:latin typeface="Arial"/>
+                <a:ea typeface="Arial"/>
+                <a:cs typeface="Arial"/>
+                <a:sym typeface="Arial"/>
+              </a:defRPr>
+            </a:lvl8pPr>
+            <a:lvl9pPr marR="0" lvl="8" algn="l" rtl="0">
+              <a:lnSpc>
+                <a:spcPct val="100000"/>
+              </a:lnSpc>
+              <a:spcBef>
+                <a:spcPts val="0"/>
+              </a:spcBef>
+              <a:spcAft>
+                <a:spcPts val="0"/>
+              </a:spcAft>
+              <a:buClr>
+                <a:schemeClr val="dk1"/>
+              </a:buClr>
+              <a:buSzPts val="2800"/>
+              <a:buFont typeface="Arial"/>
+              <a:buNone/>
+              <a:defRPr sz="2800" b="0" i="0" u="none" strike="noStrike" cap="none">
+                <a:solidFill>
+                  <a:schemeClr val="dk1"/>
+                </a:solidFill>
+                <a:latin typeface="Arial"/>
+                <a:ea typeface="Arial"/>
+                <a:cs typeface="Arial"/>
+                <a:sym typeface="Arial"/>
+              </a:defRPr>
+            </a:lvl9pPr>
+          </a:lstStyle>
+          <a:p>
+            <a:r>
+              <a:rPr lang="pt-BR" sz="2500" dirty="0">
+                <a:latin typeface="+mn-lt"/>
+              </a:rPr>
+              <a:t>Comparação entre modelos de NN: Número de Splitters</a:t>
+            </a:r>
+          </a:p>
+        </p:txBody>
+      </p:sp>
+      <p:sp>
+        <p:nvSpPr>
+          <p:cNvPr id="3" name="TextBox 2">
+            <a:extLst>
+              <a:ext uri="{FF2B5EF4-FFF2-40B4-BE49-F238E27FC236}">
+                <a16:creationId xmlns:a16="http://schemas.microsoft.com/office/drawing/2014/main" id="{E68D17FA-F464-6058-715F-F293C2B41DF9}"/>
+              </a:ext>
+            </a:extLst>
+          </p:cNvPr>
+          <p:cNvSpPr txBox="1"/>
+          <p:nvPr/>
+        </p:nvSpPr>
+        <p:spPr>
+          <a:xfrm>
+            <a:off x="5356490" y="2335696"/>
+            <a:ext cx="1550719" cy="261610"/>
+          </a:xfrm>
+          <a:prstGeom prst="rect">
+            <a:avLst/>
+          </a:prstGeom>
+          <a:noFill/>
+        </p:spPr>
+        <p:txBody>
+          <a:bodyPr wrap="square" rtlCol="0">
+            <a:spAutoFit/>
+          </a:bodyPr>
+          <a:lstStyle/>
+          <a:p>
+            <a:pPr algn="just"/>
+            <a:r>
+              <a:rPr lang="pt-BR" sz="1100" dirty="0"/>
+              <a:t>Para IL = 0.20dB/cell</a:t>
+            </a:r>
+          </a:p>
+        </p:txBody>
+      </p:sp>
+    </p:spTree>
+    <p:extLst>
+      <p:ext uri="{BB962C8B-B14F-4D97-AF65-F5344CB8AC3E}">
+        <p14:creationId xmlns:p14="http://schemas.microsoft.com/office/powerpoint/2010/main" val="1440646292"/>
+      </p:ext>
+    </p:extLst>
+  </p:cSld>
+  <p:clrMapOvr>
+    <a:masterClrMapping/>
+  </p:clrMapOvr>
+</p:sld>
+</file>
+
+<file path=ppt/slides/slide24.xml><?xml version="1.0" encoding="utf-8"?>
+<p:sld xmlns:a="http://schemas.openxmlformats.org/drawingml/2006/main" xmlns:r="http://schemas.openxmlformats.org/officeDocument/2006/relationships" xmlns:p="http://schemas.openxmlformats.org/presentationml/2006/main">
+  <p:cSld>
+    <p:spTree>
+      <p:nvGrpSpPr>
+        <p:cNvPr id="1" name=""/>
+        <p:cNvGrpSpPr/>
+        <p:nvPr/>
+      </p:nvGrpSpPr>
+      <p:grpSpPr>
+        <a:xfrm>
+          <a:off x="0" y="0"/>
+          <a:ext cx="0" cy="0"/>
+          <a:chOff x="0" y="0"/>
+          <a:chExt cx="0" cy="0"/>
+        </a:xfrm>
+      </p:grpSpPr>
+      <p:sp>
+        <p:nvSpPr>
+          <p:cNvPr id="28" name="Rectangle: Rounded Corners 27">
+            <a:extLst>
+              <a:ext uri="{FF2B5EF4-FFF2-40B4-BE49-F238E27FC236}">
+                <a16:creationId xmlns:a16="http://schemas.microsoft.com/office/drawing/2014/main" id="{DC909E00-5EF4-5A76-A8AD-E32C6C4734EE}"/>
+              </a:ext>
+            </a:extLst>
+          </p:cNvPr>
+          <p:cNvSpPr/>
+          <p:nvPr/>
+        </p:nvSpPr>
+        <p:spPr>
+          <a:xfrm>
+            <a:off x="1440275" y="611802"/>
+            <a:ext cx="6058006" cy="416922"/>
+          </a:xfrm>
+          <a:prstGeom prst="roundRect">
+            <a:avLst/>
+          </a:prstGeom>
+        </p:spPr>
+        <p:style>
+          <a:lnRef idx="1">
+            <a:schemeClr val="dk1"/>
+          </a:lnRef>
+          <a:fillRef idx="2">
+            <a:schemeClr val="dk1"/>
+          </a:fillRef>
+          <a:effectRef idx="1">
+            <a:schemeClr val="dk1"/>
+          </a:effectRef>
+          <a:fontRef idx="minor">
+            <a:schemeClr val="dk1"/>
+          </a:fontRef>
+        </p:style>
+        <p:txBody>
+          <a:bodyPr rtlCol="0" anchor="ctr"/>
+          <a:lstStyle/>
+          <a:p>
+            <a:pPr algn="ctr"/>
+            <a:endParaRPr lang="pt-BR"/>
+          </a:p>
+        </p:txBody>
+      </p:sp>
+      <p:pic>
+        <p:nvPicPr>
+          <p:cNvPr id="7" name="Picture 6">
+            <a:extLst>
+              <a:ext uri="{FF2B5EF4-FFF2-40B4-BE49-F238E27FC236}">
+                <a16:creationId xmlns:a16="http://schemas.microsoft.com/office/drawing/2014/main" id="{7A5BDD21-4F00-F866-8C9E-180AD4BDB48B}"/>
+              </a:ext>
+            </a:extLst>
+          </p:cNvPr>
+          <p:cNvPicPr>
+            <a:picLocks noChangeAspect="1"/>
+          </p:cNvPicPr>
+          <p:nvPr/>
+        </p:nvPicPr>
+        <p:blipFill>
+          <a:blip r:embed="rId2"/>
+          <a:stretch>
+            <a:fillRect/>
+          </a:stretch>
+        </p:blipFill>
+        <p:spPr>
+          <a:xfrm>
+            <a:off x="5592486" y="1144486"/>
+            <a:ext cx="2381602" cy="1122572"/>
+          </a:xfrm>
+          <a:prstGeom prst="rect">
+            <a:avLst/>
+          </a:prstGeom>
+        </p:spPr>
+      </p:pic>
+      <p:sp>
+        <p:nvSpPr>
+          <p:cNvPr id="4" name="Slide Number Placeholder 3">
+            <a:extLst>
+              <a:ext uri="{FF2B5EF4-FFF2-40B4-BE49-F238E27FC236}">
+                <a16:creationId xmlns:a16="http://schemas.microsoft.com/office/drawing/2014/main" id="{DD6D8166-12CE-09CD-18CF-427B82E9A196}"/>
+              </a:ext>
+            </a:extLst>
+          </p:cNvPr>
+          <p:cNvSpPr>
+            <a:spLocks noGrp="1" noRot="1" noMove="1" noResize="1" noEditPoints="1" noAdjustHandles="1" noChangeArrowheads="1" noChangeShapeType="1"/>
+          </p:cNvSpPr>
+          <p:nvPr>
+            <p:ph type="sldNum" idx="12"/>
+          </p:nvPr>
+        </p:nvSpPr>
+        <p:spPr/>
+        <p:txBody>
+          <a:bodyPr/>
+          <a:lstStyle/>
+          <a:p>
+            <a:pPr marL="0" lvl="0" indent="0" algn="r" rtl="0">
+              <a:spcBef>
+                <a:spcPts val="0"/>
+              </a:spcBef>
+              <a:spcAft>
+                <a:spcPts val="0"/>
+              </a:spcAft>
+              <a:buNone/>
+            </a:pPr>
+            <a:fld id="{00000000-1234-1234-1234-123412341234}" type="slidenum">
+              <a:rPr lang="pt-BR" smtClean="0"/>
+              <a:t>24</a:t>
+            </a:fld>
+            <a:endParaRPr lang="pt-BR" dirty="0"/>
+          </a:p>
+        </p:txBody>
+      </p:sp>
+      <p:sp>
+        <p:nvSpPr>
+          <p:cNvPr id="11" name="Google Shape;395;p45">
+            <a:extLst>
+              <a:ext uri="{FF2B5EF4-FFF2-40B4-BE49-F238E27FC236}">
+                <a16:creationId xmlns:a16="http://schemas.microsoft.com/office/drawing/2014/main" id="{5097425B-F07C-BEF9-9436-BDE5F00B62EE}"/>
+              </a:ext>
+            </a:extLst>
+          </p:cNvPr>
+          <p:cNvSpPr txBox="1">
+            <a:spLocks/>
+          </p:cNvSpPr>
+          <p:nvPr/>
+        </p:nvSpPr>
+        <p:spPr>
+          <a:xfrm>
+            <a:off x="0" y="0"/>
+            <a:ext cx="8832300" cy="575700"/>
+          </a:xfrm>
+          <a:prstGeom prst="rect">
+            <a:avLst/>
+          </a:prstGeom>
+          <a:noFill/>
+          <a:ln>
+            <a:noFill/>
+          </a:ln>
+        </p:spPr>
+        <p:txBody>
+          <a:bodyPr spcFirstLastPara="1" wrap="square" lIns="91425" tIns="91425" rIns="91425" bIns="91425" anchor="b" anchorCtr="0">
+            <a:normAutofit fontScale="97500"/>
+          </a:bodyPr>
+          <a:lstStyle>
+            <a:defPPr marR="0" lvl="0" algn="l" rtl="0">
+              <a:lnSpc>
+                <a:spcPct val="100000"/>
+              </a:lnSpc>
+              <a:spcBef>
+                <a:spcPts val="0"/>
+              </a:spcBef>
+              <a:spcAft>
+                <a:spcPts val="0"/>
+              </a:spcAft>
+            </a:defPPr>
+            <a:lvl1pPr marR="0" lvl="0" algn="l" rtl="0">
+              <a:lnSpc>
+                <a:spcPct val="100000"/>
+              </a:lnSpc>
+              <a:spcBef>
+                <a:spcPts val="0"/>
+              </a:spcBef>
+              <a:spcAft>
+                <a:spcPts val="0"/>
+              </a:spcAft>
+              <a:buClr>
+                <a:schemeClr val="dk1"/>
+              </a:buClr>
+              <a:buSzPts val="2800"/>
+              <a:buFont typeface="Arial"/>
+              <a:buNone/>
+              <a:defRPr sz="2800" b="0" i="0" u="none" strike="noStrike" cap="none">
+                <a:solidFill>
+                  <a:schemeClr val="dk1"/>
+                </a:solidFill>
+                <a:latin typeface="Arial"/>
+                <a:ea typeface="Arial"/>
+                <a:cs typeface="Arial"/>
+                <a:sym typeface="Arial"/>
+              </a:defRPr>
+            </a:lvl1pPr>
+            <a:lvl2pPr marR="0" lvl="1" algn="l" rtl="0">
+              <a:lnSpc>
+                <a:spcPct val="100000"/>
+              </a:lnSpc>
+              <a:spcBef>
+                <a:spcPts val="0"/>
+              </a:spcBef>
+              <a:spcAft>
+                <a:spcPts val="0"/>
+              </a:spcAft>
+              <a:buClr>
+                <a:schemeClr val="dk1"/>
+              </a:buClr>
+              <a:buSzPts val="2800"/>
+              <a:buFont typeface="Arial"/>
+              <a:buNone/>
+              <a:defRPr sz="2800" b="0" i="0" u="none" strike="noStrike" cap="none">
+                <a:solidFill>
+                  <a:schemeClr val="dk1"/>
+                </a:solidFill>
+                <a:latin typeface="Arial"/>
+                <a:ea typeface="Arial"/>
+                <a:cs typeface="Arial"/>
+                <a:sym typeface="Arial"/>
+              </a:defRPr>
+            </a:lvl2pPr>
+            <a:lvl3pPr marR="0" lvl="2" algn="l" rtl="0">
+              <a:lnSpc>
+                <a:spcPct val="100000"/>
+              </a:lnSpc>
+              <a:spcBef>
+                <a:spcPts val="0"/>
+              </a:spcBef>
+              <a:spcAft>
+                <a:spcPts val="0"/>
+              </a:spcAft>
+              <a:buClr>
+                <a:schemeClr val="dk1"/>
+              </a:buClr>
+              <a:buSzPts val="2800"/>
+              <a:buFont typeface="Arial"/>
+              <a:buNone/>
+              <a:defRPr sz="2800" b="0" i="0" u="none" strike="noStrike" cap="none">
+                <a:solidFill>
+                  <a:schemeClr val="dk1"/>
+                </a:solidFill>
+                <a:latin typeface="Arial"/>
+                <a:ea typeface="Arial"/>
+                <a:cs typeface="Arial"/>
+                <a:sym typeface="Arial"/>
+              </a:defRPr>
+            </a:lvl3pPr>
+            <a:lvl4pPr marR="0" lvl="3" algn="l" rtl="0">
+              <a:lnSpc>
+                <a:spcPct val="100000"/>
+              </a:lnSpc>
+              <a:spcBef>
+                <a:spcPts val="0"/>
+              </a:spcBef>
+              <a:spcAft>
+                <a:spcPts val="0"/>
+              </a:spcAft>
+              <a:buClr>
+                <a:schemeClr val="dk1"/>
+              </a:buClr>
+              <a:buSzPts val="2800"/>
+              <a:buFont typeface="Arial"/>
+              <a:buNone/>
+              <a:defRPr sz="2800" b="0" i="0" u="none" strike="noStrike" cap="none">
+                <a:solidFill>
+                  <a:schemeClr val="dk1"/>
+                </a:solidFill>
+                <a:latin typeface="Arial"/>
+                <a:ea typeface="Arial"/>
+                <a:cs typeface="Arial"/>
+                <a:sym typeface="Arial"/>
+              </a:defRPr>
+            </a:lvl4pPr>
+            <a:lvl5pPr marR="0" lvl="4" algn="l" rtl="0">
+              <a:lnSpc>
+                <a:spcPct val="100000"/>
+              </a:lnSpc>
+              <a:spcBef>
+                <a:spcPts val="0"/>
+              </a:spcBef>
+              <a:spcAft>
+                <a:spcPts val="0"/>
+              </a:spcAft>
+              <a:buClr>
+                <a:schemeClr val="dk1"/>
+              </a:buClr>
+              <a:buSzPts val="2800"/>
+              <a:buFont typeface="Arial"/>
+              <a:buNone/>
+              <a:defRPr sz="2800" b="0" i="0" u="none" strike="noStrike" cap="none">
+                <a:solidFill>
+                  <a:schemeClr val="dk1"/>
+                </a:solidFill>
+                <a:latin typeface="Arial"/>
+                <a:ea typeface="Arial"/>
+                <a:cs typeface="Arial"/>
+                <a:sym typeface="Arial"/>
+              </a:defRPr>
+            </a:lvl5pPr>
+            <a:lvl6pPr marR="0" lvl="5" algn="l" rtl="0">
+              <a:lnSpc>
+                <a:spcPct val="100000"/>
+              </a:lnSpc>
+              <a:spcBef>
+                <a:spcPts val="0"/>
+              </a:spcBef>
+              <a:spcAft>
+                <a:spcPts val="0"/>
+              </a:spcAft>
+              <a:buClr>
+                <a:schemeClr val="dk1"/>
+              </a:buClr>
+              <a:buSzPts val="2800"/>
+              <a:buFont typeface="Arial"/>
+              <a:buNone/>
+              <a:defRPr sz="2800" b="0" i="0" u="none" strike="noStrike" cap="none">
+                <a:solidFill>
+                  <a:schemeClr val="dk1"/>
+                </a:solidFill>
+                <a:latin typeface="Arial"/>
+                <a:ea typeface="Arial"/>
+                <a:cs typeface="Arial"/>
+                <a:sym typeface="Arial"/>
+              </a:defRPr>
+            </a:lvl6pPr>
+            <a:lvl7pPr marR="0" lvl="6" algn="l" rtl="0">
+              <a:lnSpc>
+                <a:spcPct val="100000"/>
+              </a:lnSpc>
+              <a:spcBef>
+                <a:spcPts val="0"/>
+              </a:spcBef>
+              <a:spcAft>
+                <a:spcPts val="0"/>
+              </a:spcAft>
+              <a:buClr>
+                <a:schemeClr val="dk1"/>
+              </a:buClr>
+              <a:buSzPts val="2800"/>
+              <a:buFont typeface="Arial"/>
+              <a:buNone/>
+              <a:defRPr sz="2800" b="0" i="0" u="none" strike="noStrike" cap="none">
+                <a:solidFill>
+                  <a:schemeClr val="dk1"/>
+                </a:solidFill>
+                <a:latin typeface="Arial"/>
+                <a:ea typeface="Arial"/>
+                <a:cs typeface="Arial"/>
+                <a:sym typeface="Arial"/>
+              </a:defRPr>
+            </a:lvl7pPr>
+            <a:lvl8pPr marR="0" lvl="7" algn="l" rtl="0">
+              <a:lnSpc>
+                <a:spcPct val="100000"/>
+              </a:lnSpc>
+              <a:spcBef>
+                <a:spcPts val="0"/>
+              </a:spcBef>
+              <a:spcAft>
+                <a:spcPts val="0"/>
+              </a:spcAft>
+              <a:buClr>
+                <a:schemeClr val="dk1"/>
+              </a:buClr>
+              <a:buSzPts val="2800"/>
+              <a:buFont typeface="Arial"/>
+              <a:buNone/>
+              <a:defRPr sz="2800" b="0" i="0" u="none" strike="noStrike" cap="none">
+                <a:solidFill>
+                  <a:schemeClr val="dk1"/>
+                </a:solidFill>
+                <a:latin typeface="Arial"/>
+                <a:ea typeface="Arial"/>
+                <a:cs typeface="Arial"/>
+                <a:sym typeface="Arial"/>
+              </a:defRPr>
+            </a:lvl8pPr>
+            <a:lvl9pPr marR="0" lvl="8" algn="l" rtl="0">
+              <a:lnSpc>
+                <a:spcPct val="100000"/>
+              </a:lnSpc>
+              <a:spcBef>
+                <a:spcPts val="0"/>
+              </a:spcBef>
+              <a:spcAft>
+                <a:spcPts val="0"/>
+              </a:spcAft>
+              <a:buClr>
+                <a:schemeClr val="dk1"/>
+              </a:buClr>
+              <a:buSzPts val="2800"/>
+              <a:buFont typeface="Arial"/>
+              <a:buNone/>
+              <a:defRPr sz="2800" b="0" i="0" u="none" strike="noStrike" cap="none">
+                <a:solidFill>
+                  <a:schemeClr val="dk1"/>
+                </a:solidFill>
+                <a:latin typeface="Arial"/>
+                <a:ea typeface="Arial"/>
+                <a:cs typeface="Arial"/>
+                <a:sym typeface="Arial"/>
+              </a:defRPr>
+            </a:lvl9pPr>
+          </a:lstStyle>
+          <a:p>
+            <a:endParaRPr lang="pt-BR" sz="2500" dirty="0">
+              <a:latin typeface="+mn-lt"/>
+            </a:endParaRPr>
+          </a:p>
+        </p:txBody>
+      </p:sp>
+      <p:sp>
+        <p:nvSpPr>
+          <p:cNvPr id="5" name="Google Shape;395;p45">
+            <a:extLst>
+              <a:ext uri="{FF2B5EF4-FFF2-40B4-BE49-F238E27FC236}">
+                <a16:creationId xmlns:a16="http://schemas.microsoft.com/office/drawing/2014/main" id="{CE936A9C-F6C6-E142-55DA-D47FCF15E24D}"/>
+              </a:ext>
+            </a:extLst>
+          </p:cNvPr>
+          <p:cNvSpPr txBox="1">
+            <a:spLocks/>
+          </p:cNvSpPr>
+          <p:nvPr/>
+        </p:nvSpPr>
+        <p:spPr>
+          <a:xfrm>
+            <a:off x="0" y="0"/>
+            <a:ext cx="8832300" cy="575700"/>
+          </a:xfrm>
+          <a:prstGeom prst="rect">
+            <a:avLst/>
+          </a:prstGeom>
+          <a:noFill/>
+          <a:ln>
+            <a:noFill/>
+          </a:ln>
+        </p:spPr>
+        <p:txBody>
+          <a:bodyPr spcFirstLastPara="1" wrap="square" lIns="91425" tIns="91425" rIns="91425" bIns="91425" anchor="b" anchorCtr="0">
+            <a:normAutofit fontScale="90000"/>
+          </a:bodyPr>
+          <a:lstStyle>
+            <a:defPPr marR="0" lvl="0" algn="l" rtl="0">
+              <a:lnSpc>
+                <a:spcPct val="100000"/>
+              </a:lnSpc>
+              <a:spcBef>
+                <a:spcPts val="0"/>
+              </a:spcBef>
+              <a:spcAft>
+                <a:spcPts val="0"/>
+              </a:spcAft>
+            </a:defPPr>
+            <a:lvl1pPr marR="0" lvl="0" algn="l" rtl="0">
+              <a:lnSpc>
+                <a:spcPct val="100000"/>
+              </a:lnSpc>
+              <a:spcBef>
+                <a:spcPts val="0"/>
+              </a:spcBef>
+              <a:spcAft>
+                <a:spcPts val="0"/>
+              </a:spcAft>
+              <a:buClr>
+                <a:schemeClr val="dk1"/>
+              </a:buClr>
+              <a:buSzPts val="2800"/>
+              <a:buFont typeface="Arial"/>
+              <a:buNone/>
+              <a:defRPr sz="2800" b="0" i="0" u="none" strike="noStrike" cap="none">
+                <a:solidFill>
+                  <a:schemeClr val="dk1"/>
+                </a:solidFill>
+                <a:latin typeface="Arial"/>
+                <a:ea typeface="Arial"/>
+                <a:cs typeface="Arial"/>
+                <a:sym typeface="Arial"/>
+              </a:defRPr>
+            </a:lvl1pPr>
+            <a:lvl2pPr marR="0" lvl="1" algn="l" rtl="0">
+              <a:lnSpc>
+                <a:spcPct val="100000"/>
+              </a:lnSpc>
+              <a:spcBef>
+                <a:spcPts val="0"/>
+              </a:spcBef>
+              <a:spcAft>
+                <a:spcPts val="0"/>
+              </a:spcAft>
+              <a:buClr>
+                <a:schemeClr val="dk1"/>
+              </a:buClr>
+              <a:buSzPts val="2800"/>
+              <a:buFont typeface="Arial"/>
+              <a:buNone/>
+              <a:defRPr sz="2800" b="0" i="0" u="none" strike="noStrike" cap="none">
+                <a:solidFill>
+                  <a:schemeClr val="dk1"/>
+                </a:solidFill>
+                <a:latin typeface="Arial"/>
+                <a:ea typeface="Arial"/>
+                <a:cs typeface="Arial"/>
+                <a:sym typeface="Arial"/>
+              </a:defRPr>
+            </a:lvl2pPr>
+            <a:lvl3pPr marR="0" lvl="2" algn="l" rtl="0">
+              <a:lnSpc>
+                <a:spcPct val="100000"/>
+              </a:lnSpc>
+              <a:spcBef>
+                <a:spcPts val="0"/>
+              </a:spcBef>
+              <a:spcAft>
+                <a:spcPts val="0"/>
+              </a:spcAft>
+              <a:buClr>
+                <a:schemeClr val="dk1"/>
+              </a:buClr>
+              <a:buSzPts val="2800"/>
+              <a:buFont typeface="Arial"/>
+              <a:buNone/>
+              <a:defRPr sz="2800" b="0" i="0" u="none" strike="noStrike" cap="none">
+                <a:solidFill>
+                  <a:schemeClr val="dk1"/>
+                </a:solidFill>
+                <a:latin typeface="Arial"/>
+                <a:ea typeface="Arial"/>
+                <a:cs typeface="Arial"/>
+                <a:sym typeface="Arial"/>
+              </a:defRPr>
+            </a:lvl3pPr>
+            <a:lvl4pPr marR="0" lvl="3" algn="l" rtl="0">
+              <a:lnSpc>
+                <a:spcPct val="100000"/>
+              </a:lnSpc>
+              <a:spcBef>
+                <a:spcPts val="0"/>
+              </a:spcBef>
+              <a:spcAft>
+                <a:spcPts val="0"/>
+              </a:spcAft>
+              <a:buClr>
+                <a:schemeClr val="dk1"/>
+              </a:buClr>
+              <a:buSzPts val="2800"/>
+              <a:buFont typeface="Arial"/>
+              <a:buNone/>
+              <a:defRPr sz="2800" b="0" i="0" u="none" strike="noStrike" cap="none">
+                <a:solidFill>
+                  <a:schemeClr val="dk1"/>
+                </a:solidFill>
+                <a:latin typeface="Arial"/>
+                <a:ea typeface="Arial"/>
+                <a:cs typeface="Arial"/>
+                <a:sym typeface="Arial"/>
+              </a:defRPr>
+            </a:lvl4pPr>
+            <a:lvl5pPr marR="0" lvl="4" algn="l" rtl="0">
+              <a:lnSpc>
+                <a:spcPct val="100000"/>
+              </a:lnSpc>
+              <a:spcBef>
+                <a:spcPts val="0"/>
+              </a:spcBef>
+              <a:spcAft>
+                <a:spcPts val="0"/>
+              </a:spcAft>
+              <a:buClr>
+                <a:schemeClr val="dk1"/>
+              </a:buClr>
+              <a:buSzPts val="2800"/>
+              <a:buFont typeface="Arial"/>
+              <a:buNone/>
+              <a:defRPr sz="2800" b="0" i="0" u="none" strike="noStrike" cap="none">
+                <a:solidFill>
+                  <a:schemeClr val="dk1"/>
+                </a:solidFill>
+                <a:latin typeface="Arial"/>
+                <a:ea typeface="Arial"/>
+                <a:cs typeface="Arial"/>
+                <a:sym typeface="Arial"/>
+              </a:defRPr>
+            </a:lvl5pPr>
+            <a:lvl6pPr marR="0" lvl="5" algn="l" rtl="0">
+              <a:lnSpc>
+                <a:spcPct val="100000"/>
+              </a:lnSpc>
+              <a:spcBef>
+                <a:spcPts val="0"/>
+              </a:spcBef>
+              <a:spcAft>
+                <a:spcPts val="0"/>
+              </a:spcAft>
+              <a:buClr>
+                <a:schemeClr val="dk1"/>
+              </a:buClr>
+              <a:buSzPts val="2800"/>
+              <a:buFont typeface="Arial"/>
+              <a:buNone/>
+              <a:defRPr sz="2800" b="0" i="0" u="none" strike="noStrike" cap="none">
+                <a:solidFill>
+                  <a:schemeClr val="dk1"/>
+                </a:solidFill>
+                <a:latin typeface="Arial"/>
+                <a:ea typeface="Arial"/>
+                <a:cs typeface="Arial"/>
+                <a:sym typeface="Arial"/>
+              </a:defRPr>
+            </a:lvl6pPr>
+            <a:lvl7pPr marR="0" lvl="6" algn="l" rtl="0">
+              <a:lnSpc>
+                <a:spcPct val="100000"/>
+              </a:lnSpc>
+              <a:spcBef>
+                <a:spcPts val="0"/>
+              </a:spcBef>
+              <a:spcAft>
+                <a:spcPts val="0"/>
+              </a:spcAft>
+              <a:buClr>
+                <a:schemeClr val="dk1"/>
+              </a:buClr>
+              <a:buSzPts val="2800"/>
+              <a:buFont typeface="Arial"/>
+              <a:buNone/>
+              <a:defRPr sz="2800" b="0" i="0" u="none" strike="noStrike" cap="none">
+                <a:solidFill>
+                  <a:schemeClr val="dk1"/>
+                </a:solidFill>
+                <a:latin typeface="Arial"/>
+                <a:ea typeface="Arial"/>
+                <a:cs typeface="Arial"/>
+                <a:sym typeface="Arial"/>
+              </a:defRPr>
+            </a:lvl7pPr>
+            <a:lvl8pPr marR="0" lvl="7" algn="l" rtl="0">
+              <a:lnSpc>
+                <a:spcPct val="100000"/>
+              </a:lnSpc>
+              <a:spcBef>
+                <a:spcPts val="0"/>
+              </a:spcBef>
+              <a:spcAft>
+                <a:spcPts val="0"/>
+              </a:spcAft>
+              <a:buClr>
+                <a:schemeClr val="dk1"/>
+              </a:buClr>
+              <a:buSzPts val="2800"/>
+              <a:buFont typeface="Arial"/>
+              <a:buNone/>
+              <a:defRPr sz="2800" b="0" i="0" u="none" strike="noStrike" cap="none">
+                <a:solidFill>
+                  <a:schemeClr val="dk1"/>
+                </a:solidFill>
+                <a:latin typeface="Arial"/>
+                <a:ea typeface="Arial"/>
+                <a:cs typeface="Arial"/>
+                <a:sym typeface="Arial"/>
+              </a:defRPr>
+            </a:lvl8pPr>
+            <a:lvl9pPr marR="0" lvl="8" algn="l" rtl="0">
+              <a:lnSpc>
+                <a:spcPct val="100000"/>
+              </a:lnSpc>
+              <a:spcBef>
+                <a:spcPts val="0"/>
+              </a:spcBef>
+              <a:spcAft>
+                <a:spcPts val="0"/>
+              </a:spcAft>
+              <a:buClr>
+                <a:schemeClr val="dk1"/>
+              </a:buClr>
+              <a:buSzPts val="2800"/>
+              <a:buFont typeface="Arial"/>
+              <a:buNone/>
+              <a:defRPr sz="2800" b="0" i="0" u="none" strike="noStrike" cap="none">
+                <a:solidFill>
+                  <a:schemeClr val="dk1"/>
+                </a:solidFill>
+                <a:latin typeface="Arial"/>
+                <a:ea typeface="Arial"/>
+                <a:cs typeface="Arial"/>
+                <a:sym typeface="Arial"/>
+              </a:defRPr>
+            </a:lvl9pPr>
+          </a:lstStyle>
+          <a:p>
+            <a:r>
+              <a:rPr lang="pt-BR" sz="2500" dirty="0">
+                <a:latin typeface="+mn-lt"/>
+              </a:rPr>
+              <a:t>Comparação entre modelos NN: Equação característica e splitters </a:t>
+            </a:r>
+          </a:p>
+        </p:txBody>
+      </p:sp>
+      <p:pic>
+        <p:nvPicPr>
+          <p:cNvPr id="2" name="Picture 1">
+            <a:extLst>
+              <a:ext uri="{FF2B5EF4-FFF2-40B4-BE49-F238E27FC236}">
+                <a16:creationId xmlns:a16="http://schemas.microsoft.com/office/drawing/2014/main" id="{773AFAF0-8E56-8083-07BF-F32450ABBF48}"/>
+              </a:ext>
+            </a:extLst>
+          </p:cNvPr>
+          <p:cNvPicPr>
+            <a:picLocks noChangeAspect="1"/>
+          </p:cNvPicPr>
+          <p:nvPr/>
+        </p:nvPicPr>
+        <p:blipFill rotWithShape="1">
+          <a:blip r:embed="rId3"/>
+          <a:srcRect l="14268" t="5786" r="33531" b="57797"/>
+          <a:stretch/>
+        </p:blipFill>
+        <p:spPr>
+          <a:xfrm>
+            <a:off x="893116" y="1194719"/>
+            <a:ext cx="2408962" cy="1122573"/>
+          </a:xfrm>
+          <a:prstGeom prst="rect">
+            <a:avLst/>
+          </a:prstGeom>
+        </p:spPr>
+      </p:pic>
+      <p:sp>
+        <p:nvSpPr>
+          <p:cNvPr id="9" name="TextBox 8">
+            <a:extLst>
+              <a:ext uri="{FF2B5EF4-FFF2-40B4-BE49-F238E27FC236}">
+                <a16:creationId xmlns:a16="http://schemas.microsoft.com/office/drawing/2014/main" id="{0217AB85-7175-F23D-09A7-CEDCB030E01D}"/>
+              </a:ext>
+            </a:extLst>
+          </p:cNvPr>
+          <p:cNvSpPr txBox="1"/>
+          <p:nvPr/>
+        </p:nvSpPr>
+        <p:spPr>
+          <a:xfrm>
+            <a:off x="1297497" y="2315284"/>
+            <a:ext cx="1600200" cy="307777"/>
+          </a:xfrm>
+          <a:prstGeom prst="rect">
+            <a:avLst/>
+          </a:prstGeom>
+          <a:noFill/>
+        </p:spPr>
+        <p:txBody>
+          <a:bodyPr wrap="square" rtlCol="0">
+            <a:spAutoFit/>
+          </a:bodyPr>
+          <a:lstStyle/>
+          <a:p>
+            <a:r>
+              <a:rPr lang="pt-BR" b="1" dirty="0">
+                <a:latin typeface="+mj-lt"/>
+              </a:rPr>
+              <a:t>Modelo paralelo</a:t>
+            </a:r>
+            <a:endParaRPr lang="pt-BR" sz="1100" b="1" dirty="0">
+              <a:latin typeface="+mj-lt"/>
+            </a:endParaRPr>
+          </a:p>
+        </p:txBody>
+      </p:sp>
+      <p:sp>
+        <p:nvSpPr>
+          <p:cNvPr id="10" name="TextBox 9">
+            <a:extLst>
+              <a:ext uri="{FF2B5EF4-FFF2-40B4-BE49-F238E27FC236}">
+                <a16:creationId xmlns:a16="http://schemas.microsoft.com/office/drawing/2014/main" id="{215DC632-D3B1-4994-CE31-371A9F9C163E}"/>
+              </a:ext>
+            </a:extLst>
+          </p:cNvPr>
+          <p:cNvSpPr txBox="1"/>
+          <p:nvPr/>
+        </p:nvSpPr>
+        <p:spPr>
+          <a:xfrm>
+            <a:off x="6373888" y="2317503"/>
+            <a:ext cx="1600200" cy="307777"/>
+          </a:xfrm>
+          <a:prstGeom prst="rect">
+            <a:avLst/>
+          </a:prstGeom>
+          <a:noFill/>
+        </p:spPr>
+        <p:txBody>
+          <a:bodyPr wrap="square" rtlCol="0">
+            <a:spAutoFit/>
+          </a:bodyPr>
+          <a:lstStyle/>
+          <a:p>
+            <a:r>
+              <a:rPr lang="pt-BR" b="1" dirty="0">
+                <a:latin typeface="+mj-lt"/>
+              </a:rPr>
+              <a:t>Modelo série</a:t>
+            </a:r>
+            <a:endParaRPr lang="pt-BR" sz="1100" b="1" dirty="0">
+              <a:latin typeface="+mj-lt"/>
+            </a:endParaRPr>
+          </a:p>
+        </p:txBody>
+      </p:sp>
+      <p:pic>
+        <p:nvPicPr>
+          <p:cNvPr id="8" name="Picture 7">
+            <a:extLst>
+              <a:ext uri="{FF2B5EF4-FFF2-40B4-BE49-F238E27FC236}">
+                <a16:creationId xmlns:a16="http://schemas.microsoft.com/office/drawing/2014/main" id="{B146628A-88C0-5FD6-D80A-027A4093A5B5}"/>
+              </a:ext>
+            </a:extLst>
+          </p:cNvPr>
+          <p:cNvPicPr>
+            <a:picLocks noChangeAspect="1"/>
+          </p:cNvPicPr>
+          <p:nvPr/>
+        </p:nvPicPr>
+        <p:blipFill>
+          <a:blip r:embed="rId4"/>
+          <a:stretch>
+            <a:fillRect/>
+          </a:stretch>
+        </p:blipFill>
+        <p:spPr>
+          <a:xfrm>
+            <a:off x="304113" y="2723933"/>
+            <a:ext cx="3662247" cy="774896"/>
+          </a:xfrm>
+          <a:prstGeom prst="rect">
+            <a:avLst/>
+          </a:prstGeom>
+        </p:spPr>
+      </p:pic>
+      <p:pic>
+        <p:nvPicPr>
+          <p:cNvPr id="13" name="Picture 12">
+            <a:extLst>
+              <a:ext uri="{FF2B5EF4-FFF2-40B4-BE49-F238E27FC236}">
+                <a16:creationId xmlns:a16="http://schemas.microsoft.com/office/drawing/2014/main" id="{D181DBC0-5DA4-5BF9-F70B-CBB962B6F416}"/>
+              </a:ext>
+            </a:extLst>
+          </p:cNvPr>
+          <p:cNvPicPr>
+            <a:picLocks noChangeAspect="1"/>
+          </p:cNvPicPr>
+          <p:nvPr/>
+        </p:nvPicPr>
+        <p:blipFill>
+          <a:blip r:embed="rId5"/>
+          <a:stretch>
+            <a:fillRect/>
+          </a:stretch>
+        </p:blipFill>
+        <p:spPr>
+          <a:xfrm>
+            <a:off x="5117348" y="2623061"/>
+            <a:ext cx="3714952" cy="732034"/>
+          </a:xfrm>
+          <a:prstGeom prst="rect">
+            <a:avLst/>
+          </a:prstGeom>
+        </p:spPr>
+      </p:pic>
+      <p:sp>
+        <p:nvSpPr>
+          <p:cNvPr id="6" name="Right Brace 5">
+            <a:extLst>
+              <a:ext uri="{FF2B5EF4-FFF2-40B4-BE49-F238E27FC236}">
+                <a16:creationId xmlns:a16="http://schemas.microsoft.com/office/drawing/2014/main" id="{5091EEE3-6911-CA89-3892-82BFCB2C944D}"/>
+              </a:ext>
+            </a:extLst>
+          </p:cNvPr>
+          <p:cNvSpPr/>
+          <p:nvPr/>
+        </p:nvSpPr>
+        <p:spPr>
+          <a:xfrm rot="5400000">
+            <a:off x="1930745" y="2753545"/>
+            <a:ext cx="202163" cy="1373060"/>
+          </a:xfrm>
+          <a:prstGeom prst="rightBrace">
+            <a:avLst/>
+          </a:prstGeom>
+          <a:ln/>
+        </p:spPr>
+        <p:style>
+          <a:lnRef idx="2">
+            <a:schemeClr val="accent1"/>
+          </a:lnRef>
+          <a:fillRef idx="0">
+            <a:schemeClr val="accent1"/>
+          </a:fillRef>
+          <a:effectRef idx="1">
+            <a:schemeClr val="accent1"/>
+          </a:effectRef>
+          <a:fontRef idx="minor">
+            <a:schemeClr val="tx1"/>
+          </a:fontRef>
+        </p:style>
+        <p:txBody>
+          <a:bodyPr rtlCol="0" anchor="ctr"/>
+          <a:lstStyle/>
+          <a:p>
+            <a:pPr algn="ctr"/>
+            <a:endParaRPr lang="pt-BR" dirty="0">
+              <a:solidFill>
+                <a:schemeClr val="accent1"/>
+              </a:solidFill>
+              <a:highlight>
+                <a:srgbClr val="FF0000"/>
+              </a:highlight>
+            </a:endParaRPr>
+          </a:p>
+        </p:txBody>
+      </p:sp>
+      <mc:AlternateContent xmlns:mc="http://schemas.openxmlformats.org/markup-compatibility/2006" xmlns:a14="http://schemas.microsoft.com/office/drawing/2010/main">
+        <mc:Choice Requires="a14">
+          <p:sp>
+            <p:nvSpPr>
+              <p:cNvPr id="12" name="TextBox 11">
+                <a:extLst>
+                  <a:ext uri="{FF2B5EF4-FFF2-40B4-BE49-F238E27FC236}">
+                    <a16:creationId xmlns:a16="http://schemas.microsoft.com/office/drawing/2014/main" id="{2D4753AD-885E-A730-822F-6A9908A1532C}"/>
+                  </a:ext>
+                </a:extLst>
+              </p:cNvPr>
+              <p:cNvSpPr txBox="1"/>
+              <p:nvPr/>
+            </p:nvSpPr>
+            <p:spPr>
+              <a:xfrm>
+                <a:off x="1428506" y="3534931"/>
+                <a:ext cx="1289852" cy="277001"/>
+              </a:xfrm>
+              <a:prstGeom prst="rect">
+                <a:avLst/>
+              </a:prstGeom>
+              <a:noFill/>
+            </p:spPr>
+            <p:txBody>
+              <a:bodyPr wrap="square" rtlCol="0">
+                <a:spAutoFit/>
+              </a:bodyPr>
+              <a:lstStyle/>
+              <a:p>
+                <a:pPr algn="just"/>
+                <a:r>
+                  <a:rPr lang="pt-BR" sz="1200" b="1" dirty="0">
+                    <a:solidFill>
+                      <a:schemeClr val="accent1"/>
+                    </a:solidFill>
+                  </a:rPr>
+                  <a:t>Atraso por </a:t>
+                </a:r>
+                <a14:m>
+                  <m:oMath xmlns:m="http://schemas.openxmlformats.org/officeDocument/2006/math">
+                    <m:r>
+                      <a:rPr lang="pt-BR" sz="1200" b="1" i="1" smtClean="0">
+                        <a:solidFill>
+                          <a:schemeClr val="accent1"/>
+                        </a:solidFill>
+                        <a:latin typeface="Cambria Math" panose="02040503050406030204" pitchFamily="18" charset="0"/>
+                        <a:ea typeface="Cambria Math" panose="02040503050406030204" pitchFamily="18" charset="0"/>
+                      </a:rPr>
+                      <m:t>∆</m:t>
+                    </m:r>
+                    <m:r>
+                      <a:rPr lang="pt-BR" sz="1200" b="1" i="1" smtClean="0">
+                        <a:solidFill>
+                          <a:schemeClr val="accent1"/>
+                        </a:solidFill>
+                        <a:latin typeface="Cambria Math" panose="02040503050406030204" pitchFamily="18" charset="0"/>
+                        <a:ea typeface="Cambria Math" panose="02040503050406030204" pitchFamily="18" charset="0"/>
+                      </a:rPr>
+                      <m:t>𝑳</m:t>
+                    </m:r>
+                  </m:oMath>
+                </a14:m>
+                <a:endParaRPr lang="pt-BR" sz="1200" b="1" dirty="0">
+                  <a:solidFill>
+                    <a:schemeClr val="accent1"/>
+                  </a:solidFill>
+                </a:endParaRPr>
+              </a:p>
+            </p:txBody>
+          </p:sp>
+        </mc:Choice>
+        <mc:Fallback xmlns="">
+          <p:sp>
+            <p:nvSpPr>
+              <p:cNvPr id="12" name="TextBox 11">
+                <a:extLst>
+                  <a:ext uri="{FF2B5EF4-FFF2-40B4-BE49-F238E27FC236}">
+                    <a16:creationId xmlns:a16="http://schemas.microsoft.com/office/drawing/2014/main" id="{2D4753AD-885E-A730-822F-6A9908A1532C}"/>
+                  </a:ext>
+                </a:extLst>
+              </p:cNvPr>
+              <p:cNvSpPr txBox="1">
+                <a:spLocks noRot="1" noChangeAspect="1" noMove="1" noResize="1" noEditPoints="1" noAdjustHandles="1" noChangeArrowheads="1" noChangeShapeType="1" noTextEdit="1"/>
+              </p:cNvSpPr>
+              <p:nvPr/>
+            </p:nvSpPr>
+            <p:spPr>
+              <a:xfrm>
+                <a:off x="1428506" y="3534931"/>
+                <a:ext cx="1289852" cy="277001"/>
+              </a:xfrm>
+              <a:prstGeom prst="rect">
+                <a:avLst/>
+              </a:prstGeom>
+              <a:blipFill>
+                <a:blip r:embed="rId6"/>
+                <a:stretch>
+                  <a:fillRect t="-4444" b="-15556"/>
+                </a:stretch>
+              </a:blipFill>
+            </p:spPr>
+            <p:txBody>
+              <a:bodyPr/>
+              <a:lstStyle/>
+              <a:p>
+                <a:r>
+                  <a:rPr lang="pt-BR">
+                    <a:noFill/>
+                  </a:rPr>
+                  <a:t> </a:t>
+                </a:r>
+              </a:p>
+            </p:txBody>
+          </p:sp>
+        </mc:Fallback>
+      </mc:AlternateContent>
+      <p:sp>
+        <p:nvSpPr>
+          <p:cNvPr id="14" name="Right Brace 13">
+            <a:extLst>
+              <a:ext uri="{FF2B5EF4-FFF2-40B4-BE49-F238E27FC236}">
+                <a16:creationId xmlns:a16="http://schemas.microsoft.com/office/drawing/2014/main" id="{BA826EE8-24E6-65AA-582D-30C6DA79551A}"/>
+              </a:ext>
+            </a:extLst>
+          </p:cNvPr>
+          <p:cNvSpPr/>
+          <p:nvPr/>
+        </p:nvSpPr>
+        <p:spPr>
+          <a:xfrm rot="5400000">
+            <a:off x="2939616" y="3117736"/>
+            <a:ext cx="202164" cy="644679"/>
+          </a:xfrm>
+          <a:prstGeom prst="rightBrace">
+            <a:avLst>
+              <a:gd name="adj1" fmla="val 12102"/>
+              <a:gd name="adj2" fmla="val 50000"/>
+            </a:avLst>
+          </a:prstGeom>
+          <a:ln/>
+        </p:spPr>
+        <p:style>
+          <a:lnRef idx="2">
+            <a:schemeClr val="accent1"/>
+          </a:lnRef>
+          <a:fillRef idx="0">
+            <a:schemeClr val="accent1"/>
+          </a:fillRef>
+          <a:effectRef idx="1">
+            <a:schemeClr val="accent1"/>
+          </a:effectRef>
+          <a:fontRef idx="minor">
+            <a:schemeClr val="tx1"/>
+          </a:fontRef>
+        </p:style>
+        <p:txBody>
+          <a:bodyPr rtlCol="0" anchor="ctr"/>
+          <a:lstStyle/>
+          <a:p>
+            <a:pPr algn="ctr"/>
+            <a:endParaRPr lang="pt-BR" dirty="0">
+              <a:solidFill>
+                <a:schemeClr val="accent1"/>
+              </a:solidFill>
+              <a:highlight>
+                <a:srgbClr val="FF0000"/>
+              </a:highlight>
+            </a:endParaRPr>
+          </a:p>
+        </p:txBody>
+      </p:sp>
+      <p:sp>
+        <p:nvSpPr>
+          <p:cNvPr id="15" name="TextBox 14">
+            <a:extLst>
+              <a:ext uri="{FF2B5EF4-FFF2-40B4-BE49-F238E27FC236}">
+                <a16:creationId xmlns:a16="http://schemas.microsoft.com/office/drawing/2014/main" id="{A2C5B3AB-E67F-D466-ECA0-320E91BD6565}"/>
+              </a:ext>
+            </a:extLst>
+          </p:cNvPr>
+          <p:cNvSpPr txBox="1"/>
+          <p:nvPr/>
+        </p:nvSpPr>
+        <p:spPr>
+          <a:xfrm>
+            <a:off x="2751038" y="3534932"/>
+            <a:ext cx="644680" cy="277000"/>
+          </a:xfrm>
+          <a:prstGeom prst="rect">
+            <a:avLst/>
+          </a:prstGeom>
+          <a:noFill/>
+        </p:spPr>
+        <p:txBody>
+          <a:bodyPr wrap="square" rtlCol="0">
+            <a:spAutoFit/>
+          </a:bodyPr>
+          <a:lstStyle/>
+          <a:p>
+            <a:pPr algn="just"/>
+            <a:r>
+              <a:rPr lang="pt-BR" sz="1200" b="1" dirty="0">
+                <a:solidFill>
+                  <a:schemeClr val="accent1"/>
+                </a:solidFill>
+              </a:rPr>
+              <a:t>Pesos</a:t>
+            </a:r>
+          </a:p>
+        </p:txBody>
+      </p:sp>
+      <p:sp>
+        <p:nvSpPr>
+          <p:cNvPr id="16" name="Right Brace 15">
+            <a:extLst>
+              <a:ext uri="{FF2B5EF4-FFF2-40B4-BE49-F238E27FC236}">
+                <a16:creationId xmlns:a16="http://schemas.microsoft.com/office/drawing/2014/main" id="{0C677360-6752-2CD3-4211-9FAFC5ABDAE9}"/>
+              </a:ext>
+            </a:extLst>
+          </p:cNvPr>
+          <p:cNvSpPr/>
+          <p:nvPr/>
+        </p:nvSpPr>
+        <p:spPr>
+          <a:xfrm rot="5400000">
+            <a:off x="6731348" y="2753544"/>
+            <a:ext cx="202163" cy="1373060"/>
+          </a:xfrm>
+          <a:prstGeom prst="rightBrace">
+            <a:avLst/>
+          </a:prstGeom>
+          <a:ln/>
+        </p:spPr>
+        <p:style>
+          <a:lnRef idx="2">
+            <a:schemeClr val="accent1"/>
+          </a:lnRef>
+          <a:fillRef idx="0">
+            <a:schemeClr val="accent1"/>
+          </a:fillRef>
+          <a:effectRef idx="1">
+            <a:schemeClr val="accent1"/>
+          </a:effectRef>
+          <a:fontRef idx="minor">
+            <a:schemeClr val="tx1"/>
+          </a:fontRef>
+        </p:style>
+        <p:txBody>
+          <a:bodyPr rtlCol="0" anchor="ctr"/>
+          <a:lstStyle/>
+          <a:p>
+            <a:pPr algn="ctr"/>
+            <a:endParaRPr lang="pt-BR" dirty="0">
+              <a:solidFill>
+                <a:schemeClr val="accent1"/>
+              </a:solidFill>
+              <a:highlight>
+                <a:srgbClr val="FF0000"/>
+              </a:highlight>
+            </a:endParaRPr>
+          </a:p>
+        </p:txBody>
+      </p:sp>
+      <mc:AlternateContent xmlns:mc="http://schemas.openxmlformats.org/markup-compatibility/2006" xmlns:a14="http://schemas.microsoft.com/office/drawing/2010/main">
+        <mc:Choice Requires="a14">
+          <p:sp>
+            <p:nvSpPr>
+              <p:cNvPr id="17" name="TextBox 16">
+                <a:extLst>
+                  <a:ext uri="{FF2B5EF4-FFF2-40B4-BE49-F238E27FC236}">
+                    <a16:creationId xmlns:a16="http://schemas.microsoft.com/office/drawing/2014/main" id="{C76D7E7B-5964-AD42-7FB2-3FDE2A7B949A}"/>
+                  </a:ext>
+                </a:extLst>
+              </p:cNvPr>
+              <p:cNvSpPr txBox="1"/>
+              <p:nvPr/>
+            </p:nvSpPr>
+            <p:spPr>
+              <a:xfrm>
+                <a:off x="6229108" y="3534932"/>
+                <a:ext cx="1373061" cy="276999"/>
+              </a:xfrm>
+              <a:prstGeom prst="rect">
+                <a:avLst/>
+              </a:prstGeom>
+              <a:noFill/>
+            </p:spPr>
+            <p:txBody>
+              <a:bodyPr wrap="square" rtlCol="0">
+                <a:spAutoFit/>
+              </a:bodyPr>
+              <a:lstStyle/>
+              <a:p>
+                <a:pPr algn="just"/>
+                <a:r>
+                  <a:rPr lang="pt-BR" sz="1200" b="1" dirty="0">
+                    <a:solidFill>
+                      <a:schemeClr val="accent1"/>
+                    </a:solidFill>
+                  </a:rPr>
+                  <a:t>Atraso por </a:t>
+                </a:r>
+                <a14:m>
+                  <m:oMath xmlns:m="http://schemas.openxmlformats.org/officeDocument/2006/math">
+                    <m:r>
+                      <a:rPr lang="pt-BR" sz="1200" b="1" i="1" smtClean="0">
+                        <a:solidFill>
+                          <a:schemeClr val="accent1"/>
+                        </a:solidFill>
+                        <a:latin typeface="Cambria Math" panose="02040503050406030204" pitchFamily="18" charset="0"/>
+                        <a:ea typeface="Cambria Math" panose="02040503050406030204" pitchFamily="18" charset="0"/>
+                      </a:rPr>
+                      <m:t>∆</m:t>
+                    </m:r>
+                    <m:r>
+                      <a:rPr lang="pt-BR" sz="1200" b="1" i="1" smtClean="0">
+                        <a:solidFill>
+                          <a:schemeClr val="accent1"/>
+                        </a:solidFill>
+                        <a:latin typeface="Cambria Math" panose="02040503050406030204" pitchFamily="18" charset="0"/>
+                        <a:ea typeface="Cambria Math" panose="02040503050406030204" pitchFamily="18" charset="0"/>
+                      </a:rPr>
+                      <m:t>𝑳</m:t>
+                    </m:r>
+                  </m:oMath>
+                </a14:m>
+                <a:endParaRPr lang="pt-BR" sz="1200" b="1" dirty="0">
+                  <a:solidFill>
+                    <a:schemeClr val="accent1"/>
+                  </a:solidFill>
+                </a:endParaRPr>
+              </a:p>
+            </p:txBody>
+          </p:sp>
+        </mc:Choice>
+        <mc:Fallback xmlns="">
+          <p:sp>
+            <p:nvSpPr>
+              <p:cNvPr id="17" name="TextBox 16">
+                <a:extLst>
+                  <a:ext uri="{FF2B5EF4-FFF2-40B4-BE49-F238E27FC236}">
+                    <a16:creationId xmlns:a16="http://schemas.microsoft.com/office/drawing/2014/main" id="{C76D7E7B-5964-AD42-7FB2-3FDE2A7B949A}"/>
+                  </a:ext>
+                </a:extLst>
+              </p:cNvPr>
+              <p:cNvSpPr txBox="1">
+                <a:spLocks noRot="1" noChangeAspect="1" noMove="1" noResize="1" noEditPoints="1" noAdjustHandles="1" noChangeArrowheads="1" noChangeShapeType="1" noTextEdit="1"/>
+              </p:cNvSpPr>
+              <p:nvPr/>
+            </p:nvSpPr>
+            <p:spPr>
+              <a:xfrm>
+                <a:off x="6229108" y="3534932"/>
+                <a:ext cx="1373061" cy="276999"/>
+              </a:xfrm>
+              <a:prstGeom prst="rect">
+                <a:avLst/>
+              </a:prstGeom>
+              <a:blipFill>
+                <a:blip r:embed="rId7"/>
+                <a:stretch>
+                  <a:fillRect l="-444" t="-4444" b="-15556"/>
+                </a:stretch>
+              </a:blipFill>
+            </p:spPr>
+            <p:txBody>
+              <a:bodyPr/>
+              <a:lstStyle/>
+              <a:p>
+                <a:r>
+                  <a:rPr lang="pt-BR">
+                    <a:noFill/>
+                  </a:rPr>
+                  <a:t> </a:t>
+                </a:r>
+              </a:p>
+            </p:txBody>
+          </p:sp>
+        </mc:Fallback>
+      </mc:AlternateContent>
+      <p:sp>
+        <p:nvSpPr>
+          <p:cNvPr id="18" name="Right Brace 17">
+            <a:extLst>
+              <a:ext uri="{FF2B5EF4-FFF2-40B4-BE49-F238E27FC236}">
+                <a16:creationId xmlns:a16="http://schemas.microsoft.com/office/drawing/2014/main" id="{EC88FDBA-BBA8-6B12-A8FA-26398392A4F6}"/>
+              </a:ext>
+            </a:extLst>
+          </p:cNvPr>
+          <p:cNvSpPr/>
+          <p:nvPr/>
+        </p:nvSpPr>
+        <p:spPr>
+          <a:xfrm rot="5400000">
+            <a:off x="7740219" y="3117735"/>
+            <a:ext cx="202164" cy="644679"/>
+          </a:xfrm>
+          <a:prstGeom prst="rightBrace">
+            <a:avLst>
+              <a:gd name="adj1" fmla="val 12102"/>
+              <a:gd name="adj2" fmla="val 50000"/>
+            </a:avLst>
+          </a:prstGeom>
+          <a:ln/>
+        </p:spPr>
+        <p:style>
+          <a:lnRef idx="2">
+            <a:schemeClr val="accent1"/>
+          </a:lnRef>
+          <a:fillRef idx="0">
+            <a:schemeClr val="accent1"/>
+          </a:fillRef>
+          <a:effectRef idx="1">
+            <a:schemeClr val="accent1"/>
+          </a:effectRef>
+          <a:fontRef idx="minor">
+            <a:schemeClr val="tx1"/>
+          </a:fontRef>
+        </p:style>
+        <p:txBody>
+          <a:bodyPr rtlCol="0" anchor="ctr"/>
+          <a:lstStyle/>
+          <a:p>
+            <a:pPr algn="ctr"/>
+            <a:endParaRPr lang="pt-BR" dirty="0">
+              <a:solidFill>
+                <a:schemeClr val="accent1"/>
+              </a:solidFill>
+              <a:highlight>
+                <a:srgbClr val="FF0000"/>
+              </a:highlight>
+            </a:endParaRPr>
+          </a:p>
+        </p:txBody>
+      </p:sp>
+      <p:sp>
+        <p:nvSpPr>
+          <p:cNvPr id="19" name="TextBox 18">
+            <a:extLst>
+              <a:ext uri="{FF2B5EF4-FFF2-40B4-BE49-F238E27FC236}">
+                <a16:creationId xmlns:a16="http://schemas.microsoft.com/office/drawing/2014/main" id="{023A0531-312D-F7B3-DCD4-267DFA550E7A}"/>
+              </a:ext>
+            </a:extLst>
+          </p:cNvPr>
+          <p:cNvSpPr txBox="1"/>
+          <p:nvPr/>
+        </p:nvSpPr>
+        <p:spPr>
+          <a:xfrm>
+            <a:off x="7551640" y="3534931"/>
+            <a:ext cx="1373061" cy="276999"/>
+          </a:xfrm>
+          <a:prstGeom prst="rect">
+            <a:avLst/>
+          </a:prstGeom>
+          <a:noFill/>
+        </p:spPr>
+        <p:txBody>
+          <a:bodyPr wrap="square" rtlCol="0">
+            <a:spAutoFit/>
+          </a:bodyPr>
+          <a:lstStyle/>
+          <a:p>
+            <a:pPr algn="just"/>
+            <a:r>
+              <a:rPr lang="pt-BR" sz="1200" b="1" dirty="0">
+                <a:solidFill>
+                  <a:schemeClr val="accent1"/>
+                </a:solidFill>
+              </a:rPr>
+              <a:t>Pesos</a:t>
+            </a:r>
+          </a:p>
+        </p:txBody>
+      </p:sp>
+      <p:sp>
+        <p:nvSpPr>
+          <p:cNvPr id="20" name="Right Brace 19">
+            <a:extLst>
+              <a:ext uri="{FF2B5EF4-FFF2-40B4-BE49-F238E27FC236}">
+                <a16:creationId xmlns:a16="http://schemas.microsoft.com/office/drawing/2014/main" id="{95567A6A-2EE1-2083-73AD-63CE39F54AAD}"/>
+              </a:ext>
+            </a:extLst>
+          </p:cNvPr>
+          <p:cNvSpPr/>
+          <p:nvPr/>
+        </p:nvSpPr>
+        <p:spPr>
+          <a:xfrm rot="5400000">
+            <a:off x="3602992" y="3111510"/>
+            <a:ext cx="202164" cy="644679"/>
+          </a:xfrm>
+          <a:prstGeom prst="rightBrace">
+            <a:avLst>
+              <a:gd name="adj1" fmla="val 12102"/>
+              <a:gd name="adj2" fmla="val 50000"/>
+            </a:avLst>
+          </a:prstGeom>
+          <a:ln>
+            <a:solidFill>
+              <a:srgbClr val="C00000"/>
+            </a:solidFill>
+          </a:ln>
+        </p:spPr>
+        <p:style>
+          <a:lnRef idx="2">
+            <a:schemeClr val="accent5"/>
+          </a:lnRef>
+          <a:fillRef idx="0">
+            <a:schemeClr val="accent5"/>
+          </a:fillRef>
+          <a:effectRef idx="1">
+            <a:schemeClr val="accent5"/>
+          </a:effectRef>
+          <a:fontRef idx="minor">
+            <a:schemeClr val="tx1"/>
+          </a:fontRef>
+        </p:style>
+        <p:txBody>
+          <a:bodyPr rtlCol="0" anchor="ctr"/>
+          <a:lstStyle/>
+          <a:p>
+            <a:pPr algn="ctr"/>
+            <a:endParaRPr lang="pt-BR" dirty="0">
+              <a:solidFill>
+                <a:schemeClr val="accent1"/>
+              </a:solidFill>
+              <a:highlight>
+                <a:srgbClr val="FF0000"/>
+              </a:highlight>
+            </a:endParaRPr>
+          </a:p>
+        </p:txBody>
+      </p:sp>
+      <p:sp>
+        <p:nvSpPr>
+          <p:cNvPr id="22" name="TextBox 21">
+            <a:extLst>
+              <a:ext uri="{FF2B5EF4-FFF2-40B4-BE49-F238E27FC236}">
+                <a16:creationId xmlns:a16="http://schemas.microsoft.com/office/drawing/2014/main" id="{67DB4201-EDC6-12D3-334A-3C319A991EBF}"/>
+              </a:ext>
+            </a:extLst>
+          </p:cNvPr>
+          <p:cNvSpPr txBox="1"/>
+          <p:nvPr/>
+        </p:nvSpPr>
+        <p:spPr>
+          <a:xfrm rot="1294154">
+            <a:off x="3366332" y="3696949"/>
+            <a:ext cx="1007617" cy="461665"/>
+          </a:xfrm>
+          <a:prstGeom prst="rect">
+            <a:avLst/>
+          </a:prstGeom>
+          <a:noFill/>
+        </p:spPr>
+        <p:txBody>
+          <a:bodyPr wrap="square" rtlCol="0">
+            <a:spAutoFit/>
+          </a:bodyPr>
+          <a:lstStyle/>
+          <a:p>
+            <a:pPr algn="just"/>
+            <a:r>
+              <a:rPr lang="pt-BR" sz="1200" b="1" dirty="0">
+                <a:solidFill>
+                  <a:srgbClr val="C00000"/>
+                </a:solidFill>
+              </a:rPr>
+              <a:t>Atraso por Splitters</a:t>
+            </a:r>
+          </a:p>
+        </p:txBody>
+      </p:sp>
+      <p:sp>
+        <p:nvSpPr>
+          <p:cNvPr id="23" name="Right Brace 22">
+            <a:extLst>
+              <a:ext uri="{FF2B5EF4-FFF2-40B4-BE49-F238E27FC236}">
+                <a16:creationId xmlns:a16="http://schemas.microsoft.com/office/drawing/2014/main" id="{5AA650E7-31FD-0665-6EDD-A3B2E8FC822C}"/>
+              </a:ext>
+            </a:extLst>
+          </p:cNvPr>
+          <p:cNvSpPr/>
+          <p:nvPr/>
+        </p:nvSpPr>
+        <p:spPr>
+          <a:xfrm rot="5400000">
+            <a:off x="8433066" y="3111509"/>
+            <a:ext cx="202164" cy="644679"/>
+          </a:xfrm>
+          <a:prstGeom prst="rightBrace">
+            <a:avLst>
+              <a:gd name="adj1" fmla="val 12102"/>
+              <a:gd name="adj2" fmla="val 50000"/>
+            </a:avLst>
+          </a:prstGeom>
+          <a:ln>
+            <a:solidFill>
+              <a:srgbClr val="C00000"/>
+            </a:solidFill>
+          </a:ln>
+        </p:spPr>
+        <p:style>
+          <a:lnRef idx="2">
+            <a:schemeClr val="accent5"/>
+          </a:lnRef>
+          <a:fillRef idx="0">
+            <a:schemeClr val="accent5"/>
+          </a:fillRef>
+          <a:effectRef idx="1">
+            <a:schemeClr val="accent5"/>
+          </a:effectRef>
+          <a:fontRef idx="minor">
+            <a:schemeClr val="tx1"/>
+          </a:fontRef>
+        </p:style>
+        <p:txBody>
+          <a:bodyPr rtlCol="0" anchor="ctr"/>
+          <a:lstStyle/>
+          <a:p>
+            <a:pPr algn="ctr"/>
+            <a:endParaRPr lang="pt-BR" dirty="0">
+              <a:solidFill>
+                <a:schemeClr val="accent1"/>
+              </a:solidFill>
+              <a:highlight>
+                <a:srgbClr val="FF0000"/>
+              </a:highlight>
+            </a:endParaRPr>
+          </a:p>
+        </p:txBody>
+      </p:sp>
+      <p:sp>
+        <p:nvSpPr>
+          <p:cNvPr id="24" name="TextBox 23">
+            <a:extLst>
+              <a:ext uri="{FF2B5EF4-FFF2-40B4-BE49-F238E27FC236}">
+                <a16:creationId xmlns:a16="http://schemas.microsoft.com/office/drawing/2014/main" id="{C24458DD-557B-02DE-B447-C36E8A43343D}"/>
+              </a:ext>
+            </a:extLst>
+          </p:cNvPr>
+          <p:cNvSpPr txBox="1"/>
+          <p:nvPr/>
+        </p:nvSpPr>
+        <p:spPr>
+          <a:xfrm rot="1294154">
+            <a:off x="8086803" y="3703979"/>
+            <a:ext cx="1007617" cy="461665"/>
+          </a:xfrm>
+          <a:prstGeom prst="rect">
+            <a:avLst/>
+          </a:prstGeom>
+          <a:noFill/>
+        </p:spPr>
+        <p:txBody>
+          <a:bodyPr wrap="square" rtlCol="0">
+            <a:spAutoFit/>
+          </a:bodyPr>
+          <a:lstStyle/>
+          <a:p>
+            <a:pPr algn="just"/>
+            <a:r>
+              <a:rPr lang="pt-BR" sz="1200" b="1" dirty="0">
+                <a:solidFill>
+                  <a:srgbClr val="C00000"/>
+                </a:solidFill>
+              </a:rPr>
+              <a:t>Atraso por Splitters</a:t>
+            </a:r>
+          </a:p>
+        </p:txBody>
+      </p:sp>
+      <mc:AlternateContent xmlns:mc="http://schemas.openxmlformats.org/markup-compatibility/2006">
+        <mc:Choice xmlns:a14="http://schemas.microsoft.com/office/drawing/2010/main" Requires="a14">
+          <p:sp>
+            <p:nvSpPr>
+              <p:cNvPr id="25" name="TextBox 24">
+                <a:extLst>
+                  <a:ext uri="{FF2B5EF4-FFF2-40B4-BE49-F238E27FC236}">
+                    <a16:creationId xmlns:a16="http://schemas.microsoft.com/office/drawing/2014/main" id="{E1CFC2A9-C48B-29FC-1570-A98A2B5AABD3}"/>
+                  </a:ext>
+                </a:extLst>
+              </p:cNvPr>
+              <p:cNvSpPr txBox="1"/>
+              <p:nvPr/>
+            </p:nvSpPr>
+            <p:spPr>
+              <a:xfrm>
+                <a:off x="591451" y="4265889"/>
+                <a:ext cx="7999160" cy="523220"/>
+              </a:xfrm>
+              <a:prstGeom prst="rect">
+                <a:avLst/>
+              </a:prstGeom>
+              <a:noFill/>
+            </p:spPr>
+            <p:txBody>
+              <a:bodyPr wrap="square" rtlCol="0">
+                <a:spAutoFit/>
+              </a:bodyPr>
+              <a:lstStyle/>
+              <a:p>
+                <a:pPr algn="just"/>
+                <a:r>
+                  <a:rPr lang="pt-BR" dirty="0"/>
+                  <a:t>Em um caso sem perdas, a diferença é dada pelo </a:t>
+                </a:r>
+                <a:r>
+                  <a:rPr lang="pt-BR" b="1" dirty="0"/>
+                  <a:t>atraso nos splitters</a:t>
+                </a:r>
+                <a:r>
+                  <a:rPr lang="pt-BR" dirty="0"/>
+                  <a:t>. No modelo paralelo, quando N é uma potência de 2 (2,4,8,16,...) o atraso </a:t>
+                </a:r>
+                <a14:m>
+                  <m:oMath xmlns:m="http://schemas.openxmlformats.org/officeDocument/2006/math">
+                    <m:sSub>
+                      <m:sSubPr>
+                        <m:ctrlPr>
+                          <a:rPr lang="pt-BR" i="1" smtClean="0">
+                            <a:latin typeface="Cambria Math" panose="02040503050406030204" pitchFamily="18" charset="0"/>
+                            <a:ea typeface="Cambria Math" panose="02040503050406030204" pitchFamily="18" charset="0"/>
+                          </a:rPr>
+                        </m:ctrlPr>
+                      </m:sSubPr>
+                      <m:e>
+                        <m:r>
+                          <a:rPr lang="pt-BR" i="1" smtClean="0">
+                            <a:latin typeface="Cambria Math" panose="02040503050406030204" pitchFamily="18" charset="0"/>
+                            <a:ea typeface="Cambria Math" panose="02040503050406030204" pitchFamily="18" charset="0"/>
+                          </a:rPr>
+                          <m:t>𝜙</m:t>
+                        </m:r>
+                      </m:e>
+                      <m:sub>
+                        <m:r>
+                          <a:rPr lang="pt-BR" b="0" i="1" smtClean="0">
+                            <a:latin typeface="Cambria Math" panose="02040503050406030204" pitchFamily="18" charset="0"/>
+                            <a:ea typeface="Cambria Math" panose="02040503050406030204" pitchFamily="18" charset="0"/>
+                          </a:rPr>
+                          <m:t>𝑆</m:t>
+                        </m:r>
+                      </m:sub>
+                    </m:sSub>
+                  </m:oMath>
+                </a14:m>
+                <a:r>
+                  <a:rPr lang="pt-BR" dirty="0"/>
+                  <a:t> é igual para cada ramo.</a:t>
+                </a:r>
+                <a:endParaRPr lang="pt-BR" b="1" dirty="0"/>
+              </a:p>
+            </p:txBody>
+          </p:sp>
+        </mc:Choice>
+        <mc:Fallback>
+          <p:sp>
+            <p:nvSpPr>
+              <p:cNvPr id="25" name="TextBox 24">
+                <a:extLst>
+                  <a:ext uri="{FF2B5EF4-FFF2-40B4-BE49-F238E27FC236}">
+                    <a16:creationId xmlns:a16="http://schemas.microsoft.com/office/drawing/2014/main" id="{E1CFC2A9-C48B-29FC-1570-A98A2B5AABD3}"/>
+                  </a:ext>
+                </a:extLst>
+              </p:cNvPr>
+              <p:cNvSpPr txBox="1">
+                <a:spLocks noRot="1" noChangeAspect="1" noMove="1" noResize="1" noEditPoints="1" noAdjustHandles="1" noChangeArrowheads="1" noChangeShapeType="1" noTextEdit="1"/>
+              </p:cNvSpPr>
+              <p:nvPr/>
+            </p:nvSpPr>
+            <p:spPr>
+              <a:xfrm>
+                <a:off x="591451" y="4265889"/>
+                <a:ext cx="7999160" cy="523220"/>
+              </a:xfrm>
+              <a:prstGeom prst="rect">
+                <a:avLst/>
+              </a:prstGeom>
+              <a:blipFill>
+                <a:blip r:embed="rId8"/>
+                <a:stretch>
+                  <a:fillRect l="-229" t="-2326" r="-229" b="-10465"/>
+                </a:stretch>
+              </a:blipFill>
+            </p:spPr>
+            <p:txBody>
+              <a:bodyPr/>
+              <a:lstStyle/>
+              <a:p>
+                <a:r>
+                  <a:rPr lang="pt-BR">
+                    <a:noFill/>
+                  </a:rPr>
+                  <a:t> </a:t>
+                </a:r>
+              </a:p>
+            </p:txBody>
+          </p:sp>
+        </mc:Fallback>
+      </mc:AlternateContent>
+      <mc:AlternateContent xmlns:mc="http://schemas.openxmlformats.org/markup-compatibility/2006" xmlns:a14="http://schemas.microsoft.com/office/drawing/2010/main">
+        <mc:Choice Requires="a14">
+          <p:sp>
+            <p:nvSpPr>
+              <p:cNvPr id="26" name="TextBox 25">
+                <a:extLst>
+                  <a:ext uri="{FF2B5EF4-FFF2-40B4-BE49-F238E27FC236}">
+                    <a16:creationId xmlns:a16="http://schemas.microsoft.com/office/drawing/2014/main" id="{D8CFED75-F64F-4D6F-C1CC-20FEB51E105F}"/>
+                  </a:ext>
+                </a:extLst>
+              </p:cNvPr>
+              <p:cNvSpPr txBox="1"/>
+              <p:nvPr/>
+            </p:nvSpPr>
+            <p:spPr>
+              <a:xfrm>
+                <a:off x="1428506" y="631691"/>
+                <a:ext cx="8186122" cy="332912"/>
+              </a:xfrm>
+              <a:prstGeom prst="rect">
+                <a:avLst/>
+              </a:prstGeom>
+              <a:noFill/>
+            </p:spPr>
+            <p:txBody>
+              <a:bodyPr wrap="square" rtlCol="0">
+                <a:spAutoFit/>
+              </a:bodyPr>
+              <a:lstStyle/>
+              <a:p>
+                <a:pPr algn="just"/>
+                <a:r>
+                  <a:rPr lang="pt-BR" b="1" dirty="0"/>
+                  <a:t>Ambos os modelos possuem a mesma quantidade de splitters</a:t>
+                </a:r>
+                <a:r>
+                  <a:rPr lang="pt-BR" dirty="0"/>
+                  <a:t>: </a:t>
+                </a:r>
+                <a14:m>
+                  <m:oMath xmlns:m="http://schemas.openxmlformats.org/officeDocument/2006/math">
+                    <m:r>
+                      <a:rPr lang="pt-BR" sz="1600" i="1" dirty="0" smtClean="0">
+                        <a:latin typeface="Cambria Math" panose="02040503050406030204" pitchFamily="18" charset="0"/>
+                      </a:rPr>
+                      <m:t>𝑁</m:t>
+                    </m:r>
+                    <m:r>
+                      <a:rPr lang="pt-BR" sz="1600" i="1" dirty="0" smtClean="0">
+                        <a:latin typeface="Cambria Math" panose="02040503050406030204" pitchFamily="18" charset="0"/>
+                      </a:rPr>
+                      <m:t>−1</m:t>
+                    </m:r>
+                  </m:oMath>
+                </a14:m>
+                <a:r>
+                  <a:rPr lang="pt-BR" b="1" dirty="0"/>
+                  <a:t>.  </a:t>
+                </a:r>
+              </a:p>
+            </p:txBody>
+          </p:sp>
+        </mc:Choice>
+        <mc:Fallback xmlns="">
+          <p:sp>
+            <p:nvSpPr>
+              <p:cNvPr id="26" name="TextBox 25">
+                <a:extLst>
+                  <a:ext uri="{FF2B5EF4-FFF2-40B4-BE49-F238E27FC236}">
+                    <a16:creationId xmlns:a16="http://schemas.microsoft.com/office/drawing/2014/main" id="{D8CFED75-F64F-4D6F-C1CC-20FEB51E105F}"/>
+                  </a:ext>
+                </a:extLst>
+              </p:cNvPr>
+              <p:cNvSpPr txBox="1">
+                <a:spLocks noRot="1" noChangeAspect="1" noMove="1" noResize="1" noEditPoints="1" noAdjustHandles="1" noChangeArrowheads="1" noChangeShapeType="1" noTextEdit="1"/>
+              </p:cNvSpPr>
+              <p:nvPr/>
+            </p:nvSpPr>
+            <p:spPr>
+              <a:xfrm>
+                <a:off x="1428506" y="631691"/>
+                <a:ext cx="8186122" cy="332912"/>
+              </a:xfrm>
+              <a:prstGeom prst="rect">
+                <a:avLst/>
+              </a:prstGeom>
+              <a:blipFill>
+                <a:blip r:embed="rId9"/>
+                <a:stretch>
+                  <a:fillRect l="-223" b="-18519"/>
+                </a:stretch>
+              </a:blipFill>
+            </p:spPr>
+            <p:txBody>
+              <a:bodyPr/>
+              <a:lstStyle/>
+              <a:p>
+                <a:r>
+                  <a:rPr lang="pt-BR">
+                    <a:noFill/>
+                  </a:rPr>
+                  <a:t> </a:t>
+                </a:r>
+              </a:p>
+            </p:txBody>
+          </p:sp>
+        </mc:Fallback>
+      </mc:AlternateContent>
+    </p:spTree>
+    <p:extLst>
+      <p:ext uri="{BB962C8B-B14F-4D97-AF65-F5344CB8AC3E}">
+        <p14:creationId xmlns:p14="http://schemas.microsoft.com/office/powerpoint/2010/main" val="2929368403"/>
+      </p:ext>
+    </p:extLst>
+  </p:cSld>
+  <p:clrMapOvr>
+    <a:masterClrMapping/>
+  </p:clrMapOvr>
+</p:sld>
+</file>
+
+<file path=ppt/slides/slide25.xml><?xml version="1.0" encoding="utf-8"?>
+<p:sld xmlns:a="http://schemas.openxmlformats.org/drawingml/2006/main" xmlns:r="http://schemas.openxmlformats.org/officeDocument/2006/relationships" xmlns:p="http://schemas.openxmlformats.org/presentationml/2006/main">
+  <p:cSld>
+    <p:spTree>
+      <p:nvGrpSpPr>
+        <p:cNvPr id="1" name=""/>
+        <p:cNvGrpSpPr/>
+        <p:nvPr/>
+      </p:nvGrpSpPr>
+      <p:grpSpPr>
+        <a:xfrm>
+          <a:off x="0" y="0"/>
+          <a:ext cx="0" cy="0"/>
+          <a:chOff x="0" y="0"/>
+          <a:chExt cx="0" cy="0"/>
+        </a:xfrm>
+      </p:grpSpPr>
+      <p:sp>
+        <p:nvSpPr>
+          <p:cNvPr id="4" name="Slide Number Placeholder 3">
+            <a:extLst>
+              <a:ext uri="{FF2B5EF4-FFF2-40B4-BE49-F238E27FC236}">
+                <a16:creationId xmlns:a16="http://schemas.microsoft.com/office/drawing/2014/main" id="{DD6D8166-12CE-09CD-18CF-427B82E9A196}"/>
+              </a:ext>
+            </a:extLst>
+          </p:cNvPr>
+          <p:cNvSpPr>
+            <a:spLocks noGrp="1" noRot="1" noMove="1" noResize="1" noEditPoints="1" noAdjustHandles="1" noChangeArrowheads="1" noChangeShapeType="1"/>
+          </p:cNvSpPr>
+          <p:nvPr>
+            <p:ph type="sldNum" idx="12"/>
+          </p:nvPr>
+        </p:nvSpPr>
+        <p:spPr/>
+        <p:txBody>
+          <a:bodyPr/>
+          <a:lstStyle/>
+          <a:p>
+            <a:pPr marL="0" lvl="0" indent="0" algn="r" rtl="0">
+              <a:spcBef>
+                <a:spcPts val="0"/>
+              </a:spcBef>
+              <a:spcAft>
+                <a:spcPts val="0"/>
+              </a:spcAft>
+              <a:buNone/>
+            </a:pPr>
+            <a:fld id="{00000000-1234-1234-1234-123412341234}" type="slidenum">
+              <a:rPr lang="pt-BR" smtClean="0"/>
+              <a:t>25</a:t>
+            </a:fld>
+            <a:endParaRPr lang="pt-BR" dirty="0"/>
+          </a:p>
+        </p:txBody>
+      </p:sp>
+      <p:sp>
+        <p:nvSpPr>
+          <p:cNvPr id="11" name="Google Shape;395;p45">
+            <a:extLst>
+              <a:ext uri="{FF2B5EF4-FFF2-40B4-BE49-F238E27FC236}">
+                <a16:creationId xmlns:a16="http://schemas.microsoft.com/office/drawing/2014/main" id="{5097425B-F07C-BEF9-9436-BDE5F00B62EE}"/>
+              </a:ext>
+            </a:extLst>
+          </p:cNvPr>
+          <p:cNvSpPr txBox="1">
+            <a:spLocks/>
+          </p:cNvSpPr>
+          <p:nvPr/>
+        </p:nvSpPr>
+        <p:spPr>
+          <a:xfrm>
+            <a:off x="0" y="0"/>
+            <a:ext cx="8832300" cy="575700"/>
+          </a:xfrm>
+          <a:prstGeom prst="rect">
+            <a:avLst/>
+          </a:prstGeom>
+          <a:noFill/>
+          <a:ln>
+            <a:noFill/>
+          </a:ln>
+        </p:spPr>
+        <p:txBody>
+          <a:bodyPr spcFirstLastPara="1" wrap="square" lIns="91425" tIns="91425" rIns="91425" bIns="91425" anchor="b" anchorCtr="0">
+            <a:normAutofit fontScale="97500"/>
+          </a:bodyPr>
+          <a:lstStyle>
+            <a:defPPr marR="0" lvl="0" algn="l" rtl="0">
+              <a:lnSpc>
+                <a:spcPct val="100000"/>
+              </a:lnSpc>
+              <a:spcBef>
+                <a:spcPts val="0"/>
+              </a:spcBef>
+              <a:spcAft>
+                <a:spcPts val="0"/>
+              </a:spcAft>
+            </a:defPPr>
+            <a:lvl1pPr marR="0" lvl="0" algn="l" rtl="0">
+              <a:lnSpc>
+                <a:spcPct val="100000"/>
+              </a:lnSpc>
+              <a:spcBef>
+                <a:spcPts val="0"/>
+              </a:spcBef>
+              <a:spcAft>
+                <a:spcPts val="0"/>
+              </a:spcAft>
+              <a:buClr>
+                <a:schemeClr val="dk1"/>
+              </a:buClr>
+              <a:buSzPts val="2800"/>
+              <a:buFont typeface="Arial"/>
+              <a:buNone/>
+              <a:defRPr sz="2800" b="0" i="0" u="none" strike="noStrike" cap="none">
+                <a:solidFill>
+                  <a:schemeClr val="dk1"/>
+                </a:solidFill>
+                <a:latin typeface="Arial"/>
+                <a:ea typeface="Arial"/>
+                <a:cs typeface="Arial"/>
+                <a:sym typeface="Arial"/>
+              </a:defRPr>
+            </a:lvl1pPr>
+            <a:lvl2pPr marR="0" lvl="1" algn="l" rtl="0">
+              <a:lnSpc>
+                <a:spcPct val="100000"/>
+              </a:lnSpc>
+              <a:spcBef>
+                <a:spcPts val="0"/>
+              </a:spcBef>
+              <a:spcAft>
+                <a:spcPts val="0"/>
+              </a:spcAft>
+              <a:buClr>
+                <a:schemeClr val="dk1"/>
+              </a:buClr>
+              <a:buSzPts val="2800"/>
+              <a:buFont typeface="Arial"/>
+              <a:buNone/>
+              <a:defRPr sz="2800" b="0" i="0" u="none" strike="noStrike" cap="none">
+                <a:solidFill>
+                  <a:schemeClr val="dk1"/>
+                </a:solidFill>
+                <a:latin typeface="Arial"/>
+                <a:ea typeface="Arial"/>
+                <a:cs typeface="Arial"/>
+                <a:sym typeface="Arial"/>
+              </a:defRPr>
+            </a:lvl2pPr>
+            <a:lvl3pPr marR="0" lvl="2" algn="l" rtl="0">
+              <a:lnSpc>
+                <a:spcPct val="100000"/>
+              </a:lnSpc>
+              <a:spcBef>
+                <a:spcPts val="0"/>
+              </a:spcBef>
+              <a:spcAft>
+                <a:spcPts val="0"/>
+              </a:spcAft>
+              <a:buClr>
+                <a:schemeClr val="dk1"/>
+              </a:buClr>
+              <a:buSzPts val="2800"/>
+              <a:buFont typeface="Arial"/>
+              <a:buNone/>
+              <a:defRPr sz="2800" b="0" i="0" u="none" strike="noStrike" cap="none">
+                <a:solidFill>
+                  <a:schemeClr val="dk1"/>
+                </a:solidFill>
+                <a:latin typeface="Arial"/>
+                <a:ea typeface="Arial"/>
+                <a:cs typeface="Arial"/>
+                <a:sym typeface="Arial"/>
+              </a:defRPr>
+            </a:lvl3pPr>
+            <a:lvl4pPr marR="0" lvl="3" algn="l" rtl="0">
+              <a:lnSpc>
+                <a:spcPct val="100000"/>
+              </a:lnSpc>
+              <a:spcBef>
+                <a:spcPts val="0"/>
+              </a:spcBef>
+              <a:spcAft>
+                <a:spcPts val="0"/>
+              </a:spcAft>
+              <a:buClr>
+                <a:schemeClr val="dk1"/>
+              </a:buClr>
+              <a:buSzPts val="2800"/>
+              <a:buFont typeface="Arial"/>
+              <a:buNone/>
+              <a:defRPr sz="2800" b="0" i="0" u="none" strike="noStrike" cap="none">
+                <a:solidFill>
+                  <a:schemeClr val="dk1"/>
+                </a:solidFill>
+                <a:latin typeface="Arial"/>
+                <a:ea typeface="Arial"/>
+                <a:cs typeface="Arial"/>
+                <a:sym typeface="Arial"/>
+              </a:defRPr>
+            </a:lvl4pPr>
+            <a:lvl5pPr marR="0" lvl="4" algn="l" rtl="0">
+              <a:lnSpc>
+                <a:spcPct val="100000"/>
+              </a:lnSpc>
+              <a:spcBef>
+                <a:spcPts val="0"/>
+              </a:spcBef>
+              <a:spcAft>
+                <a:spcPts val="0"/>
+              </a:spcAft>
+              <a:buClr>
+                <a:schemeClr val="dk1"/>
+              </a:buClr>
+              <a:buSzPts val="2800"/>
+              <a:buFont typeface="Arial"/>
+              <a:buNone/>
+              <a:defRPr sz="2800" b="0" i="0" u="none" strike="noStrike" cap="none">
+                <a:solidFill>
+                  <a:schemeClr val="dk1"/>
+                </a:solidFill>
+                <a:latin typeface="Arial"/>
+                <a:ea typeface="Arial"/>
+                <a:cs typeface="Arial"/>
+                <a:sym typeface="Arial"/>
+              </a:defRPr>
+            </a:lvl5pPr>
+            <a:lvl6pPr marR="0" lvl="5" algn="l" rtl="0">
+              <a:lnSpc>
+                <a:spcPct val="100000"/>
+              </a:lnSpc>
+              <a:spcBef>
+                <a:spcPts val="0"/>
+              </a:spcBef>
+              <a:spcAft>
+                <a:spcPts val="0"/>
+              </a:spcAft>
+              <a:buClr>
+                <a:schemeClr val="dk1"/>
+              </a:buClr>
+              <a:buSzPts val="2800"/>
+              <a:buFont typeface="Arial"/>
+              <a:buNone/>
+              <a:defRPr sz="2800" b="0" i="0" u="none" strike="noStrike" cap="none">
+                <a:solidFill>
+                  <a:schemeClr val="dk1"/>
+                </a:solidFill>
+                <a:latin typeface="Arial"/>
+                <a:ea typeface="Arial"/>
+                <a:cs typeface="Arial"/>
+                <a:sym typeface="Arial"/>
+              </a:defRPr>
+            </a:lvl6pPr>
+            <a:lvl7pPr marR="0" lvl="6" algn="l" rtl="0">
+              <a:lnSpc>
+                <a:spcPct val="100000"/>
+              </a:lnSpc>
+              <a:spcBef>
+                <a:spcPts val="0"/>
+              </a:spcBef>
+              <a:spcAft>
+                <a:spcPts val="0"/>
+              </a:spcAft>
+              <a:buClr>
+                <a:schemeClr val="dk1"/>
+              </a:buClr>
+              <a:buSzPts val="2800"/>
+              <a:buFont typeface="Arial"/>
+              <a:buNone/>
+              <a:defRPr sz="2800" b="0" i="0" u="none" strike="noStrike" cap="none">
+                <a:solidFill>
+                  <a:schemeClr val="dk1"/>
+                </a:solidFill>
+                <a:latin typeface="Arial"/>
+                <a:ea typeface="Arial"/>
+                <a:cs typeface="Arial"/>
+                <a:sym typeface="Arial"/>
+              </a:defRPr>
+            </a:lvl7pPr>
+            <a:lvl8pPr marR="0" lvl="7" algn="l" rtl="0">
+              <a:lnSpc>
+                <a:spcPct val="100000"/>
+              </a:lnSpc>
+              <a:spcBef>
+                <a:spcPts val="0"/>
+              </a:spcBef>
+              <a:spcAft>
+                <a:spcPts val="0"/>
+              </a:spcAft>
+              <a:buClr>
+                <a:schemeClr val="dk1"/>
+              </a:buClr>
+              <a:buSzPts val="2800"/>
+              <a:buFont typeface="Arial"/>
+              <a:buNone/>
+              <a:defRPr sz="2800" b="0" i="0" u="none" strike="noStrike" cap="none">
+                <a:solidFill>
+                  <a:schemeClr val="dk1"/>
+                </a:solidFill>
+                <a:latin typeface="Arial"/>
+                <a:ea typeface="Arial"/>
+                <a:cs typeface="Arial"/>
+                <a:sym typeface="Arial"/>
+              </a:defRPr>
+            </a:lvl8pPr>
+            <a:lvl9pPr marR="0" lvl="8" algn="l" rtl="0">
+              <a:lnSpc>
+                <a:spcPct val="100000"/>
+              </a:lnSpc>
+              <a:spcBef>
+                <a:spcPts val="0"/>
+              </a:spcBef>
+              <a:spcAft>
+                <a:spcPts val="0"/>
+              </a:spcAft>
+              <a:buClr>
+                <a:schemeClr val="dk1"/>
+              </a:buClr>
+              <a:buSzPts val="2800"/>
+              <a:buFont typeface="Arial"/>
+              <a:buNone/>
+              <a:defRPr sz="2800" b="0" i="0" u="none" strike="noStrike" cap="none">
+                <a:solidFill>
+                  <a:schemeClr val="dk1"/>
+                </a:solidFill>
+                <a:latin typeface="Arial"/>
+                <a:ea typeface="Arial"/>
+                <a:cs typeface="Arial"/>
+                <a:sym typeface="Arial"/>
+              </a:defRPr>
+            </a:lvl9pPr>
+          </a:lstStyle>
+          <a:p>
+            <a:endParaRPr lang="pt-BR" sz="2500" dirty="0">
+              <a:latin typeface="+mn-lt"/>
+            </a:endParaRPr>
+          </a:p>
+        </p:txBody>
+      </p:sp>
+      <p:sp>
+        <p:nvSpPr>
+          <p:cNvPr id="3" name="Google Shape;395;p45">
+            <a:extLst>
+              <a:ext uri="{FF2B5EF4-FFF2-40B4-BE49-F238E27FC236}">
+                <a16:creationId xmlns:a16="http://schemas.microsoft.com/office/drawing/2014/main" id="{92861520-C625-F208-001E-14FC0FCAB4F0}"/>
+              </a:ext>
+            </a:extLst>
+          </p:cNvPr>
+          <p:cNvSpPr txBox="1">
+            <a:spLocks/>
+          </p:cNvSpPr>
+          <p:nvPr/>
+        </p:nvSpPr>
+        <p:spPr>
+          <a:xfrm>
+            <a:off x="0" y="0"/>
+            <a:ext cx="8832300" cy="575700"/>
+          </a:xfrm>
+          <a:prstGeom prst="rect">
+            <a:avLst/>
+          </a:prstGeom>
+          <a:noFill/>
+          <a:ln>
+            <a:noFill/>
+          </a:ln>
+        </p:spPr>
+        <p:txBody>
+          <a:bodyPr spcFirstLastPara="1" wrap="square" lIns="91425" tIns="91425" rIns="91425" bIns="91425" anchor="b" anchorCtr="0">
+            <a:normAutofit fontScale="90000"/>
+          </a:bodyPr>
+          <a:lstStyle>
+            <a:defPPr marR="0" lvl="0" algn="l" rtl="0">
+              <a:lnSpc>
+                <a:spcPct val="100000"/>
+              </a:lnSpc>
+              <a:spcBef>
+                <a:spcPts val="0"/>
+              </a:spcBef>
+              <a:spcAft>
+                <a:spcPts val="0"/>
+              </a:spcAft>
+            </a:defPPr>
+            <a:lvl1pPr marR="0" lvl="0" algn="l" rtl="0">
+              <a:lnSpc>
+                <a:spcPct val="100000"/>
+              </a:lnSpc>
+              <a:spcBef>
+                <a:spcPts val="0"/>
+              </a:spcBef>
+              <a:spcAft>
+                <a:spcPts val="0"/>
+              </a:spcAft>
+              <a:buClr>
+                <a:schemeClr val="dk1"/>
+              </a:buClr>
+              <a:buSzPts val="2800"/>
+              <a:buFont typeface="Arial"/>
+              <a:buNone/>
+              <a:defRPr sz="2800" b="0" i="0" u="none" strike="noStrike" cap="none">
+                <a:solidFill>
+                  <a:schemeClr val="dk1"/>
+                </a:solidFill>
+                <a:latin typeface="Arial"/>
+                <a:ea typeface="Arial"/>
+                <a:cs typeface="Arial"/>
+                <a:sym typeface="Arial"/>
+              </a:defRPr>
+            </a:lvl1pPr>
+            <a:lvl2pPr marR="0" lvl="1" algn="l" rtl="0">
+              <a:lnSpc>
+                <a:spcPct val="100000"/>
+              </a:lnSpc>
+              <a:spcBef>
+                <a:spcPts val="0"/>
+              </a:spcBef>
+              <a:spcAft>
+                <a:spcPts val="0"/>
+              </a:spcAft>
+              <a:buClr>
+                <a:schemeClr val="dk1"/>
+              </a:buClr>
+              <a:buSzPts val="2800"/>
+              <a:buFont typeface="Arial"/>
+              <a:buNone/>
+              <a:defRPr sz="2800" b="0" i="0" u="none" strike="noStrike" cap="none">
+                <a:solidFill>
+                  <a:schemeClr val="dk1"/>
+                </a:solidFill>
+                <a:latin typeface="Arial"/>
+                <a:ea typeface="Arial"/>
+                <a:cs typeface="Arial"/>
+                <a:sym typeface="Arial"/>
+              </a:defRPr>
+            </a:lvl2pPr>
+            <a:lvl3pPr marR="0" lvl="2" algn="l" rtl="0">
+              <a:lnSpc>
+                <a:spcPct val="100000"/>
+              </a:lnSpc>
+              <a:spcBef>
+                <a:spcPts val="0"/>
+              </a:spcBef>
+              <a:spcAft>
+                <a:spcPts val="0"/>
+              </a:spcAft>
+              <a:buClr>
+                <a:schemeClr val="dk1"/>
+              </a:buClr>
+              <a:buSzPts val="2800"/>
+              <a:buFont typeface="Arial"/>
+              <a:buNone/>
+              <a:defRPr sz="2800" b="0" i="0" u="none" strike="noStrike" cap="none">
+                <a:solidFill>
+                  <a:schemeClr val="dk1"/>
+                </a:solidFill>
+                <a:latin typeface="Arial"/>
+                <a:ea typeface="Arial"/>
+                <a:cs typeface="Arial"/>
+                <a:sym typeface="Arial"/>
+              </a:defRPr>
+            </a:lvl3pPr>
+            <a:lvl4pPr marR="0" lvl="3" algn="l" rtl="0">
+              <a:lnSpc>
+                <a:spcPct val="100000"/>
+              </a:lnSpc>
+              <a:spcBef>
+                <a:spcPts val="0"/>
+              </a:spcBef>
+              <a:spcAft>
+                <a:spcPts val="0"/>
+              </a:spcAft>
+              <a:buClr>
+                <a:schemeClr val="dk1"/>
+              </a:buClr>
+              <a:buSzPts val="2800"/>
+              <a:buFont typeface="Arial"/>
+              <a:buNone/>
+              <a:defRPr sz="2800" b="0" i="0" u="none" strike="noStrike" cap="none">
+                <a:solidFill>
+                  <a:schemeClr val="dk1"/>
+                </a:solidFill>
+                <a:latin typeface="Arial"/>
+                <a:ea typeface="Arial"/>
+                <a:cs typeface="Arial"/>
+                <a:sym typeface="Arial"/>
+              </a:defRPr>
+            </a:lvl4pPr>
+            <a:lvl5pPr marR="0" lvl="4" algn="l" rtl="0">
+              <a:lnSpc>
+                <a:spcPct val="100000"/>
+              </a:lnSpc>
+              <a:spcBef>
+                <a:spcPts val="0"/>
+              </a:spcBef>
+              <a:spcAft>
+                <a:spcPts val="0"/>
+              </a:spcAft>
+              <a:buClr>
+                <a:schemeClr val="dk1"/>
+              </a:buClr>
+              <a:buSzPts val="2800"/>
+              <a:buFont typeface="Arial"/>
+              <a:buNone/>
+              <a:defRPr sz="2800" b="0" i="0" u="none" strike="noStrike" cap="none">
+                <a:solidFill>
+                  <a:schemeClr val="dk1"/>
+                </a:solidFill>
+                <a:latin typeface="Arial"/>
+                <a:ea typeface="Arial"/>
+                <a:cs typeface="Arial"/>
+                <a:sym typeface="Arial"/>
+              </a:defRPr>
+            </a:lvl5pPr>
+            <a:lvl6pPr marR="0" lvl="5" algn="l" rtl="0">
+              <a:lnSpc>
+                <a:spcPct val="100000"/>
+              </a:lnSpc>
+              <a:spcBef>
+                <a:spcPts val="0"/>
+              </a:spcBef>
+              <a:spcAft>
+                <a:spcPts val="0"/>
+              </a:spcAft>
+              <a:buClr>
+                <a:schemeClr val="dk1"/>
+              </a:buClr>
+              <a:buSzPts val="2800"/>
+              <a:buFont typeface="Arial"/>
+              <a:buNone/>
+              <a:defRPr sz="2800" b="0" i="0" u="none" strike="noStrike" cap="none">
+                <a:solidFill>
+                  <a:schemeClr val="dk1"/>
+                </a:solidFill>
+                <a:latin typeface="Arial"/>
+                <a:ea typeface="Arial"/>
+                <a:cs typeface="Arial"/>
+                <a:sym typeface="Arial"/>
+              </a:defRPr>
+            </a:lvl6pPr>
+            <a:lvl7pPr marR="0" lvl="6" algn="l" rtl="0">
+              <a:lnSpc>
+                <a:spcPct val="100000"/>
+              </a:lnSpc>
+              <a:spcBef>
+                <a:spcPts val="0"/>
+              </a:spcBef>
+              <a:spcAft>
+                <a:spcPts val="0"/>
+              </a:spcAft>
+              <a:buClr>
+                <a:schemeClr val="dk1"/>
+              </a:buClr>
+              <a:buSzPts val="2800"/>
+              <a:buFont typeface="Arial"/>
+              <a:buNone/>
+              <a:defRPr sz="2800" b="0" i="0" u="none" strike="noStrike" cap="none">
+                <a:solidFill>
+                  <a:schemeClr val="dk1"/>
+                </a:solidFill>
+                <a:latin typeface="Arial"/>
+                <a:ea typeface="Arial"/>
+                <a:cs typeface="Arial"/>
+                <a:sym typeface="Arial"/>
+              </a:defRPr>
+            </a:lvl7pPr>
+            <a:lvl8pPr marR="0" lvl="7" algn="l" rtl="0">
+              <a:lnSpc>
+                <a:spcPct val="100000"/>
+              </a:lnSpc>
+              <a:spcBef>
+                <a:spcPts val="0"/>
+              </a:spcBef>
+              <a:spcAft>
+                <a:spcPts val="0"/>
+              </a:spcAft>
+              <a:buClr>
+                <a:schemeClr val="dk1"/>
+              </a:buClr>
+              <a:buSzPts val="2800"/>
+              <a:buFont typeface="Arial"/>
+              <a:buNone/>
+              <a:defRPr sz="2800" b="0" i="0" u="none" strike="noStrike" cap="none">
+                <a:solidFill>
+                  <a:schemeClr val="dk1"/>
+                </a:solidFill>
+                <a:latin typeface="Arial"/>
+                <a:ea typeface="Arial"/>
+                <a:cs typeface="Arial"/>
+                <a:sym typeface="Arial"/>
+              </a:defRPr>
+            </a:lvl8pPr>
+            <a:lvl9pPr marR="0" lvl="8" algn="l" rtl="0">
+              <a:lnSpc>
+                <a:spcPct val="100000"/>
+              </a:lnSpc>
+              <a:spcBef>
+                <a:spcPts val="0"/>
+              </a:spcBef>
+              <a:spcAft>
+                <a:spcPts val="0"/>
+              </a:spcAft>
+              <a:buClr>
+                <a:schemeClr val="dk1"/>
+              </a:buClr>
+              <a:buSzPts val="2800"/>
+              <a:buFont typeface="Arial"/>
+              <a:buNone/>
+              <a:defRPr sz="2800" b="0" i="0" u="none" strike="noStrike" cap="none">
+                <a:solidFill>
+                  <a:schemeClr val="dk1"/>
+                </a:solidFill>
+                <a:latin typeface="Arial"/>
+                <a:ea typeface="Arial"/>
+                <a:cs typeface="Arial"/>
+                <a:sym typeface="Arial"/>
+              </a:defRPr>
+            </a:lvl9pPr>
+          </a:lstStyle>
+          <a:p>
+            <a:r>
+              <a:rPr lang="pt-BR" sz="2500" dirty="0">
+                <a:latin typeface="+mn-lt"/>
+              </a:rPr>
+              <a:t>Comparação entre modelos NN: Equação característica e splitters </a:t>
+            </a:r>
+          </a:p>
+        </p:txBody>
+      </p:sp>
+      <mc:AlternateContent xmlns:mc="http://schemas.openxmlformats.org/markup-compatibility/2006" xmlns:a14="http://schemas.microsoft.com/office/drawing/2010/main">
+        <mc:Choice Requires="a14">
+          <p:sp>
+            <p:nvSpPr>
+              <p:cNvPr id="40" name="TextBox 39">
+                <a:extLst>
+                  <a:ext uri="{FF2B5EF4-FFF2-40B4-BE49-F238E27FC236}">
+                    <a16:creationId xmlns:a16="http://schemas.microsoft.com/office/drawing/2014/main" id="{FB36BB8F-C2E1-760A-8EC0-A23B7C597D4E}"/>
+                  </a:ext>
+                </a:extLst>
+              </p:cNvPr>
+              <p:cNvSpPr txBox="1"/>
+              <p:nvPr/>
+            </p:nvSpPr>
+            <p:spPr>
+              <a:xfrm>
+                <a:off x="470665" y="646961"/>
+                <a:ext cx="8132315" cy="738664"/>
+              </a:xfrm>
+              <a:prstGeom prst="rect">
+                <a:avLst/>
+              </a:prstGeom>
+              <a:noFill/>
+            </p:spPr>
+            <p:txBody>
+              <a:bodyPr wrap="square" rtlCol="0">
+                <a:spAutoFit/>
+              </a:bodyPr>
+              <a:lstStyle/>
+              <a:p>
+                <a:pPr algn="just"/>
+                <a:r>
+                  <a:rPr lang="pt-BR" dirty="0"/>
+                  <a:t>No modelo em série, para cada ramo, há um atraso </a:t>
+                </a:r>
+                <a14:m>
+                  <m:oMath xmlns:m="http://schemas.openxmlformats.org/officeDocument/2006/math">
+                    <m:sSub>
+                      <m:sSubPr>
+                        <m:ctrlPr>
+                          <a:rPr lang="pt-BR" i="1">
+                            <a:latin typeface="Cambria Math" panose="02040503050406030204" pitchFamily="18" charset="0"/>
+                            <a:ea typeface="Cambria Math" panose="02040503050406030204" pitchFamily="18" charset="0"/>
+                          </a:rPr>
+                        </m:ctrlPr>
+                      </m:sSubPr>
+                      <m:e>
+                        <m:r>
+                          <a:rPr lang="pt-BR" i="1">
+                            <a:latin typeface="Cambria Math" panose="02040503050406030204" pitchFamily="18" charset="0"/>
+                            <a:ea typeface="Cambria Math" panose="02040503050406030204" pitchFamily="18" charset="0"/>
+                          </a:rPr>
+                          <m:t>𝜙</m:t>
+                        </m:r>
+                      </m:e>
+                      <m:sub>
+                        <m:r>
+                          <a:rPr lang="pt-BR" i="1">
+                            <a:latin typeface="Cambria Math" panose="02040503050406030204" pitchFamily="18" charset="0"/>
+                            <a:ea typeface="Cambria Math" panose="02040503050406030204" pitchFamily="18" charset="0"/>
+                          </a:rPr>
+                          <m:t>𝑆𝑖</m:t>
+                        </m:r>
+                      </m:sub>
+                    </m:sSub>
+                  </m:oMath>
+                </a14:m>
+                <a:r>
+                  <a:rPr lang="pt-BR" dirty="0"/>
+                  <a:t> associado. Devido à inerência do atraso causado pelos componentes do MZI (representado por </a:t>
+                </a:r>
+                <a14:m>
+                  <m:oMath xmlns:m="http://schemas.openxmlformats.org/officeDocument/2006/math">
+                    <m:r>
+                      <m:rPr>
+                        <m:sty m:val="p"/>
+                      </m:rPr>
+                      <a:rPr lang="el-GR" i="1" smtClean="0">
+                        <a:latin typeface="Cambria Math" panose="02040503050406030204" pitchFamily="18" charset="0"/>
+                        <a:ea typeface="Cambria Math" panose="02040503050406030204" pitchFamily="18" charset="0"/>
+                      </a:rPr>
+                      <m:t>Δ</m:t>
+                    </m:r>
+                  </m:oMath>
+                </a14:m>
+                <a:r>
+                  <a:rPr lang="pt-BR" dirty="0"/>
+                  <a:t>). Se considerarmos cada MZI com o mesmo </a:t>
+                </a:r>
+                <a14:m>
+                  <m:oMath xmlns:m="http://schemas.openxmlformats.org/officeDocument/2006/math">
+                    <m:r>
+                      <m:rPr>
+                        <m:sty m:val="p"/>
+                      </m:rPr>
+                      <a:rPr lang="el-GR" i="1" smtClean="0">
+                        <a:latin typeface="Cambria Math" panose="02040503050406030204" pitchFamily="18" charset="0"/>
+                        <a:ea typeface="Cambria Math" panose="02040503050406030204" pitchFamily="18" charset="0"/>
+                      </a:rPr>
+                      <m:t>Δ</m:t>
+                    </m:r>
+                  </m:oMath>
+                </a14:m>
+                <a:r>
+                  <a:rPr lang="pt-BR" dirty="0"/>
+                  <a:t> tem-se:</a:t>
+                </a:r>
+              </a:p>
+            </p:txBody>
+          </p:sp>
+        </mc:Choice>
+        <mc:Fallback xmlns="">
+          <p:sp>
+            <p:nvSpPr>
+              <p:cNvPr id="40" name="TextBox 39">
+                <a:extLst>
+                  <a:ext uri="{FF2B5EF4-FFF2-40B4-BE49-F238E27FC236}">
+                    <a16:creationId xmlns:a16="http://schemas.microsoft.com/office/drawing/2014/main" id="{FB36BB8F-C2E1-760A-8EC0-A23B7C597D4E}"/>
+                  </a:ext>
+                </a:extLst>
+              </p:cNvPr>
+              <p:cNvSpPr txBox="1">
+                <a:spLocks noRot="1" noChangeAspect="1" noMove="1" noResize="1" noEditPoints="1" noAdjustHandles="1" noChangeArrowheads="1" noChangeShapeType="1" noTextEdit="1"/>
+              </p:cNvSpPr>
+              <p:nvPr/>
+            </p:nvSpPr>
+            <p:spPr>
+              <a:xfrm>
+                <a:off x="470665" y="646961"/>
+                <a:ext cx="8132315" cy="738664"/>
+              </a:xfrm>
+              <a:prstGeom prst="rect">
+                <a:avLst/>
+              </a:prstGeom>
+              <a:blipFill>
+                <a:blip r:embed="rId2"/>
+                <a:stretch>
+                  <a:fillRect l="-225" t="-1653" r="-225" b="-8264"/>
+                </a:stretch>
+              </a:blipFill>
+            </p:spPr>
+            <p:txBody>
+              <a:bodyPr/>
+              <a:lstStyle/>
+              <a:p>
+                <a:r>
+                  <a:rPr lang="pt-BR">
+                    <a:noFill/>
+                  </a:rPr>
+                  <a:t> </a:t>
+                </a:r>
+              </a:p>
+            </p:txBody>
+          </p:sp>
+        </mc:Fallback>
+      </mc:AlternateContent>
+      <p:pic>
+        <p:nvPicPr>
+          <p:cNvPr id="43" name="Picture 42">
+            <a:extLst>
+              <a:ext uri="{FF2B5EF4-FFF2-40B4-BE49-F238E27FC236}">
+                <a16:creationId xmlns:a16="http://schemas.microsoft.com/office/drawing/2014/main" id="{A9861DBD-CDF0-6A5C-1124-E372A77DC4ED}"/>
+              </a:ext>
+            </a:extLst>
+          </p:cNvPr>
+          <p:cNvPicPr>
+            <a:picLocks noChangeAspect="1"/>
+          </p:cNvPicPr>
+          <p:nvPr/>
+        </p:nvPicPr>
+        <p:blipFill>
+          <a:blip r:embed="rId3"/>
+          <a:stretch>
+            <a:fillRect/>
+          </a:stretch>
+        </p:blipFill>
+        <p:spPr>
+          <a:xfrm>
+            <a:off x="4536822" y="1435293"/>
+            <a:ext cx="3812264" cy="660110"/>
+          </a:xfrm>
+          <a:prstGeom prst="rect">
+            <a:avLst/>
+          </a:prstGeom>
+        </p:spPr>
+      </p:pic>
+      <mc:AlternateContent xmlns:mc="http://schemas.openxmlformats.org/markup-compatibility/2006" xmlns:a14="http://schemas.microsoft.com/office/drawing/2010/main">
+        <mc:Choice Requires="a14">
+          <p:sp>
+            <p:nvSpPr>
+              <p:cNvPr id="55" name="TextBox 54">
+                <a:extLst>
+                  <a:ext uri="{FF2B5EF4-FFF2-40B4-BE49-F238E27FC236}">
+                    <a16:creationId xmlns:a16="http://schemas.microsoft.com/office/drawing/2014/main" id="{7AE35B9D-53E0-02D7-CFBB-569E4BA089F8}"/>
+                  </a:ext>
+                </a:extLst>
+              </p:cNvPr>
+              <p:cNvSpPr txBox="1"/>
+              <p:nvPr/>
+            </p:nvSpPr>
+            <p:spPr>
+              <a:xfrm>
+                <a:off x="505842" y="2174151"/>
+                <a:ext cx="8132315" cy="738664"/>
+              </a:xfrm>
+              <a:prstGeom prst="rect">
+                <a:avLst/>
+              </a:prstGeom>
+              <a:noFill/>
+            </p:spPr>
+            <p:txBody>
+              <a:bodyPr wrap="square" rtlCol="0">
+                <a:spAutoFit/>
+              </a:bodyPr>
+              <a:lstStyle/>
+              <a:p>
+                <a:pPr algn="just"/>
+                <a:r>
+                  <a:rPr lang="pt-BR" dirty="0"/>
+                  <a:t>Para compensar isso sugere-se inserir algum nível DC nos pesos de cada ramo da rede neural, de forma que em cada ramo, com todos os pesos </a:t>
+                </a:r>
+                <a14:m>
+                  <m:oMath xmlns:m="http://schemas.openxmlformats.org/officeDocument/2006/math">
+                    <m:sSub>
+                      <m:sSubPr>
+                        <m:ctrlPr>
+                          <a:rPr lang="pt-BR" i="1" smtClean="0">
+                            <a:latin typeface="Cambria Math" panose="02040503050406030204" pitchFamily="18" charset="0"/>
+                          </a:rPr>
+                        </m:ctrlPr>
+                      </m:sSubPr>
+                      <m:e>
+                        <m:r>
+                          <a:rPr lang="pt-BR" i="1" smtClean="0">
+                            <a:latin typeface="Cambria Math" panose="02040503050406030204" pitchFamily="18" charset="0"/>
+                            <a:ea typeface="Cambria Math" panose="02040503050406030204" pitchFamily="18" charset="0"/>
+                          </a:rPr>
+                          <m:t>𝜙</m:t>
+                        </m:r>
+                      </m:e>
+                      <m:sub>
+                        <m:r>
+                          <a:rPr lang="pt-BR" b="0" i="1" smtClean="0">
+                            <a:latin typeface="Cambria Math" panose="02040503050406030204" pitchFamily="18" charset="0"/>
+                          </a:rPr>
+                          <m:t>𝑖</m:t>
+                        </m:r>
+                      </m:sub>
+                    </m:sSub>
+                  </m:oMath>
+                </a14:m>
+                <a:r>
+                  <a:rPr lang="pt-BR" dirty="0"/>
+                  <a:t> de fase nulos, o atraso final seja o mesmo. Ou seja:</a:t>
+                </a:r>
+              </a:p>
+            </p:txBody>
+          </p:sp>
+        </mc:Choice>
+        <mc:Fallback xmlns="">
+          <p:sp>
+            <p:nvSpPr>
+              <p:cNvPr id="55" name="TextBox 54">
+                <a:extLst>
+                  <a:ext uri="{FF2B5EF4-FFF2-40B4-BE49-F238E27FC236}">
+                    <a16:creationId xmlns:a16="http://schemas.microsoft.com/office/drawing/2014/main" id="{7AE35B9D-53E0-02D7-CFBB-569E4BA089F8}"/>
+                  </a:ext>
+                </a:extLst>
+              </p:cNvPr>
+              <p:cNvSpPr txBox="1">
+                <a:spLocks noRot="1" noChangeAspect="1" noMove="1" noResize="1" noEditPoints="1" noAdjustHandles="1" noChangeArrowheads="1" noChangeShapeType="1" noTextEdit="1"/>
+              </p:cNvSpPr>
+              <p:nvPr/>
+            </p:nvSpPr>
+            <p:spPr>
+              <a:xfrm>
+                <a:off x="505842" y="2174151"/>
+                <a:ext cx="8132315" cy="738664"/>
+              </a:xfrm>
+              <a:prstGeom prst="rect">
+                <a:avLst/>
+              </a:prstGeom>
+              <a:blipFill>
+                <a:blip r:embed="rId4"/>
+                <a:stretch>
+                  <a:fillRect l="-225" t="-1653" r="-225" b="-7438"/>
+                </a:stretch>
+              </a:blipFill>
+            </p:spPr>
+            <p:txBody>
+              <a:bodyPr/>
+              <a:lstStyle/>
+              <a:p>
+                <a:r>
+                  <a:rPr lang="pt-BR">
+                    <a:noFill/>
+                  </a:rPr>
+                  <a:t> </a:t>
+                </a:r>
+              </a:p>
+            </p:txBody>
+          </p:sp>
+        </mc:Fallback>
+      </mc:AlternateContent>
+      <p:pic>
+        <p:nvPicPr>
+          <p:cNvPr id="57" name="Picture 56">
+            <a:extLst>
+              <a:ext uri="{FF2B5EF4-FFF2-40B4-BE49-F238E27FC236}">
+                <a16:creationId xmlns:a16="http://schemas.microsoft.com/office/drawing/2014/main" id="{8F7F7FE7-0101-7F0C-BB00-8B1DCD2265E4}"/>
+              </a:ext>
+            </a:extLst>
+          </p:cNvPr>
+          <p:cNvPicPr>
+            <a:picLocks noChangeAspect="1"/>
+          </p:cNvPicPr>
+          <p:nvPr/>
+        </p:nvPicPr>
+        <p:blipFill>
+          <a:blip r:embed="rId5"/>
+          <a:stretch>
+            <a:fillRect/>
+          </a:stretch>
+        </p:blipFill>
+        <p:spPr>
+          <a:xfrm>
+            <a:off x="2314455" y="3049692"/>
+            <a:ext cx="4667490" cy="361969"/>
+          </a:xfrm>
+          <a:prstGeom prst="rect">
+            <a:avLst/>
+          </a:prstGeom>
+        </p:spPr>
+      </p:pic>
+      <p:sp>
+        <p:nvSpPr>
+          <p:cNvPr id="58" name="TextBox 57">
+            <a:extLst>
+              <a:ext uri="{FF2B5EF4-FFF2-40B4-BE49-F238E27FC236}">
+                <a16:creationId xmlns:a16="http://schemas.microsoft.com/office/drawing/2014/main" id="{B2F63088-40E1-8316-94C1-52812E9A87F0}"/>
+              </a:ext>
+            </a:extLst>
+          </p:cNvPr>
+          <p:cNvSpPr txBox="1"/>
+          <p:nvPr/>
+        </p:nvSpPr>
+        <p:spPr>
+          <a:xfrm>
+            <a:off x="505842" y="3592217"/>
+            <a:ext cx="8132315" cy="307777"/>
+          </a:xfrm>
+          <a:prstGeom prst="rect">
+            <a:avLst/>
+          </a:prstGeom>
+          <a:noFill/>
+        </p:spPr>
+        <p:txBody>
+          <a:bodyPr wrap="square" rtlCol="0">
+            <a:spAutoFit/>
+          </a:bodyPr>
+          <a:lstStyle/>
+          <a:p>
+            <a:pPr algn="just"/>
+            <a:r>
+              <a:rPr lang="pt-BR" dirty="0"/>
+              <a:t>De forma que, por fim, para o modelo em série:</a:t>
+            </a:r>
+          </a:p>
+        </p:txBody>
+      </p:sp>
+      <p:pic>
+        <p:nvPicPr>
+          <p:cNvPr id="60" name="Picture 59">
+            <a:extLst>
+              <a:ext uri="{FF2B5EF4-FFF2-40B4-BE49-F238E27FC236}">
+                <a16:creationId xmlns:a16="http://schemas.microsoft.com/office/drawing/2014/main" id="{9FB06D12-C19E-E7EA-6035-DB9C8DBFBA4A}"/>
+              </a:ext>
+            </a:extLst>
+          </p:cNvPr>
+          <p:cNvPicPr>
+            <a:picLocks noChangeAspect="1"/>
+          </p:cNvPicPr>
+          <p:nvPr/>
+        </p:nvPicPr>
+        <p:blipFill>
+          <a:blip r:embed="rId6"/>
+          <a:stretch>
+            <a:fillRect/>
+          </a:stretch>
+        </p:blipFill>
+        <p:spPr>
+          <a:xfrm>
+            <a:off x="1351246" y="1608429"/>
+            <a:ext cx="1320868" cy="342918"/>
+          </a:xfrm>
+          <a:prstGeom prst="rect">
+            <a:avLst/>
+          </a:prstGeom>
+        </p:spPr>
+      </p:pic>
+      <p:pic>
+        <p:nvPicPr>
+          <p:cNvPr id="62" name="Picture 61">
+            <a:extLst>
+              <a:ext uri="{FF2B5EF4-FFF2-40B4-BE49-F238E27FC236}">
+                <a16:creationId xmlns:a16="http://schemas.microsoft.com/office/drawing/2014/main" id="{53989AC7-816E-7CF9-396A-99F35BAD764E}"/>
+              </a:ext>
+            </a:extLst>
+          </p:cNvPr>
+          <p:cNvPicPr>
+            <a:picLocks noChangeAspect="1"/>
+          </p:cNvPicPr>
+          <p:nvPr/>
+        </p:nvPicPr>
+        <p:blipFill>
+          <a:blip r:embed="rId7"/>
+          <a:stretch>
+            <a:fillRect/>
+          </a:stretch>
+        </p:blipFill>
+        <p:spPr>
+          <a:xfrm>
+            <a:off x="2672114" y="4026921"/>
+            <a:ext cx="3990087" cy="830631"/>
+          </a:xfrm>
+          <a:prstGeom prst="rect">
+            <a:avLst/>
+          </a:prstGeom>
+        </p:spPr>
+      </p:pic>
+    </p:spTree>
+    <p:extLst>
+      <p:ext uri="{BB962C8B-B14F-4D97-AF65-F5344CB8AC3E}">
+        <p14:creationId xmlns:p14="http://schemas.microsoft.com/office/powerpoint/2010/main" val="3017889025"/>
       </p:ext>
     </p:extLst>
   </p:cSld>
